--- a/T3/Apresentação.pptx
+++ b/T3/Apresentação.pptx
@@ -5,7 +5,15 @@
     <p:sldMasterId id="2147483648" r:id="rId1"/>
   </p:sldMasterIdLst>
   <p:sldIdLst>
-    <p:sldId id="256" r:id="rId2"/>
+    <p:sldId id="256" r:id="rId3"/>
+    <p:sldId id="257" r:id="rId4"/>
+    <p:sldId id="258" r:id="rId5"/>
+    <p:sldId id="259" r:id="rId6"/>
+    <p:sldId id="260" r:id="rId7"/>
+    <p:sldId id="261" r:id="rId8"/>
+    <p:sldId id="262" r:id="rId9"/>
+    <p:sldId id="263" r:id="rId10"/>
+    <p:sldId id="264" r:id="rId11"/>
   </p:sldIdLst>
   <p:sldSz cx="9144000" cy="6858000" type="screen4x3"/>
   <p:notesSz cx="6858000" cy="9144000"/>
@@ -159,7 +167,7 @@
             <a:spLocks noGrp="1"/>
           </p:cNvSpPr>
           <p:nvPr>
-            <p:ph type="subTitle" idx="1"/>
+            <p:ph type="subTitle" idx="1" hasCustomPrompt="1"/>
           </p:nvPr>
         </p:nvSpPr>
         <p:spPr>
@@ -288,7 +296,6 @@
           <a:p>
             <a:fld id="{DEE43914-70EA-4168-AB30-E2BC3C1594F7}" type="datetimeFigureOut">
               <a:rPr lang="pt-BR" smtClean="0"/>
-              <a:t>25/11/2016</a:t>
             </a:fld>
             <a:endParaRPr lang="pt-BR"/>
           </a:p>
@@ -330,18 +337,12 @@
           <a:p>
             <a:fld id="{2DF3D61F-31C4-4D80-A265-411786E5EB5C}" type="slidenum">
               <a:rPr lang="pt-BR" smtClean="0"/>
-              <a:t>‹nº›</a:t>
             </a:fld>
             <a:endParaRPr lang="pt-BR"/>
           </a:p>
         </p:txBody>
       </p:sp>
     </p:spTree>
-    <p:extLst>
-      <p:ext uri="{BB962C8B-B14F-4D97-AF65-F5344CB8AC3E}">
-        <p14:creationId xmlns:p14="http://schemas.microsoft.com/office/powerpoint/2010/main" val="1060979566"/>
-      </p:ext>
-    </p:extLst>
   </p:cSld>
   <p:clrMapOvr>
     <a:masterClrMapping/>
@@ -396,7 +397,7 @@
             <a:spLocks noGrp="1"/>
           </p:cNvSpPr>
           <p:nvPr>
-            <p:ph type="body" orient="vert" idx="1"/>
+            <p:ph type="body" orient="vert" idx="1" hasCustomPrompt="1"/>
           </p:nvPr>
         </p:nvSpPr>
         <p:spPr/>
@@ -409,6 +410,7 @@
               <a:rPr lang="pt-BR" smtClean="0"/>
               <a:t>Clique para editar o texto mestre</a:t>
             </a:r>
+            <a:endParaRPr lang="pt-BR" smtClean="0"/>
           </a:p>
           <a:p>
             <a:pPr lvl="1"/>
@@ -416,6 +418,7 @@
               <a:rPr lang="pt-BR" smtClean="0"/>
               <a:t>Segundo nível</a:t>
             </a:r>
+            <a:endParaRPr lang="pt-BR" smtClean="0"/>
           </a:p>
           <a:p>
             <a:pPr lvl="2"/>
@@ -423,6 +426,7 @@
               <a:rPr lang="pt-BR" smtClean="0"/>
               <a:t>Terceiro nível</a:t>
             </a:r>
+            <a:endParaRPr lang="pt-BR" smtClean="0"/>
           </a:p>
           <a:p>
             <a:pPr lvl="3"/>
@@ -430,6 +434,7 @@
               <a:rPr lang="pt-BR" smtClean="0"/>
               <a:t>Quarto nível</a:t>
             </a:r>
+            <a:endParaRPr lang="pt-BR" smtClean="0"/>
           </a:p>
           <a:p>
             <a:pPr lvl="4"/>
@@ -458,7 +463,6 @@
           <a:p>
             <a:fld id="{DEE43914-70EA-4168-AB30-E2BC3C1594F7}" type="datetimeFigureOut">
               <a:rPr lang="pt-BR" smtClean="0"/>
-              <a:t>25/11/2016</a:t>
             </a:fld>
             <a:endParaRPr lang="pt-BR"/>
           </a:p>
@@ -500,18 +504,12 @@
           <a:p>
             <a:fld id="{2DF3D61F-31C4-4D80-A265-411786E5EB5C}" type="slidenum">
               <a:rPr lang="pt-BR" smtClean="0"/>
-              <a:t>‹nº›</a:t>
             </a:fld>
             <a:endParaRPr lang="pt-BR"/>
           </a:p>
         </p:txBody>
       </p:sp>
     </p:spTree>
-    <p:extLst>
-      <p:ext uri="{BB962C8B-B14F-4D97-AF65-F5344CB8AC3E}">
-        <p14:creationId xmlns:p14="http://schemas.microsoft.com/office/powerpoint/2010/main" val="126048371"/>
-      </p:ext>
-    </p:extLst>
   </p:cSld>
   <p:clrMapOvr>
     <a:masterClrMapping/>
@@ -571,7 +569,7 @@
             <a:spLocks noGrp="1"/>
           </p:cNvSpPr>
           <p:nvPr>
-            <p:ph type="body" orient="vert" idx="1"/>
+            <p:ph type="body" orient="vert" idx="1" hasCustomPrompt="1"/>
           </p:nvPr>
         </p:nvSpPr>
         <p:spPr>
@@ -589,6 +587,7 @@
               <a:rPr lang="pt-BR" smtClean="0"/>
               <a:t>Clique para editar o texto mestre</a:t>
             </a:r>
+            <a:endParaRPr lang="pt-BR" smtClean="0"/>
           </a:p>
           <a:p>
             <a:pPr lvl="1"/>
@@ -596,6 +595,7 @@
               <a:rPr lang="pt-BR" smtClean="0"/>
               <a:t>Segundo nível</a:t>
             </a:r>
+            <a:endParaRPr lang="pt-BR" smtClean="0"/>
           </a:p>
           <a:p>
             <a:pPr lvl="2"/>
@@ -603,6 +603,7 @@
               <a:rPr lang="pt-BR" smtClean="0"/>
               <a:t>Terceiro nível</a:t>
             </a:r>
+            <a:endParaRPr lang="pt-BR" smtClean="0"/>
           </a:p>
           <a:p>
             <a:pPr lvl="3"/>
@@ -610,6 +611,7 @@
               <a:rPr lang="pt-BR" smtClean="0"/>
               <a:t>Quarto nível</a:t>
             </a:r>
+            <a:endParaRPr lang="pt-BR" smtClean="0"/>
           </a:p>
           <a:p>
             <a:pPr lvl="4"/>
@@ -638,7 +640,6 @@
           <a:p>
             <a:fld id="{DEE43914-70EA-4168-AB30-E2BC3C1594F7}" type="datetimeFigureOut">
               <a:rPr lang="pt-BR" smtClean="0"/>
-              <a:t>25/11/2016</a:t>
             </a:fld>
             <a:endParaRPr lang="pt-BR"/>
           </a:p>
@@ -680,18 +681,12 @@
           <a:p>
             <a:fld id="{2DF3D61F-31C4-4D80-A265-411786E5EB5C}" type="slidenum">
               <a:rPr lang="pt-BR" smtClean="0"/>
-              <a:t>‹nº›</a:t>
             </a:fld>
             <a:endParaRPr lang="pt-BR"/>
           </a:p>
         </p:txBody>
       </p:sp>
     </p:spTree>
-    <p:extLst>
-      <p:ext uri="{BB962C8B-B14F-4D97-AF65-F5344CB8AC3E}">
-        <p14:creationId xmlns:p14="http://schemas.microsoft.com/office/powerpoint/2010/main" val="2353885794"/>
-      </p:ext>
-    </p:extLst>
   </p:cSld>
   <p:clrMapOvr>
     <a:masterClrMapping/>
@@ -746,7 +741,7 @@
             <a:spLocks noGrp="1"/>
           </p:cNvSpPr>
           <p:nvPr>
-            <p:ph idx="1"/>
+            <p:ph idx="1" hasCustomPrompt="1"/>
           </p:nvPr>
         </p:nvSpPr>
         <p:spPr/>
@@ -759,6 +754,7 @@
               <a:rPr lang="pt-BR" smtClean="0"/>
               <a:t>Clique para editar o texto mestre</a:t>
             </a:r>
+            <a:endParaRPr lang="pt-BR" smtClean="0"/>
           </a:p>
           <a:p>
             <a:pPr lvl="1"/>
@@ -766,6 +762,7 @@
               <a:rPr lang="pt-BR" smtClean="0"/>
               <a:t>Segundo nível</a:t>
             </a:r>
+            <a:endParaRPr lang="pt-BR" smtClean="0"/>
           </a:p>
           <a:p>
             <a:pPr lvl="2"/>
@@ -773,6 +770,7 @@
               <a:rPr lang="pt-BR" smtClean="0"/>
               <a:t>Terceiro nível</a:t>
             </a:r>
+            <a:endParaRPr lang="pt-BR" smtClean="0"/>
           </a:p>
           <a:p>
             <a:pPr lvl="3"/>
@@ -780,6 +778,7 @@
               <a:rPr lang="pt-BR" smtClean="0"/>
               <a:t>Quarto nível</a:t>
             </a:r>
+            <a:endParaRPr lang="pt-BR" smtClean="0"/>
           </a:p>
           <a:p>
             <a:pPr lvl="4"/>
@@ -808,7 +807,6 @@
           <a:p>
             <a:fld id="{DEE43914-70EA-4168-AB30-E2BC3C1594F7}" type="datetimeFigureOut">
               <a:rPr lang="pt-BR" smtClean="0"/>
-              <a:t>25/11/2016</a:t>
             </a:fld>
             <a:endParaRPr lang="pt-BR"/>
           </a:p>
@@ -850,18 +848,12 @@
           <a:p>
             <a:fld id="{2DF3D61F-31C4-4D80-A265-411786E5EB5C}" type="slidenum">
               <a:rPr lang="pt-BR" smtClean="0"/>
-              <a:t>‹nº›</a:t>
             </a:fld>
             <a:endParaRPr lang="pt-BR"/>
           </a:p>
         </p:txBody>
       </p:sp>
     </p:spTree>
-    <p:extLst>
-      <p:ext uri="{BB962C8B-B14F-4D97-AF65-F5344CB8AC3E}">
-        <p14:creationId xmlns:p14="http://schemas.microsoft.com/office/powerpoint/2010/main" val="1148967926"/>
-      </p:ext>
-    </p:extLst>
   </p:cSld>
   <p:clrMapOvr>
     <a:masterClrMapping/>
@@ -925,7 +917,7 @@
             <a:spLocks noGrp="1"/>
           </p:cNvSpPr>
           <p:nvPr>
-            <p:ph type="body" idx="1"/>
+            <p:ph type="body" idx="1" hasCustomPrompt="1"/>
           </p:nvPr>
         </p:nvSpPr>
         <p:spPr>
@@ -1054,7 +1046,6 @@
           <a:p>
             <a:fld id="{DEE43914-70EA-4168-AB30-E2BC3C1594F7}" type="datetimeFigureOut">
               <a:rPr lang="pt-BR" smtClean="0"/>
-              <a:t>25/11/2016</a:t>
             </a:fld>
             <a:endParaRPr lang="pt-BR"/>
           </a:p>
@@ -1096,18 +1087,12 @@
           <a:p>
             <a:fld id="{2DF3D61F-31C4-4D80-A265-411786E5EB5C}" type="slidenum">
               <a:rPr lang="pt-BR" smtClean="0"/>
-              <a:t>‹nº›</a:t>
             </a:fld>
             <a:endParaRPr lang="pt-BR"/>
           </a:p>
         </p:txBody>
       </p:sp>
     </p:spTree>
-    <p:extLst>
-      <p:ext uri="{BB962C8B-B14F-4D97-AF65-F5344CB8AC3E}">
-        <p14:creationId xmlns:p14="http://schemas.microsoft.com/office/powerpoint/2010/main" val="106528938"/>
-      </p:ext>
-    </p:extLst>
   </p:cSld>
   <p:clrMapOvr>
     <a:masterClrMapping/>
@@ -1162,7 +1147,7 @@
             <a:spLocks noGrp="1"/>
           </p:cNvSpPr>
           <p:nvPr>
-            <p:ph sz="half" idx="1"/>
+            <p:ph sz="half" idx="1" hasCustomPrompt="1"/>
           </p:nvPr>
         </p:nvSpPr>
         <p:spPr>
@@ -1208,6 +1193,7 @@
               <a:rPr lang="pt-BR" smtClean="0"/>
               <a:t>Clique para editar o texto mestre</a:t>
             </a:r>
+            <a:endParaRPr lang="pt-BR" smtClean="0"/>
           </a:p>
           <a:p>
             <a:pPr lvl="1"/>
@@ -1215,6 +1201,7 @@
               <a:rPr lang="pt-BR" smtClean="0"/>
               <a:t>Segundo nível</a:t>
             </a:r>
+            <a:endParaRPr lang="pt-BR" smtClean="0"/>
           </a:p>
           <a:p>
             <a:pPr lvl="2"/>
@@ -1222,6 +1209,7 @@
               <a:rPr lang="pt-BR" smtClean="0"/>
               <a:t>Terceiro nível</a:t>
             </a:r>
+            <a:endParaRPr lang="pt-BR" smtClean="0"/>
           </a:p>
           <a:p>
             <a:pPr lvl="3"/>
@@ -1229,6 +1217,7 @@
               <a:rPr lang="pt-BR" smtClean="0"/>
               <a:t>Quarto nível</a:t>
             </a:r>
+            <a:endParaRPr lang="pt-BR" smtClean="0"/>
           </a:p>
           <a:p>
             <a:pPr lvl="4"/>
@@ -1247,7 +1236,7 @@
             <a:spLocks noGrp="1"/>
           </p:cNvSpPr>
           <p:nvPr>
-            <p:ph sz="half" idx="2"/>
+            <p:ph sz="half" idx="2" hasCustomPrompt="1"/>
           </p:nvPr>
         </p:nvSpPr>
         <p:spPr>
@@ -1293,6 +1282,7 @@
               <a:rPr lang="pt-BR" smtClean="0"/>
               <a:t>Clique para editar o texto mestre</a:t>
             </a:r>
+            <a:endParaRPr lang="pt-BR" smtClean="0"/>
           </a:p>
           <a:p>
             <a:pPr lvl="1"/>
@@ -1300,6 +1290,7 @@
               <a:rPr lang="pt-BR" smtClean="0"/>
               <a:t>Segundo nível</a:t>
             </a:r>
+            <a:endParaRPr lang="pt-BR" smtClean="0"/>
           </a:p>
           <a:p>
             <a:pPr lvl="2"/>
@@ -1307,6 +1298,7 @@
               <a:rPr lang="pt-BR" smtClean="0"/>
               <a:t>Terceiro nível</a:t>
             </a:r>
+            <a:endParaRPr lang="pt-BR" smtClean="0"/>
           </a:p>
           <a:p>
             <a:pPr lvl="3"/>
@@ -1314,6 +1306,7 @@
               <a:rPr lang="pt-BR" smtClean="0"/>
               <a:t>Quarto nível</a:t>
             </a:r>
+            <a:endParaRPr lang="pt-BR" smtClean="0"/>
           </a:p>
           <a:p>
             <a:pPr lvl="4"/>
@@ -1342,7 +1335,6 @@
           <a:p>
             <a:fld id="{DEE43914-70EA-4168-AB30-E2BC3C1594F7}" type="datetimeFigureOut">
               <a:rPr lang="pt-BR" smtClean="0"/>
-              <a:t>25/11/2016</a:t>
             </a:fld>
             <a:endParaRPr lang="pt-BR"/>
           </a:p>
@@ -1384,18 +1376,12 @@
           <a:p>
             <a:fld id="{2DF3D61F-31C4-4D80-A265-411786E5EB5C}" type="slidenum">
               <a:rPr lang="pt-BR" smtClean="0"/>
-              <a:t>‹nº›</a:t>
             </a:fld>
             <a:endParaRPr lang="pt-BR"/>
           </a:p>
         </p:txBody>
       </p:sp>
     </p:spTree>
-    <p:extLst>
-      <p:ext uri="{BB962C8B-B14F-4D97-AF65-F5344CB8AC3E}">
-        <p14:creationId xmlns:p14="http://schemas.microsoft.com/office/powerpoint/2010/main" val="756837885"/>
-      </p:ext>
-    </p:extLst>
   </p:cSld>
   <p:clrMapOvr>
     <a:masterClrMapping/>
@@ -1454,7 +1440,7 @@
             <a:spLocks noGrp="1"/>
           </p:cNvSpPr>
           <p:nvPr>
-            <p:ph type="body" idx="1"/>
+            <p:ph type="body" idx="1" hasCustomPrompt="1"/>
           </p:nvPr>
         </p:nvSpPr>
         <p:spPr>
@@ -1519,7 +1505,7 @@
             <a:spLocks noGrp="1"/>
           </p:cNvSpPr>
           <p:nvPr>
-            <p:ph sz="half" idx="2"/>
+            <p:ph sz="half" idx="2" hasCustomPrompt="1"/>
           </p:nvPr>
         </p:nvSpPr>
         <p:spPr>
@@ -1565,6 +1551,7 @@
               <a:rPr lang="pt-BR" smtClean="0"/>
               <a:t>Clique para editar o texto mestre</a:t>
             </a:r>
+            <a:endParaRPr lang="pt-BR" smtClean="0"/>
           </a:p>
           <a:p>
             <a:pPr lvl="1"/>
@@ -1572,6 +1559,7 @@
               <a:rPr lang="pt-BR" smtClean="0"/>
               <a:t>Segundo nível</a:t>
             </a:r>
+            <a:endParaRPr lang="pt-BR" smtClean="0"/>
           </a:p>
           <a:p>
             <a:pPr lvl="2"/>
@@ -1579,6 +1567,7 @@
               <a:rPr lang="pt-BR" smtClean="0"/>
               <a:t>Terceiro nível</a:t>
             </a:r>
+            <a:endParaRPr lang="pt-BR" smtClean="0"/>
           </a:p>
           <a:p>
             <a:pPr lvl="3"/>
@@ -1586,6 +1575,7 @@
               <a:rPr lang="pt-BR" smtClean="0"/>
               <a:t>Quarto nível</a:t>
             </a:r>
+            <a:endParaRPr lang="pt-BR" smtClean="0"/>
           </a:p>
           <a:p>
             <a:pPr lvl="4"/>
@@ -1604,7 +1594,7 @@
             <a:spLocks noGrp="1"/>
           </p:cNvSpPr>
           <p:nvPr>
-            <p:ph type="body" sz="quarter" idx="3"/>
+            <p:ph type="body" sz="quarter" idx="3" hasCustomPrompt="1"/>
           </p:nvPr>
         </p:nvSpPr>
         <p:spPr>
@@ -1669,7 +1659,7 @@
             <a:spLocks noGrp="1"/>
           </p:cNvSpPr>
           <p:nvPr>
-            <p:ph sz="quarter" idx="4"/>
+            <p:ph sz="quarter" idx="4" hasCustomPrompt="1"/>
           </p:nvPr>
         </p:nvSpPr>
         <p:spPr>
@@ -1715,6 +1705,7 @@
               <a:rPr lang="pt-BR" smtClean="0"/>
               <a:t>Clique para editar o texto mestre</a:t>
             </a:r>
+            <a:endParaRPr lang="pt-BR" smtClean="0"/>
           </a:p>
           <a:p>
             <a:pPr lvl="1"/>
@@ -1722,6 +1713,7 @@
               <a:rPr lang="pt-BR" smtClean="0"/>
               <a:t>Segundo nível</a:t>
             </a:r>
+            <a:endParaRPr lang="pt-BR" smtClean="0"/>
           </a:p>
           <a:p>
             <a:pPr lvl="2"/>
@@ -1729,6 +1721,7 @@
               <a:rPr lang="pt-BR" smtClean="0"/>
               <a:t>Terceiro nível</a:t>
             </a:r>
+            <a:endParaRPr lang="pt-BR" smtClean="0"/>
           </a:p>
           <a:p>
             <a:pPr lvl="3"/>
@@ -1736,6 +1729,7 @@
               <a:rPr lang="pt-BR" smtClean="0"/>
               <a:t>Quarto nível</a:t>
             </a:r>
+            <a:endParaRPr lang="pt-BR" smtClean="0"/>
           </a:p>
           <a:p>
             <a:pPr lvl="4"/>
@@ -1764,7 +1758,6 @@
           <a:p>
             <a:fld id="{DEE43914-70EA-4168-AB30-E2BC3C1594F7}" type="datetimeFigureOut">
               <a:rPr lang="pt-BR" smtClean="0"/>
-              <a:t>25/11/2016</a:t>
             </a:fld>
             <a:endParaRPr lang="pt-BR"/>
           </a:p>
@@ -1806,18 +1799,12 @@
           <a:p>
             <a:fld id="{2DF3D61F-31C4-4D80-A265-411786E5EB5C}" type="slidenum">
               <a:rPr lang="pt-BR" smtClean="0"/>
-              <a:t>‹nº›</a:t>
             </a:fld>
             <a:endParaRPr lang="pt-BR"/>
           </a:p>
         </p:txBody>
       </p:sp>
     </p:spTree>
-    <p:extLst>
-      <p:ext uri="{BB962C8B-B14F-4D97-AF65-F5344CB8AC3E}">
-        <p14:creationId xmlns:p14="http://schemas.microsoft.com/office/powerpoint/2010/main" val="973782670"/>
-      </p:ext>
-    </p:extLst>
   </p:cSld>
   <p:clrMapOvr>
     <a:masterClrMapping/>
@@ -1882,7 +1869,6 @@
           <a:p>
             <a:fld id="{DEE43914-70EA-4168-AB30-E2BC3C1594F7}" type="datetimeFigureOut">
               <a:rPr lang="pt-BR" smtClean="0"/>
-              <a:t>25/11/2016</a:t>
             </a:fld>
             <a:endParaRPr lang="pt-BR"/>
           </a:p>
@@ -1924,18 +1910,12 @@
           <a:p>
             <a:fld id="{2DF3D61F-31C4-4D80-A265-411786E5EB5C}" type="slidenum">
               <a:rPr lang="pt-BR" smtClean="0"/>
-              <a:t>‹nº›</a:t>
             </a:fld>
             <a:endParaRPr lang="pt-BR"/>
           </a:p>
         </p:txBody>
       </p:sp>
     </p:spTree>
-    <p:extLst>
-      <p:ext uri="{BB962C8B-B14F-4D97-AF65-F5344CB8AC3E}">
-        <p14:creationId xmlns:p14="http://schemas.microsoft.com/office/powerpoint/2010/main" val="872958509"/>
-      </p:ext>
-    </p:extLst>
   </p:cSld>
   <p:clrMapOvr>
     <a:masterClrMapping/>
@@ -1977,7 +1957,6 @@
           <a:p>
             <a:fld id="{DEE43914-70EA-4168-AB30-E2BC3C1594F7}" type="datetimeFigureOut">
               <a:rPr lang="pt-BR" smtClean="0"/>
-              <a:t>25/11/2016</a:t>
             </a:fld>
             <a:endParaRPr lang="pt-BR"/>
           </a:p>
@@ -2019,18 +1998,12 @@
           <a:p>
             <a:fld id="{2DF3D61F-31C4-4D80-A265-411786E5EB5C}" type="slidenum">
               <a:rPr lang="pt-BR" smtClean="0"/>
-              <a:t>‹nº›</a:t>
             </a:fld>
             <a:endParaRPr lang="pt-BR"/>
           </a:p>
         </p:txBody>
       </p:sp>
     </p:spTree>
-    <p:extLst>
-      <p:ext uri="{BB962C8B-B14F-4D97-AF65-F5344CB8AC3E}">
-        <p14:creationId xmlns:p14="http://schemas.microsoft.com/office/powerpoint/2010/main" val="316793382"/>
-      </p:ext>
-    </p:extLst>
   </p:cSld>
   <p:clrMapOvr>
     <a:masterClrMapping/>
@@ -2094,7 +2067,7 @@
             <a:spLocks noGrp="1"/>
           </p:cNvSpPr>
           <p:nvPr>
-            <p:ph idx="1"/>
+            <p:ph idx="1" hasCustomPrompt="1"/>
           </p:nvPr>
         </p:nvSpPr>
         <p:spPr>
@@ -2140,6 +2113,7 @@
               <a:rPr lang="pt-BR" smtClean="0"/>
               <a:t>Clique para editar o texto mestre</a:t>
             </a:r>
+            <a:endParaRPr lang="pt-BR" smtClean="0"/>
           </a:p>
           <a:p>
             <a:pPr lvl="1"/>
@@ -2147,6 +2121,7 @@
               <a:rPr lang="pt-BR" smtClean="0"/>
               <a:t>Segundo nível</a:t>
             </a:r>
+            <a:endParaRPr lang="pt-BR" smtClean="0"/>
           </a:p>
           <a:p>
             <a:pPr lvl="2"/>
@@ -2154,6 +2129,7 @@
               <a:rPr lang="pt-BR" smtClean="0"/>
               <a:t>Terceiro nível</a:t>
             </a:r>
+            <a:endParaRPr lang="pt-BR" smtClean="0"/>
           </a:p>
           <a:p>
             <a:pPr lvl="3"/>
@@ -2161,6 +2137,7 @@
               <a:rPr lang="pt-BR" smtClean="0"/>
               <a:t>Quarto nível</a:t>
             </a:r>
+            <a:endParaRPr lang="pt-BR" smtClean="0"/>
           </a:p>
           <a:p>
             <a:pPr lvl="4"/>
@@ -2179,7 +2156,7 @@
             <a:spLocks noGrp="1"/>
           </p:cNvSpPr>
           <p:nvPr>
-            <p:ph type="body" sz="half" idx="2"/>
+            <p:ph type="body" sz="half" idx="2" hasCustomPrompt="1"/>
           </p:nvPr>
         </p:nvSpPr>
         <p:spPr>
@@ -2254,7 +2231,6 @@
           <a:p>
             <a:fld id="{DEE43914-70EA-4168-AB30-E2BC3C1594F7}" type="datetimeFigureOut">
               <a:rPr lang="pt-BR" smtClean="0"/>
-              <a:t>25/11/2016</a:t>
             </a:fld>
             <a:endParaRPr lang="pt-BR"/>
           </a:p>
@@ -2296,18 +2272,12 @@
           <a:p>
             <a:fld id="{2DF3D61F-31C4-4D80-A265-411786E5EB5C}" type="slidenum">
               <a:rPr lang="pt-BR" smtClean="0"/>
-              <a:t>‹nº›</a:t>
             </a:fld>
             <a:endParaRPr lang="pt-BR"/>
           </a:p>
         </p:txBody>
       </p:sp>
     </p:spTree>
-    <p:extLst>
-      <p:ext uri="{BB962C8B-B14F-4D97-AF65-F5344CB8AC3E}">
-        <p14:creationId xmlns:p14="http://schemas.microsoft.com/office/powerpoint/2010/main" val="602159035"/>
-      </p:ext>
-    </p:extLst>
   </p:cSld>
   <p:clrMapOvr>
     <a:masterClrMapping/>
@@ -2432,7 +2402,7 @@
             <a:spLocks noGrp="1"/>
           </p:cNvSpPr>
           <p:nvPr>
-            <p:ph type="body" sz="half" idx="2"/>
+            <p:ph type="body" sz="half" idx="2" hasCustomPrompt="1"/>
           </p:nvPr>
         </p:nvSpPr>
         <p:spPr>
@@ -2507,7 +2477,6 @@
           <a:p>
             <a:fld id="{DEE43914-70EA-4168-AB30-E2BC3C1594F7}" type="datetimeFigureOut">
               <a:rPr lang="pt-BR" smtClean="0"/>
-              <a:t>25/11/2016</a:t>
             </a:fld>
             <a:endParaRPr lang="pt-BR"/>
           </a:p>
@@ -2549,18 +2518,12 @@
           <a:p>
             <a:fld id="{2DF3D61F-31C4-4D80-A265-411786E5EB5C}" type="slidenum">
               <a:rPr lang="pt-BR" smtClean="0"/>
-              <a:t>‹nº›</a:t>
             </a:fld>
             <a:endParaRPr lang="pt-BR"/>
           </a:p>
         </p:txBody>
       </p:sp>
     </p:spTree>
-    <p:extLst>
-      <p:ext uri="{BB962C8B-B14F-4D97-AF65-F5344CB8AC3E}">
-        <p14:creationId xmlns:p14="http://schemas.microsoft.com/office/powerpoint/2010/main" val="1826323785"/>
-      </p:ext>
-    </p:extLst>
   </p:cSld>
   <p:clrMapOvr>
     <a:masterClrMapping/>
@@ -2653,6 +2616,7 @@
               <a:rPr lang="pt-BR" smtClean="0"/>
               <a:t>Clique para editar o texto mestre</a:t>
             </a:r>
+            <a:endParaRPr lang="pt-BR" smtClean="0"/>
           </a:p>
           <a:p>
             <a:pPr lvl="1"/>
@@ -2660,6 +2624,7 @@
               <a:rPr lang="pt-BR" smtClean="0"/>
               <a:t>Segundo nível</a:t>
             </a:r>
+            <a:endParaRPr lang="pt-BR" smtClean="0"/>
           </a:p>
           <a:p>
             <a:pPr lvl="2"/>
@@ -2667,6 +2632,7 @@
               <a:rPr lang="pt-BR" smtClean="0"/>
               <a:t>Terceiro nível</a:t>
             </a:r>
+            <a:endParaRPr lang="pt-BR" smtClean="0"/>
           </a:p>
           <a:p>
             <a:pPr lvl="3"/>
@@ -2674,6 +2640,7 @@
               <a:rPr lang="pt-BR" smtClean="0"/>
               <a:t>Quarto nível</a:t>
             </a:r>
+            <a:endParaRPr lang="pt-BR" smtClean="0"/>
           </a:p>
           <a:p>
             <a:pPr lvl="4"/>
@@ -2720,7 +2687,6 @@
           <a:p>
             <a:fld id="{DEE43914-70EA-4168-AB30-E2BC3C1594F7}" type="datetimeFigureOut">
               <a:rPr lang="pt-BR" smtClean="0"/>
-              <a:t>25/11/2016</a:t>
             </a:fld>
             <a:endParaRPr lang="pt-BR"/>
           </a:p>
@@ -2798,18 +2764,12 @@
           <a:p>
             <a:fld id="{2DF3D61F-31C4-4D80-A265-411786E5EB5C}" type="slidenum">
               <a:rPr lang="pt-BR" smtClean="0"/>
-              <a:t>‹nº›</a:t>
             </a:fld>
             <a:endParaRPr lang="pt-BR"/>
           </a:p>
         </p:txBody>
       </p:sp>
     </p:spTree>
-    <p:extLst>
-      <p:ext uri="{BB962C8B-B14F-4D97-AF65-F5344CB8AC3E}">
-        <p14:creationId xmlns:p14="http://schemas.microsoft.com/office/powerpoint/2010/main" val="3746929913"/>
-      </p:ext>
-    </p:extLst>
   </p:cSld>
   <p:clrMap bg1="lt1" tx1="dk1" bg2="lt2" tx2="dk2" accent1="accent1" accent2="accent2" accent3="accent3" accent4="accent4" accent5="accent5" accent6="accent6" hlink="hlink" folHlink="folHlink"/>
   <p:sldLayoutIdLst>
@@ -2847,7 +2807,7 @@
         <a:spcBef>
           <a:spcPct val="20000"/>
         </a:spcBef>
-        <a:buFont typeface="Arial" panose="020B0604020202020204" pitchFamily="34" charset="0"/>
+        <a:buFont typeface="Arial" pitchFamily="34" charset="0"/>
         <a:buChar char="•"/>
         <a:defRPr sz="3200" kern="1200">
           <a:solidFill>
@@ -2862,7 +2822,7 @@
         <a:spcBef>
           <a:spcPct val="20000"/>
         </a:spcBef>
-        <a:buFont typeface="Arial" panose="020B0604020202020204" pitchFamily="34" charset="0"/>
+        <a:buFont typeface="Arial" pitchFamily="34" charset="0"/>
         <a:buChar char="–"/>
         <a:defRPr sz="2800" kern="1200">
           <a:solidFill>
@@ -2877,7 +2837,7 @@
         <a:spcBef>
           <a:spcPct val="20000"/>
         </a:spcBef>
-        <a:buFont typeface="Arial" panose="020B0604020202020204" pitchFamily="34" charset="0"/>
+        <a:buFont typeface="Arial" pitchFamily="34" charset="0"/>
         <a:buChar char="•"/>
         <a:defRPr sz="2400" kern="1200">
           <a:solidFill>
@@ -2892,7 +2852,7 @@
         <a:spcBef>
           <a:spcPct val="20000"/>
         </a:spcBef>
-        <a:buFont typeface="Arial" panose="020B0604020202020204" pitchFamily="34" charset="0"/>
+        <a:buFont typeface="Arial" pitchFamily="34" charset="0"/>
         <a:buChar char="–"/>
         <a:defRPr sz="2000" kern="1200">
           <a:solidFill>
@@ -2907,7 +2867,7 @@
         <a:spcBef>
           <a:spcPct val="20000"/>
         </a:spcBef>
-        <a:buFont typeface="Arial" panose="020B0604020202020204" pitchFamily="34" charset="0"/>
+        <a:buFont typeface="Arial" pitchFamily="34" charset="0"/>
         <a:buChar char="»"/>
         <a:defRPr sz="2000" kern="1200">
           <a:solidFill>
@@ -2922,7 +2882,7 @@
         <a:spcBef>
           <a:spcPct val="20000"/>
         </a:spcBef>
-        <a:buFont typeface="Arial" panose="020B0604020202020204" pitchFamily="34" charset="0"/>
+        <a:buFont typeface="Arial" pitchFamily="34" charset="0"/>
         <a:buChar char="•"/>
         <a:defRPr sz="2000" kern="1200">
           <a:solidFill>
@@ -2937,7 +2897,7 @@
         <a:spcBef>
           <a:spcPct val="20000"/>
         </a:spcBef>
-        <a:buFont typeface="Arial" panose="020B0604020202020204" pitchFamily="34" charset="0"/>
+        <a:buFont typeface="Arial" pitchFamily="34" charset="0"/>
         <a:buChar char="•"/>
         <a:defRPr sz="2000" kern="1200">
           <a:solidFill>
@@ -2952,7 +2912,7 @@
         <a:spcBef>
           <a:spcPct val="20000"/>
         </a:spcBef>
-        <a:buFont typeface="Arial" panose="020B0604020202020204" pitchFamily="34" charset="0"/>
+        <a:buFont typeface="Arial" pitchFamily="34" charset="0"/>
         <a:buChar char="•"/>
         <a:defRPr sz="2000" kern="1200">
           <a:solidFill>
@@ -2967,7 +2927,7 @@
         <a:spcBef>
           <a:spcPct val="20000"/>
         </a:spcBef>
-        <a:buFont typeface="Arial" panose="020B0604020202020204" pitchFamily="34" charset="0"/>
+        <a:buFont typeface="Arial" pitchFamily="34" charset="0"/>
         <a:buChar char="•"/>
         <a:defRPr sz="2000" kern="1200">
           <a:solidFill>
@@ -3138,11 +3098,945 @@
         </p:txBody>
       </p:sp>
     </p:spTree>
-    <p:extLst>
-      <p:ext uri="{BB962C8B-B14F-4D97-AF65-F5344CB8AC3E}">
-        <p14:creationId xmlns:p14="http://schemas.microsoft.com/office/powerpoint/2010/main" val="3916542429"/>
-      </p:ext>
-    </p:extLst>
+  </p:cSld>
+  <p:clrMapOvr>
+    <a:masterClrMapping/>
+  </p:clrMapOvr>
+</p:sld>
+</file>
+
+<file path=ppt/slides/slide2.xml><?xml version="1.0" encoding="utf-8"?>
+<p:sld xmlns:a="http://schemas.openxmlformats.org/drawingml/2006/main" xmlns:r="http://schemas.openxmlformats.org/officeDocument/2006/relationships" xmlns:p="http://schemas.openxmlformats.org/presentationml/2006/main">
+  <p:cSld>
+    <p:spTree>
+      <p:nvGrpSpPr>
+        <p:cNvPr id="1" name=""/>
+        <p:cNvGrpSpPr/>
+        <p:nvPr/>
+      </p:nvGrpSpPr>
+      <p:grpSpPr/>
+      <p:sp>
+        <p:nvSpPr>
+          <p:cNvPr id="2" name="Título 1"/>
+          <p:cNvSpPr>
+            <a:spLocks noGrp="1"/>
+          </p:cNvSpPr>
+          <p:nvPr>
+            <p:ph type="title"/>
+          </p:nvPr>
+        </p:nvSpPr>
+        <p:spPr/>
+        <p:txBody>
+          <a:bodyPr/>
+          <a:p>
+            <a:r>
+              <a:rPr lang="pt-BR" altLang="en-US"/>
+              <a:t>Equipe</a:t>
+            </a:r>
+            <a:endParaRPr lang="pt-BR" altLang="en-US"/>
+          </a:p>
+        </p:txBody>
+      </p:sp>
+      <p:graphicFrame>
+        <p:nvGraphicFramePr>
+          <p:cNvPr id="4" name="Espaço Reservado para Conteúdo 3"/>
+          <p:cNvGraphicFramePr/>
+          <p:nvPr>
+            <p:ph idx="1"/>
+          </p:nvPr>
+        </p:nvGraphicFramePr>
+        <p:xfrm>
+          <a:off x="251460" y="2204720"/>
+          <a:ext cx="8561070" cy="2286000"/>
+        </p:xfrm>
+        <a:graphic>
+          <a:graphicData uri="http://schemas.openxmlformats.org/drawingml/2006/table">
+            <a:tbl>
+              <a:tblPr firstRow="1" bandRow="1">
+                <a:tableStyleId>{5C22544A-7EE6-4342-B048-85BDC9FD1C3A}</a:tableStyleId>
+              </a:tblPr>
+              <a:tblGrid>
+                <a:gridCol w="2140585"/>
+                <a:gridCol w="2139950"/>
+                <a:gridCol w="2140585"/>
+                <a:gridCol w="2139950"/>
+              </a:tblGrid>
+              <a:tr h="381000">
+                <a:tc>
+                  <a:txBody>
+                    <a:bodyPr/>
+                    <a:p>
+                      <a:pPr>
+                        <a:buNone/>
+                      </a:pPr>
+                      <a:r>
+                        <a:rPr lang="pt-BR"/>
+                        <a:t>Membros</a:t>
+                      </a:r>
+                      <a:endParaRPr lang="pt-BR"/>
+                    </a:p>
+                  </a:txBody>
+                  <a:tcPr/>
+                </a:tc>
+                <a:tc>
+                  <a:txBody>
+                    <a:bodyPr/>
+                    <a:p>
+                      <a:pPr algn="ctr">
+                        <a:buNone/>
+                      </a:pPr>
+                      <a:r>
+                        <a:rPr lang="pt-BR"/>
+                        <a:t>Bruno Costa</a:t>
+                      </a:r>
+                      <a:endParaRPr lang="pt-BR"/>
+                    </a:p>
+                  </a:txBody>
+                  <a:tcPr/>
+                </a:tc>
+                <a:tc>
+                  <a:txBody>
+                    <a:bodyPr/>
+                    <a:p>
+                      <a:pPr algn="ctr">
+                        <a:buNone/>
+                      </a:pPr>
+                      <a:r>
+                        <a:rPr lang="pt-BR"/>
+                        <a:t>João Fanti</a:t>
+                      </a:r>
+                      <a:endParaRPr lang="pt-BR"/>
+                    </a:p>
+                  </a:txBody>
+                  <a:tcPr/>
+                </a:tc>
+                <a:tc>
+                  <a:txBody>
+                    <a:bodyPr/>
+                    <a:p>
+                      <a:pPr algn="ctr">
+                        <a:buNone/>
+                      </a:pPr>
+                      <a:r>
+                        <a:rPr lang="pt-BR"/>
+                        <a:t>Fernando Vintacourt</a:t>
+                      </a:r>
+                      <a:endParaRPr lang="pt-BR"/>
+                    </a:p>
+                  </a:txBody>
+                  <a:tcPr/>
+                </a:tc>
+              </a:tr>
+              <a:tr h="381000">
+                <a:tc>
+                  <a:txBody>
+                    <a:bodyPr/>
+                    <a:p>
+                      <a:pPr>
+                        <a:buNone/>
+                      </a:pPr>
+                      <a:r>
+                        <a:rPr lang="pt-BR"/>
+                        <a:t>Gerente De Projeto</a:t>
+                      </a:r>
+                      <a:endParaRPr lang="pt-BR"/>
+                    </a:p>
+                  </a:txBody>
+                  <a:tcPr/>
+                </a:tc>
+                <a:tc>
+                  <a:txBody>
+                    <a:bodyPr/>
+                    <a:p>
+                      <a:pPr algn="ctr">
+                        <a:buNone/>
+                      </a:pPr>
+                      <a:endParaRPr lang="pt-BR"/>
+                    </a:p>
+                  </a:txBody>
+                  <a:tcPr/>
+                </a:tc>
+                <a:tc>
+                  <a:txBody>
+                    <a:bodyPr/>
+                    <a:p>
+                      <a:pPr algn="ctr">
+                        <a:buNone/>
+                      </a:pPr>
+                      <a:r>
+                        <a:rPr lang="pt-BR"/>
+                        <a:t>X</a:t>
+                      </a:r>
+                      <a:endParaRPr lang="pt-BR"/>
+                    </a:p>
+                  </a:txBody>
+                  <a:tcPr/>
+                </a:tc>
+                <a:tc>
+                  <a:txBody>
+                    <a:bodyPr/>
+                    <a:p>
+                      <a:pPr algn="ctr">
+                        <a:buNone/>
+                      </a:pPr>
+                    </a:p>
+                  </a:txBody>
+                  <a:tcPr/>
+                </a:tc>
+              </a:tr>
+              <a:tr h="381000">
+                <a:tc>
+                  <a:txBody>
+                    <a:bodyPr/>
+                    <a:p>
+                      <a:pPr>
+                        <a:buNone/>
+                      </a:pPr>
+                      <a:r>
+                        <a:rPr lang="pt-BR"/>
+                        <a:t>Arquiteto</a:t>
+                      </a:r>
+                      <a:endParaRPr lang="pt-BR"/>
+                    </a:p>
+                  </a:txBody>
+                  <a:tcPr/>
+                </a:tc>
+                <a:tc>
+                  <a:txBody>
+                    <a:bodyPr/>
+                    <a:p>
+                      <a:pPr algn="ctr">
+                        <a:buNone/>
+                      </a:pPr>
+                      <a:r>
+                        <a:rPr lang="pt-BR"/>
+                        <a:t>X</a:t>
+                      </a:r>
+                      <a:endParaRPr lang="pt-BR"/>
+                    </a:p>
+                  </a:txBody>
+                  <a:tcPr/>
+                </a:tc>
+                <a:tc>
+                  <a:txBody>
+                    <a:bodyPr/>
+                    <a:p>
+                      <a:pPr algn="ctr">
+                        <a:buNone/>
+                      </a:pPr>
+                    </a:p>
+                  </a:txBody>
+                  <a:tcPr/>
+                </a:tc>
+                <a:tc>
+                  <a:txBody>
+                    <a:bodyPr/>
+                    <a:p>
+                      <a:pPr algn="ctr">
+                        <a:buNone/>
+                      </a:pPr>
+                    </a:p>
+                  </a:txBody>
+                  <a:tcPr/>
+                </a:tc>
+              </a:tr>
+              <a:tr h="381000">
+                <a:tc>
+                  <a:txBody>
+                    <a:bodyPr/>
+                    <a:p>
+                      <a:pPr>
+                        <a:buNone/>
+                      </a:pPr>
+                      <a:r>
+                        <a:rPr lang="pt-BR"/>
+                        <a:t>Analista</a:t>
+                      </a:r>
+                      <a:endParaRPr lang="pt-BR"/>
+                    </a:p>
+                  </a:txBody>
+                  <a:tcPr/>
+                </a:tc>
+                <a:tc>
+                  <a:txBody>
+                    <a:bodyPr/>
+                    <a:p>
+                      <a:pPr algn="ctr">
+                        <a:buNone/>
+                      </a:pPr>
+                    </a:p>
+                  </a:txBody>
+                  <a:tcPr/>
+                </a:tc>
+                <a:tc>
+                  <a:txBody>
+                    <a:bodyPr/>
+                    <a:p>
+                      <a:pPr algn="ctr">
+                        <a:buNone/>
+                      </a:pPr>
+                    </a:p>
+                  </a:txBody>
+                  <a:tcPr/>
+                </a:tc>
+                <a:tc>
+                  <a:txBody>
+                    <a:bodyPr/>
+                    <a:p>
+                      <a:pPr algn="ctr">
+                        <a:buNone/>
+                      </a:pPr>
+                      <a:r>
+                        <a:rPr lang="pt-BR"/>
+                        <a:t>X</a:t>
+                      </a:r>
+                      <a:endParaRPr lang="pt-BR"/>
+                    </a:p>
+                  </a:txBody>
+                  <a:tcPr/>
+                </a:tc>
+              </a:tr>
+              <a:tr h="381000">
+                <a:tc>
+                  <a:txBody>
+                    <a:bodyPr/>
+                    <a:p>
+                      <a:pPr>
+                        <a:buNone/>
+                      </a:pPr>
+                      <a:r>
+                        <a:rPr lang="pt-BR"/>
+                        <a:t>Desenvolvedor</a:t>
+                      </a:r>
+                      <a:endParaRPr lang="pt-BR"/>
+                    </a:p>
+                  </a:txBody>
+                  <a:tcPr/>
+                </a:tc>
+                <a:tc>
+                  <a:txBody>
+                    <a:bodyPr/>
+                    <a:p>
+                      <a:pPr>
+                        <a:buNone/>
+                      </a:pPr>
+                    </a:p>
+                  </a:txBody>
+                  <a:tcPr/>
+                </a:tc>
+                <a:tc>
+                  <a:txBody>
+                    <a:bodyPr/>
+                    <a:p>
+                      <a:pPr algn="ctr">
+                        <a:buNone/>
+                      </a:pPr>
+                      <a:r>
+                        <a:rPr lang="pt-BR"/>
+                        <a:t>X</a:t>
+                      </a:r>
+                      <a:endParaRPr lang="pt-BR"/>
+                    </a:p>
+                  </a:txBody>
+                  <a:tcPr/>
+                </a:tc>
+                <a:tc>
+                  <a:txBody>
+                    <a:bodyPr/>
+                    <a:p>
+                      <a:pPr algn="ctr">
+                        <a:buNone/>
+                      </a:pPr>
+                      <a:r>
+                        <a:rPr lang="pt-BR"/>
+                        <a:t>X</a:t>
+                      </a:r>
+                      <a:endParaRPr lang="pt-BR"/>
+                    </a:p>
+                  </a:txBody>
+                  <a:tcPr/>
+                </a:tc>
+              </a:tr>
+              <a:tr h="381000">
+                <a:tc>
+                  <a:txBody>
+                    <a:bodyPr/>
+                    <a:p>
+                      <a:pPr>
+                        <a:buNone/>
+                      </a:pPr>
+                      <a:r>
+                        <a:rPr lang="pt-BR"/>
+                        <a:t>Testador</a:t>
+                      </a:r>
+                      <a:endParaRPr lang="pt-BR"/>
+                    </a:p>
+                  </a:txBody>
+                  <a:tcPr/>
+                </a:tc>
+                <a:tc>
+                  <a:txBody>
+                    <a:bodyPr/>
+                    <a:p>
+                      <a:pPr algn="ctr">
+                        <a:buNone/>
+                      </a:pPr>
+                      <a:r>
+                        <a:rPr lang="pt-BR"/>
+                        <a:t>X</a:t>
+                      </a:r>
+                      <a:endParaRPr lang="pt-BR"/>
+                    </a:p>
+                  </a:txBody>
+                  <a:tcPr/>
+                </a:tc>
+                <a:tc>
+                  <a:txBody>
+                    <a:bodyPr/>
+                    <a:p>
+                      <a:pPr>
+                        <a:buNone/>
+                      </a:pPr>
+                    </a:p>
+                  </a:txBody>
+                  <a:tcPr/>
+                </a:tc>
+                <a:tc>
+                  <a:txBody>
+                    <a:bodyPr/>
+                    <a:p>
+                      <a:pPr>
+                        <a:buNone/>
+                      </a:pPr>
+                    </a:p>
+                  </a:txBody>
+                  <a:tcPr/>
+                </a:tc>
+              </a:tr>
+            </a:tbl>
+          </a:graphicData>
+        </a:graphic>
+      </p:graphicFrame>
+    </p:spTree>
+  </p:cSld>
+  <p:clrMapOvr>
+    <a:masterClrMapping/>
+  </p:clrMapOvr>
+</p:sld>
+</file>
+
+<file path=ppt/slides/slide3.xml><?xml version="1.0" encoding="utf-8"?>
+<p:sld xmlns:a="http://schemas.openxmlformats.org/drawingml/2006/main" xmlns:r="http://schemas.openxmlformats.org/officeDocument/2006/relationships" xmlns:p="http://schemas.openxmlformats.org/presentationml/2006/main">
+  <p:cSld>
+    <p:spTree>
+      <p:nvGrpSpPr>
+        <p:cNvPr id="1" name=""/>
+        <p:cNvGrpSpPr/>
+        <p:nvPr/>
+      </p:nvGrpSpPr>
+      <p:grpSpPr/>
+      <p:sp>
+        <p:nvSpPr>
+          <p:cNvPr id="2" name="Título 1"/>
+          <p:cNvSpPr>
+            <a:spLocks noGrp="1"/>
+          </p:cNvSpPr>
+          <p:nvPr>
+            <p:ph type="title"/>
+          </p:nvPr>
+        </p:nvSpPr>
+        <p:spPr/>
+        <p:txBody>
+          <a:bodyPr/>
+          <a:p>
+            <a:r>
+              <a:rPr lang="pt-BR" altLang="en-US"/>
+              <a:t>Objetivos</a:t>
+            </a:r>
+            <a:endParaRPr lang="pt-BR" altLang="en-US"/>
+          </a:p>
+        </p:txBody>
+      </p:sp>
+      <p:sp>
+        <p:nvSpPr>
+          <p:cNvPr id="3" name="Espaço Reservado para Conteúdo 2"/>
+          <p:cNvSpPr>
+            <a:spLocks noGrp="1"/>
+          </p:cNvSpPr>
+          <p:nvPr>
+            <p:ph idx="1"/>
+          </p:nvPr>
+        </p:nvSpPr>
+        <p:spPr/>
+        <p:txBody>
+          <a:bodyPr/>
+          <a:p>
+            <a:r>
+              <a:rPr lang="pt-BR" altLang="en-US"/>
+              <a:t>Aprimorar o gerenciamento do espaço físico da faculdade de informática da PUCRS</a:t>
+            </a:r>
+            <a:endParaRPr lang="pt-BR" altLang="en-US"/>
+          </a:p>
+          <a:p>
+            <a:r>
+              <a:rPr lang="pt-BR" altLang="en-US"/>
+              <a:t>Gerar a melhor alocação possível para as salas e turmas para diminuir, ao máximo, conflitos de horários</a:t>
+            </a:r>
+            <a:endParaRPr lang="pt-BR" altLang="en-US"/>
+          </a:p>
+          <a:p>
+            <a:r>
+              <a:rPr lang="pt-BR" altLang="en-US"/>
+              <a:t>Oferecer mais facilidade ao usuário que utilizará a aplicação</a:t>
+            </a:r>
+            <a:endParaRPr lang="pt-BR" altLang="en-US"/>
+          </a:p>
+        </p:txBody>
+      </p:sp>
+    </p:spTree>
+  </p:cSld>
+  <p:clrMapOvr>
+    <a:masterClrMapping/>
+  </p:clrMapOvr>
+</p:sld>
+</file>
+
+<file path=ppt/slides/slide4.xml><?xml version="1.0" encoding="utf-8"?>
+<p:sld xmlns:a="http://schemas.openxmlformats.org/drawingml/2006/main" xmlns:r="http://schemas.openxmlformats.org/officeDocument/2006/relationships" xmlns:p="http://schemas.openxmlformats.org/presentationml/2006/main">
+  <p:cSld>
+    <p:spTree>
+      <p:nvGrpSpPr>
+        <p:cNvPr id="1" name=""/>
+        <p:cNvGrpSpPr/>
+        <p:nvPr/>
+      </p:nvGrpSpPr>
+      <p:grpSpPr/>
+      <p:sp>
+        <p:nvSpPr>
+          <p:cNvPr id="2" name="Título 1"/>
+          <p:cNvSpPr>
+            <a:spLocks noGrp="1"/>
+          </p:cNvSpPr>
+          <p:nvPr>
+            <p:ph type="title"/>
+          </p:nvPr>
+        </p:nvSpPr>
+        <p:spPr/>
+        <p:txBody>
+          <a:bodyPr/>
+          <a:p>
+            <a:r>
+              <a:rPr lang="pt-BR" altLang="en-US"/>
+              <a:t>Escopo</a:t>
+            </a:r>
+            <a:endParaRPr lang="pt-BR" altLang="en-US"/>
+          </a:p>
+        </p:txBody>
+      </p:sp>
+      <p:sp>
+        <p:nvSpPr>
+          <p:cNvPr id="3" name="Espaço Reservado para Conteúdo 2"/>
+          <p:cNvSpPr>
+            <a:spLocks noGrp="1"/>
+          </p:cNvSpPr>
+          <p:nvPr>
+            <p:ph idx="1"/>
+          </p:nvPr>
+        </p:nvSpPr>
+        <p:spPr/>
+        <p:txBody>
+          <a:bodyPr/>
+          <a:p>
+            <a:r>
+              <a:rPr lang="pt-BR" altLang="en-US"/>
+              <a:t>A aplicação será web e terá como base </a:t>
+            </a:r>
+            <a:r>
+              <a:rPr lang="pt-BR" altLang="en-US">
+                <a:sym typeface="+mn-ea"/>
+              </a:rPr>
+              <a:t>Laravel,</a:t>
+            </a:r>
+            <a:r>
+              <a:rPr lang="pt-BR" altLang="en-US"/>
+              <a:t> um framework de PHP</a:t>
+            </a:r>
+            <a:endParaRPr lang="pt-BR" altLang="en-US"/>
+          </a:p>
+          <a:p>
+            <a:r>
+              <a:rPr lang="pt-BR" altLang="en-US"/>
+              <a:t>O servidor será alocado na Amazon Web Services (AWS), assim como o banco de dados</a:t>
+            </a:r>
+            <a:endParaRPr lang="pt-BR" altLang="en-US"/>
+          </a:p>
+          <a:p>
+            <a:r>
+              <a:rPr lang="pt-BR" altLang="en-US"/>
+              <a:t>A aplicação oferecerá, além da geração de novas alocações, alteração das mesmas, feedback de alterações feitas no sistema e a adição de novas salas e turmas</a:t>
+            </a:r>
+            <a:endParaRPr lang="pt-BR" altLang="en-US"/>
+          </a:p>
+        </p:txBody>
+      </p:sp>
+    </p:spTree>
+  </p:cSld>
+  <p:clrMapOvr>
+    <a:masterClrMapping/>
+  </p:clrMapOvr>
+</p:sld>
+</file>
+
+<file path=ppt/slides/slide5.xml><?xml version="1.0" encoding="utf-8"?>
+<p:sld xmlns:a="http://schemas.openxmlformats.org/drawingml/2006/main" xmlns:r="http://schemas.openxmlformats.org/officeDocument/2006/relationships" xmlns:p="http://schemas.openxmlformats.org/presentationml/2006/main">
+  <p:cSld>
+    <p:spTree>
+      <p:nvGrpSpPr>
+        <p:cNvPr id="1" name=""/>
+        <p:cNvGrpSpPr/>
+        <p:nvPr/>
+      </p:nvGrpSpPr>
+      <p:grpSpPr/>
+      <p:sp>
+        <p:nvSpPr>
+          <p:cNvPr id="2" name="Título 1"/>
+          <p:cNvSpPr>
+            <a:spLocks noGrp="1"/>
+          </p:cNvSpPr>
+          <p:nvPr>
+            <p:ph type="title"/>
+          </p:nvPr>
+        </p:nvSpPr>
+        <p:spPr/>
+        <p:txBody>
+          <a:bodyPr/>
+          <a:p>
+            <a:r>
+              <a:rPr lang="pt-BR" altLang="en-US"/>
+              <a:t>Marcos do Projeto</a:t>
+            </a:r>
+            <a:endParaRPr lang="pt-BR" altLang="en-US"/>
+          </a:p>
+        </p:txBody>
+      </p:sp>
+      <p:sp>
+        <p:nvSpPr>
+          <p:cNvPr id="3" name="Espaço Reservado para Conteúdo 2"/>
+          <p:cNvSpPr>
+            <a:spLocks noGrp="1"/>
+          </p:cNvSpPr>
+          <p:nvPr>
+            <p:ph idx="1"/>
+          </p:nvPr>
+        </p:nvSpPr>
+        <p:spPr>
+          <a:xfrm>
+            <a:off x="457200" y="1600200"/>
+            <a:ext cx="8229600" cy="4860290"/>
+          </a:xfrm>
+        </p:spPr>
+        <p:txBody>
+          <a:bodyPr>
+            <a:normAutofit lnSpcReduction="10000"/>
+          </a:bodyPr>
+          <a:p>
+            <a:r>
+              <a:rPr lang="pt-BR" altLang="en-US" sz="2000"/>
+              <a:t>06/20 - Início do projeto</a:t>
+            </a:r>
+            <a:endParaRPr lang="pt-BR" altLang="en-US" sz="2000"/>
+          </a:p>
+          <a:p>
+            <a:r>
+              <a:rPr lang="pt-BR" altLang="en-US" sz="2000"/>
+              <a:t>20/09 - Projeto planejado e documentado devidadmente</a:t>
+            </a:r>
+            <a:endParaRPr lang="pt-BR" altLang="en-US" sz="2000"/>
+          </a:p>
+          <a:p>
+            <a:r>
+              <a:rPr lang="pt-BR" altLang="en-US" sz="2000"/>
+              <a:t>28/09 - Análise das ferramentas que serão utilizadas</a:t>
+            </a:r>
+            <a:endParaRPr lang="pt-BR" altLang="en-US" sz="2000"/>
+          </a:p>
+          <a:p>
+            <a:r>
+              <a:rPr lang="pt-BR" altLang="en-US" sz="2000"/>
+              <a:t>25/10 - Arquitetura do sistema criada e testada, cadastro de dados acadêmicos e de espaço físico prontos e testados</a:t>
+            </a:r>
+            <a:endParaRPr lang="pt-BR" altLang="en-US" sz="2000"/>
+          </a:p>
+          <a:p>
+            <a:r>
+              <a:rPr lang="pt-BR" altLang="en-US" sz="2000"/>
+              <a:t>12/10 - Consulta de dados de salas sem turma e turmas sem alocação funcionando corretamente</a:t>
+            </a:r>
+            <a:endParaRPr lang="pt-BR" altLang="en-US" sz="2000"/>
+          </a:p>
+          <a:p>
+            <a:r>
+              <a:rPr lang="pt-BR" altLang="en-US" sz="2000"/>
+              <a:t>29/11 - Relatório para feedback de alterações implementado e funcionando</a:t>
+            </a:r>
+            <a:endParaRPr lang="pt-BR" altLang="en-US" sz="2000"/>
+          </a:p>
+          <a:p>
+            <a:r>
+              <a:rPr lang="pt-BR" altLang="en-US" sz="2000"/>
+              <a:t>15/12 - Funções principais como geração de alocações, consultas de alocações, alteração de alocações prontas e testadas devidamente</a:t>
+            </a:r>
+            <a:endParaRPr lang="pt-BR" altLang="en-US" sz="2000"/>
+          </a:p>
+          <a:p>
+            <a:r>
+              <a:rPr lang="pt-BR" altLang="en-US" sz="2000"/>
+              <a:t>15/01 - Importação de dados implementada, sistema pronto para deploy na máquina do cliente</a:t>
+            </a:r>
+            <a:endParaRPr lang="pt-BR" altLang="en-US" sz="2000"/>
+          </a:p>
+          <a:p>
+            <a:r>
+              <a:rPr lang="pt-BR" altLang="en-US" sz="2000"/>
+              <a:t>20/01 - Sistema operando na maquina do cliente com sucesso</a:t>
+            </a:r>
+            <a:endParaRPr lang="pt-BR" altLang="en-US" sz="2000"/>
+          </a:p>
+        </p:txBody>
+      </p:sp>
+    </p:spTree>
+  </p:cSld>
+  <p:clrMapOvr>
+    <a:masterClrMapping/>
+  </p:clrMapOvr>
+</p:sld>
+</file>
+
+<file path=ppt/slides/slide6.xml><?xml version="1.0" encoding="utf-8"?>
+<p:sld xmlns:a="http://schemas.openxmlformats.org/drawingml/2006/main" xmlns:r="http://schemas.openxmlformats.org/officeDocument/2006/relationships" xmlns:p="http://schemas.openxmlformats.org/presentationml/2006/main">
+  <p:cSld>
+    <p:spTree>
+      <p:nvGrpSpPr>
+        <p:cNvPr id="1" name=""/>
+        <p:cNvGrpSpPr/>
+        <p:nvPr/>
+      </p:nvGrpSpPr>
+      <p:grpSpPr/>
+      <p:sp>
+        <p:nvSpPr>
+          <p:cNvPr id="4" name="Título 3"/>
+          <p:cNvSpPr>
+            <a:spLocks noGrp="1"/>
+          </p:cNvSpPr>
+          <p:nvPr>
+            <p:ph type="ctrTitle"/>
+          </p:nvPr>
+        </p:nvSpPr>
+        <p:spPr/>
+        <p:txBody>
+          <a:bodyPr/>
+          <a:p>
+            <a:r>
+              <a:rPr lang="pt-BR" altLang="en-US"/>
+              <a:t>Conclusão da Fase de Elaboração</a:t>
+            </a:r>
+            <a:endParaRPr lang="pt-BR" altLang="en-US"/>
+          </a:p>
+        </p:txBody>
+      </p:sp>
+      <p:sp>
+        <p:nvSpPr>
+          <p:cNvPr id="5" name="Subtítulo 4"/>
+          <p:cNvSpPr>
+            <a:spLocks noGrp="1"/>
+          </p:cNvSpPr>
+          <p:nvPr>
+            <p:ph type="subTitle" idx="1"/>
+          </p:nvPr>
+        </p:nvSpPr>
+        <p:spPr/>
+        <p:txBody>
+          <a:bodyPr/>
+          <a:p>
+            <a:endParaRPr lang="pt-BR" altLang="en-US"/>
+          </a:p>
+        </p:txBody>
+      </p:sp>
+    </p:spTree>
+  </p:cSld>
+  <p:clrMapOvr>
+    <a:masterClrMapping/>
+  </p:clrMapOvr>
+</p:sld>
+</file>
+
+<file path=ppt/slides/slide7.xml><?xml version="1.0" encoding="utf-8"?>
+<p:sld xmlns:a="http://schemas.openxmlformats.org/drawingml/2006/main" xmlns:r="http://schemas.openxmlformats.org/officeDocument/2006/relationships" xmlns:p="http://schemas.openxmlformats.org/presentationml/2006/main">
+  <p:cSld>
+    <p:spTree>
+      <p:nvGrpSpPr>
+        <p:cNvPr id="1" name=""/>
+        <p:cNvGrpSpPr/>
+        <p:nvPr/>
+      </p:nvGrpSpPr>
+      <p:grpSpPr/>
+      <p:sp>
+        <p:nvSpPr>
+          <p:cNvPr id="2" name="Título 1"/>
+          <p:cNvSpPr>
+            <a:spLocks noGrp="1"/>
+          </p:cNvSpPr>
+          <p:nvPr>
+            <p:ph type="title"/>
+          </p:nvPr>
+        </p:nvSpPr>
+        <p:spPr/>
+        <p:txBody>
+          <a:bodyPr/>
+          <a:p>
+            <a:r>
+              <a:rPr lang="pt-BR" altLang="en-US"/>
+              <a:t>Arquitetura do Sistema</a:t>
+            </a:r>
+            <a:endParaRPr lang="pt-BR" altLang="en-US"/>
+          </a:p>
+        </p:txBody>
+      </p:sp>
+      <p:sp>
+        <p:nvSpPr>
+          <p:cNvPr id="3" name="Espaço Reservado para Conteúdo 2"/>
+          <p:cNvSpPr>
+            <a:spLocks noGrp="1"/>
+          </p:cNvSpPr>
+          <p:nvPr>
+            <p:ph idx="1"/>
+          </p:nvPr>
+        </p:nvSpPr>
+        <p:spPr/>
+        <p:txBody>
+          <a:bodyPr/>
+          <a:p>
+            <a:endParaRPr lang="pt-BR" altLang="en-US"/>
+          </a:p>
+        </p:txBody>
+      </p:sp>
+    </p:spTree>
+  </p:cSld>
+  <p:clrMapOvr>
+    <a:masterClrMapping/>
+  </p:clrMapOvr>
+</p:sld>
+</file>
+
+<file path=ppt/slides/slide8.xml><?xml version="1.0" encoding="utf-8"?>
+<p:sld xmlns:a="http://schemas.openxmlformats.org/drawingml/2006/main" xmlns:r="http://schemas.openxmlformats.org/officeDocument/2006/relationships" xmlns:p="http://schemas.openxmlformats.org/presentationml/2006/main">
+  <p:cSld>
+    <p:spTree>
+      <p:nvGrpSpPr>
+        <p:cNvPr id="1" name=""/>
+        <p:cNvGrpSpPr/>
+        <p:nvPr/>
+      </p:nvGrpSpPr>
+      <p:grpSpPr/>
+      <p:sp>
+        <p:nvSpPr>
+          <p:cNvPr id="2" name="Título 1"/>
+          <p:cNvSpPr>
+            <a:spLocks noGrp="1"/>
+          </p:cNvSpPr>
+          <p:nvPr>
+            <p:ph type="title"/>
+          </p:nvPr>
+        </p:nvSpPr>
+        <p:spPr/>
+        <p:txBody>
+          <a:bodyPr/>
+          <a:p>
+            <a:r>
+              <a:rPr lang="pt-BR" altLang="en-US"/>
+              <a:t>Casos de Uso</a:t>
+            </a:r>
+            <a:endParaRPr lang="pt-BR" altLang="en-US"/>
+          </a:p>
+        </p:txBody>
+      </p:sp>
+      <p:sp>
+        <p:nvSpPr>
+          <p:cNvPr id="3" name="Espaço Reservado para Conteúdo 2"/>
+          <p:cNvSpPr>
+            <a:spLocks noGrp="1"/>
+          </p:cNvSpPr>
+          <p:nvPr>
+            <p:ph idx="1"/>
+          </p:nvPr>
+        </p:nvSpPr>
+        <p:spPr/>
+        <p:txBody>
+          <a:bodyPr/>
+          <a:p>
+            <a:endParaRPr lang="pt-BR" altLang="en-US"/>
+          </a:p>
+        </p:txBody>
+      </p:sp>
+    </p:spTree>
+  </p:cSld>
+  <p:clrMapOvr>
+    <a:masterClrMapping/>
+  </p:clrMapOvr>
+</p:sld>
+</file>
+
+<file path=ppt/slides/slide9.xml><?xml version="1.0" encoding="utf-8"?>
+<p:sld xmlns:a="http://schemas.openxmlformats.org/drawingml/2006/main" xmlns:r="http://schemas.openxmlformats.org/officeDocument/2006/relationships" xmlns:p="http://schemas.openxmlformats.org/presentationml/2006/main">
+  <p:cSld>
+    <p:spTree>
+      <p:nvGrpSpPr>
+        <p:cNvPr id="1" name=""/>
+        <p:cNvGrpSpPr/>
+        <p:nvPr/>
+      </p:nvGrpSpPr>
+      <p:grpSpPr/>
+      <p:sp>
+        <p:nvSpPr>
+          <p:cNvPr id="2" name="Título 1"/>
+          <p:cNvSpPr>
+            <a:spLocks noGrp="1"/>
+          </p:cNvSpPr>
+          <p:nvPr>
+            <p:ph type="title"/>
+          </p:nvPr>
+        </p:nvSpPr>
+        <p:spPr/>
+        <p:txBody>
+          <a:bodyPr/>
+          <a:p>
+            <a:r>
+              <a:rPr lang="pt-BR" altLang="en-US"/>
+              <a:t>Protótipo</a:t>
+            </a:r>
+            <a:endParaRPr lang="pt-BR" altLang="en-US"/>
+          </a:p>
+        </p:txBody>
+      </p:sp>
+      <p:sp>
+        <p:nvSpPr>
+          <p:cNvPr id="3" name="Espaço Reservado para Conteúdo 2"/>
+          <p:cNvSpPr>
+            <a:spLocks noGrp="1"/>
+          </p:cNvSpPr>
+          <p:nvPr>
+            <p:ph idx="1"/>
+          </p:nvPr>
+        </p:nvSpPr>
+        <p:spPr/>
+        <p:txBody>
+          <a:bodyPr/>
+          <a:p>
+            <a:endParaRPr lang="pt-BR" altLang="en-US"/>
+          </a:p>
+        </p:txBody>
+      </p:sp>
+    </p:spTree>
   </p:cSld>
   <p:clrMapOvr>
     <a:masterClrMapping/>
@@ -3432,5 +4326,10 @@
   </a:themeElements>
   <a:objectDefaults/>
   <a:extraClrSchemeLst/>
+  <a:extLst>
+    <a:ext uri="{05A4C25C-085E-4340-85A3-A5531E510DB2}">
+      <thm15:themeFamily xmlns:thm15="http://schemas.microsoft.com/office/thememl/2012/main" name="Office Theme" id="{62F939B6-93AF-4DB8-9C6B-D6C7DFDC589F}" vid="{4A3C46E8-61CC-4603-A589-7422A47A8E4A}"/>
+    </a:ext>
+  </a:extLst>
 </a:theme>
 </file>
--- a/T3/Apresentação.pptx
+++ b/T3/Apresentação.pptx
@@ -1,8 +1,8 @@
 
 <file path=ppt/presentation.xml><?xml version="1.0" encoding="utf-8"?>
-<p:presentation xmlns:a="http://schemas.openxmlformats.org/drawingml/2006/main" xmlns:p="http://schemas.openxmlformats.org/presentationml/2006/main" xmlns:r="http://schemas.openxmlformats.org/officeDocument/2006/relationships" xmlns:p14="http://schemas.microsoft.com/office/powerpoint/2010/main" xmlns:p15="http://schemas.microsoft.com/office/powerpoint/2012/main" xmlns:mc="http://schemas.openxmlformats.org/markup-compatibility/2006">
+<p:presentation xmlns:a="http://schemas.openxmlformats.org/drawingml/2006/main" xmlns:r="http://schemas.openxmlformats.org/officeDocument/2006/relationships" xmlns:p="http://schemas.openxmlformats.org/presentationml/2006/main">
   <p:sldMasterIdLst>
-    <p:sldMasterId id="2147483648" r:id="rId2"/>
+    <p:sldMasterId id="2147483648" r:id="rId1"/>
     <p:sldMasterId id="2147483661" r:id="rId3"/>
   </p:sldMasterIdLst>
   <p:sldIdLst>
@@ -17,12 +17,104 @@
     <p:sldId id="264" r:id="rId12"/>
   </p:sldIdLst>
   <p:sldSz cx="9144000" cy="6858000"/>
-  <p:notesSz cx="7559675" cy="10691812"/>
+  <p:notesSz cx="7559675" cy="10691495"/>
+  <p:defaultTextStyle>
+    <a:lvl1pPr marL="0" algn="l" defTabSz="914400" rtl="0" eaLnBrk="1" latinLnBrk="0" hangingPunct="1">
+      <a:defRPr sz="1800" kern="1200">
+        <a:solidFill>
+          <a:schemeClr val="tx1"/>
+        </a:solidFill>
+        <a:latin typeface="+mn-lt"/>
+        <a:ea typeface="+mn-ea"/>
+        <a:cs typeface="+mn-cs"/>
+      </a:defRPr>
+    </a:lvl1pPr>
+    <a:lvl2pPr marL="457200" algn="l" defTabSz="914400" rtl="0" eaLnBrk="1" latinLnBrk="0" hangingPunct="1">
+      <a:defRPr sz="1800" kern="1200">
+        <a:solidFill>
+          <a:schemeClr val="tx1"/>
+        </a:solidFill>
+        <a:latin typeface="+mn-lt"/>
+        <a:ea typeface="+mn-ea"/>
+        <a:cs typeface="+mn-cs"/>
+      </a:defRPr>
+    </a:lvl2pPr>
+    <a:lvl3pPr marL="914400" algn="l" defTabSz="914400" rtl="0" eaLnBrk="1" latinLnBrk="0" hangingPunct="1">
+      <a:defRPr sz="1800" kern="1200">
+        <a:solidFill>
+          <a:schemeClr val="tx1"/>
+        </a:solidFill>
+        <a:latin typeface="+mn-lt"/>
+        <a:ea typeface="+mn-ea"/>
+        <a:cs typeface="+mn-cs"/>
+      </a:defRPr>
+    </a:lvl3pPr>
+    <a:lvl4pPr marL="1371600" algn="l" defTabSz="914400" rtl="0" eaLnBrk="1" latinLnBrk="0" hangingPunct="1">
+      <a:defRPr sz="1800" kern="1200">
+        <a:solidFill>
+          <a:schemeClr val="tx1"/>
+        </a:solidFill>
+        <a:latin typeface="+mn-lt"/>
+        <a:ea typeface="+mn-ea"/>
+        <a:cs typeface="+mn-cs"/>
+      </a:defRPr>
+    </a:lvl4pPr>
+    <a:lvl5pPr marL="1828800" algn="l" defTabSz="914400" rtl="0" eaLnBrk="1" latinLnBrk="0" hangingPunct="1">
+      <a:defRPr sz="1800" kern="1200">
+        <a:solidFill>
+          <a:schemeClr val="tx1"/>
+        </a:solidFill>
+        <a:latin typeface="+mn-lt"/>
+        <a:ea typeface="+mn-ea"/>
+        <a:cs typeface="+mn-cs"/>
+      </a:defRPr>
+    </a:lvl5pPr>
+    <a:lvl6pPr marL="2286000" algn="l" defTabSz="914400" rtl="0" eaLnBrk="1" latinLnBrk="0" hangingPunct="1">
+      <a:defRPr sz="1800" kern="1200">
+        <a:solidFill>
+          <a:schemeClr val="tx1"/>
+        </a:solidFill>
+        <a:latin typeface="+mn-lt"/>
+        <a:ea typeface="+mn-ea"/>
+        <a:cs typeface="+mn-cs"/>
+      </a:defRPr>
+    </a:lvl6pPr>
+    <a:lvl7pPr marL="2743200" algn="l" defTabSz="914400" rtl="0" eaLnBrk="1" latinLnBrk="0" hangingPunct="1">
+      <a:defRPr sz="1800" kern="1200">
+        <a:solidFill>
+          <a:schemeClr val="tx1"/>
+        </a:solidFill>
+        <a:latin typeface="+mn-lt"/>
+        <a:ea typeface="+mn-ea"/>
+        <a:cs typeface="+mn-cs"/>
+      </a:defRPr>
+    </a:lvl7pPr>
+    <a:lvl8pPr marL="3200400" algn="l" defTabSz="914400" rtl="0" eaLnBrk="1" latinLnBrk="0" hangingPunct="1">
+      <a:defRPr sz="1800" kern="1200">
+        <a:solidFill>
+          <a:schemeClr val="tx1"/>
+        </a:solidFill>
+        <a:latin typeface="+mn-lt"/>
+        <a:ea typeface="+mn-ea"/>
+        <a:cs typeface="+mn-cs"/>
+      </a:defRPr>
+    </a:lvl8pPr>
+    <a:lvl9pPr marL="3657600" algn="l" defTabSz="914400" rtl="0" eaLnBrk="1" latinLnBrk="0" hangingPunct="1">
+      <a:defRPr sz="1800" kern="1200">
+        <a:solidFill>
+          <a:schemeClr val="tx1"/>
+        </a:solidFill>
+        <a:latin typeface="+mn-lt"/>
+        <a:ea typeface="+mn-ea"/>
+        <a:cs typeface="+mn-cs"/>
+      </a:defRPr>
+    </a:lvl9pPr>
+  </p:defaultTextStyle>
 </p:presentation>
 </file>
 
 <file path=ppt/slideLayouts/slideLayout1.xml><?xml version="1.0" encoding="utf-8"?>
-<p:sldLayout xmlns:a="http://schemas.openxmlformats.org/drawingml/2006/main" xmlns:p="http://schemas.openxmlformats.org/presentationml/2006/main" xmlns:r="http://schemas.openxmlformats.org/officeDocument/2006/relationships" xmlns:p14="http://schemas.microsoft.com/office/powerpoint/2010/main" xmlns:p15="http://schemas.microsoft.com/office/powerpoint/2012/main" xmlns:mc="http://schemas.openxmlformats.org/markup-compatibility/2006" type="blank" preserve="1">
+<p:sldLayout xmlns:a="http://schemas.openxmlformats.org/drawingml/2006/main" xmlns:r="http://schemas.openxmlformats.org/officeDocument/2006/relationships" xmlns:p="http://schemas.openxmlformats.org/presentationml/2006/main" type="blank" preserve="1">
   <p:cSld name="Blank Slide">
     <p:spTree>
       <p:nvGrpSpPr>
@@ -40,11 +132,14 @@
       </p:grpSpPr>
     </p:spTree>
   </p:cSld>
+  <p:clrMapOvr>
+    <a:masterClrMapping/>
+  </p:clrMapOvr>
 </p:sldLayout>
 </file>
 
 <file path=ppt/slideLayouts/slideLayout10.xml><?xml version="1.0" encoding="utf-8"?>
-<p:sldLayout xmlns:a="http://schemas.openxmlformats.org/drawingml/2006/main" xmlns:p="http://schemas.openxmlformats.org/presentationml/2006/main" xmlns:r="http://schemas.openxmlformats.org/officeDocument/2006/relationships" xmlns:p14="http://schemas.microsoft.com/office/powerpoint/2010/main" xmlns:p15="http://schemas.microsoft.com/office/powerpoint/2012/main" xmlns:mc="http://schemas.openxmlformats.org/markup-compatibility/2006" type="objOverTx" preserve="1">
+<p:sldLayout xmlns:a="http://schemas.openxmlformats.org/drawingml/2006/main" xmlns:r="http://schemas.openxmlformats.org/officeDocument/2006/relationships" xmlns:p="http://schemas.openxmlformats.org/presentationml/2006/main" type="objOverTx" preserve="1">
   <p:cSld name="Title, Content over Content">
     <p:spTree>
       <p:nvGrpSpPr>
@@ -80,15 +175,15 @@
           </a:prstGeom>
         </p:spPr>
         <p:txBody>
-          <a:bodyPr lIns="0" rIns="0" tIns="0" bIns="0" anchor="ctr"/>
-          <a:p>
-            <a:endParaRPr b="0" lang="pt-BR" sz="1800" spc="-1" strike="noStrike">
-              <a:solidFill>
-                <a:srgbClr val="000000"/>
-              </a:solidFill>
-              <a:uFill>
-                <a:solidFill>
-                  <a:srgbClr val="ffffff"/>
+          <a:bodyPr lIns="0" tIns="0" rIns="0" bIns="0" anchor="ctr"/>
+          <a:p>
+            <a:endParaRPr lang="pt-BR" sz="1800" b="0" strike="noStrike" spc="-1">
+              <a:solidFill>
+                <a:srgbClr val="000000"/>
+              </a:solidFill>
+              <a:uFill>
+                <a:solidFill>
+                  <a:srgbClr val="FFFFFF"/>
                 </a:solidFill>
               </a:uFill>
               <a:latin typeface="Calibri"/>
@@ -116,15 +211,15 @@
           </a:prstGeom>
         </p:spPr>
         <p:txBody>
-          <a:bodyPr lIns="0" rIns="0" tIns="0" bIns="0"/>
-          <a:p>
-            <a:endParaRPr b="0" lang="pt-BR" sz="3200" spc="-1" strike="noStrike">
-              <a:solidFill>
-                <a:srgbClr val="000000"/>
-              </a:solidFill>
-              <a:uFill>
-                <a:solidFill>
-                  <a:srgbClr val="ffffff"/>
+          <a:bodyPr lIns="0" tIns="0" rIns="0" bIns="0"/>
+          <a:p>
+            <a:endParaRPr lang="pt-BR" sz="3200" b="0" strike="noStrike" spc="-1">
+              <a:solidFill>
+                <a:srgbClr val="000000"/>
+              </a:solidFill>
+              <a:uFill>
+                <a:solidFill>
+                  <a:srgbClr val="FFFFFF"/>
                 </a:solidFill>
               </a:uFill>
               <a:latin typeface="Calibri"/>
@@ -152,15 +247,15 @@
           </a:prstGeom>
         </p:spPr>
         <p:txBody>
-          <a:bodyPr lIns="0" rIns="0" tIns="0" bIns="0"/>
-          <a:p>
-            <a:endParaRPr b="0" lang="pt-BR" sz="3200" spc="-1" strike="noStrike">
-              <a:solidFill>
-                <a:srgbClr val="000000"/>
-              </a:solidFill>
-              <a:uFill>
-                <a:solidFill>
-                  <a:srgbClr val="ffffff"/>
+          <a:bodyPr lIns="0" tIns="0" rIns="0" bIns="0"/>
+          <a:p>
+            <a:endParaRPr lang="pt-BR" sz="3200" b="0" strike="noStrike" spc="-1">
+              <a:solidFill>
+                <a:srgbClr val="000000"/>
+              </a:solidFill>
+              <a:uFill>
+                <a:solidFill>
+                  <a:srgbClr val="FFFFFF"/>
                 </a:solidFill>
               </a:uFill>
               <a:latin typeface="Calibri"/>
@@ -170,11 +265,14 @@
       </p:sp>
     </p:spTree>
   </p:cSld>
+  <p:clrMapOvr>
+    <a:masterClrMapping/>
+  </p:clrMapOvr>
 </p:sldLayout>
 </file>
 
 <file path=ppt/slideLayouts/slideLayout11.xml><?xml version="1.0" encoding="utf-8"?>
-<p:sldLayout xmlns:a="http://schemas.openxmlformats.org/drawingml/2006/main" xmlns:p="http://schemas.openxmlformats.org/presentationml/2006/main" xmlns:r="http://schemas.openxmlformats.org/officeDocument/2006/relationships" xmlns:p14="http://schemas.microsoft.com/office/powerpoint/2010/main" xmlns:p15="http://schemas.microsoft.com/office/powerpoint/2012/main" xmlns:mc="http://schemas.openxmlformats.org/markup-compatibility/2006" type="fourObj" preserve="1">
+<p:sldLayout xmlns:a="http://schemas.openxmlformats.org/drawingml/2006/main" xmlns:r="http://schemas.openxmlformats.org/officeDocument/2006/relationships" xmlns:p="http://schemas.openxmlformats.org/presentationml/2006/main" type="fourObj" preserve="1">
   <p:cSld name="Title, 4 Content">
     <p:spTree>
       <p:nvGrpSpPr>
@@ -210,15 +308,15 @@
           </a:prstGeom>
         </p:spPr>
         <p:txBody>
-          <a:bodyPr lIns="0" rIns="0" tIns="0" bIns="0" anchor="ctr"/>
-          <a:p>
-            <a:endParaRPr b="0" lang="pt-BR" sz="1800" spc="-1" strike="noStrike">
-              <a:solidFill>
-                <a:srgbClr val="000000"/>
-              </a:solidFill>
-              <a:uFill>
-                <a:solidFill>
-                  <a:srgbClr val="ffffff"/>
+          <a:bodyPr lIns="0" tIns="0" rIns="0" bIns="0" anchor="ctr"/>
+          <a:p>
+            <a:endParaRPr lang="pt-BR" sz="1800" b="0" strike="noStrike" spc="-1">
+              <a:solidFill>
+                <a:srgbClr val="000000"/>
+              </a:solidFill>
+              <a:uFill>
+                <a:solidFill>
+                  <a:srgbClr val="FFFFFF"/>
                 </a:solidFill>
               </a:uFill>
               <a:latin typeface="Calibri"/>
@@ -246,15 +344,15 @@
           </a:prstGeom>
         </p:spPr>
         <p:txBody>
-          <a:bodyPr lIns="0" rIns="0" tIns="0" bIns="0"/>
-          <a:p>
-            <a:endParaRPr b="0" lang="pt-BR" sz="3200" spc="-1" strike="noStrike">
-              <a:solidFill>
-                <a:srgbClr val="000000"/>
-              </a:solidFill>
-              <a:uFill>
-                <a:solidFill>
-                  <a:srgbClr val="ffffff"/>
+          <a:bodyPr lIns="0" tIns="0" rIns="0" bIns="0"/>
+          <a:p>
+            <a:endParaRPr lang="pt-BR" sz="3200" b="0" strike="noStrike" spc="-1">
+              <a:solidFill>
+                <a:srgbClr val="000000"/>
+              </a:solidFill>
+              <a:uFill>
+                <a:solidFill>
+                  <a:srgbClr val="FFFFFF"/>
                 </a:solidFill>
               </a:uFill>
               <a:latin typeface="Calibri"/>
@@ -282,15 +380,15 @@
           </a:prstGeom>
         </p:spPr>
         <p:txBody>
-          <a:bodyPr lIns="0" rIns="0" tIns="0" bIns="0"/>
-          <a:p>
-            <a:endParaRPr b="0" lang="pt-BR" sz="3200" spc="-1" strike="noStrike">
-              <a:solidFill>
-                <a:srgbClr val="000000"/>
-              </a:solidFill>
-              <a:uFill>
-                <a:solidFill>
-                  <a:srgbClr val="ffffff"/>
+          <a:bodyPr lIns="0" tIns="0" rIns="0" bIns="0"/>
+          <a:p>
+            <a:endParaRPr lang="pt-BR" sz="3200" b="0" strike="noStrike" spc="-1">
+              <a:solidFill>
+                <a:srgbClr val="000000"/>
+              </a:solidFill>
+              <a:uFill>
+                <a:solidFill>
+                  <a:srgbClr val="FFFFFF"/>
                 </a:solidFill>
               </a:uFill>
               <a:latin typeface="Calibri"/>
@@ -318,15 +416,15 @@
           </a:prstGeom>
         </p:spPr>
         <p:txBody>
-          <a:bodyPr lIns="0" rIns="0" tIns="0" bIns="0"/>
-          <a:p>
-            <a:endParaRPr b="0" lang="pt-BR" sz="3200" spc="-1" strike="noStrike">
-              <a:solidFill>
-                <a:srgbClr val="000000"/>
-              </a:solidFill>
-              <a:uFill>
-                <a:solidFill>
-                  <a:srgbClr val="ffffff"/>
+          <a:bodyPr lIns="0" tIns="0" rIns="0" bIns="0"/>
+          <a:p>
+            <a:endParaRPr lang="pt-BR" sz="3200" b="0" strike="noStrike" spc="-1">
+              <a:solidFill>
+                <a:srgbClr val="000000"/>
+              </a:solidFill>
+              <a:uFill>
+                <a:solidFill>
+                  <a:srgbClr val="FFFFFF"/>
                 </a:solidFill>
               </a:uFill>
               <a:latin typeface="Calibri"/>
@@ -354,15 +452,15 @@
           </a:prstGeom>
         </p:spPr>
         <p:txBody>
-          <a:bodyPr lIns="0" rIns="0" tIns="0" bIns="0"/>
-          <a:p>
-            <a:endParaRPr b="0" lang="pt-BR" sz="3200" spc="-1" strike="noStrike">
-              <a:solidFill>
-                <a:srgbClr val="000000"/>
-              </a:solidFill>
-              <a:uFill>
-                <a:solidFill>
-                  <a:srgbClr val="ffffff"/>
+          <a:bodyPr lIns="0" tIns="0" rIns="0" bIns="0"/>
+          <a:p>
+            <a:endParaRPr lang="pt-BR" sz="3200" b="0" strike="noStrike" spc="-1">
+              <a:solidFill>
+                <a:srgbClr val="000000"/>
+              </a:solidFill>
+              <a:uFill>
+                <a:solidFill>
+                  <a:srgbClr val="FFFFFF"/>
                 </a:solidFill>
               </a:uFill>
               <a:latin typeface="Calibri"/>
@@ -372,11 +470,14 @@
       </p:sp>
     </p:spTree>
   </p:cSld>
+  <p:clrMapOvr>
+    <a:masterClrMapping/>
+  </p:clrMapOvr>
 </p:sldLayout>
 </file>
 
 <file path=ppt/slideLayouts/slideLayout12.xml><?xml version="1.0" encoding="utf-8"?>
-<p:sldLayout xmlns:a="http://schemas.openxmlformats.org/drawingml/2006/main" xmlns:p="http://schemas.openxmlformats.org/presentationml/2006/main" xmlns:r="http://schemas.openxmlformats.org/officeDocument/2006/relationships" xmlns:p14="http://schemas.microsoft.com/office/powerpoint/2010/main" xmlns:p15="http://schemas.microsoft.com/office/powerpoint/2012/main" xmlns:mc="http://schemas.openxmlformats.org/markup-compatibility/2006" type="blank" preserve="1">
+<p:sldLayout xmlns:a="http://schemas.openxmlformats.org/drawingml/2006/main" xmlns:r="http://schemas.openxmlformats.org/officeDocument/2006/relationships" xmlns:p="http://schemas.openxmlformats.org/presentationml/2006/main" type="blank" preserve="1">
   <p:cSld name="Title, 6 Content">
     <p:spTree>
       <p:nvGrpSpPr>
@@ -412,15 +513,15 @@
           </a:prstGeom>
         </p:spPr>
         <p:txBody>
-          <a:bodyPr lIns="0" rIns="0" tIns="0" bIns="0" anchor="ctr"/>
-          <a:p>
-            <a:endParaRPr b="0" lang="pt-BR" sz="1800" spc="-1" strike="noStrike">
-              <a:solidFill>
-                <a:srgbClr val="000000"/>
-              </a:solidFill>
-              <a:uFill>
-                <a:solidFill>
-                  <a:srgbClr val="ffffff"/>
+          <a:bodyPr lIns="0" tIns="0" rIns="0" bIns="0" anchor="ctr"/>
+          <a:p>
+            <a:endParaRPr lang="pt-BR" sz="1800" b="0" strike="noStrike" spc="-1">
+              <a:solidFill>
+                <a:srgbClr val="000000"/>
+              </a:solidFill>
+              <a:uFill>
+                <a:solidFill>
+                  <a:srgbClr val="FFFFFF"/>
                 </a:solidFill>
               </a:uFill>
               <a:latin typeface="Calibri"/>
@@ -448,15 +549,15 @@
           </a:prstGeom>
         </p:spPr>
         <p:txBody>
-          <a:bodyPr lIns="0" rIns="0" tIns="0" bIns="0"/>
-          <a:p>
-            <a:endParaRPr b="0" lang="pt-BR" sz="3200" spc="-1" strike="noStrike">
-              <a:solidFill>
-                <a:srgbClr val="000000"/>
-              </a:solidFill>
-              <a:uFill>
-                <a:solidFill>
-                  <a:srgbClr val="ffffff"/>
+          <a:bodyPr lIns="0" tIns="0" rIns="0" bIns="0"/>
+          <a:p>
+            <a:endParaRPr lang="pt-BR" sz="3200" b="0" strike="noStrike" spc="-1">
+              <a:solidFill>
+                <a:srgbClr val="000000"/>
+              </a:solidFill>
+              <a:uFill>
+                <a:solidFill>
+                  <a:srgbClr val="FFFFFF"/>
                 </a:solidFill>
               </a:uFill>
               <a:latin typeface="Calibri"/>
@@ -484,15 +585,15 @@
           </a:prstGeom>
         </p:spPr>
         <p:txBody>
-          <a:bodyPr lIns="0" rIns="0" tIns="0" bIns="0"/>
-          <a:p>
-            <a:endParaRPr b="0" lang="pt-BR" sz="3200" spc="-1" strike="noStrike">
-              <a:solidFill>
-                <a:srgbClr val="000000"/>
-              </a:solidFill>
-              <a:uFill>
-                <a:solidFill>
-                  <a:srgbClr val="ffffff"/>
+          <a:bodyPr lIns="0" tIns="0" rIns="0" bIns="0"/>
+          <a:p>
+            <a:endParaRPr lang="pt-BR" sz="3200" b="0" strike="noStrike" spc="-1">
+              <a:solidFill>
+                <a:srgbClr val="000000"/>
+              </a:solidFill>
+              <a:uFill>
+                <a:solidFill>
+                  <a:srgbClr val="FFFFFF"/>
                 </a:solidFill>
               </a:uFill>
               <a:latin typeface="Calibri"/>
@@ -502,13 +603,15 @@
       </p:sp>
       <p:pic>
         <p:nvPicPr>
-          <p:cNvPr id="37" name="" descr=""/>
+          <p:cNvPr id="37" name="Imagem 36"/>
           <p:cNvPicPr/>
           <p:nvPr/>
         </p:nvPicPr>
         <p:blipFill>
           <a:blip r:embed="rId2"/>
-          <a:stretch/>
+          <a:stretch>
+            <a:fillRect/>
+          </a:stretch>
         </p:blipFill>
         <p:spPr>
           <a:xfrm>
@@ -525,13 +628,15 @@
       </p:pic>
       <p:pic>
         <p:nvPicPr>
-          <p:cNvPr id="38" name="" descr=""/>
+          <p:cNvPr id="38" name="Imagem 37"/>
           <p:cNvPicPr/>
           <p:nvPr/>
         </p:nvPicPr>
         <p:blipFill>
           <a:blip r:embed="rId3"/>
-          <a:stretch/>
+          <a:stretch>
+            <a:fillRect/>
+          </a:stretch>
         </p:blipFill>
         <p:spPr>
           <a:xfrm>
@@ -548,11 +653,14 @@
       </p:pic>
     </p:spTree>
   </p:cSld>
+  <p:clrMapOvr>
+    <a:masterClrMapping/>
+  </p:clrMapOvr>
 </p:sldLayout>
 </file>
 
 <file path=ppt/slideLayouts/slideLayout13.xml><?xml version="1.0" encoding="utf-8"?>
-<p:sldLayout xmlns:a="http://schemas.openxmlformats.org/drawingml/2006/main" xmlns:p="http://schemas.openxmlformats.org/presentationml/2006/main" xmlns:r="http://schemas.openxmlformats.org/officeDocument/2006/relationships" xmlns:p14="http://schemas.microsoft.com/office/powerpoint/2010/main" xmlns:p15="http://schemas.microsoft.com/office/powerpoint/2012/main" xmlns:mc="http://schemas.openxmlformats.org/markup-compatibility/2006" type="blank" preserve="1">
+<p:sldLayout xmlns:a="http://schemas.openxmlformats.org/drawingml/2006/main" xmlns:r="http://schemas.openxmlformats.org/officeDocument/2006/relationships" xmlns:p="http://schemas.openxmlformats.org/presentationml/2006/main" type="blank" preserve="1">
   <p:cSld name="Blank Slide">
     <p:spTree>
       <p:nvGrpSpPr>
@@ -570,11 +678,14 @@
       </p:grpSpPr>
     </p:spTree>
   </p:cSld>
+  <p:clrMapOvr>
+    <a:masterClrMapping/>
+  </p:clrMapOvr>
 </p:sldLayout>
 </file>
 
 <file path=ppt/slideLayouts/slideLayout14.xml><?xml version="1.0" encoding="utf-8"?>
-<p:sldLayout xmlns:a="http://schemas.openxmlformats.org/drawingml/2006/main" xmlns:p="http://schemas.openxmlformats.org/presentationml/2006/main" xmlns:r="http://schemas.openxmlformats.org/officeDocument/2006/relationships" xmlns:p14="http://schemas.microsoft.com/office/powerpoint/2010/main" xmlns:p15="http://schemas.microsoft.com/office/powerpoint/2012/main" xmlns:mc="http://schemas.openxmlformats.org/markup-compatibility/2006" type="tx" preserve="1">
+<p:sldLayout xmlns:a="http://schemas.openxmlformats.org/drawingml/2006/main" xmlns:r="http://schemas.openxmlformats.org/officeDocument/2006/relationships" xmlns:p="http://schemas.openxmlformats.org/presentationml/2006/main" type="tx" preserve="1">
   <p:cSld name="Title Slide">
     <p:spTree>
       <p:nvGrpSpPr>
@@ -610,15 +721,15 @@
           </a:prstGeom>
         </p:spPr>
         <p:txBody>
-          <a:bodyPr lIns="0" rIns="0" tIns="0" bIns="0" anchor="ctr"/>
-          <a:p>
-            <a:endParaRPr b="0" lang="pt-BR" sz="1800" spc="-1" strike="noStrike">
-              <a:solidFill>
-                <a:srgbClr val="000000"/>
-              </a:solidFill>
-              <a:uFill>
-                <a:solidFill>
-                  <a:srgbClr val="ffffff"/>
+          <a:bodyPr lIns="0" tIns="0" rIns="0" bIns="0" anchor="ctr"/>
+          <a:p>
+            <a:endParaRPr lang="pt-BR" sz="1800" b="0" strike="noStrike" spc="-1">
+              <a:solidFill>
+                <a:srgbClr val="000000"/>
+              </a:solidFill>
+              <a:uFill>
+                <a:solidFill>
+                  <a:srgbClr val="FFFFFF"/>
                 </a:solidFill>
               </a:uFill>
               <a:latin typeface="Calibri"/>
@@ -646,16 +757,16 @@
           </a:prstGeom>
         </p:spPr>
         <p:txBody>
-          <a:bodyPr lIns="0" rIns="0" tIns="0" bIns="0" anchor="ctr"/>
+          <a:bodyPr lIns="0" tIns="0" rIns="0" bIns="0" anchor="ctr"/>
           <a:p>
             <a:pPr algn="ctr"/>
-            <a:endParaRPr b="0" lang="pt-BR" sz="3200" spc="-1" strike="noStrike">
-              <a:solidFill>
-                <a:srgbClr val="000000"/>
-              </a:solidFill>
-              <a:uFill>
-                <a:solidFill>
-                  <a:srgbClr val="ffffff"/>
+            <a:endParaRPr lang="pt-BR" sz="3200" b="0" strike="noStrike" spc="-1">
+              <a:solidFill>
+                <a:srgbClr val="000000"/>
+              </a:solidFill>
+              <a:uFill>
+                <a:solidFill>
+                  <a:srgbClr val="FFFFFF"/>
                 </a:solidFill>
               </a:uFill>
               <a:latin typeface="Arial"/>
@@ -665,11 +776,14 @@
       </p:sp>
     </p:spTree>
   </p:cSld>
+  <p:clrMapOvr>
+    <a:masterClrMapping/>
+  </p:clrMapOvr>
 </p:sldLayout>
 </file>
 
 <file path=ppt/slideLayouts/slideLayout15.xml><?xml version="1.0" encoding="utf-8"?>
-<p:sldLayout xmlns:a="http://schemas.openxmlformats.org/drawingml/2006/main" xmlns:p="http://schemas.openxmlformats.org/presentationml/2006/main" xmlns:r="http://schemas.openxmlformats.org/officeDocument/2006/relationships" xmlns:p14="http://schemas.microsoft.com/office/powerpoint/2010/main" xmlns:p15="http://schemas.microsoft.com/office/powerpoint/2012/main" xmlns:mc="http://schemas.openxmlformats.org/markup-compatibility/2006" type="obj" preserve="1">
+<p:sldLayout xmlns:a="http://schemas.openxmlformats.org/drawingml/2006/main" xmlns:r="http://schemas.openxmlformats.org/officeDocument/2006/relationships" xmlns:p="http://schemas.openxmlformats.org/presentationml/2006/main" type="obj" preserve="1">
   <p:cSld name="Title, Content">
     <p:spTree>
       <p:nvGrpSpPr>
@@ -705,15 +819,15 @@
           </a:prstGeom>
         </p:spPr>
         <p:txBody>
-          <a:bodyPr lIns="0" rIns="0" tIns="0" bIns="0" anchor="ctr"/>
-          <a:p>
-            <a:endParaRPr b="0" lang="pt-BR" sz="1800" spc="-1" strike="noStrike">
-              <a:solidFill>
-                <a:srgbClr val="000000"/>
-              </a:solidFill>
-              <a:uFill>
-                <a:solidFill>
-                  <a:srgbClr val="ffffff"/>
+          <a:bodyPr lIns="0" tIns="0" rIns="0" bIns="0" anchor="ctr"/>
+          <a:p>
+            <a:endParaRPr lang="pt-BR" sz="1800" b="0" strike="noStrike" spc="-1">
+              <a:solidFill>
+                <a:srgbClr val="000000"/>
+              </a:solidFill>
+              <a:uFill>
+                <a:solidFill>
+                  <a:srgbClr val="FFFFFF"/>
                 </a:solidFill>
               </a:uFill>
               <a:latin typeface="Calibri"/>
@@ -741,15 +855,15 @@
           </a:prstGeom>
         </p:spPr>
         <p:txBody>
-          <a:bodyPr lIns="0" rIns="0" tIns="0" bIns="0"/>
-          <a:p>
-            <a:endParaRPr b="0" lang="pt-BR" sz="3200" spc="-1" strike="noStrike">
-              <a:solidFill>
-                <a:srgbClr val="000000"/>
-              </a:solidFill>
-              <a:uFill>
-                <a:solidFill>
-                  <a:srgbClr val="ffffff"/>
+          <a:bodyPr lIns="0" tIns="0" rIns="0" bIns="0"/>
+          <a:p>
+            <a:endParaRPr lang="pt-BR" sz="3200" b="0" strike="noStrike" spc="-1">
+              <a:solidFill>
+                <a:srgbClr val="000000"/>
+              </a:solidFill>
+              <a:uFill>
+                <a:solidFill>
+                  <a:srgbClr val="FFFFFF"/>
                 </a:solidFill>
               </a:uFill>
               <a:latin typeface="Calibri"/>
@@ -759,11 +873,14 @@
       </p:sp>
     </p:spTree>
   </p:cSld>
+  <p:clrMapOvr>
+    <a:masterClrMapping/>
+  </p:clrMapOvr>
 </p:sldLayout>
 </file>
 
 <file path=ppt/slideLayouts/slideLayout16.xml><?xml version="1.0" encoding="utf-8"?>
-<p:sldLayout xmlns:a="http://schemas.openxmlformats.org/drawingml/2006/main" xmlns:p="http://schemas.openxmlformats.org/presentationml/2006/main" xmlns:r="http://schemas.openxmlformats.org/officeDocument/2006/relationships" xmlns:p14="http://schemas.microsoft.com/office/powerpoint/2010/main" xmlns:p15="http://schemas.microsoft.com/office/powerpoint/2012/main" xmlns:mc="http://schemas.openxmlformats.org/markup-compatibility/2006" type="twoObj" preserve="1">
+<p:sldLayout xmlns:a="http://schemas.openxmlformats.org/drawingml/2006/main" xmlns:r="http://schemas.openxmlformats.org/officeDocument/2006/relationships" xmlns:p="http://schemas.openxmlformats.org/presentationml/2006/main" type="twoObj" preserve="1">
   <p:cSld name="Title, 2 Content">
     <p:spTree>
       <p:nvGrpSpPr>
@@ -799,15 +916,15 @@
           </a:prstGeom>
         </p:spPr>
         <p:txBody>
-          <a:bodyPr lIns="0" rIns="0" tIns="0" bIns="0" anchor="ctr"/>
-          <a:p>
-            <a:endParaRPr b="0" lang="pt-BR" sz="1800" spc="-1" strike="noStrike">
-              <a:solidFill>
-                <a:srgbClr val="000000"/>
-              </a:solidFill>
-              <a:uFill>
-                <a:solidFill>
-                  <a:srgbClr val="ffffff"/>
+          <a:bodyPr lIns="0" tIns="0" rIns="0" bIns="0" anchor="ctr"/>
+          <a:p>
+            <a:endParaRPr lang="pt-BR" sz="1800" b="0" strike="noStrike" spc="-1">
+              <a:solidFill>
+                <a:srgbClr val="000000"/>
+              </a:solidFill>
+              <a:uFill>
+                <a:solidFill>
+                  <a:srgbClr val="FFFFFF"/>
                 </a:solidFill>
               </a:uFill>
               <a:latin typeface="Calibri"/>
@@ -835,15 +952,15 @@
           </a:prstGeom>
         </p:spPr>
         <p:txBody>
-          <a:bodyPr lIns="0" rIns="0" tIns="0" bIns="0"/>
-          <a:p>
-            <a:endParaRPr b="0" lang="pt-BR" sz="3200" spc="-1" strike="noStrike">
-              <a:solidFill>
-                <a:srgbClr val="000000"/>
-              </a:solidFill>
-              <a:uFill>
-                <a:solidFill>
-                  <a:srgbClr val="ffffff"/>
+          <a:bodyPr lIns="0" tIns="0" rIns="0" bIns="0"/>
+          <a:p>
+            <a:endParaRPr lang="pt-BR" sz="3200" b="0" strike="noStrike" spc="-1">
+              <a:solidFill>
+                <a:srgbClr val="000000"/>
+              </a:solidFill>
+              <a:uFill>
+                <a:solidFill>
+                  <a:srgbClr val="FFFFFF"/>
                 </a:solidFill>
               </a:uFill>
               <a:latin typeface="Calibri"/>
@@ -871,15 +988,15 @@
           </a:prstGeom>
         </p:spPr>
         <p:txBody>
-          <a:bodyPr lIns="0" rIns="0" tIns="0" bIns="0"/>
-          <a:p>
-            <a:endParaRPr b="0" lang="pt-BR" sz="3200" spc="-1" strike="noStrike">
-              <a:solidFill>
-                <a:srgbClr val="000000"/>
-              </a:solidFill>
-              <a:uFill>
-                <a:solidFill>
-                  <a:srgbClr val="ffffff"/>
+          <a:bodyPr lIns="0" tIns="0" rIns="0" bIns="0"/>
+          <a:p>
+            <a:endParaRPr lang="pt-BR" sz="3200" b="0" strike="noStrike" spc="-1">
+              <a:solidFill>
+                <a:srgbClr val="000000"/>
+              </a:solidFill>
+              <a:uFill>
+                <a:solidFill>
+                  <a:srgbClr val="FFFFFF"/>
                 </a:solidFill>
               </a:uFill>
               <a:latin typeface="Calibri"/>
@@ -889,11 +1006,14 @@
       </p:sp>
     </p:spTree>
   </p:cSld>
+  <p:clrMapOvr>
+    <a:masterClrMapping/>
+  </p:clrMapOvr>
 </p:sldLayout>
 </file>
 
 <file path=ppt/slideLayouts/slideLayout17.xml><?xml version="1.0" encoding="utf-8"?>
-<p:sldLayout xmlns:a="http://schemas.openxmlformats.org/drawingml/2006/main" xmlns:p="http://schemas.openxmlformats.org/presentationml/2006/main" xmlns:r="http://schemas.openxmlformats.org/officeDocument/2006/relationships" xmlns:p14="http://schemas.microsoft.com/office/powerpoint/2010/main" xmlns:p15="http://schemas.microsoft.com/office/powerpoint/2012/main" xmlns:mc="http://schemas.openxmlformats.org/markup-compatibility/2006" type="titleOnly" preserve="1">
+<p:sldLayout xmlns:a="http://schemas.openxmlformats.org/drawingml/2006/main" xmlns:r="http://schemas.openxmlformats.org/officeDocument/2006/relationships" xmlns:p="http://schemas.openxmlformats.org/presentationml/2006/main" type="titleOnly" preserve="1">
   <p:cSld name="Title Only">
     <p:spTree>
       <p:nvGrpSpPr>
@@ -929,15 +1049,15 @@
           </a:prstGeom>
         </p:spPr>
         <p:txBody>
-          <a:bodyPr lIns="0" rIns="0" tIns="0" bIns="0" anchor="ctr"/>
-          <a:p>
-            <a:endParaRPr b="0" lang="pt-BR" sz="1800" spc="-1" strike="noStrike">
-              <a:solidFill>
-                <a:srgbClr val="000000"/>
-              </a:solidFill>
-              <a:uFill>
-                <a:solidFill>
-                  <a:srgbClr val="ffffff"/>
+          <a:bodyPr lIns="0" tIns="0" rIns="0" bIns="0" anchor="ctr"/>
+          <a:p>
+            <a:endParaRPr lang="pt-BR" sz="1800" b="0" strike="noStrike" spc="-1">
+              <a:solidFill>
+                <a:srgbClr val="000000"/>
+              </a:solidFill>
+              <a:uFill>
+                <a:solidFill>
+                  <a:srgbClr val="FFFFFF"/>
                 </a:solidFill>
               </a:uFill>
               <a:latin typeface="Calibri"/>
@@ -947,11 +1067,14 @@
       </p:sp>
     </p:spTree>
   </p:cSld>
+  <p:clrMapOvr>
+    <a:masterClrMapping/>
+  </p:clrMapOvr>
 </p:sldLayout>
 </file>
 
 <file path=ppt/slideLayouts/slideLayout18.xml><?xml version="1.0" encoding="utf-8"?>
-<p:sldLayout xmlns:a="http://schemas.openxmlformats.org/drawingml/2006/main" xmlns:p="http://schemas.openxmlformats.org/presentationml/2006/main" xmlns:r="http://schemas.openxmlformats.org/officeDocument/2006/relationships" xmlns:p14="http://schemas.microsoft.com/office/powerpoint/2010/main" xmlns:p15="http://schemas.microsoft.com/office/powerpoint/2012/main" xmlns:mc="http://schemas.openxmlformats.org/markup-compatibility/2006" type="objOnly" preserve="1">
+<p:sldLayout xmlns:a="http://schemas.openxmlformats.org/drawingml/2006/main" xmlns:r="http://schemas.openxmlformats.org/officeDocument/2006/relationships" xmlns:p="http://schemas.openxmlformats.org/presentationml/2006/main" type="objOnly" preserve="1">
   <p:cSld name="Centered Text">
     <p:spTree>
       <p:nvGrpSpPr>
@@ -987,16 +1110,16 @@
           </a:prstGeom>
         </p:spPr>
         <p:txBody>
-          <a:bodyPr lIns="0" rIns="0" tIns="0" bIns="0" anchor="ctr"/>
+          <a:bodyPr lIns="0" tIns="0" rIns="0" bIns="0" anchor="ctr"/>
           <a:p>
             <a:pPr algn="ctr"/>
-            <a:endParaRPr b="0" lang="pt-BR" sz="3200" spc="-1" strike="noStrike">
-              <a:solidFill>
-                <a:srgbClr val="000000"/>
-              </a:solidFill>
-              <a:uFill>
-                <a:solidFill>
-                  <a:srgbClr val="ffffff"/>
+            <a:endParaRPr lang="pt-BR" sz="3200" b="0" strike="noStrike" spc="-1">
+              <a:solidFill>
+                <a:srgbClr val="000000"/>
+              </a:solidFill>
+              <a:uFill>
+                <a:solidFill>
+                  <a:srgbClr val="FFFFFF"/>
                 </a:solidFill>
               </a:uFill>
               <a:latin typeface="Arial"/>
@@ -1006,11 +1129,14 @@
       </p:sp>
     </p:spTree>
   </p:cSld>
+  <p:clrMapOvr>
+    <a:masterClrMapping/>
+  </p:clrMapOvr>
 </p:sldLayout>
 </file>
 
 <file path=ppt/slideLayouts/slideLayout19.xml><?xml version="1.0" encoding="utf-8"?>
-<p:sldLayout xmlns:a="http://schemas.openxmlformats.org/drawingml/2006/main" xmlns:p="http://schemas.openxmlformats.org/presentationml/2006/main" xmlns:r="http://schemas.openxmlformats.org/officeDocument/2006/relationships" xmlns:p14="http://schemas.microsoft.com/office/powerpoint/2010/main" xmlns:p15="http://schemas.microsoft.com/office/powerpoint/2012/main" xmlns:mc="http://schemas.openxmlformats.org/markup-compatibility/2006" type="twoObjAndObj" preserve="1">
+<p:sldLayout xmlns:a="http://schemas.openxmlformats.org/drawingml/2006/main" xmlns:r="http://schemas.openxmlformats.org/officeDocument/2006/relationships" xmlns:p="http://schemas.openxmlformats.org/presentationml/2006/main" type="twoObjAndObj" preserve="1">
   <p:cSld name="Title, 2 Content and Content">
     <p:spTree>
       <p:nvGrpSpPr>
@@ -1046,15 +1172,15 @@
           </a:prstGeom>
         </p:spPr>
         <p:txBody>
-          <a:bodyPr lIns="0" rIns="0" tIns="0" bIns="0" anchor="ctr"/>
-          <a:p>
-            <a:endParaRPr b="0" lang="pt-BR" sz="1800" spc="-1" strike="noStrike">
-              <a:solidFill>
-                <a:srgbClr val="000000"/>
-              </a:solidFill>
-              <a:uFill>
-                <a:solidFill>
-                  <a:srgbClr val="ffffff"/>
+          <a:bodyPr lIns="0" tIns="0" rIns="0" bIns="0" anchor="ctr"/>
+          <a:p>
+            <a:endParaRPr lang="pt-BR" sz="1800" b="0" strike="noStrike" spc="-1">
+              <a:solidFill>
+                <a:srgbClr val="000000"/>
+              </a:solidFill>
+              <a:uFill>
+                <a:solidFill>
+                  <a:srgbClr val="FFFFFF"/>
                 </a:solidFill>
               </a:uFill>
               <a:latin typeface="Calibri"/>
@@ -1082,15 +1208,15 @@
           </a:prstGeom>
         </p:spPr>
         <p:txBody>
-          <a:bodyPr lIns="0" rIns="0" tIns="0" bIns="0"/>
-          <a:p>
-            <a:endParaRPr b="0" lang="pt-BR" sz="3200" spc="-1" strike="noStrike">
-              <a:solidFill>
-                <a:srgbClr val="000000"/>
-              </a:solidFill>
-              <a:uFill>
-                <a:solidFill>
-                  <a:srgbClr val="ffffff"/>
+          <a:bodyPr lIns="0" tIns="0" rIns="0" bIns="0"/>
+          <a:p>
+            <a:endParaRPr lang="pt-BR" sz="3200" b="0" strike="noStrike" spc="-1">
+              <a:solidFill>
+                <a:srgbClr val="000000"/>
+              </a:solidFill>
+              <a:uFill>
+                <a:solidFill>
+                  <a:srgbClr val="FFFFFF"/>
                 </a:solidFill>
               </a:uFill>
               <a:latin typeface="Calibri"/>
@@ -1118,15 +1244,15 @@
           </a:prstGeom>
         </p:spPr>
         <p:txBody>
-          <a:bodyPr lIns="0" rIns="0" tIns="0" bIns="0"/>
-          <a:p>
-            <a:endParaRPr b="0" lang="pt-BR" sz="3200" spc="-1" strike="noStrike">
-              <a:solidFill>
-                <a:srgbClr val="000000"/>
-              </a:solidFill>
-              <a:uFill>
-                <a:solidFill>
-                  <a:srgbClr val="ffffff"/>
+          <a:bodyPr lIns="0" tIns="0" rIns="0" bIns="0"/>
+          <a:p>
+            <a:endParaRPr lang="pt-BR" sz="3200" b="0" strike="noStrike" spc="-1">
+              <a:solidFill>
+                <a:srgbClr val="000000"/>
+              </a:solidFill>
+              <a:uFill>
+                <a:solidFill>
+                  <a:srgbClr val="FFFFFF"/>
                 </a:solidFill>
               </a:uFill>
               <a:latin typeface="Calibri"/>
@@ -1154,15 +1280,15 @@
           </a:prstGeom>
         </p:spPr>
         <p:txBody>
-          <a:bodyPr lIns="0" rIns="0" tIns="0" bIns="0"/>
-          <a:p>
-            <a:endParaRPr b="0" lang="pt-BR" sz="3200" spc="-1" strike="noStrike">
-              <a:solidFill>
-                <a:srgbClr val="000000"/>
-              </a:solidFill>
-              <a:uFill>
-                <a:solidFill>
-                  <a:srgbClr val="ffffff"/>
+          <a:bodyPr lIns="0" tIns="0" rIns="0" bIns="0"/>
+          <a:p>
+            <a:endParaRPr lang="pt-BR" sz="3200" b="0" strike="noStrike" spc="-1">
+              <a:solidFill>
+                <a:srgbClr val="000000"/>
+              </a:solidFill>
+              <a:uFill>
+                <a:solidFill>
+                  <a:srgbClr val="FFFFFF"/>
                 </a:solidFill>
               </a:uFill>
               <a:latin typeface="Calibri"/>
@@ -1172,11 +1298,14 @@
       </p:sp>
     </p:spTree>
   </p:cSld>
+  <p:clrMapOvr>
+    <a:masterClrMapping/>
+  </p:clrMapOvr>
 </p:sldLayout>
 </file>
 
 <file path=ppt/slideLayouts/slideLayout2.xml><?xml version="1.0" encoding="utf-8"?>
-<p:sldLayout xmlns:a="http://schemas.openxmlformats.org/drawingml/2006/main" xmlns:p="http://schemas.openxmlformats.org/presentationml/2006/main" xmlns:r="http://schemas.openxmlformats.org/officeDocument/2006/relationships" xmlns:p14="http://schemas.microsoft.com/office/powerpoint/2010/main" xmlns:p15="http://schemas.microsoft.com/office/powerpoint/2012/main" xmlns:mc="http://schemas.openxmlformats.org/markup-compatibility/2006" type="tx" preserve="1">
+<p:sldLayout xmlns:a="http://schemas.openxmlformats.org/drawingml/2006/main" xmlns:r="http://schemas.openxmlformats.org/officeDocument/2006/relationships" xmlns:p="http://schemas.openxmlformats.org/presentationml/2006/main" type="tx" preserve="1">
   <p:cSld name="Title Slide">
     <p:spTree>
       <p:nvGrpSpPr>
@@ -1212,15 +1341,15 @@
           </a:prstGeom>
         </p:spPr>
         <p:txBody>
-          <a:bodyPr lIns="0" rIns="0" tIns="0" bIns="0" anchor="ctr"/>
-          <a:p>
-            <a:endParaRPr b="0" lang="pt-BR" sz="1800" spc="-1" strike="noStrike">
-              <a:solidFill>
-                <a:srgbClr val="000000"/>
-              </a:solidFill>
-              <a:uFill>
-                <a:solidFill>
-                  <a:srgbClr val="ffffff"/>
+          <a:bodyPr lIns="0" tIns="0" rIns="0" bIns="0" anchor="ctr"/>
+          <a:p>
+            <a:endParaRPr lang="pt-BR" sz="1800" b="0" strike="noStrike" spc="-1">
+              <a:solidFill>
+                <a:srgbClr val="000000"/>
+              </a:solidFill>
+              <a:uFill>
+                <a:solidFill>
+                  <a:srgbClr val="FFFFFF"/>
                 </a:solidFill>
               </a:uFill>
               <a:latin typeface="Calibri"/>
@@ -1248,16 +1377,16 @@
           </a:prstGeom>
         </p:spPr>
         <p:txBody>
-          <a:bodyPr lIns="0" rIns="0" tIns="0" bIns="0" anchor="ctr"/>
+          <a:bodyPr lIns="0" tIns="0" rIns="0" bIns="0" anchor="ctr"/>
           <a:p>
             <a:pPr algn="ctr"/>
-            <a:endParaRPr b="0" lang="pt-BR" sz="3200" spc="-1" strike="noStrike">
-              <a:solidFill>
-                <a:srgbClr val="000000"/>
-              </a:solidFill>
-              <a:uFill>
-                <a:solidFill>
-                  <a:srgbClr val="ffffff"/>
+            <a:endParaRPr lang="pt-BR" sz="3200" b="0" strike="noStrike" spc="-1">
+              <a:solidFill>
+                <a:srgbClr val="000000"/>
+              </a:solidFill>
+              <a:uFill>
+                <a:solidFill>
+                  <a:srgbClr val="FFFFFF"/>
                 </a:solidFill>
               </a:uFill>
               <a:latin typeface="Arial"/>
@@ -1267,11 +1396,14 @@
       </p:sp>
     </p:spTree>
   </p:cSld>
+  <p:clrMapOvr>
+    <a:masterClrMapping/>
+  </p:clrMapOvr>
 </p:sldLayout>
 </file>
 
 <file path=ppt/slideLayouts/slideLayout20.xml><?xml version="1.0" encoding="utf-8"?>
-<p:sldLayout xmlns:a="http://schemas.openxmlformats.org/drawingml/2006/main" xmlns:p="http://schemas.openxmlformats.org/presentationml/2006/main" xmlns:r="http://schemas.openxmlformats.org/officeDocument/2006/relationships" xmlns:p14="http://schemas.microsoft.com/office/powerpoint/2010/main" xmlns:p15="http://schemas.microsoft.com/office/powerpoint/2012/main" xmlns:mc="http://schemas.openxmlformats.org/markup-compatibility/2006" type="objAndTwoObj" preserve="1">
+<p:sldLayout xmlns:a="http://schemas.openxmlformats.org/drawingml/2006/main" xmlns:r="http://schemas.openxmlformats.org/officeDocument/2006/relationships" xmlns:p="http://schemas.openxmlformats.org/presentationml/2006/main" type="objAndTwoObj" preserve="1">
   <p:cSld name="Title Content and 2 Content">
     <p:spTree>
       <p:nvGrpSpPr>
@@ -1307,15 +1439,15 @@
           </a:prstGeom>
         </p:spPr>
         <p:txBody>
-          <a:bodyPr lIns="0" rIns="0" tIns="0" bIns="0" anchor="ctr"/>
-          <a:p>
-            <a:endParaRPr b="0" lang="pt-BR" sz="1800" spc="-1" strike="noStrike">
-              <a:solidFill>
-                <a:srgbClr val="000000"/>
-              </a:solidFill>
-              <a:uFill>
-                <a:solidFill>
-                  <a:srgbClr val="ffffff"/>
+          <a:bodyPr lIns="0" tIns="0" rIns="0" bIns="0" anchor="ctr"/>
+          <a:p>
+            <a:endParaRPr lang="pt-BR" sz="1800" b="0" strike="noStrike" spc="-1">
+              <a:solidFill>
+                <a:srgbClr val="000000"/>
+              </a:solidFill>
+              <a:uFill>
+                <a:solidFill>
+                  <a:srgbClr val="FFFFFF"/>
                 </a:solidFill>
               </a:uFill>
               <a:latin typeface="Calibri"/>
@@ -1343,15 +1475,15 @@
           </a:prstGeom>
         </p:spPr>
         <p:txBody>
-          <a:bodyPr lIns="0" rIns="0" tIns="0" bIns="0"/>
-          <a:p>
-            <a:endParaRPr b="0" lang="pt-BR" sz="3200" spc="-1" strike="noStrike">
-              <a:solidFill>
-                <a:srgbClr val="000000"/>
-              </a:solidFill>
-              <a:uFill>
-                <a:solidFill>
-                  <a:srgbClr val="ffffff"/>
+          <a:bodyPr lIns="0" tIns="0" rIns="0" bIns="0"/>
+          <a:p>
+            <a:endParaRPr lang="pt-BR" sz="3200" b="0" strike="noStrike" spc="-1">
+              <a:solidFill>
+                <a:srgbClr val="000000"/>
+              </a:solidFill>
+              <a:uFill>
+                <a:solidFill>
+                  <a:srgbClr val="FFFFFF"/>
                 </a:solidFill>
               </a:uFill>
               <a:latin typeface="Calibri"/>
@@ -1379,15 +1511,15 @@
           </a:prstGeom>
         </p:spPr>
         <p:txBody>
-          <a:bodyPr lIns="0" rIns="0" tIns="0" bIns="0"/>
-          <a:p>
-            <a:endParaRPr b="0" lang="pt-BR" sz="3200" spc="-1" strike="noStrike">
-              <a:solidFill>
-                <a:srgbClr val="000000"/>
-              </a:solidFill>
-              <a:uFill>
-                <a:solidFill>
-                  <a:srgbClr val="ffffff"/>
+          <a:bodyPr lIns="0" tIns="0" rIns="0" bIns="0"/>
+          <a:p>
+            <a:endParaRPr lang="pt-BR" sz="3200" b="0" strike="noStrike" spc="-1">
+              <a:solidFill>
+                <a:srgbClr val="000000"/>
+              </a:solidFill>
+              <a:uFill>
+                <a:solidFill>
+                  <a:srgbClr val="FFFFFF"/>
                 </a:solidFill>
               </a:uFill>
               <a:latin typeface="Calibri"/>
@@ -1415,15 +1547,15 @@
           </a:prstGeom>
         </p:spPr>
         <p:txBody>
-          <a:bodyPr lIns="0" rIns="0" tIns="0" bIns="0"/>
-          <a:p>
-            <a:endParaRPr b="0" lang="pt-BR" sz="3200" spc="-1" strike="noStrike">
-              <a:solidFill>
-                <a:srgbClr val="000000"/>
-              </a:solidFill>
-              <a:uFill>
-                <a:solidFill>
-                  <a:srgbClr val="ffffff"/>
+          <a:bodyPr lIns="0" tIns="0" rIns="0" bIns="0"/>
+          <a:p>
+            <a:endParaRPr lang="pt-BR" sz="3200" b="0" strike="noStrike" spc="-1">
+              <a:solidFill>
+                <a:srgbClr val="000000"/>
+              </a:solidFill>
+              <a:uFill>
+                <a:solidFill>
+                  <a:srgbClr val="FFFFFF"/>
                 </a:solidFill>
               </a:uFill>
               <a:latin typeface="Calibri"/>
@@ -1433,11 +1565,14 @@
       </p:sp>
     </p:spTree>
   </p:cSld>
+  <p:clrMapOvr>
+    <a:masterClrMapping/>
+  </p:clrMapOvr>
 </p:sldLayout>
 </file>
 
 <file path=ppt/slideLayouts/slideLayout21.xml><?xml version="1.0" encoding="utf-8"?>
-<p:sldLayout xmlns:a="http://schemas.openxmlformats.org/drawingml/2006/main" xmlns:p="http://schemas.openxmlformats.org/presentationml/2006/main" xmlns:r="http://schemas.openxmlformats.org/officeDocument/2006/relationships" xmlns:p14="http://schemas.microsoft.com/office/powerpoint/2010/main" xmlns:p15="http://schemas.microsoft.com/office/powerpoint/2012/main" xmlns:mc="http://schemas.openxmlformats.org/markup-compatibility/2006" type="twoObjOverTx" preserve="1">
+<p:sldLayout xmlns:a="http://schemas.openxmlformats.org/drawingml/2006/main" xmlns:r="http://schemas.openxmlformats.org/officeDocument/2006/relationships" xmlns:p="http://schemas.openxmlformats.org/presentationml/2006/main" type="twoObjOverTx" preserve="1">
   <p:cSld name="Title, 2 Content over Content">
     <p:spTree>
       <p:nvGrpSpPr>
@@ -1473,15 +1608,15 @@
           </a:prstGeom>
         </p:spPr>
         <p:txBody>
-          <a:bodyPr lIns="0" rIns="0" tIns="0" bIns="0" anchor="ctr"/>
-          <a:p>
-            <a:endParaRPr b="0" lang="pt-BR" sz="1800" spc="-1" strike="noStrike">
-              <a:solidFill>
-                <a:srgbClr val="000000"/>
-              </a:solidFill>
-              <a:uFill>
-                <a:solidFill>
-                  <a:srgbClr val="ffffff"/>
+          <a:bodyPr lIns="0" tIns="0" rIns="0" bIns="0" anchor="ctr"/>
+          <a:p>
+            <a:endParaRPr lang="pt-BR" sz="1800" b="0" strike="noStrike" spc="-1">
+              <a:solidFill>
+                <a:srgbClr val="000000"/>
+              </a:solidFill>
+              <a:uFill>
+                <a:solidFill>
+                  <a:srgbClr val="FFFFFF"/>
                 </a:solidFill>
               </a:uFill>
               <a:latin typeface="Calibri"/>
@@ -1509,15 +1644,15 @@
           </a:prstGeom>
         </p:spPr>
         <p:txBody>
-          <a:bodyPr lIns="0" rIns="0" tIns="0" bIns="0"/>
-          <a:p>
-            <a:endParaRPr b="0" lang="pt-BR" sz="3200" spc="-1" strike="noStrike">
-              <a:solidFill>
-                <a:srgbClr val="000000"/>
-              </a:solidFill>
-              <a:uFill>
-                <a:solidFill>
-                  <a:srgbClr val="ffffff"/>
+          <a:bodyPr lIns="0" tIns="0" rIns="0" bIns="0"/>
+          <a:p>
+            <a:endParaRPr lang="pt-BR" sz="3200" b="0" strike="noStrike" spc="-1">
+              <a:solidFill>
+                <a:srgbClr val="000000"/>
+              </a:solidFill>
+              <a:uFill>
+                <a:solidFill>
+                  <a:srgbClr val="FFFFFF"/>
                 </a:solidFill>
               </a:uFill>
               <a:latin typeface="Calibri"/>
@@ -1545,15 +1680,15 @@
           </a:prstGeom>
         </p:spPr>
         <p:txBody>
-          <a:bodyPr lIns="0" rIns="0" tIns="0" bIns="0"/>
-          <a:p>
-            <a:endParaRPr b="0" lang="pt-BR" sz="3200" spc="-1" strike="noStrike">
-              <a:solidFill>
-                <a:srgbClr val="000000"/>
-              </a:solidFill>
-              <a:uFill>
-                <a:solidFill>
-                  <a:srgbClr val="ffffff"/>
+          <a:bodyPr lIns="0" tIns="0" rIns="0" bIns="0"/>
+          <a:p>
+            <a:endParaRPr lang="pt-BR" sz="3200" b="0" strike="noStrike" spc="-1">
+              <a:solidFill>
+                <a:srgbClr val="000000"/>
+              </a:solidFill>
+              <a:uFill>
+                <a:solidFill>
+                  <a:srgbClr val="FFFFFF"/>
                 </a:solidFill>
               </a:uFill>
               <a:latin typeface="Calibri"/>
@@ -1581,15 +1716,15 @@
           </a:prstGeom>
         </p:spPr>
         <p:txBody>
-          <a:bodyPr lIns="0" rIns="0" tIns="0" bIns="0"/>
-          <a:p>
-            <a:endParaRPr b="0" lang="pt-BR" sz="3200" spc="-1" strike="noStrike">
-              <a:solidFill>
-                <a:srgbClr val="000000"/>
-              </a:solidFill>
-              <a:uFill>
-                <a:solidFill>
-                  <a:srgbClr val="ffffff"/>
+          <a:bodyPr lIns="0" tIns="0" rIns="0" bIns="0"/>
+          <a:p>
+            <a:endParaRPr lang="pt-BR" sz="3200" b="0" strike="noStrike" spc="-1">
+              <a:solidFill>
+                <a:srgbClr val="000000"/>
+              </a:solidFill>
+              <a:uFill>
+                <a:solidFill>
+                  <a:srgbClr val="FFFFFF"/>
                 </a:solidFill>
               </a:uFill>
               <a:latin typeface="Calibri"/>
@@ -1599,11 +1734,14 @@
       </p:sp>
     </p:spTree>
   </p:cSld>
+  <p:clrMapOvr>
+    <a:masterClrMapping/>
+  </p:clrMapOvr>
 </p:sldLayout>
 </file>
 
 <file path=ppt/slideLayouts/slideLayout22.xml><?xml version="1.0" encoding="utf-8"?>
-<p:sldLayout xmlns:a="http://schemas.openxmlformats.org/drawingml/2006/main" xmlns:p="http://schemas.openxmlformats.org/presentationml/2006/main" xmlns:r="http://schemas.openxmlformats.org/officeDocument/2006/relationships" xmlns:p14="http://schemas.microsoft.com/office/powerpoint/2010/main" xmlns:p15="http://schemas.microsoft.com/office/powerpoint/2012/main" xmlns:mc="http://schemas.openxmlformats.org/markup-compatibility/2006" type="objOverTx" preserve="1">
+<p:sldLayout xmlns:a="http://schemas.openxmlformats.org/drawingml/2006/main" xmlns:r="http://schemas.openxmlformats.org/officeDocument/2006/relationships" xmlns:p="http://schemas.openxmlformats.org/presentationml/2006/main" type="objOverTx" preserve="1">
   <p:cSld name="Title, Content over Content">
     <p:spTree>
       <p:nvGrpSpPr>
@@ -1639,15 +1777,15 @@
           </a:prstGeom>
         </p:spPr>
         <p:txBody>
-          <a:bodyPr lIns="0" rIns="0" tIns="0" bIns="0" anchor="ctr"/>
-          <a:p>
-            <a:endParaRPr b="0" lang="pt-BR" sz="1800" spc="-1" strike="noStrike">
-              <a:solidFill>
-                <a:srgbClr val="000000"/>
-              </a:solidFill>
-              <a:uFill>
-                <a:solidFill>
-                  <a:srgbClr val="ffffff"/>
+          <a:bodyPr lIns="0" tIns="0" rIns="0" bIns="0" anchor="ctr"/>
+          <a:p>
+            <a:endParaRPr lang="pt-BR" sz="1800" b="0" strike="noStrike" spc="-1">
+              <a:solidFill>
+                <a:srgbClr val="000000"/>
+              </a:solidFill>
+              <a:uFill>
+                <a:solidFill>
+                  <a:srgbClr val="FFFFFF"/>
                 </a:solidFill>
               </a:uFill>
               <a:latin typeface="Calibri"/>
@@ -1675,15 +1813,15 @@
           </a:prstGeom>
         </p:spPr>
         <p:txBody>
-          <a:bodyPr lIns="0" rIns="0" tIns="0" bIns="0"/>
-          <a:p>
-            <a:endParaRPr b="0" lang="pt-BR" sz="3200" spc="-1" strike="noStrike">
-              <a:solidFill>
-                <a:srgbClr val="000000"/>
-              </a:solidFill>
-              <a:uFill>
-                <a:solidFill>
-                  <a:srgbClr val="ffffff"/>
+          <a:bodyPr lIns="0" tIns="0" rIns="0" bIns="0"/>
+          <a:p>
+            <a:endParaRPr lang="pt-BR" sz="3200" b="0" strike="noStrike" spc="-1">
+              <a:solidFill>
+                <a:srgbClr val="000000"/>
+              </a:solidFill>
+              <a:uFill>
+                <a:solidFill>
+                  <a:srgbClr val="FFFFFF"/>
                 </a:solidFill>
               </a:uFill>
               <a:latin typeface="Calibri"/>
@@ -1711,15 +1849,15 @@
           </a:prstGeom>
         </p:spPr>
         <p:txBody>
-          <a:bodyPr lIns="0" rIns="0" tIns="0" bIns="0"/>
-          <a:p>
-            <a:endParaRPr b="0" lang="pt-BR" sz="3200" spc="-1" strike="noStrike">
-              <a:solidFill>
-                <a:srgbClr val="000000"/>
-              </a:solidFill>
-              <a:uFill>
-                <a:solidFill>
-                  <a:srgbClr val="ffffff"/>
+          <a:bodyPr lIns="0" tIns="0" rIns="0" bIns="0"/>
+          <a:p>
+            <a:endParaRPr lang="pt-BR" sz="3200" b="0" strike="noStrike" spc="-1">
+              <a:solidFill>
+                <a:srgbClr val="000000"/>
+              </a:solidFill>
+              <a:uFill>
+                <a:solidFill>
+                  <a:srgbClr val="FFFFFF"/>
                 </a:solidFill>
               </a:uFill>
               <a:latin typeface="Calibri"/>
@@ -1729,11 +1867,14 @@
       </p:sp>
     </p:spTree>
   </p:cSld>
+  <p:clrMapOvr>
+    <a:masterClrMapping/>
+  </p:clrMapOvr>
 </p:sldLayout>
 </file>
 
 <file path=ppt/slideLayouts/slideLayout23.xml><?xml version="1.0" encoding="utf-8"?>
-<p:sldLayout xmlns:a="http://schemas.openxmlformats.org/drawingml/2006/main" xmlns:p="http://schemas.openxmlformats.org/presentationml/2006/main" xmlns:r="http://schemas.openxmlformats.org/officeDocument/2006/relationships" xmlns:p14="http://schemas.microsoft.com/office/powerpoint/2010/main" xmlns:p15="http://schemas.microsoft.com/office/powerpoint/2012/main" xmlns:mc="http://schemas.openxmlformats.org/markup-compatibility/2006" type="fourObj" preserve="1">
+<p:sldLayout xmlns:a="http://schemas.openxmlformats.org/drawingml/2006/main" xmlns:r="http://schemas.openxmlformats.org/officeDocument/2006/relationships" xmlns:p="http://schemas.openxmlformats.org/presentationml/2006/main" type="fourObj" preserve="1">
   <p:cSld name="Title, 4 Content">
     <p:spTree>
       <p:nvGrpSpPr>
@@ -1769,15 +1910,15 @@
           </a:prstGeom>
         </p:spPr>
         <p:txBody>
-          <a:bodyPr lIns="0" rIns="0" tIns="0" bIns="0" anchor="ctr"/>
-          <a:p>
-            <a:endParaRPr b="0" lang="pt-BR" sz="1800" spc="-1" strike="noStrike">
-              <a:solidFill>
-                <a:srgbClr val="000000"/>
-              </a:solidFill>
-              <a:uFill>
-                <a:solidFill>
-                  <a:srgbClr val="ffffff"/>
+          <a:bodyPr lIns="0" tIns="0" rIns="0" bIns="0" anchor="ctr"/>
+          <a:p>
+            <a:endParaRPr lang="pt-BR" sz="1800" b="0" strike="noStrike" spc="-1">
+              <a:solidFill>
+                <a:srgbClr val="000000"/>
+              </a:solidFill>
+              <a:uFill>
+                <a:solidFill>
+                  <a:srgbClr val="FFFFFF"/>
                 </a:solidFill>
               </a:uFill>
               <a:latin typeface="Calibri"/>
@@ -1805,15 +1946,15 @@
           </a:prstGeom>
         </p:spPr>
         <p:txBody>
-          <a:bodyPr lIns="0" rIns="0" tIns="0" bIns="0"/>
-          <a:p>
-            <a:endParaRPr b="0" lang="pt-BR" sz="3200" spc="-1" strike="noStrike">
-              <a:solidFill>
-                <a:srgbClr val="000000"/>
-              </a:solidFill>
-              <a:uFill>
-                <a:solidFill>
-                  <a:srgbClr val="ffffff"/>
+          <a:bodyPr lIns="0" tIns="0" rIns="0" bIns="0"/>
+          <a:p>
+            <a:endParaRPr lang="pt-BR" sz="3200" b="0" strike="noStrike" spc="-1">
+              <a:solidFill>
+                <a:srgbClr val="000000"/>
+              </a:solidFill>
+              <a:uFill>
+                <a:solidFill>
+                  <a:srgbClr val="FFFFFF"/>
                 </a:solidFill>
               </a:uFill>
               <a:latin typeface="Calibri"/>
@@ -1841,15 +1982,15 @@
           </a:prstGeom>
         </p:spPr>
         <p:txBody>
-          <a:bodyPr lIns="0" rIns="0" tIns="0" bIns="0"/>
-          <a:p>
-            <a:endParaRPr b="0" lang="pt-BR" sz="3200" spc="-1" strike="noStrike">
-              <a:solidFill>
-                <a:srgbClr val="000000"/>
-              </a:solidFill>
-              <a:uFill>
-                <a:solidFill>
-                  <a:srgbClr val="ffffff"/>
+          <a:bodyPr lIns="0" tIns="0" rIns="0" bIns="0"/>
+          <a:p>
+            <a:endParaRPr lang="pt-BR" sz="3200" b="0" strike="noStrike" spc="-1">
+              <a:solidFill>
+                <a:srgbClr val="000000"/>
+              </a:solidFill>
+              <a:uFill>
+                <a:solidFill>
+                  <a:srgbClr val="FFFFFF"/>
                 </a:solidFill>
               </a:uFill>
               <a:latin typeface="Calibri"/>
@@ -1877,15 +2018,15 @@
           </a:prstGeom>
         </p:spPr>
         <p:txBody>
-          <a:bodyPr lIns="0" rIns="0" tIns="0" bIns="0"/>
-          <a:p>
-            <a:endParaRPr b="0" lang="pt-BR" sz="3200" spc="-1" strike="noStrike">
-              <a:solidFill>
-                <a:srgbClr val="000000"/>
-              </a:solidFill>
-              <a:uFill>
-                <a:solidFill>
-                  <a:srgbClr val="ffffff"/>
+          <a:bodyPr lIns="0" tIns="0" rIns="0" bIns="0"/>
+          <a:p>
+            <a:endParaRPr lang="pt-BR" sz="3200" b="0" strike="noStrike" spc="-1">
+              <a:solidFill>
+                <a:srgbClr val="000000"/>
+              </a:solidFill>
+              <a:uFill>
+                <a:solidFill>
+                  <a:srgbClr val="FFFFFF"/>
                 </a:solidFill>
               </a:uFill>
               <a:latin typeface="Calibri"/>
@@ -1913,15 +2054,15 @@
           </a:prstGeom>
         </p:spPr>
         <p:txBody>
-          <a:bodyPr lIns="0" rIns="0" tIns="0" bIns="0"/>
-          <a:p>
-            <a:endParaRPr b="0" lang="pt-BR" sz="3200" spc="-1" strike="noStrike">
-              <a:solidFill>
-                <a:srgbClr val="000000"/>
-              </a:solidFill>
-              <a:uFill>
-                <a:solidFill>
-                  <a:srgbClr val="ffffff"/>
+          <a:bodyPr lIns="0" tIns="0" rIns="0" bIns="0"/>
+          <a:p>
+            <a:endParaRPr lang="pt-BR" sz="3200" b="0" strike="noStrike" spc="-1">
+              <a:solidFill>
+                <a:srgbClr val="000000"/>
+              </a:solidFill>
+              <a:uFill>
+                <a:solidFill>
+                  <a:srgbClr val="FFFFFF"/>
                 </a:solidFill>
               </a:uFill>
               <a:latin typeface="Calibri"/>
@@ -1931,11 +2072,14 @@
       </p:sp>
     </p:spTree>
   </p:cSld>
+  <p:clrMapOvr>
+    <a:masterClrMapping/>
+  </p:clrMapOvr>
 </p:sldLayout>
 </file>
 
 <file path=ppt/slideLayouts/slideLayout24.xml><?xml version="1.0" encoding="utf-8"?>
-<p:sldLayout xmlns:a="http://schemas.openxmlformats.org/drawingml/2006/main" xmlns:p="http://schemas.openxmlformats.org/presentationml/2006/main" xmlns:r="http://schemas.openxmlformats.org/officeDocument/2006/relationships" xmlns:p14="http://schemas.microsoft.com/office/powerpoint/2010/main" xmlns:p15="http://schemas.microsoft.com/office/powerpoint/2012/main" xmlns:mc="http://schemas.openxmlformats.org/markup-compatibility/2006" type="blank" preserve="1">
+<p:sldLayout xmlns:a="http://schemas.openxmlformats.org/drawingml/2006/main" xmlns:r="http://schemas.openxmlformats.org/officeDocument/2006/relationships" xmlns:p="http://schemas.openxmlformats.org/presentationml/2006/main" type="blank" preserve="1">
   <p:cSld name="Title, 6 Content">
     <p:spTree>
       <p:nvGrpSpPr>
@@ -1971,15 +2115,15 @@
           </a:prstGeom>
         </p:spPr>
         <p:txBody>
-          <a:bodyPr lIns="0" rIns="0" tIns="0" bIns="0" anchor="ctr"/>
-          <a:p>
-            <a:endParaRPr b="0" lang="pt-BR" sz="1800" spc="-1" strike="noStrike">
-              <a:solidFill>
-                <a:srgbClr val="000000"/>
-              </a:solidFill>
-              <a:uFill>
-                <a:solidFill>
-                  <a:srgbClr val="ffffff"/>
+          <a:bodyPr lIns="0" tIns="0" rIns="0" bIns="0" anchor="ctr"/>
+          <a:p>
+            <a:endParaRPr lang="pt-BR" sz="1800" b="0" strike="noStrike" spc="-1">
+              <a:solidFill>
+                <a:srgbClr val="000000"/>
+              </a:solidFill>
+              <a:uFill>
+                <a:solidFill>
+                  <a:srgbClr val="FFFFFF"/>
                 </a:solidFill>
               </a:uFill>
               <a:latin typeface="Calibri"/>
@@ -2007,15 +2151,15 @@
           </a:prstGeom>
         </p:spPr>
         <p:txBody>
-          <a:bodyPr lIns="0" rIns="0" tIns="0" bIns="0"/>
-          <a:p>
-            <a:endParaRPr b="0" lang="pt-BR" sz="3200" spc="-1" strike="noStrike">
-              <a:solidFill>
-                <a:srgbClr val="000000"/>
-              </a:solidFill>
-              <a:uFill>
-                <a:solidFill>
-                  <a:srgbClr val="ffffff"/>
+          <a:bodyPr lIns="0" tIns="0" rIns="0" bIns="0"/>
+          <a:p>
+            <a:endParaRPr lang="pt-BR" sz="3200" b="0" strike="noStrike" spc="-1">
+              <a:solidFill>
+                <a:srgbClr val="000000"/>
+              </a:solidFill>
+              <a:uFill>
+                <a:solidFill>
+                  <a:srgbClr val="FFFFFF"/>
                 </a:solidFill>
               </a:uFill>
               <a:latin typeface="Calibri"/>
@@ -2043,15 +2187,15 @@
           </a:prstGeom>
         </p:spPr>
         <p:txBody>
-          <a:bodyPr lIns="0" rIns="0" tIns="0" bIns="0"/>
-          <a:p>
-            <a:endParaRPr b="0" lang="pt-BR" sz="3200" spc="-1" strike="noStrike">
-              <a:solidFill>
-                <a:srgbClr val="000000"/>
-              </a:solidFill>
-              <a:uFill>
-                <a:solidFill>
-                  <a:srgbClr val="ffffff"/>
+          <a:bodyPr lIns="0" tIns="0" rIns="0" bIns="0"/>
+          <a:p>
+            <a:endParaRPr lang="pt-BR" sz="3200" b="0" strike="noStrike" spc="-1">
+              <a:solidFill>
+                <a:srgbClr val="000000"/>
+              </a:solidFill>
+              <a:uFill>
+                <a:solidFill>
+                  <a:srgbClr val="FFFFFF"/>
                 </a:solidFill>
               </a:uFill>
               <a:latin typeface="Calibri"/>
@@ -2061,13 +2205,15 @@
       </p:sp>
       <p:pic>
         <p:nvPicPr>
-          <p:cNvPr id="76" name="" descr=""/>
+          <p:cNvPr id="76" name="Imagem 75"/>
           <p:cNvPicPr/>
           <p:nvPr/>
         </p:nvPicPr>
         <p:blipFill>
           <a:blip r:embed="rId2"/>
-          <a:stretch/>
+          <a:stretch>
+            <a:fillRect/>
+          </a:stretch>
         </p:blipFill>
         <p:spPr>
           <a:xfrm>
@@ -2084,13 +2230,15 @@
       </p:pic>
       <p:pic>
         <p:nvPicPr>
-          <p:cNvPr id="77" name="" descr=""/>
+          <p:cNvPr id="77" name="Imagem 76"/>
           <p:cNvPicPr/>
           <p:nvPr/>
         </p:nvPicPr>
         <p:blipFill>
           <a:blip r:embed="rId3"/>
-          <a:stretch/>
+          <a:stretch>
+            <a:fillRect/>
+          </a:stretch>
         </p:blipFill>
         <p:spPr>
           <a:xfrm>
@@ -2107,11 +2255,14 @@
       </p:pic>
     </p:spTree>
   </p:cSld>
+  <p:clrMapOvr>
+    <a:masterClrMapping/>
+  </p:clrMapOvr>
 </p:sldLayout>
 </file>
 
 <file path=ppt/slideLayouts/slideLayout3.xml><?xml version="1.0" encoding="utf-8"?>
-<p:sldLayout xmlns:a="http://schemas.openxmlformats.org/drawingml/2006/main" xmlns:p="http://schemas.openxmlformats.org/presentationml/2006/main" xmlns:r="http://schemas.openxmlformats.org/officeDocument/2006/relationships" xmlns:p14="http://schemas.microsoft.com/office/powerpoint/2010/main" xmlns:p15="http://schemas.microsoft.com/office/powerpoint/2012/main" xmlns:mc="http://schemas.openxmlformats.org/markup-compatibility/2006" type="obj" preserve="1">
+<p:sldLayout xmlns:a="http://schemas.openxmlformats.org/drawingml/2006/main" xmlns:r="http://schemas.openxmlformats.org/officeDocument/2006/relationships" xmlns:p="http://schemas.openxmlformats.org/presentationml/2006/main" type="obj" preserve="1">
   <p:cSld name="Title, Content">
     <p:spTree>
       <p:nvGrpSpPr>
@@ -2147,15 +2298,15 @@
           </a:prstGeom>
         </p:spPr>
         <p:txBody>
-          <a:bodyPr lIns="0" rIns="0" tIns="0" bIns="0" anchor="ctr"/>
-          <a:p>
-            <a:endParaRPr b="0" lang="pt-BR" sz="1800" spc="-1" strike="noStrike">
-              <a:solidFill>
-                <a:srgbClr val="000000"/>
-              </a:solidFill>
-              <a:uFill>
-                <a:solidFill>
-                  <a:srgbClr val="ffffff"/>
+          <a:bodyPr lIns="0" tIns="0" rIns="0" bIns="0" anchor="ctr"/>
+          <a:p>
+            <a:endParaRPr lang="pt-BR" sz="1800" b="0" strike="noStrike" spc="-1">
+              <a:solidFill>
+                <a:srgbClr val="000000"/>
+              </a:solidFill>
+              <a:uFill>
+                <a:solidFill>
+                  <a:srgbClr val="FFFFFF"/>
                 </a:solidFill>
               </a:uFill>
               <a:latin typeface="Calibri"/>
@@ -2183,15 +2334,15 @@
           </a:prstGeom>
         </p:spPr>
         <p:txBody>
-          <a:bodyPr lIns="0" rIns="0" tIns="0" bIns="0"/>
-          <a:p>
-            <a:endParaRPr b="0" lang="pt-BR" sz="3200" spc="-1" strike="noStrike">
-              <a:solidFill>
-                <a:srgbClr val="000000"/>
-              </a:solidFill>
-              <a:uFill>
-                <a:solidFill>
-                  <a:srgbClr val="ffffff"/>
+          <a:bodyPr lIns="0" tIns="0" rIns="0" bIns="0"/>
+          <a:p>
+            <a:endParaRPr lang="pt-BR" sz="3200" b="0" strike="noStrike" spc="-1">
+              <a:solidFill>
+                <a:srgbClr val="000000"/>
+              </a:solidFill>
+              <a:uFill>
+                <a:solidFill>
+                  <a:srgbClr val="FFFFFF"/>
                 </a:solidFill>
               </a:uFill>
               <a:latin typeface="Calibri"/>
@@ -2201,11 +2352,14 @@
       </p:sp>
     </p:spTree>
   </p:cSld>
+  <p:clrMapOvr>
+    <a:masterClrMapping/>
+  </p:clrMapOvr>
 </p:sldLayout>
 </file>
 
 <file path=ppt/slideLayouts/slideLayout4.xml><?xml version="1.0" encoding="utf-8"?>
-<p:sldLayout xmlns:a="http://schemas.openxmlformats.org/drawingml/2006/main" xmlns:p="http://schemas.openxmlformats.org/presentationml/2006/main" xmlns:r="http://schemas.openxmlformats.org/officeDocument/2006/relationships" xmlns:p14="http://schemas.microsoft.com/office/powerpoint/2010/main" xmlns:p15="http://schemas.microsoft.com/office/powerpoint/2012/main" xmlns:mc="http://schemas.openxmlformats.org/markup-compatibility/2006" type="twoObj" preserve="1">
+<p:sldLayout xmlns:a="http://schemas.openxmlformats.org/drawingml/2006/main" xmlns:r="http://schemas.openxmlformats.org/officeDocument/2006/relationships" xmlns:p="http://schemas.openxmlformats.org/presentationml/2006/main" type="twoObj" preserve="1">
   <p:cSld name="Title, 2 Content">
     <p:spTree>
       <p:nvGrpSpPr>
@@ -2241,15 +2395,15 @@
           </a:prstGeom>
         </p:spPr>
         <p:txBody>
-          <a:bodyPr lIns="0" rIns="0" tIns="0" bIns="0" anchor="ctr"/>
-          <a:p>
-            <a:endParaRPr b="0" lang="pt-BR" sz="1800" spc="-1" strike="noStrike">
-              <a:solidFill>
-                <a:srgbClr val="000000"/>
-              </a:solidFill>
-              <a:uFill>
-                <a:solidFill>
-                  <a:srgbClr val="ffffff"/>
+          <a:bodyPr lIns="0" tIns="0" rIns="0" bIns="0" anchor="ctr"/>
+          <a:p>
+            <a:endParaRPr lang="pt-BR" sz="1800" b="0" strike="noStrike" spc="-1">
+              <a:solidFill>
+                <a:srgbClr val="000000"/>
+              </a:solidFill>
+              <a:uFill>
+                <a:solidFill>
+                  <a:srgbClr val="FFFFFF"/>
                 </a:solidFill>
               </a:uFill>
               <a:latin typeface="Calibri"/>
@@ -2277,15 +2431,15 @@
           </a:prstGeom>
         </p:spPr>
         <p:txBody>
-          <a:bodyPr lIns="0" rIns="0" tIns="0" bIns="0"/>
-          <a:p>
-            <a:endParaRPr b="0" lang="pt-BR" sz="3200" spc="-1" strike="noStrike">
-              <a:solidFill>
-                <a:srgbClr val="000000"/>
-              </a:solidFill>
-              <a:uFill>
-                <a:solidFill>
-                  <a:srgbClr val="ffffff"/>
+          <a:bodyPr lIns="0" tIns="0" rIns="0" bIns="0"/>
+          <a:p>
+            <a:endParaRPr lang="pt-BR" sz="3200" b="0" strike="noStrike" spc="-1">
+              <a:solidFill>
+                <a:srgbClr val="000000"/>
+              </a:solidFill>
+              <a:uFill>
+                <a:solidFill>
+                  <a:srgbClr val="FFFFFF"/>
                 </a:solidFill>
               </a:uFill>
               <a:latin typeface="Calibri"/>
@@ -2313,15 +2467,15 @@
           </a:prstGeom>
         </p:spPr>
         <p:txBody>
-          <a:bodyPr lIns="0" rIns="0" tIns="0" bIns="0"/>
-          <a:p>
-            <a:endParaRPr b="0" lang="pt-BR" sz="3200" spc="-1" strike="noStrike">
-              <a:solidFill>
-                <a:srgbClr val="000000"/>
-              </a:solidFill>
-              <a:uFill>
-                <a:solidFill>
-                  <a:srgbClr val="ffffff"/>
+          <a:bodyPr lIns="0" tIns="0" rIns="0" bIns="0"/>
+          <a:p>
+            <a:endParaRPr lang="pt-BR" sz="3200" b="0" strike="noStrike" spc="-1">
+              <a:solidFill>
+                <a:srgbClr val="000000"/>
+              </a:solidFill>
+              <a:uFill>
+                <a:solidFill>
+                  <a:srgbClr val="FFFFFF"/>
                 </a:solidFill>
               </a:uFill>
               <a:latin typeface="Calibri"/>
@@ -2331,11 +2485,14 @@
       </p:sp>
     </p:spTree>
   </p:cSld>
+  <p:clrMapOvr>
+    <a:masterClrMapping/>
+  </p:clrMapOvr>
 </p:sldLayout>
 </file>
 
 <file path=ppt/slideLayouts/slideLayout5.xml><?xml version="1.0" encoding="utf-8"?>
-<p:sldLayout xmlns:a="http://schemas.openxmlformats.org/drawingml/2006/main" xmlns:p="http://schemas.openxmlformats.org/presentationml/2006/main" xmlns:r="http://schemas.openxmlformats.org/officeDocument/2006/relationships" xmlns:p14="http://schemas.microsoft.com/office/powerpoint/2010/main" xmlns:p15="http://schemas.microsoft.com/office/powerpoint/2012/main" xmlns:mc="http://schemas.openxmlformats.org/markup-compatibility/2006" type="titleOnly" preserve="1">
+<p:sldLayout xmlns:a="http://schemas.openxmlformats.org/drawingml/2006/main" xmlns:r="http://schemas.openxmlformats.org/officeDocument/2006/relationships" xmlns:p="http://schemas.openxmlformats.org/presentationml/2006/main" type="titleOnly" preserve="1">
   <p:cSld name="Title Only">
     <p:spTree>
       <p:nvGrpSpPr>
@@ -2371,15 +2528,15 @@
           </a:prstGeom>
         </p:spPr>
         <p:txBody>
-          <a:bodyPr lIns="0" rIns="0" tIns="0" bIns="0" anchor="ctr"/>
-          <a:p>
-            <a:endParaRPr b="0" lang="pt-BR" sz="1800" spc="-1" strike="noStrike">
-              <a:solidFill>
-                <a:srgbClr val="000000"/>
-              </a:solidFill>
-              <a:uFill>
-                <a:solidFill>
-                  <a:srgbClr val="ffffff"/>
+          <a:bodyPr lIns="0" tIns="0" rIns="0" bIns="0" anchor="ctr"/>
+          <a:p>
+            <a:endParaRPr lang="pt-BR" sz="1800" b="0" strike="noStrike" spc="-1">
+              <a:solidFill>
+                <a:srgbClr val="000000"/>
+              </a:solidFill>
+              <a:uFill>
+                <a:solidFill>
+                  <a:srgbClr val="FFFFFF"/>
                 </a:solidFill>
               </a:uFill>
               <a:latin typeface="Calibri"/>
@@ -2389,11 +2546,14 @@
       </p:sp>
     </p:spTree>
   </p:cSld>
+  <p:clrMapOvr>
+    <a:masterClrMapping/>
+  </p:clrMapOvr>
 </p:sldLayout>
 </file>
 
 <file path=ppt/slideLayouts/slideLayout6.xml><?xml version="1.0" encoding="utf-8"?>
-<p:sldLayout xmlns:a="http://schemas.openxmlformats.org/drawingml/2006/main" xmlns:p="http://schemas.openxmlformats.org/presentationml/2006/main" xmlns:r="http://schemas.openxmlformats.org/officeDocument/2006/relationships" xmlns:p14="http://schemas.microsoft.com/office/powerpoint/2010/main" xmlns:p15="http://schemas.microsoft.com/office/powerpoint/2012/main" xmlns:mc="http://schemas.openxmlformats.org/markup-compatibility/2006" type="objOnly" preserve="1">
+<p:sldLayout xmlns:a="http://schemas.openxmlformats.org/drawingml/2006/main" xmlns:r="http://schemas.openxmlformats.org/officeDocument/2006/relationships" xmlns:p="http://schemas.openxmlformats.org/presentationml/2006/main" type="objOnly" preserve="1">
   <p:cSld name="Centered Text">
     <p:spTree>
       <p:nvGrpSpPr>
@@ -2429,16 +2589,16 @@
           </a:prstGeom>
         </p:spPr>
         <p:txBody>
-          <a:bodyPr lIns="0" rIns="0" tIns="0" bIns="0" anchor="ctr"/>
+          <a:bodyPr lIns="0" tIns="0" rIns="0" bIns="0" anchor="ctr"/>
           <a:p>
             <a:pPr algn="ctr"/>
-            <a:endParaRPr b="0" lang="pt-BR" sz="3200" spc="-1" strike="noStrike">
-              <a:solidFill>
-                <a:srgbClr val="000000"/>
-              </a:solidFill>
-              <a:uFill>
-                <a:solidFill>
-                  <a:srgbClr val="ffffff"/>
+            <a:endParaRPr lang="pt-BR" sz="3200" b="0" strike="noStrike" spc="-1">
+              <a:solidFill>
+                <a:srgbClr val="000000"/>
+              </a:solidFill>
+              <a:uFill>
+                <a:solidFill>
+                  <a:srgbClr val="FFFFFF"/>
                 </a:solidFill>
               </a:uFill>
               <a:latin typeface="Arial"/>
@@ -2448,11 +2608,14 @@
       </p:sp>
     </p:spTree>
   </p:cSld>
+  <p:clrMapOvr>
+    <a:masterClrMapping/>
+  </p:clrMapOvr>
 </p:sldLayout>
 </file>
 
 <file path=ppt/slideLayouts/slideLayout7.xml><?xml version="1.0" encoding="utf-8"?>
-<p:sldLayout xmlns:a="http://schemas.openxmlformats.org/drawingml/2006/main" xmlns:p="http://schemas.openxmlformats.org/presentationml/2006/main" xmlns:r="http://schemas.openxmlformats.org/officeDocument/2006/relationships" xmlns:p14="http://schemas.microsoft.com/office/powerpoint/2010/main" xmlns:p15="http://schemas.microsoft.com/office/powerpoint/2012/main" xmlns:mc="http://schemas.openxmlformats.org/markup-compatibility/2006" type="twoObjAndObj" preserve="1">
+<p:sldLayout xmlns:a="http://schemas.openxmlformats.org/drawingml/2006/main" xmlns:r="http://schemas.openxmlformats.org/officeDocument/2006/relationships" xmlns:p="http://schemas.openxmlformats.org/presentationml/2006/main" type="twoObjAndObj" preserve="1">
   <p:cSld name="Title, 2 Content and Content">
     <p:spTree>
       <p:nvGrpSpPr>
@@ -2488,15 +2651,15 @@
           </a:prstGeom>
         </p:spPr>
         <p:txBody>
-          <a:bodyPr lIns="0" rIns="0" tIns="0" bIns="0" anchor="ctr"/>
-          <a:p>
-            <a:endParaRPr b="0" lang="pt-BR" sz="1800" spc="-1" strike="noStrike">
-              <a:solidFill>
-                <a:srgbClr val="000000"/>
-              </a:solidFill>
-              <a:uFill>
-                <a:solidFill>
-                  <a:srgbClr val="ffffff"/>
+          <a:bodyPr lIns="0" tIns="0" rIns="0" bIns="0" anchor="ctr"/>
+          <a:p>
+            <a:endParaRPr lang="pt-BR" sz="1800" b="0" strike="noStrike" spc="-1">
+              <a:solidFill>
+                <a:srgbClr val="000000"/>
+              </a:solidFill>
+              <a:uFill>
+                <a:solidFill>
+                  <a:srgbClr val="FFFFFF"/>
                 </a:solidFill>
               </a:uFill>
               <a:latin typeface="Calibri"/>
@@ -2524,15 +2687,15 @@
           </a:prstGeom>
         </p:spPr>
         <p:txBody>
-          <a:bodyPr lIns="0" rIns="0" tIns="0" bIns="0"/>
-          <a:p>
-            <a:endParaRPr b="0" lang="pt-BR" sz="3200" spc="-1" strike="noStrike">
-              <a:solidFill>
-                <a:srgbClr val="000000"/>
-              </a:solidFill>
-              <a:uFill>
-                <a:solidFill>
-                  <a:srgbClr val="ffffff"/>
+          <a:bodyPr lIns="0" tIns="0" rIns="0" bIns="0"/>
+          <a:p>
+            <a:endParaRPr lang="pt-BR" sz="3200" b="0" strike="noStrike" spc="-1">
+              <a:solidFill>
+                <a:srgbClr val="000000"/>
+              </a:solidFill>
+              <a:uFill>
+                <a:solidFill>
+                  <a:srgbClr val="FFFFFF"/>
                 </a:solidFill>
               </a:uFill>
               <a:latin typeface="Calibri"/>
@@ -2560,15 +2723,15 @@
           </a:prstGeom>
         </p:spPr>
         <p:txBody>
-          <a:bodyPr lIns="0" rIns="0" tIns="0" bIns="0"/>
-          <a:p>
-            <a:endParaRPr b="0" lang="pt-BR" sz="3200" spc="-1" strike="noStrike">
-              <a:solidFill>
-                <a:srgbClr val="000000"/>
-              </a:solidFill>
-              <a:uFill>
-                <a:solidFill>
-                  <a:srgbClr val="ffffff"/>
+          <a:bodyPr lIns="0" tIns="0" rIns="0" bIns="0"/>
+          <a:p>
+            <a:endParaRPr lang="pt-BR" sz="3200" b="0" strike="noStrike" spc="-1">
+              <a:solidFill>
+                <a:srgbClr val="000000"/>
+              </a:solidFill>
+              <a:uFill>
+                <a:solidFill>
+                  <a:srgbClr val="FFFFFF"/>
                 </a:solidFill>
               </a:uFill>
               <a:latin typeface="Calibri"/>
@@ -2596,15 +2759,15 @@
           </a:prstGeom>
         </p:spPr>
         <p:txBody>
-          <a:bodyPr lIns="0" rIns="0" tIns="0" bIns="0"/>
-          <a:p>
-            <a:endParaRPr b="0" lang="pt-BR" sz="3200" spc="-1" strike="noStrike">
-              <a:solidFill>
-                <a:srgbClr val="000000"/>
-              </a:solidFill>
-              <a:uFill>
-                <a:solidFill>
-                  <a:srgbClr val="ffffff"/>
+          <a:bodyPr lIns="0" tIns="0" rIns="0" bIns="0"/>
+          <a:p>
+            <a:endParaRPr lang="pt-BR" sz="3200" b="0" strike="noStrike" spc="-1">
+              <a:solidFill>
+                <a:srgbClr val="000000"/>
+              </a:solidFill>
+              <a:uFill>
+                <a:solidFill>
+                  <a:srgbClr val="FFFFFF"/>
                 </a:solidFill>
               </a:uFill>
               <a:latin typeface="Calibri"/>
@@ -2614,11 +2777,14 @@
       </p:sp>
     </p:spTree>
   </p:cSld>
+  <p:clrMapOvr>
+    <a:masterClrMapping/>
+  </p:clrMapOvr>
 </p:sldLayout>
 </file>
 
 <file path=ppt/slideLayouts/slideLayout8.xml><?xml version="1.0" encoding="utf-8"?>
-<p:sldLayout xmlns:a="http://schemas.openxmlformats.org/drawingml/2006/main" xmlns:p="http://schemas.openxmlformats.org/presentationml/2006/main" xmlns:r="http://schemas.openxmlformats.org/officeDocument/2006/relationships" xmlns:p14="http://schemas.microsoft.com/office/powerpoint/2010/main" xmlns:p15="http://schemas.microsoft.com/office/powerpoint/2012/main" xmlns:mc="http://schemas.openxmlformats.org/markup-compatibility/2006" type="objAndTwoObj" preserve="1">
+<p:sldLayout xmlns:a="http://schemas.openxmlformats.org/drawingml/2006/main" xmlns:r="http://schemas.openxmlformats.org/officeDocument/2006/relationships" xmlns:p="http://schemas.openxmlformats.org/presentationml/2006/main" type="objAndTwoObj" preserve="1">
   <p:cSld name="Title Content and 2 Content">
     <p:spTree>
       <p:nvGrpSpPr>
@@ -2654,15 +2820,15 @@
           </a:prstGeom>
         </p:spPr>
         <p:txBody>
-          <a:bodyPr lIns="0" rIns="0" tIns="0" bIns="0" anchor="ctr"/>
-          <a:p>
-            <a:endParaRPr b="0" lang="pt-BR" sz="1800" spc="-1" strike="noStrike">
-              <a:solidFill>
-                <a:srgbClr val="000000"/>
-              </a:solidFill>
-              <a:uFill>
-                <a:solidFill>
-                  <a:srgbClr val="ffffff"/>
+          <a:bodyPr lIns="0" tIns="0" rIns="0" bIns="0" anchor="ctr"/>
+          <a:p>
+            <a:endParaRPr lang="pt-BR" sz="1800" b="0" strike="noStrike" spc="-1">
+              <a:solidFill>
+                <a:srgbClr val="000000"/>
+              </a:solidFill>
+              <a:uFill>
+                <a:solidFill>
+                  <a:srgbClr val="FFFFFF"/>
                 </a:solidFill>
               </a:uFill>
               <a:latin typeface="Calibri"/>
@@ -2690,15 +2856,15 @@
           </a:prstGeom>
         </p:spPr>
         <p:txBody>
-          <a:bodyPr lIns="0" rIns="0" tIns="0" bIns="0"/>
-          <a:p>
-            <a:endParaRPr b="0" lang="pt-BR" sz="3200" spc="-1" strike="noStrike">
-              <a:solidFill>
-                <a:srgbClr val="000000"/>
-              </a:solidFill>
-              <a:uFill>
-                <a:solidFill>
-                  <a:srgbClr val="ffffff"/>
+          <a:bodyPr lIns="0" tIns="0" rIns="0" bIns="0"/>
+          <a:p>
+            <a:endParaRPr lang="pt-BR" sz="3200" b="0" strike="noStrike" spc="-1">
+              <a:solidFill>
+                <a:srgbClr val="000000"/>
+              </a:solidFill>
+              <a:uFill>
+                <a:solidFill>
+                  <a:srgbClr val="FFFFFF"/>
                 </a:solidFill>
               </a:uFill>
               <a:latin typeface="Calibri"/>
@@ -2726,15 +2892,15 @@
           </a:prstGeom>
         </p:spPr>
         <p:txBody>
-          <a:bodyPr lIns="0" rIns="0" tIns="0" bIns="0"/>
-          <a:p>
-            <a:endParaRPr b="0" lang="pt-BR" sz="3200" spc="-1" strike="noStrike">
-              <a:solidFill>
-                <a:srgbClr val="000000"/>
-              </a:solidFill>
-              <a:uFill>
-                <a:solidFill>
-                  <a:srgbClr val="ffffff"/>
+          <a:bodyPr lIns="0" tIns="0" rIns="0" bIns="0"/>
+          <a:p>
+            <a:endParaRPr lang="pt-BR" sz="3200" b="0" strike="noStrike" spc="-1">
+              <a:solidFill>
+                <a:srgbClr val="000000"/>
+              </a:solidFill>
+              <a:uFill>
+                <a:solidFill>
+                  <a:srgbClr val="FFFFFF"/>
                 </a:solidFill>
               </a:uFill>
               <a:latin typeface="Calibri"/>
@@ -2762,15 +2928,15 @@
           </a:prstGeom>
         </p:spPr>
         <p:txBody>
-          <a:bodyPr lIns="0" rIns="0" tIns="0" bIns="0"/>
-          <a:p>
-            <a:endParaRPr b="0" lang="pt-BR" sz="3200" spc="-1" strike="noStrike">
-              <a:solidFill>
-                <a:srgbClr val="000000"/>
-              </a:solidFill>
-              <a:uFill>
-                <a:solidFill>
-                  <a:srgbClr val="ffffff"/>
+          <a:bodyPr lIns="0" tIns="0" rIns="0" bIns="0"/>
+          <a:p>
+            <a:endParaRPr lang="pt-BR" sz="3200" b="0" strike="noStrike" spc="-1">
+              <a:solidFill>
+                <a:srgbClr val="000000"/>
+              </a:solidFill>
+              <a:uFill>
+                <a:solidFill>
+                  <a:srgbClr val="FFFFFF"/>
                 </a:solidFill>
               </a:uFill>
               <a:latin typeface="Calibri"/>
@@ -2780,11 +2946,14 @@
       </p:sp>
     </p:spTree>
   </p:cSld>
+  <p:clrMapOvr>
+    <a:masterClrMapping/>
+  </p:clrMapOvr>
 </p:sldLayout>
 </file>
 
 <file path=ppt/slideLayouts/slideLayout9.xml><?xml version="1.0" encoding="utf-8"?>
-<p:sldLayout xmlns:a="http://schemas.openxmlformats.org/drawingml/2006/main" xmlns:p="http://schemas.openxmlformats.org/presentationml/2006/main" xmlns:r="http://schemas.openxmlformats.org/officeDocument/2006/relationships" xmlns:p14="http://schemas.microsoft.com/office/powerpoint/2010/main" xmlns:p15="http://schemas.microsoft.com/office/powerpoint/2012/main" xmlns:mc="http://schemas.openxmlformats.org/markup-compatibility/2006" type="twoObjOverTx" preserve="1">
+<p:sldLayout xmlns:a="http://schemas.openxmlformats.org/drawingml/2006/main" xmlns:r="http://schemas.openxmlformats.org/officeDocument/2006/relationships" xmlns:p="http://schemas.openxmlformats.org/presentationml/2006/main" type="twoObjOverTx" preserve="1">
   <p:cSld name="Title, 2 Content over Content">
     <p:spTree>
       <p:nvGrpSpPr>
@@ -2820,15 +2989,15 @@
           </a:prstGeom>
         </p:spPr>
         <p:txBody>
-          <a:bodyPr lIns="0" rIns="0" tIns="0" bIns="0" anchor="ctr"/>
-          <a:p>
-            <a:endParaRPr b="0" lang="pt-BR" sz="1800" spc="-1" strike="noStrike">
-              <a:solidFill>
-                <a:srgbClr val="000000"/>
-              </a:solidFill>
-              <a:uFill>
-                <a:solidFill>
-                  <a:srgbClr val="ffffff"/>
+          <a:bodyPr lIns="0" tIns="0" rIns="0" bIns="0" anchor="ctr"/>
+          <a:p>
+            <a:endParaRPr lang="pt-BR" sz="1800" b="0" strike="noStrike" spc="-1">
+              <a:solidFill>
+                <a:srgbClr val="000000"/>
+              </a:solidFill>
+              <a:uFill>
+                <a:solidFill>
+                  <a:srgbClr val="FFFFFF"/>
                 </a:solidFill>
               </a:uFill>
               <a:latin typeface="Calibri"/>
@@ -2856,15 +3025,15 @@
           </a:prstGeom>
         </p:spPr>
         <p:txBody>
-          <a:bodyPr lIns="0" rIns="0" tIns="0" bIns="0"/>
-          <a:p>
-            <a:endParaRPr b="0" lang="pt-BR" sz="3200" spc="-1" strike="noStrike">
-              <a:solidFill>
-                <a:srgbClr val="000000"/>
-              </a:solidFill>
-              <a:uFill>
-                <a:solidFill>
-                  <a:srgbClr val="ffffff"/>
+          <a:bodyPr lIns="0" tIns="0" rIns="0" bIns="0"/>
+          <a:p>
+            <a:endParaRPr lang="pt-BR" sz="3200" b="0" strike="noStrike" spc="-1">
+              <a:solidFill>
+                <a:srgbClr val="000000"/>
+              </a:solidFill>
+              <a:uFill>
+                <a:solidFill>
+                  <a:srgbClr val="FFFFFF"/>
                 </a:solidFill>
               </a:uFill>
               <a:latin typeface="Calibri"/>
@@ -2892,15 +3061,15 @@
           </a:prstGeom>
         </p:spPr>
         <p:txBody>
-          <a:bodyPr lIns="0" rIns="0" tIns="0" bIns="0"/>
-          <a:p>
-            <a:endParaRPr b="0" lang="pt-BR" sz="3200" spc="-1" strike="noStrike">
-              <a:solidFill>
-                <a:srgbClr val="000000"/>
-              </a:solidFill>
-              <a:uFill>
-                <a:solidFill>
-                  <a:srgbClr val="ffffff"/>
+          <a:bodyPr lIns="0" tIns="0" rIns="0" bIns="0"/>
+          <a:p>
+            <a:endParaRPr lang="pt-BR" sz="3200" b="0" strike="noStrike" spc="-1">
+              <a:solidFill>
+                <a:srgbClr val="000000"/>
+              </a:solidFill>
+              <a:uFill>
+                <a:solidFill>
+                  <a:srgbClr val="FFFFFF"/>
                 </a:solidFill>
               </a:uFill>
               <a:latin typeface="Calibri"/>
@@ -2928,15 +3097,15 @@
           </a:prstGeom>
         </p:spPr>
         <p:txBody>
-          <a:bodyPr lIns="0" rIns="0" tIns="0" bIns="0"/>
-          <a:p>
-            <a:endParaRPr b="0" lang="pt-BR" sz="3200" spc="-1" strike="noStrike">
-              <a:solidFill>
-                <a:srgbClr val="000000"/>
-              </a:solidFill>
-              <a:uFill>
-                <a:solidFill>
-                  <a:srgbClr val="ffffff"/>
+          <a:bodyPr lIns="0" tIns="0" rIns="0" bIns="0"/>
+          <a:p>
+            <a:endParaRPr lang="pt-BR" sz="3200" b="0" strike="noStrike" spc="-1">
+              <a:solidFill>
+                <a:srgbClr val="000000"/>
+              </a:solidFill>
+              <a:uFill>
+                <a:solidFill>
+                  <a:srgbClr val="FFFFFF"/>
                 </a:solidFill>
               </a:uFill>
               <a:latin typeface="Calibri"/>
@@ -2946,17 +3115,21 @@
       </p:sp>
     </p:spTree>
   </p:cSld>
+  <p:clrMapOvr>
+    <a:masterClrMapping/>
+  </p:clrMapOvr>
 </p:sldLayout>
 </file>
 
 <file path=ppt/slideMasters/slideMaster1.xml><?xml version="1.0" encoding="utf-8"?>
-<p:sldMaster xmlns:a="http://schemas.openxmlformats.org/drawingml/2006/main" xmlns:p="http://schemas.openxmlformats.org/presentationml/2006/main" xmlns:r="http://schemas.openxmlformats.org/officeDocument/2006/relationships" xmlns:p14="http://schemas.microsoft.com/office/powerpoint/2010/main" xmlns:p15="http://schemas.microsoft.com/office/powerpoint/2012/main" xmlns:mc="http://schemas.openxmlformats.org/markup-compatibility/2006">
+<p:sldMaster xmlns:a="http://schemas.openxmlformats.org/drawingml/2006/main" xmlns:r="http://schemas.openxmlformats.org/officeDocument/2006/relationships" xmlns:p="http://schemas.openxmlformats.org/presentationml/2006/main">
   <p:cSld>
     <p:bg>
       <p:bgPr>
         <a:solidFill>
-          <a:srgbClr val="ffffff"/>
+          <a:srgbClr val="FFFFFF"/>
         </a:solidFill>
+        <a:effectLst/>
       </p:bgPr>
     </p:bg>
     <p:spTree>
@@ -3001,36 +3174,36 @@
               </a:lnSpc>
             </a:pPr>
             <a:r>
-              <a:rPr b="0" lang="pt-BR" sz="4400" spc="-1" strike="noStrike">
+              <a:rPr lang="pt-BR" sz="4400" b="0" strike="noStrike" spc="-1">
                 <a:solidFill>
                   <a:srgbClr val="000000"/>
                 </a:solidFill>
                 <a:uFill>
                   <a:solidFill>
-                    <a:srgbClr val="ffffff"/>
+                    <a:srgbClr val="FFFFFF"/>
                   </a:solidFill>
                 </a:uFill>
                 <a:latin typeface="Calibri"/>
               </a:rPr>
               <a:t>Clique para editar o título mestre</a:t>
             </a:r>
-            <a:endParaRPr b="0" lang="pt-BR" sz="1800" spc="-1" strike="noStrike">
-              <a:solidFill>
-                <a:srgbClr val="000000"/>
-              </a:solidFill>
-              <a:uFill>
-                <a:solidFill>
-                  <a:srgbClr val="ffffff"/>
-                </a:solidFill>
-              </a:uFill>
-              <a:latin typeface="Calibri"/>
-            </a:endParaRPr>
-          </a:p>
-        </p:txBody>
-      </p:sp>
-      <p:sp>
-        <p:nvSpPr>
-          <p:cNvPr id="1" name="PlaceHolder 2"/>
+            <a:endParaRPr lang="pt-BR" sz="1800" b="0" strike="noStrike" spc="-1">
+              <a:solidFill>
+                <a:srgbClr val="000000"/>
+              </a:solidFill>
+              <a:uFill>
+                <a:solidFill>
+                  <a:srgbClr val="FFFFFF"/>
+                </a:solidFill>
+              </a:uFill>
+              <a:latin typeface="Calibri"/>
+            </a:endParaRPr>
+          </a:p>
+        </p:txBody>
+      </p:sp>
+      <p:sp>
+        <p:nvSpPr>
+          <p:cNvPr id="2" name="PlaceHolder 2"/>
           <p:cNvSpPr>
             <a:spLocks noGrp="1"/>
           </p:cNvSpPr>
@@ -3050,13 +3223,13 @@
         <p:txBody>
           <a:bodyPr anchor="ctr"/>
           <a:p>
-            <a:endParaRPr b="0" lang="pt-BR" sz="2400" spc="-1" strike="noStrike">
-              <a:solidFill>
-                <a:srgbClr val="000000"/>
-              </a:solidFill>
-              <a:uFill>
-                <a:solidFill>
-                  <a:srgbClr val="ffffff"/>
+            <a:endParaRPr lang="pt-BR" sz="2400" b="0" strike="noStrike" spc="-1">
+              <a:solidFill>
+                <a:srgbClr val="000000"/>
+              </a:solidFill>
+              <a:uFill>
+                <a:solidFill>
+                  <a:srgbClr val="FFFFFF"/>
                 </a:solidFill>
               </a:uFill>
               <a:latin typeface="Times New Roman"/>
@@ -3066,7 +3239,7 @@
       </p:sp>
       <p:sp>
         <p:nvSpPr>
-          <p:cNvPr id="2" name="PlaceHolder 3"/>
+          <p:cNvPr id="3" name="PlaceHolder 3"/>
           <p:cNvSpPr>
             <a:spLocks noGrp="1"/>
           </p:cNvSpPr>
@@ -3086,13 +3259,13 @@
         <p:txBody>
           <a:bodyPr anchor="ctr"/>
           <a:p>
-            <a:endParaRPr b="0" lang="pt-BR" sz="2400" spc="-1" strike="noStrike">
-              <a:solidFill>
-                <a:srgbClr val="000000"/>
-              </a:solidFill>
-              <a:uFill>
-                <a:solidFill>
-                  <a:srgbClr val="ffffff"/>
+            <a:endParaRPr lang="pt-BR" sz="2400" b="0" strike="noStrike" spc="-1">
+              <a:solidFill>
+                <a:srgbClr val="000000"/>
+              </a:solidFill>
+              <a:uFill>
+                <a:solidFill>
+                  <a:srgbClr val="FFFFFF"/>
                 </a:solidFill>
               </a:uFill>
               <a:latin typeface="Times New Roman"/>
@@ -3102,7 +3275,7 @@
       </p:sp>
       <p:sp>
         <p:nvSpPr>
-          <p:cNvPr id="3" name="PlaceHolder 4"/>
+          <p:cNvPr id="4" name="PlaceHolder 4"/>
           <p:cNvSpPr>
             <a:spLocks noGrp="1"/>
           </p:cNvSpPr>
@@ -3122,13 +3295,13 @@
         <p:txBody>
           <a:bodyPr anchor="ctr"/>
           <a:p>
-            <a:endParaRPr b="0" lang="pt-BR" sz="2400" spc="-1" strike="noStrike">
-              <a:solidFill>
-                <a:srgbClr val="000000"/>
-              </a:solidFill>
-              <a:uFill>
-                <a:solidFill>
-                  <a:srgbClr val="ffffff"/>
+            <a:endParaRPr lang="pt-BR" sz="2400" b="0" strike="noStrike" spc="-1">
+              <a:solidFill>
+                <a:srgbClr val="000000"/>
+              </a:solidFill>
+              <a:uFill>
+                <a:solidFill>
+                  <a:srgbClr val="FFFFFF"/>
                 </a:solidFill>
               </a:uFill>
               <a:latin typeface="Times New Roman"/>
@@ -3138,7 +3311,7 @@
       </p:sp>
       <p:sp>
         <p:nvSpPr>
-          <p:cNvPr id="4" name="PlaceHolder 5"/>
+          <p:cNvPr id="5" name="PlaceHolder 5"/>
           <p:cNvSpPr>
             <a:spLocks noGrp="1"/>
           </p:cNvSpPr>
@@ -3156,9 +3329,9 @@
           </a:prstGeom>
         </p:spPr>
         <p:txBody>
-          <a:bodyPr lIns="0" rIns="0" tIns="0" bIns="0"/>
-          <a:p>
-            <a:pPr marL="432000" indent="-324000">
+          <a:bodyPr lIns="0" tIns="0" rIns="0" bIns="0"/>
+          <a:p>
+            <a:pPr marL="431800" indent="-323850">
               <a:buClr>
                 <a:srgbClr val="000000"/>
               </a:buClr>
@@ -3167,33 +3340,33 @@
               <a:buChar char=""/>
             </a:pPr>
             <a:r>
-              <a:rPr b="0" lang="pt-BR" sz="3200" spc="-1" strike="noStrike">
+              <a:rPr lang="pt-BR" sz="3200" b="0" strike="noStrike" spc="-1">
                 <a:solidFill>
                   <a:srgbClr val="000000"/>
                 </a:solidFill>
                 <a:uFill>
                   <a:solidFill>
-                    <a:srgbClr val="ffffff"/>
+                    <a:srgbClr val="FFFFFF"/>
                   </a:solidFill>
                 </a:uFill>
                 <a:latin typeface="Calibri"/>
               </a:rPr>
               <a:t>Clique para editar o formato do texto da estrutura de tópicos</a:t>
             </a:r>
-            <a:endParaRPr b="0" lang="pt-BR" sz="3200" spc="-1" strike="noStrike">
-              <a:solidFill>
-                <a:srgbClr val="000000"/>
-              </a:solidFill>
-              <a:uFill>
-                <a:solidFill>
-                  <a:srgbClr val="ffffff"/>
-                </a:solidFill>
-              </a:uFill>
-              <a:latin typeface="Calibri"/>
-            </a:endParaRPr>
-          </a:p>
-          <a:p>
-            <a:pPr lvl="1" marL="864000" indent="-324000">
+            <a:endParaRPr lang="pt-BR" sz="3200" b="0" strike="noStrike" spc="-1">
+              <a:solidFill>
+                <a:srgbClr val="000000"/>
+              </a:solidFill>
+              <a:uFill>
+                <a:solidFill>
+                  <a:srgbClr val="FFFFFF"/>
+                </a:solidFill>
+              </a:uFill>
+              <a:latin typeface="Calibri"/>
+            </a:endParaRPr>
+          </a:p>
+          <a:p>
+            <a:pPr marL="864235" lvl="1" indent="-323850">
               <a:buClr>
                 <a:srgbClr val="000000"/>
               </a:buClr>
@@ -3202,33 +3375,33 @@
               <a:buChar char=""/>
             </a:pPr>
             <a:r>
-              <a:rPr b="0" lang="pt-BR" sz="2400" spc="-1" strike="noStrike">
+              <a:rPr lang="pt-BR" sz="2400" b="0" strike="noStrike" spc="-1">
                 <a:solidFill>
                   <a:srgbClr val="000000"/>
                 </a:solidFill>
                 <a:uFill>
                   <a:solidFill>
-                    <a:srgbClr val="ffffff"/>
+                    <a:srgbClr val="FFFFFF"/>
                   </a:solidFill>
                 </a:uFill>
                 <a:latin typeface="Calibri"/>
               </a:rPr>
               <a:t>2.º nível da estrutura de tópicos</a:t>
             </a:r>
-            <a:endParaRPr b="0" lang="pt-BR" sz="2400" spc="-1" strike="noStrike">
-              <a:solidFill>
-                <a:srgbClr val="000000"/>
-              </a:solidFill>
-              <a:uFill>
-                <a:solidFill>
-                  <a:srgbClr val="ffffff"/>
-                </a:solidFill>
-              </a:uFill>
-              <a:latin typeface="Calibri"/>
-            </a:endParaRPr>
-          </a:p>
-          <a:p>
-            <a:pPr lvl="2" marL="1296000" indent="-288000">
+            <a:endParaRPr lang="pt-BR" sz="2400" b="0" strike="noStrike" spc="-1">
+              <a:solidFill>
+                <a:srgbClr val="000000"/>
+              </a:solidFill>
+              <a:uFill>
+                <a:solidFill>
+                  <a:srgbClr val="FFFFFF"/>
+                </a:solidFill>
+              </a:uFill>
+              <a:latin typeface="Calibri"/>
+            </a:endParaRPr>
+          </a:p>
+          <a:p>
+            <a:pPr marL="1296035" lvl="2" indent="-288290">
               <a:buClr>
                 <a:srgbClr val="000000"/>
               </a:buClr>
@@ -3237,33 +3410,33 @@
               <a:buChar char=""/>
             </a:pPr>
             <a:r>
-              <a:rPr b="0" lang="pt-BR" sz="2000" spc="-1" strike="noStrike">
+              <a:rPr lang="pt-BR" sz="2000" b="0" strike="noStrike" spc="-1">
                 <a:solidFill>
                   <a:srgbClr val="000000"/>
                 </a:solidFill>
                 <a:uFill>
                   <a:solidFill>
-                    <a:srgbClr val="ffffff"/>
+                    <a:srgbClr val="FFFFFF"/>
                   </a:solidFill>
                 </a:uFill>
                 <a:latin typeface="Calibri"/>
               </a:rPr>
               <a:t>3.º nível da estrutura de tópicos</a:t>
             </a:r>
-            <a:endParaRPr b="0" lang="pt-BR" sz="2000" spc="-1" strike="noStrike">
-              <a:solidFill>
-                <a:srgbClr val="000000"/>
-              </a:solidFill>
-              <a:uFill>
-                <a:solidFill>
-                  <a:srgbClr val="ffffff"/>
-                </a:solidFill>
-              </a:uFill>
-              <a:latin typeface="Calibri"/>
-            </a:endParaRPr>
-          </a:p>
-          <a:p>
-            <a:pPr lvl="3" marL="1728000" indent="-216000">
+            <a:endParaRPr lang="pt-BR" sz="2000" b="0" strike="noStrike" spc="-1">
+              <a:solidFill>
+                <a:srgbClr val="000000"/>
+              </a:solidFill>
+              <a:uFill>
+                <a:solidFill>
+                  <a:srgbClr val="FFFFFF"/>
+                </a:solidFill>
+              </a:uFill>
+              <a:latin typeface="Calibri"/>
+            </a:endParaRPr>
+          </a:p>
+          <a:p>
+            <a:pPr marL="1727835" lvl="3" indent="-215900">
               <a:buClr>
                 <a:srgbClr val="000000"/>
               </a:buClr>
@@ -3272,33 +3445,33 @@
               <a:buChar char=""/>
             </a:pPr>
             <a:r>
-              <a:rPr b="0" lang="pt-BR" sz="2000" spc="-1" strike="noStrike">
+              <a:rPr lang="pt-BR" sz="2000" b="0" strike="noStrike" spc="-1">
                 <a:solidFill>
                   <a:srgbClr val="000000"/>
                 </a:solidFill>
                 <a:uFill>
                   <a:solidFill>
-                    <a:srgbClr val="ffffff"/>
+                    <a:srgbClr val="FFFFFF"/>
                   </a:solidFill>
                 </a:uFill>
                 <a:latin typeface="Calibri"/>
               </a:rPr>
               <a:t>4.º nível da estrutura de tópicos</a:t>
             </a:r>
-            <a:endParaRPr b="0" lang="pt-BR" sz="2000" spc="-1" strike="noStrike">
-              <a:solidFill>
-                <a:srgbClr val="000000"/>
-              </a:solidFill>
-              <a:uFill>
-                <a:solidFill>
-                  <a:srgbClr val="ffffff"/>
-                </a:solidFill>
-              </a:uFill>
-              <a:latin typeface="Calibri"/>
-            </a:endParaRPr>
-          </a:p>
-          <a:p>
-            <a:pPr lvl="4" marL="2160000" indent="-216000">
+            <a:endParaRPr lang="pt-BR" sz="2000" b="0" strike="noStrike" spc="-1">
+              <a:solidFill>
+                <a:srgbClr val="000000"/>
+              </a:solidFill>
+              <a:uFill>
+                <a:solidFill>
+                  <a:srgbClr val="FFFFFF"/>
+                </a:solidFill>
+              </a:uFill>
+              <a:latin typeface="Calibri"/>
+            </a:endParaRPr>
+          </a:p>
+          <a:p>
+            <a:pPr marL="2160270" lvl="4" indent="-215900">
               <a:buClr>
                 <a:srgbClr val="000000"/>
               </a:buClr>
@@ -3307,33 +3480,33 @@
               <a:buChar char=""/>
             </a:pPr>
             <a:r>
-              <a:rPr b="0" lang="pt-BR" sz="2000" spc="-1" strike="noStrike">
+              <a:rPr lang="pt-BR" sz="2000" b="0" strike="noStrike" spc="-1">
                 <a:solidFill>
                   <a:srgbClr val="000000"/>
                 </a:solidFill>
                 <a:uFill>
                   <a:solidFill>
-                    <a:srgbClr val="ffffff"/>
+                    <a:srgbClr val="FFFFFF"/>
                   </a:solidFill>
                 </a:uFill>
                 <a:latin typeface="Calibri"/>
               </a:rPr>
               <a:t>5.º nível da estrutura de tópicos</a:t>
             </a:r>
-            <a:endParaRPr b="0" lang="pt-BR" sz="2000" spc="-1" strike="noStrike">
-              <a:solidFill>
-                <a:srgbClr val="000000"/>
-              </a:solidFill>
-              <a:uFill>
-                <a:solidFill>
-                  <a:srgbClr val="ffffff"/>
-                </a:solidFill>
-              </a:uFill>
-              <a:latin typeface="Calibri"/>
-            </a:endParaRPr>
-          </a:p>
-          <a:p>
-            <a:pPr lvl="5" marL="2592000" indent="-216000">
+            <a:endParaRPr lang="pt-BR" sz="2000" b="0" strike="noStrike" spc="-1">
+              <a:solidFill>
+                <a:srgbClr val="000000"/>
+              </a:solidFill>
+              <a:uFill>
+                <a:solidFill>
+                  <a:srgbClr val="FFFFFF"/>
+                </a:solidFill>
+              </a:uFill>
+              <a:latin typeface="Calibri"/>
+            </a:endParaRPr>
+          </a:p>
+          <a:p>
+            <a:pPr marL="2592070" lvl="5" indent="-215900">
               <a:buClr>
                 <a:srgbClr val="000000"/>
               </a:buClr>
@@ -3342,33 +3515,33 @@
               <a:buChar char=""/>
             </a:pPr>
             <a:r>
-              <a:rPr b="0" lang="pt-BR" sz="2000" spc="-1" strike="noStrike">
+              <a:rPr lang="pt-BR" sz="2000" b="0" strike="noStrike" spc="-1">
                 <a:solidFill>
                   <a:srgbClr val="000000"/>
                 </a:solidFill>
                 <a:uFill>
                   <a:solidFill>
-                    <a:srgbClr val="ffffff"/>
+                    <a:srgbClr val="FFFFFF"/>
                   </a:solidFill>
                 </a:uFill>
                 <a:latin typeface="Calibri"/>
               </a:rPr>
               <a:t>6.º nível da estrutura de tópicos</a:t>
             </a:r>
-            <a:endParaRPr b="0" lang="pt-BR" sz="2000" spc="-1" strike="noStrike">
-              <a:solidFill>
-                <a:srgbClr val="000000"/>
-              </a:solidFill>
-              <a:uFill>
-                <a:solidFill>
-                  <a:srgbClr val="ffffff"/>
-                </a:solidFill>
-              </a:uFill>
-              <a:latin typeface="Calibri"/>
-            </a:endParaRPr>
-          </a:p>
-          <a:p>
-            <a:pPr lvl="6" marL="3024000" indent="-216000">
+            <a:endParaRPr lang="pt-BR" sz="2000" b="0" strike="noStrike" spc="-1">
+              <a:solidFill>
+                <a:srgbClr val="000000"/>
+              </a:solidFill>
+              <a:uFill>
+                <a:solidFill>
+                  <a:srgbClr val="FFFFFF"/>
+                </a:solidFill>
+              </a:uFill>
+              <a:latin typeface="Calibri"/>
+            </a:endParaRPr>
+          </a:p>
+          <a:p>
+            <a:pPr marL="3023870" lvl="6" indent="-215900">
               <a:buClr>
                 <a:srgbClr val="000000"/>
               </a:buClr>
@@ -3377,26 +3550,26 @@
               <a:buChar char=""/>
             </a:pPr>
             <a:r>
-              <a:rPr b="0" lang="pt-BR" sz="2000" spc="-1" strike="noStrike">
+              <a:rPr lang="pt-BR" sz="2000" b="0" strike="noStrike" spc="-1">
                 <a:solidFill>
                   <a:srgbClr val="000000"/>
                 </a:solidFill>
                 <a:uFill>
                   <a:solidFill>
-                    <a:srgbClr val="ffffff"/>
+                    <a:srgbClr val="FFFFFF"/>
                   </a:solidFill>
                 </a:uFill>
                 <a:latin typeface="Calibri"/>
               </a:rPr>
               <a:t>7.º nível da estrutura de tópicos</a:t>
             </a:r>
-            <a:endParaRPr b="0" lang="pt-BR" sz="2000" spc="-1" strike="noStrike">
-              <a:solidFill>
-                <a:srgbClr val="000000"/>
-              </a:solidFill>
-              <a:uFill>
-                <a:solidFill>
-                  <a:srgbClr val="ffffff"/>
+            <a:endParaRPr lang="pt-BR" sz="2000" b="0" strike="noStrike" spc="-1">
+              <a:solidFill>
+                <a:srgbClr val="000000"/>
+              </a:solidFill>
+              <a:uFill>
+                <a:solidFill>
+                  <a:srgbClr val="FFFFFF"/>
                 </a:solidFill>
               </a:uFill>
               <a:latin typeface="Calibri"/>
@@ -3406,32 +3579,38 @@
       </p:sp>
     </p:spTree>
   </p:cSld>
-  <p:clrMap bg1="lt1" bg2="lt2" tx1="dk1" tx2="dk2" accent1="accent1" accent2="accent2" accent3="accent3" accent4="accent4" accent5="accent5" accent6="accent6" hlink="hlink" folHlink="folHlink"/>
+  <p:clrMap bg1="lt1" tx1="dk1" bg2="lt2" tx2="dk2" accent1="accent1" accent2="accent2" accent3="accent3" accent4="accent4" accent5="accent5" accent6="accent6" hlink="hlink" folHlink="folHlink"/>
   <p:sldLayoutIdLst>
-    <p:sldLayoutId id="2147483649" r:id="rId2"/>
-    <p:sldLayoutId id="2147483650" r:id="rId3"/>
-    <p:sldLayoutId id="2147483651" r:id="rId4"/>
-    <p:sldLayoutId id="2147483652" r:id="rId5"/>
-    <p:sldLayoutId id="2147483653" r:id="rId6"/>
-    <p:sldLayoutId id="2147483654" r:id="rId7"/>
-    <p:sldLayoutId id="2147483655" r:id="rId8"/>
-    <p:sldLayoutId id="2147483656" r:id="rId9"/>
-    <p:sldLayoutId id="2147483657" r:id="rId10"/>
-    <p:sldLayoutId id="2147483658" r:id="rId11"/>
-    <p:sldLayoutId id="2147483659" r:id="rId12"/>
-    <p:sldLayoutId id="2147483660" r:id="rId13"/>
+    <p:sldLayoutId id="2147483649" r:id="rId1"/>
+    <p:sldLayoutId id="2147483650" r:id="rId2"/>
+    <p:sldLayoutId id="2147483651" r:id="rId3"/>
+    <p:sldLayoutId id="2147483652" r:id="rId4"/>
+    <p:sldLayoutId id="2147483653" r:id="rId5"/>
+    <p:sldLayoutId id="2147483654" r:id="rId6"/>
+    <p:sldLayoutId id="2147483655" r:id="rId7"/>
+    <p:sldLayoutId id="2147483656" r:id="rId8"/>
+    <p:sldLayoutId id="2147483657" r:id="rId9"/>
+    <p:sldLayoutId id="2147483658" r:id="rId10"/>
+    <p:sldLayoutId id="2147483659" r:id="rId11"/>
+    <p:sldLayoutId id="2147483660" r:id="rId12"/>
   </p:sldLayoutIdLst>
+  <p:txStyles>
+    <p:titleStyle/>
+    <p:bodyStyle/>
+    <p:otherStyle/>
+  </p:txStyles>
 </p:sldMaster>
 </file>
 
 <file path=ppt/slideMasters/slideMaster2.xml><?xml version="1.0" encoding="utf-8"?>
-<p:sldMaster xmlns:a="http://schemas.openxmlformats.org/drawingml/2006/main" xmlns:p="http://schemas.openxmlformats.org/presentationml/2006/main" xmlns:r="http://schemas.openxmlformats.org/officeDocument/2006/relationships" xmlns:p14="http://schemas.microsoft.com/office/powerpoint/2010/main" xmlns:p15="http://schemas.microsoft.com/office/powerpoint/2012/main" xmlns:mc="http://schemas.openxmlformats.org/markup-compatibility/2006">
+<p:sldMaster xmlns:a="http://schemas.openxmlformats.org/drawingml/2006/main" xmlns:r="http://schemas.openxmlformats.org/officeDocument/2006/relationships" xmlns:p="http://schemas.openxmlformats.org/presentationml/2006/main">
   <p:cSld>
     <p:bg>
       <p:bgPr>
         <a:solidFill>
-          <a:srgbClr val="ffffff"/>
+          <a:srgbClr val="FFFFFF"/>
         </a:solidFill>
+        <a:effectLst/>
       </p:bgPr>
     </p:bg>
     <p:spTree>
@@ -3476,26 +3655,26 @@
               </a:lnSpc>
             </a:pPr>
             <a:r>
-              <a:rPr b="0" lang="pt-BR" sz="4400" spc="-1" strike="noStrike">
+              <a:rPr lang="pt-BR" sz="4400" b="0" strike="noStrike" spc="-1">
                 <a:solidFill>
                   <a:srgbClr val="000000"/>
                 </a:solidFill>
                 <a:uFill>
                   <a:solidFill>
-                    <a:srgbClr val="ffffff"/>
+                    <a:srgbClr val="FFFFFF"/>
                   </a:solidFill>
                 </a:uFill>
                 <a:latin typeface="Calibri"/>
               </a:rPr>
               <a:t>Clique para editar o título mestre</a:t>
             </a:r>
-            <a:endParaRPr b="0" lang="pt-BR" sz="1800" spc="-1" strike="noStrike">
-              <a:solidFill>
-                <a:srgbClr val="000000"/>
-              </a:solidFill>
-              <a:uFill>
-                <a:solidFill>
-                  <a:srgbClr val="ffffff"/>
+            <a:endParaRPr lang="pt-BR" sz="1800" b="0" strike="noStrike" spc="-1">
+              <a:solidFill>
+                <a:srgbClr val="000000"/>
+              </a:solidFill>
+              <a:uFill>
+                <a:solidFill>
+                  <a:srgbClr val="FFFFFF"/>
                 </a:solidFill>
               </a:uFill>
               <a:latin typeface="Calibri"/>
@@ -3525,7 +3704,7 @@
         <p:txBody>
           <a:bodyPr/>
           <a:p>
-            <a:pPr marL="432000" indent="-324000">
+            <a:pPr marL="431800" indent="-323850">
               <a:buClr>
                 <a:srgbClr val="000000"/>
               </a:buClr>
@@ -3534,33 +3713,33 @@
               <a:buChar char=""/>
             </a:pPr>
             <a:r>
-              <a:rPr b="0" lang="pt-BR" sz="3200" spc="-1" strike="noStrike">
+              <a:rPr lang="pt-BR" sz="3200" b="0" strike="noStrike" spc="-1">
                 <a:solidFill>
                   <a:srgbClr val="000000"/>
                 </a:solidFill>
                 <a:uFill>
                   <a:solidFill>
-                    <a:srgbClr val="ffffff"/>
+                    <a:srgbClr val="FFFFFF"/>
                   </a:solidFill>
                 </a:uFill>
                 <a:latin typeface="Calibri"/>
               </a:rPr>
               <a:t>Clique para editar o formato do texto da estrutura de tópicos</a:t>
             </a:r>
-            <a:endParaRPr b="0" lang="pt-BR" sz="3200" spc="-1" strike="noStrike">
-              <a:solidFill>
-                <a:srgbClr val="000000"/>
-              </a:solidFill>
-              <a:uFill>
-                <a:solidFill>
-                  <a:srgbClr val="ffffff"/>
-                </a:solidFill>
-              </a:uFill>
-              <a:latin typeface="Calibri"/>
-            </a:endParaRPr>
-          </a:p>
-          <a:p>
-            <a:pPr lvl="1" marL="864000" indent="-324000">
+            <a:endParaRPr lang="pt-BR" sz="3200" b="0" strike="noStrike" spc="-1">
+              <a:solidFill>
+                <a:srgbClr val="000000"/>
+              </a:solidFill>
+              <a:uFill>
+                <a:solidFill>
+                  <a:srgbClr val="FFFFFF"/>
+                </a:solidFill>
+              </a:uFill>
+              <a:latin typeface="Calibri"/>
+            </a:endParaRPr>
+          </a:p>
+          <a:p>
+            <a:pPr marL="864235" lvl="1" indent="-323850">
               <a:buClr>
                 <a:srgbClr val="000000"/>
               </a:buClr>
@@ -3569,33 +3748,33 @@
               <a:buChar char=""/>
             </a:pPr>
             <a:r>
-              <a:rPr b="0" lang="pt-BR" sz="3200" spc="-1" strike="noStrike">
+              <a:rPr lang="pt-BR" sz="3200" b="0" strike="noStrike" spc="-1">
                 <a:solidFill>
                   <a:srgbClr val="000000"/>
                 </a:solidFill>
                 <a:uFill>
                   <a:solidFill>
-                    <a:srgbClr val="ffffff"/>
+                    <a:srgbClr val="FFFFFF"/>
                   </a:solidFill>
                 </a:uFill>
                 <a:latin typeface="Calibri"/>
               </a:rPr>
               <a:t>2.º nível da estrutura de tópicos</a:t>
             </a:r>
-            <a:endParaRPr b="0" lang="pt-BR" sz="3200" spc="-1" strike="noStrike">
-              <a:solidFill>
-                <a:srgbClr val="000000"/>
-              </a:solidFill>
-              <a:uFill>
-                <a:solidFill>
-                  <a:srgbClr val="ffffff"/>
-                </a:solidFill>
-              </a:uFill>
-              <a:latin typeface="Calibri"/>
-            </a:endParaRPr>
-          </a:p>
-          <a:p>
-            <a:pPr lvl="2" marL="1296000" indent="-288000">
+            <a:endParaRPr lang="pt-BR" sz="3200" b="0" strike="noStrike" spc="-1">
+              <a:solidFill>
+                <a:srgbClr val="000000"/>
+              </a:solidFill>
+              <a:uFill>
+                <a:solidFill>
+                  <a:srgbClr val="FFFFFF"/>
+                </a:solidFill>
+              </a:uFill>
+              <a:latin typeface="Calibri"/>
+            </a:endParaRPr>
+          </a:p>
+          <a:p>
+            <a:pPr marL="1296035" lvl="2" indent="-288290">
               <a:buClr>
                 <a:srgbClr val="000000"/>
               </a:buClr>
@@ -3604,33 +3783,33 @@
               <a:buChar char=""/>
             </a:pPr>
             <a:r>
-              <a:rPr b="0" lang="pt-BR" sz="3200" spc="-1" strike="noStrike">
+              <a:rPr lang="pt-BR" sz="3200" b="0" strike="noStrike" spc="-1">
                 <a:solidFill>
                   <a:srgbClr val="000000"/>
                 </a:solidFill>
                 <a:uFill>
                   <a:solidFill>
-                    <a:srgbClr val="ffffff"/>
+                    <a:srgbClr val="FFFFFF"/>
                   </a:solidFill>
                 </a:uFill>
                 <a:latin typeface="Calibri"/>
               </a:rPr>
               <a:t>3.º nível da estrutura de tópicos</a:t>
             </a:r>
-            <a:endParaRPr b="0" lang="pt-BR" sz="3200" spc="-1" strike="noStrike">
-              <a:solidFill>
-                <a:srgbClr val="000000"/>
-              </a:solidFill>
-              <a:uFill>
-                <a:solidFill>
-                  <a:srgbClr val="ffffff"/>
-                </a:solidFill>
-              </a:uFill>
-              <a:latin typeface="Calibri"/>
-            </a:endParaRPr>
-          </a:p>
-          <a:p>
-            <a:pPr lvl="3" marL="1728000" indent="-216000">
+            <a:endParaRPr lang="pt-BR" sz="3200" b="0" strike="noStrike" spc="-1">
+              <a:solidFill>
+                <a:srgbClr val="000000"/>
+              </a:solidFill>
+              <a:uFill>
+                <a:solidFill>
+                  <a:srgbClr val="FFFFFF"/>
+                </a:solidFill>
+              </a:uFill>
+              <a:latin typeface="Calibri"/>
+            </a:endParaRPr>
+          </a:p>
+          <a:p>
+            <a:pPr marL="1727835" lvl="3" indent="-215900">
               <a:buClr>
                 <a:srgbClr val="000000"/>
               </a:buClr>
@@ -3639,33 +3818,33 @@
               <a:buChar char=""/>
             </a:pPr>
             <a:r>
-              <a:rPr b="0" lang="pt-BR" sz="3200" spc="-1" strike="noStrike">
+              <a:rPr lang="pt-BR" sz="3200" b="0" strike="noStrike" spc="-1">
                 <a:solidFill>
                   <a:srgbClr val="000000"/>
                 </a:solidFill>
                 <a:uFill>
                   <a:solidFill>
-                    <a:srgbClr val="ffffff"/>
+                    <a:srgbClr val="FFFFFF"/>
                   </a:solidFill>
                 </a:uFill>
                 <a:latin typeface="Calibri"/>
               </a:rPr>
               <a:t>4.º nível da estrutura de tópicos</a:t>
             </a:r>
-            <a:endParaRPr b="0" lang="pt-BR" sz="3200" spc="-1" strike="noStrike">
-              <a:solidFill>
-                <a:srgbClr val="000000"/>
-              </a:solidFill>
-              <a:uFill>
-                <a:solidFill>
-                  <a:srgbClr val="ffffff"/>
-                </a:solidFill>
-              </a:uFill>
-              <a:latin typeface="Calibri"/>
-            </a:endParaRPr>
-          </a:p>
-          <a:p>
-            <a:pPr lvl="4" marL="2160000" indent="-216000">
+            <a:endParaRPr lang="pt-BR" sz="3200" b="0" strike="noStrike" spc="-1">
+              <a:solidFill>
+                <a:srgbClr val="000000"/>
+              </a:solidFill>
+              <a:uFill>
+                <a:solidFill>
+                  <a:srgbClr val="FFFFFF"/>
+                </a:solidFill>
+              </a:uFill>
+              <a:latin typeface="Calibri"/>
+            </a:endParaRPr>
+          </a:p>
+          <a:p>
+            <a:pPr marL="2160270" lvl="4" indent="-215900">
               <a:buClr>
                 <a:srgbClr val="000000"/>
               </a:buClr>
@@ -3674,33 +3853,33 @@
               <a:buChar char=""/>
             </a:pPr>
             <a:r>
-              <a:rPr b="0" lang="pt-BR" sz="3200" spc="-1" strike="noStrike">
+              <a:rPr lang="pt-BR" sz="3200" b="0" strike="noStrike" spc="-1">
                 <a:solidFill>
                   <a:srgbClr val="000000"/>
                 </a:solidFill>
                 <a:uFill>
                   <a:solidFill>
-                    <a:srgbClr val="ffffff"/>
+                    <a:srgbClr val="FFFFFF"/>
                   </a:solidFill>
                 </a:uFill>
                 <a:latin typeface="Calibri"/>
               </a:rPr>
               <a:t>5.º nível da estrutura de tópicos</a:t>
             </a:r>
-            <a:endParaRPr b="0" lang="pt-BR" sz="3200" spc="-1" strike="noStrike">
-              <a:solidFill>
-                <a:srgbClr val="000000"/>
-              </a:solidFill>
-              <a:uFill>
-                <a:solidFill>
-                  <a:srgbClr val="ffffff"/>
-                </a:solidFill>
-              </a:uFill>
-              <a:latin typeface="Calibri"/>
-            </a:endParaRPr>
-          </a:p>
-          <a:p>
-            <a:pPr lvl="5" marL="2592000" indent="-216000">
+            <a:endParaRPr lang="pt-BR" sz="3200" b="0" strike="noStrike" spc="-1">
+              <a:solidFill>
+                <a:srgbClr val="000000"/>
+              </a:solidFill>
+              <a:uFill>
+                <a:solidFill>
+                  <a:srgbClr val="FFFFFF"/>
+                </a:solidFill>
+              </a:uFill>
+              <a:latin typeface="Calibri"/>
+            </a:endParaRPr>
+          </a:p>
+          <a:p>
+            <a:pPr marL="2592070" lvl="5" indent="-215900">
               <a:buClr>
                 <a:srgbClr val="000000"/>
               </a:buClr>
@@ -3709,33 +3888,33 @@
               <a:buChar char=""/>
             </a:pPr>
             <a:r>
-              <a:rPr b="0" lang="pt-BR" sz="3200" spc="-1" strike="noStrike">
+              <a:rPr lang="pt-BR" sz="3200" b="0" strike="noStrike" spc="-1">
                 <a:solidFill>
                   <a:srgbClr val="000000"/>
                 </a:solidFill>
                 <a:uFill>
                   <a:solidFill>
-                    <a:srgbClr val="ffffff"/>
+                    <a:srgbClr val="FFFFFF"/>
                   </a:solidFill>
                 </a:uFill>
                 <a:latin typeface="Calibri"/>
               </a:rPr>
               <a:t>6.º nível da estrutura de tópicos</a:t>
             </a:r>
-            <a:endParaRPr b="0" lang="pt-BR" sz="3200" spc="-1" strike="noStrike">
-              <a:solidFill>
-                <a:srgbClr val="000000"/>
-              </a:solidFill>
-              <a:uFill>
-                <a:solidFill>
-                  <a:srgbClr val="ffffff"/>
-                </a:solidFill>
-              </a:uFill>
-              <a:latin typeface="Calibri"/>
-            </a:endParaRPr>
-          </a:p>
-          <a:p>
-            <a:pPr marL="343080" indent="-342720">
+            <a:endParaRPr lang="pt-BR" sz="3200" b="0" strike="noStrike" spc="-1">
+              <a:solidFill>
+                <a:srgbClr val="000000"/>
+              </a:solidFill>
+              <a:uFill>
+                <a:solidFill>
+                  <a:srgbClr val="FFFFFF"/>
+                </a:solidFill>
+              </a:uFill>
+              <a:latin typeface="Calibri"/>
+            </a:endParaRPr>
+          </a:p>
+          <a:p>
+            <a:pPr marL="342900" indent="-342900">
               <a:lnSpc>
                 <a:spcPct val="100000"/>
               </a:lnSpc>
@@ -3746,33 +3925,33 @@
               <a:buChar char="•"/>
             </a:pPr>
             <a:r>
-              <a:rPr b="0" lang="pt-BR" sz="3200" spc="-1" strike="noStrike">
+              <a:rPr lang="pt-BR" sz="3200" b="0" strike="noStrike" spc="-1">
                 <a:solidFill>
                   <a:srgbClr val="000000"/>
                 </a:solidFill>
                 <a:uFill>
                   <a:solidFill>
-                    <a:srgbClr val="ffffff"/>
+                    <a:srgbClr val="FFFFFF"/>
                   </a:solidFill>
                 </a:uFill>
                 <a:latin typeface="Calibri"/>
               </a:rPr>
               <a:t>7.º nível da estrutura de tópicosClique para editar o texto mestre</a:t>
             </a:r>
-            <a:endParaRPr b="0" lang="pt-BR" sz="3200" spc="-1" strike="noStrike">
-              <a:solidFill>
-                <a:srgbClr val="000000"/>
-              </a:solidFill>
-              <a:uFill>
-                <a:solidFill>
-                  <a:srgbClr val="ffffff"/>
-                </a:solidFill>
-              </a:uFill>
-              <a:latin typeface="Calibri"/>
-            </a:endParaRPr>
-          </a:p>
-          <a:p>
-            <a:pPr lvl="1" marL="743040" indent="-285480">
+            <a:endParaRPr lang="pt-BR" sz="3200" b="0" strike="noStrike" spc="-1">
+              <a:solidFill>
+                <a:srgbClr val="000000"/>
+              </a:solidFill>
+              <a:uFill>
+                <a:solidFill>
+                  <a:srgbClr val="FFFFFF"/>
+                </a:solidFill>
+              </a:uFill>
+              <a:latin typeface="Calibri"/>
+            </a:endParaRPr>
+          </a:p>
+          <a:p>
+            <a:pPr marL="742950" lvl="1" indent="-285750">
               <a:lnSpc>
                 <a:spcPct val="100000"/>
               </a:lnSpc>
@@ -3783,33 +3962,33 @@
               <a:buChar char="–"/>
             </a:pPr>
             <a:r>
-              <a:rPr b="0" lang="pt-BR" sz="2800" spc="-1" strike="noStrike">
+              <a:rPr lang="pt-BR" sz="2800" b="0" strike="noStrike" spc="-1">
                 <a:solidFill>
                   <a:srgbClr val="000000"/>
                 </a:solidFill>
                 <a:uFill>
                   <a:solidFill>
-                    <a:srgbClr val="ffffff"/>
+                    <a:srgbClr val="FFFFFF"/>
                   </a:solidFill>
                 </a:uFill>
                 <a:latin typeface="Calibri"/>
               </a:rPr>
               <a:t>Segundo nível</a:t>
             </a:r>
-            <a:endParaRPr b="0" lang="pt-BR" sz="3200" spc="-1" strike="noStrike">
-              <a:solidFill>
-                <a:srgbClr val="000000"/>
-              </a:solidFill>
-              <a:uFill>
-                <a:solidFill>
-                  <a:srgbClr val="ffffff"/>
-                </a:solidFill>
-              </a:uFill>
-              <a:latin typeface="Calibri"/>
-            </a:endParaRPr>
-          </a:p>
-          <a:p>
-            <a:pPr lvl="2" marL="1143000" indent="-228240">
+            <a:endParaRPr lang="pt-BR" sz="3200" b="0" strike="noStrike" spc="-1">
+              <a:solidFill>
+                <a:srgbClr val="000000"/>
+              </a:solidFill>
+              <a:uFill>
+                <a:solidFill>
+                  <a:srgbClr val="FFFFFF"/>
+                </a:solidFill>
+              </a:uFill>
+              <a:latin typeface="Calibri"/>
+            </a:endParaRPr>
+          </a:p>
+          <a:p>
+            <a:pPr marL="1143000" lvl="2" indent="-227965">
               <a:lnSpc>
                 <a:spcPct val="100000"/>
               </a:lnSpc>
@@ -3820,33 +3999,33 @@
               <a:buChar char="•"/>
             </a:pPr>
             <a:r>
-              <a:rPr b="0" lang="pt-BR" sz="2400" spc="-1" strike="noStrike">
+              <a:rPr lang="pt-BR" sz="2400" b="0" strike="noStrike" spc="-1">
                 <a:solidFill>
                   <a:srgbClr val="000000"/>
                 </a:solidFill>
                 <a:uFill>
                   <a:solidFill>
-                    <a:srgbClr val="ffffff"/>
+                    <a:srgbClr val="FFFFFF"/>
                   </a:solidFill>
                 </a:uFill>
                 <a:latin typeface="Calibri"/>
               </a:rPr>
               <a:t>Terceiro nível</a:t>
             </a:r>
-            <a:endParaRPr b="0" lang="pt-BR" sz="3200" spc="-1" strike="noStrike">
-              <a:solidFill>
-                <a:srgbClr val="000000"/>
-              </a:solidFill>
-              <a:uFill>
-                <a:solidFill>
-                  <a:srgbClr val="ffffff"/>
-                </a:solidFill>
-              </a:uFill>
-              <a:latin typeface="Calibri"/>
-            </a:endParaRPr>
-          </a:p>
-          <a:p>
-            <a:pPr lvl="3" marL="1600200" indent="-228240">
+            <a:endParaRPr lang="pt-BR" sz="3200" b="0" strike="noStrike" spc="-1">
+              <a:solidFill>
+                <a:srgbClr val="000000"/>
+              </a:solidFill>
+              <a:uFill>
+                <a:solidFill>
+                  <a:srgbClr val="FFFFFF"/>
+                </a:solidFill>
+              </a:uFill>
+              <a:latin typeface="Calibri"/>
+            </a:endParaRPr>
+          </a:p>
+          <a:p>
+            <a:pPr marL="1600200" lvl="3" indent="-227965">
               <a:lnSpc>
                 <a:spcPct val="100000"/>
               </a:lnSpc>
@@ -3857,33 +4036,33 @@
               <a:buChar char="–"/>
             </a:pPr>
             <a:r>
-              <a:rPr b="0" lang="pt-BR" sz="2000" spc="-1" strike="noStrike">
+              <a:rPr lang="pt-BR" sz="2000" b="0" strike="noStrike" spc="-1">
                 <a:solidFill>
                   <a:srgbClr val="000000"/>
                 </a:solidFill>
                 <a:uFill>
                   <a:solidFill>
-                    <a:srgbClr val="ffffff"/>
+                    <a:srgbClr val="FFFFFF"/>
                   </a:solidFill>
                 </a:uFill>
                 <a:latin typeface="Calibri"/>
               </a:rPr>
               <a:t>Quarto nível</a:t>
             </a:r>
-            <a:endParaRPr b="0" lang="pt-BR" sz="3200" spc="-1" strike="noStrike">
-              <a:solidFill>
-                <a:srgbClr val="000000"/>
-              </a:solidFill>
-              <a:uFill>
-                <a:solidFill>
-                  <a:srgbClr val="ffffff"/>
-                </a:solidFill>
-              </a:uFill>
-              <a:latin typeface="Calibri"/>
-            </a:endParaRPr>
-          </a:p>
-          <a:p>
-            <a:pPr lvl="4" marL="2057400" indent="-228240">
+            <a:endParaRPr lang="pt-BR" sz="3200" b="0" strike="noStrike" spc="-1">
+              <a:solidFill>
+                <a:srgbClr val="000000"/>
+              </a:solidFill>
+              <a:uFill>
+                <a:solidFill>
+                  <a:srgbClr val="FFFFFF"/>
+                </a:solidFill>
+              </a:uFill>
+              <a:latin typeface="Calibri"/>
+            </a:endParaRPr>
+          </a:p>
+          <a:p>
+            <a:pPr marL="2057400" lvl="4" indent="-227965">
               <a:lnSpc>
                 <a:spcPct val="100000"/>
               </a:lnSpc>
@@ -3894,26 +4073,26 @@
               <a:buChar char="»"/>
             </a:pPr>
             <a:r>
-              <a:rPr b="0" lang="pt-BR" sz="2000" spc="-1" strike="noStrike">
+              <a:rPr lang="pt-BR" sz="2000" b="0" strike="noStrike" spc="-1">
                 <a:solidFill>
                   <a:srgbClr val="000000"/>
                 </a:solidFill>
                 <a:uFill>
                   <a:solidFill>
-                    <a:srgbClr val="ffffff"/>
+                    <a:srgbClr val="FFFFFF"/>
                   </a:solidFill>
                 </a:uFill>
                 <a:latin typeface="Calibri"/>
               </a:rPr>
               <a:t>Quinto nível</a:t>
             </a:r>
-            <a:endParaRPr b="0" lang="pt-BR" sz="3200" spc="-1" strike="noStrike">
-              <a:solidFill>
-                <a:srgbClr val="000000"/>
-              </a:solidFill>
-              <a:uFill>
-                <a:solidFill>
-                  <a:srgbClr val="ffffff"/>
+            <a:endParaRPr lang="pt-BR" sz="3200" b="0" strike="noStrike" spc="-1">
+              <a:solidFill>
+                <a:srgbClr val="000000"/>
+              </a:solidFill>
+              <a:uFill>
+                <a:solidFill>
+                  <a:srgbClr val="FFFFFF"/>
                 </a:solidFill>
               </a:uFill>
               <a:latin typeface="Calibri"/>
@@ -3943,13 +4122,13 @@
         <p:txBody>
           <a:bodyPr anchor="ctr"/>
           <a:p>
-            <a:endParaRPr b="0" lang="pt-BR" sz="2400" spc="-1" strike="noStrike">
-              <a:solidFill>
-                <a:srgbClr val="000000"/>
-              </a:solidFill>
-              <a:uFill>
-                <a:solidFill>
-                  <a:srgbClr val="ffffff"/>
+            <a:endParaRPr lang="pt-BR" sz="2400" b="0" strike="noStrike" spc="-1">
+              <a:solidFill>
+                <a:srgbClr val="000000"/>
+              </a:solidFill>
+              <a:uFill>
+                <a:solidFill>
+                  <a:srgbClr val="FFFFFF"/>
                 </a:solidFill>
               </a:uFill>
               <a:latin typeface="Times New Roman"/>
@@ -3979,13 +4158,13 @@
         <p:txBody>
           <a:bodyPr anchor="ctr"/>
           <a:p>
-            <a:endParaRPr b="0" lang="pt-BR" sz="2400" spc="-1" strike="noStrike">
-              <a:solidFill>
-                <a:srgbClr val="000000"/>
-              </a:solidFill>
-              <a:uFill>
-                <a:solidFill>
-                  <a:srgbClr val="ffffff"/>
+            <a:endParaRPr lang="pt-BR" sz="2400" b="0" strike="noStrike" spc="-1">
+              <a:solidFill>
+                <a:srgbClr val="000000"/>
+              </a:solidFill>
+              <a:uFill>
+                <a:solidFill>
+                  <a:srgbClr val="FFFFFF"/>
                 </a:solidFill>
               </a:uFill>
               <a:latin typeface="Times New Roman"/>
@@ -4015,13 +4194,13 @@
         <p:txBody>
           <a:bodyPr anchor="ctr"/>
           <a:p>
-            <a:endParaRPr b="0" lang="pt-BR" sz="2400" spc="-1" strike="noStrike">
-              <a:solidFill>
-                <a:srgbClr val="000000"/>
-              </a:solidFill>
-              <a:uFill>
-                <a:solidFill>
-                  <a:srgbClr val="ffffff"/>
+            <a:endParaRPr lang="pt-BR" sz="2400" b="0" strike="noStrike" spc="-1">
+              <a:solidFill>
+                <a:srgbClr val="000000"/>
+              </a:solidFill>
+              <a:uFill>
+                <a:solidFill>
+                  <a:srgbClr val="FFFFFF"/>
                 </a:solidFill>
               </a:uFill>
               <a:latin typeface="Times New Roman"/>
@@ -4031,26 +4210,31 @@
       </p:sp>
     </p:spTree>
   </p:cSld>
-  <p:clrMap bg1="lt1" bg2="lt2" tx1="dk1" tx2="dk2" accent1="accent1" accent2="accent2" accent3="accent3" accent4="accent4" accent5="accent5" accent6="accent6" hlink="hlink" folHlink="folHlink"/>
+  <p:clrMap bg1="lt1" tx1="dk1" bg2="lt2" tx2="dk2" accent1="accent1" accent2="accent2" accent3="accent3" accent4="accent4" accent5="accent5" accent6="accent6" hlink="hlink" folHlink="folHlink"/>
   <p:sldLayoutIdLst>
-    <p:sldLayoutId id="2147483662" r:id="rId2"/>
-    <p:sldLayoutId id="2147483663" r:id="rId3"/>
-    <p:sldLayoutId id="2147483664" r:id="rId4"/>
-    <p:sldLayoutId id="2147483665" r:id="rId5"/>
-    <p:sldLayoutId id="2147483666" r:id="rId6"/>
-    <p:sldLayoutId id="2147483667" r:id="rId7"/>
-    <p:sldLayoutId id="2147483668" r:id="rId8"/>
-    <p:sldLayoutId id="2147483669" r:id="rId9"/>
-    <p:sldLayoutId id="2147483670" r:id="rId10"/>
-    <p:sldLayoutId id="2147483671" r:id="rId11"/>
-    <p:sldLayoutId id="2147483672" r:id="rId12"/>
-    <p:sldLayoutId id="2147483673" r:id="rId13"/>
+    <p:sldLayoutId id="2147483662" r:id="rId1"/>
+    <p:sldLayoutId id="2147483663" r:id="rId2"/>
+    <p:sldLayoutId id="2147483664" r:id="rId3"/>
+    <p:sldLayoutId id="2147483665" r:id="rId4"/>
+    <p:sldLayoutId id="2147483666" r:id="rId5"/>
+    <p:sldLayoutId id="2147483667" r:id="rId6"/>
+    <p:sldLayoutId id="2147483668" r:id="rId7"/>
+    <p:sldLayoutId id="2147483669" r:id="rId8"/>
+    <p:sldLayoutId id="2147483670" r:id="rId9"/>
+    <p:sldLayoutId id="2147483671" r:id="rId10"/>
+    <p:sldLayoutId id="2147483672" r:id="rId11"/>
+    <p:sldLayoutId id="2147483673" r:id="rId12"/>
   </p:sldLayoutIdLst>
+  <p:txStyles>
+    <p:titleStyle/>
+    <p:bodyStyle/>
+    <p:otherStyle/>
+  </p:txStyles>
 </p:sldMaster>
 </file>
 
 <file path=ppt/slides/slide1.xml><?xml version="1.0" encoding="utf-8"?>
-<p:sld xmlns:a="http://schemas.openxmlformats.org/drawingml/2006/main" xmlns:p="http://schemas.openxmlformats.org/presentationml/2006/main" xmlns:r="http://schemas.openxmlformats.org/officeDocument/2006/relationships" xmlns:p14="http://schemas.microsoft.com/office/powerpoint/2010/main" xmlns:p15="http://schemas.microsoft.com/office/powerpoint/2012/main" xmlns:mc="http://schemas.openxmlformats.org/markup-compatibility/2006">
+<p:sld xmlns:a="http://schemas.openxmlformats.org/drawingml/2006/main" xmlns:r="http://schemas.openxmlformats.org/officeDocument/2006/relationships" xmlns:p="http://schemas.openxmlformats.org/presentationml/2006/main">
   <p:cSld>
     <p:spTree>
       <p:nvGrpSpPr>
@@ -4094,26 +4278,26 @@
               </a:lnSpc>
             </a:pPr>
             <a:r>
-              <a:rPr b="0" lang="pt-BR" sz="4400" spc="-1" strike="noStrike">
+              <a:rPr lang="pt-BR" sz="4400" b="0" strike="noStrike" spc="-1">
                 <a:solidFill>
                   <a:srgbClr val="000000"/>
                 </a:solidFill>
                 <a:uFill>
                   <a:solidFill>
-                    <a:srgbClr val="ffffff"/>
+                    <a:srgbClr val="FFFFFF"/>
                   </a:solidFill>
                 </a:uFill>
                 <a:latin typeface="Calibri"/>
               </a:rPr>
               <a:t>Gerenciamento de Espaço Físico</a:t>
             </a:r>
-            <a:endParaRPr b="0" lang="pt-BR" sz="1800" spc="-1" strike="noStrike">
-              <a:solidFill>
-                <a:srgbClr val="000000"/>
-              </a:solidFill>
-              <a:uFill>
-                <a:solidFill>
-                  <a:srgbClr val="ffffff"/>
+            <a:endParaRPr lang="pt-BR" sz="1800" b="0" strike="noStrike" spc="-1">
+              <a:solidFill>
+                <a:srgbClr val="000000"/>
+              </a:solidFill>
+              <a:uFill>
+                <a:solidFill>
+                  <a:srgbClr val="FFFFFF"/>
                 </a:solidFill>
               </a:uFill>
               <a:latin typeface="Calibri"/>
@@ -4144,13 +4328,13 @@
           <a:bodyPr/>
           <a:p>
             <a:pPr algn="ctr"/>
-            <a:endParaRPr b="0" lang="pt-BR" sz="3200" spc="-1" strike="noStrike">
-              <a:solidFill>
-                <a:srgbClr val="000000"/>
-              </a:solidFill>
-              <a:uFill>
-                <a:solidFill>
-                  <a:srgbClr val="ffffff"/>
+            <a:endParaRPr lang="pt-BR" sz="3200" b="0" strike="noStrike" spc="-1">
+              <a:solidFill>
+                <a:srgbClr val="000000"/>
+              </a:solidFill>
+              <a:uFill>
+                <a:solidFill>
+                  <a:srgbClr val="FFFFFF"/>
                 </a:solidFill>
               </a:uFill>
               <a:latin typeface="Arial"/>
@@ -4160,30 +4344,13 @@
       </p:sp>
     </p:spTree>
   </p:cSld>
+  <p:clrMapOvr>
+    <a:masterClrMapping/>
+  </p:clrMapOvr>
   <p:timing>
     <p:tnLst>
       <p:par>
-        <p:cTn id="1" dur="indefinite" restart="never" nodeType="tmRoot">
-          <p:childTnLst>
-            <p:seq>
-              <p:cTn id="2" nodeType="mainSeq"/>
-              <p:prevCondLst>
-                <p:cond delay="0" evt="onPrev">
-                  <p:tgtEl>
-                    <p:sldTgt/>
-                  </p:tgtEl>
-                </p:cond>
-              </p:prevCondLst>
-              <p:nextCondLst>
-                <p:cond delay="0" evt="onNext">
-                  <p:tgtEl>
-                    <p:sldTgt/>
-                  </p:tgtEl>
-                </p:cond>
-              </p:nextCondLst>
-            </p:seq>
-          </p:childTnLst>
-        </p:cTn>
+        <p:cTn id="1" dur="indefinite" restart="never" nodeType="tmRoot"/>
       </p:par>
     </p:tnLst>
   </p:timing>
@@ -4191,7 +4358,7 @@
 </file>
 
 <file path=ppt/slides/slide2.xml><?xml version="1.0" encoding="utf-8"?>
-<p:sld xmlns:a="http://schemas.openxmlformats.org/drawingml/2006/main" xmlns:p="http://schemas.openxmlformats.org/presentationml/2006/main" xmlns:r="http://schemas.openxmlformats.org/officeDocument/2006/relationships" xmlns:p14="http://schemas.microsoft.com/office/powerpoint/2010/main" xmlns:p15="http://schemas.microsoft.com/office/powerpoint/2012/main" xmlns:mc="http://schemas.openxmlformats.org/markup-compatibility/2006">
+<p:sld xmlns:a="http://schemas.openxmlformats.org/drawingml/2006/main" xmlns:r="http://schemas.openxmlformats.org/officeDocument/2006/relationships" xmlns:p="http://schemas.openxmlformats.org/presentationml/2006/main">
   <p:cSld>
     <p:spTree>
       <p:nvGrpSpPr>
@@ -4235,26 +4402,26 @@
               </a:lnSpc>
             </a:pPr>
             <a:r>
-              <a:rPr b="0" lang="pt-BR" sz="4400" spc="-1" strike="noStrike">
+              <a:rPr lang="pt-BR" sz="4400" b="0" strike="noStrike" spc="-1">
                 <a:solidFill>
                   <a:srgbClr val="000000"/>
                 </a:solidFill>
                 <a:uFill>
                   <a:solidFill>
-                    <a:srgbClr val="ffffff"/>
+                    <a:srgbClr val="FFFFFF"/>
                   </a:solidFill>
                 </a:uFill>
                 <a:latin typeface="Calibri"/>
               </a:rPr>
               <a:t>Equipe</a:t>
             </a:r>
-            <a:endParaRPr b="0" lang="pt-BR" sz="1800" spc="-1" strike="noStrike">
-              <a:solidFill>
-                <a:srgbClr val="000000"/>
-              </a:solidFill>
-              <a:uFill>
-                <a:solidFill>
-                  <a:srgbClr val="ffffff"/>
+            <a:endParaRPr lang="pt-BR" sz="1800" b="0" strike="noStrike" spc="-1">
+              <a:solidFill>
+                <a:srgbClr val="000000"/>
+              </a:solidFill>
+              <a:uFill>
+                <a:solidFill>
+                  <a:srgbClr val="FFFFFF"/>
                 </a:solidFill>
               </a:uFill>
               <a:latin typeface="Calibri"/>
@@ -4293,55 +4460,55 @@
                         </a:lnSpc>
                       </a:pPr>
                       <a:r>
-                        <a:rPr b="1" lang="pt-BR" sz="1800" spc="-1" strike="noStrike">
+                        <a:rPr lang="pt-BR" sz="1800" b="1" strike="noStrike" spc="-1">
                           <a:solidFill>
-                            <a:srgbClr val="ffffff"/>
+                            <a:srgbClr val="FFFFFF"/>
                           </a:solidFill>
                           <a:uFill>
                             <a:solidFill>
-                              <a:srgbClr val="ffffff"/>
+                              <a:srgbClr val="FFFFFF"/>
                             </a:solidFill>
                           </a:uFill>
                           <a:latin typeface="Calibri"/>
                         </a:rPr>
                         <a:t>Membros</a:t>
                       </a:r>
-                      <a:endParaRPr b="0" lang="pt-BR" sz="1800" spc="-1" strike="noStrike">
+                      <a:endParaRPr lang="pt-BR" sz="1800" b="0" strike="noStrike" spc="-1">
                         <a:solidFill>
                           <a:srgbClr val="000000"/>
                         </a:solidFill>
                         <a:uFill>
                           <a:solidFill>
-                            <a:srgbClr val="ffffff"/>
+                            <a:srgbClr val="FFFFFF"/>
                           </a:solidFill>
                         </a:uFill>
                         <a:latin typeface="Arial"/>
                       </a:endParaRPr>
                     </a:p>
                   </a:txBody>
-                  <a:tcPr marL="91440" marR="91440">
+                  <a:tcPr>
                     <a:lnL w="12240">
                       <a:solidFill>
-                        <a:srgbClr val="ffffff"/>
+                        <a:srgbClr val="FFFFFF"/>
                       </a:solidFill>
                     </a:lnL>
                     <a:lnR w="12240">
                       <a:solidFill>
-                        <a:srgbClr val="ffffff"/>
+                        <a:srgbClr val="FFFFFF"/>
                       </a:solidFill>
                     </a:lnR>
                     <a:lnT w="12240">
                       <a:solidFill>
-                        <a:srgbClr val="ffffff"/>
+                        <a:srgbClr val="FFFFFF"/>
                       </a:solidFill>
                     </a:lnT>
                     <a:lnB w="38160">
                       <a:solidFill>
-                        <a:srgbClr val="ffffff"/>
+                        <a:srgbClr val="FFFFFF"/>
                       </a:solidFill>
                     </a:lnB>
                     <a:solidFill>
-                      <a:srgbClr val="4f81bd"/>
+                      <a:srgbClr val="4F81BD"/>
                     </a:solidFill>
                   </a:tcPr>
                 </a:tc>
@@ -4355,55 +4522,55 @@
                         </a:lnSpc>
                       </a:pPr>
                       <a:r>
-                        <a:rPr b="1" lang="pt-BR" sz="1800" spc="-1" strike="noStrike">
+                        <a:rPr lang="pt-BR" sz="1800" b="1" strike="noStrike" spc="-1">
                           <a:solidFill>
-                            <a:srgbClr val="ffffff"/>
+                            <a:srgbClr val="FFFFFF"/>
                           </a:solidFill>
                           <a:uFill>
                             <a:solidFill>
-                              <a:srgbClr val="ffffff"/>
+                              <a:srgbClr val="FFFFFF"/>
                             </a:solidFill>
                           </a:uFill>
                           <a:latin typeface="Calibri"/>
                         </a:rPr>
                         <a:t>Bruno Costa</a:t>
                       </a:r>
-                      <a:endParaRPr b="0" lang="pt-BR" sz="1800" spc="-1" strike="noStrike">
+                      <a:endParaRPr lang="pt-BR" sz="1800" b="0" strike="noStrike" spc="-1">
                         <a:solidFill>
                           <a:srgbClr val="000000"/>
                         </a:solidFill>
                         <a:uFill>
                           <a:solidFill>
-                            <a:srgbClr val="ffffff"/>
+                            <a:srgbClr val="FFFFFF"/>
                           </a:solidFill>
                         </a:uFill>
                         <a:latin typeface="Arial"/>
                       </a:endParaRPr>
                     </a:p>
                   </a:txBody>
-                  <a:tcPr marL="91440" marR="91440">
+                  <a:tcPr>
                     <a:lnL w="12240">
                       <a:solidFill>
-                        <a:srgbClr val="ffffff"/>
+                        <a:srgbClr val="FFFFFF"/>
                       </a:solidFill>
                     </a:lnL>
                     <a:lnR w="12240">
                       <a:solidFill>
-                        <a:srgbClr val="ffffff"/>
+                        <a:srgbClr val="FFFFFF"/>
                       </a:solidFill>
                     </a:lnR>
                     <a:lnT w="12240">
                       <a:solidFill>
-                        <a:srgbClr val="ffffff"/>
+                        <a:srgbClr val="FFFFFF"/>
                       </a:solidFill>
                     </a:lnT>
                     <a:lnB w="38160">
                       <a:solidFill>
-                        <a:srgbClr val="ffffff"/>
+                        <a:srgbClr val="FFFFFF"/>
                       </a:solidFill>
                     </a:lnB>
                     <a:solidFill>
-                      <a:srgbClr val="4f81bd"/>
+                      <a:srgbClr val="4F81BD"/>
                     </a:solidFill>
                   </a:tcPr>
                 </a:tc>
@@ -4417,55 +4584,55 @@
                         </a:lnSpc>
                       </a:pPr>
                       <a:r>
-                        <a:rPr b="1" lang="pt-BR" sz="1800" spc="-1" strike="noStrike">
+                        <a:rPr lang="pt-BR" sz="1800" b="1" strike="noStrike" spc="-1">
                           <a:solidFill>
-                            <a:srgbClr val="ffffff"/>
+                            <a:srgbClr val="FFFFFF"/>
                           </a:solidFill>
                           <a:uFill>
                             <a:solidFill>
-                              <a:srgbClr val="ffffff"/>
+                              <a:srgbClr val="FFFFFF"/>
                             </a:solidFill>
                           </a:uFill>
                           <a:latin typeface="Calibri"/>
                         </a:rPr>
                         <a:t>João Fanti</a:t>
                       </a:r>
-                      <a:endParaRPr b="0" lang="pt-BR" sz="1800" spc="-1" strike="noStrike">
+                      <a:endParaRPr lang="pt-BR" sz="1800" b="0" strike="noStrike" spc="-1">
                         <a:solidFill>
                           <a:srgbClr val="000000"/>
                         </a:solidFill>
                         <a:uFill>
                           <a:solidFill>
-                            <a:srgbClr val="ffffff"/>
+                            <a:srgbClr val="FFFFFF"/>
                           </a:solidFill>
                         </a:uFill>
                         <a:latin typeface="Arial"/>
                       </a:endParaRPr>
                     </a:p>
                   </a:txBody>
-                  <a:tcPr marL="91440" marR="91440">
+                  <a:tcPr>
                     <a:lnL w="12240">
                       <a:solidFill>
-                        <a:srgbClr val="ffffff"/>
+                        <a:srgbClr val="FFFFFF"/>
                       </a:solidFill>
                     </a:lnL>
                     <a:lnR w="12240">
                       <a:solidFill>
-                        <a:srgbClr val="ffffff"/>
+                        <a:srgbClr val="FFFFFF"/>
                       </a:solidFill>
                     </a:lnR>
                     <a:lnT w="12240">
                       <a:solidFill>
-                        <a:srgbClr val="ffffff"/>
+                        <a:srgbClr val="FFFFFF"/>
                       </a:solidFill>
                     </a:lnT>
                     <a:lnB w="38160">
                       <a:solidFill>
-                        <a:srgbClr val="ffffff"/>
+                        <a:srgbClr val="FFFFFF"/>
                       </a:solidFill>
                     </a:lnB>
                     <a:solidFill>
-                      <a:srgbClr val="4f81bd"/>
+                      <a:srgbClr val="4F81BD"/>
                     </a:solidFill>
                   </a:tcPr>
                 </a:tc>
@@ -4479,55 +4646,55 @@
                         </a:lnSpc>
                       </a:pPr>
                       <a:r>
-                        <a:rPr b="1" lang="pt-BR" sz="1800" spc="-1" strike="noStrike">
+                        <a:rPr lang="pt-BR" sz="1800" b="1" strike="noStrike" spc="-1">
                           <a:solidFill>
-                            <a:srgbClr val="ffffff"/>
+                            <a:srgbClr val="FFFFFF"/>
                           </a:solidFill>
                           <a:uFill>
                             <a:solidFill>
-                              <a:srgbClr val="ffffff"/>
+                              <a:srgbClr val="FFFFFF"/>
                             </a:solidFill>
                           </a:uFill>
                           <a:latin typeface="Calibri"/>
                         </a:rPr>
                         <a:t>Fernando Vintacourt</a:t>
                       </a:r>
-                      <a:endParaRPr b="0" lang="pt-BR" sz="1800" spc="-1" strike="noStrike">
+                      <a:endParaRPr lang="pt-BR" sz="1800" b="0" strike="noStrike" spc="-1">
                         <a:solidFill>
                           <a:srgbClr val="000000"/>
                         </a:solidFill>
                         <a:uFill>
                           <a:solidFill>
-                            <a:srgbClr val="ffffff"/>
+                            <a:srgbClr val="FFFFFF"/>
                           </a:solidFill>
                         </a:uFill>
                         <a:latin typeface="Arial"/>
                       </a:endParaRPr>
                     </a:p>
                   </a:txBody>
-                  <a:tcPr marL="91440" marR="91440">
+                  <a:tcPr>
                     <a:lnL w="12240">
                       <a:solidFill>
-                        <a:srgbClr val="ffffff"/>
+                        <a:srgbClr val="FFFFFF"/>
                       </a:solidFill>
                     </a:lnL>
                     <a:lnR w="12240">
                       <a:solidFill>
-                        <a:srgbClr val="ffffff"/>
+                        <a:srgbClr val="FFFFFF"/>
                       </a:solidFill>
                     </a:lnR>
                     <a:lnT w="12240">
                       <a:solidFill>
-                        <a:srgbClr val="ffffff"/>
+                        <a:srgbClr val="FFFFFF"/>
                       </a:solidFill>
                     </a:lnT>
                     <a:lnB w="38160">
                       <a:solidFill>
-                        <a:srgbClr val="ffffff"/>
+                        <a:srgbClr val="FFFFFF"/>
                       </a:solidFill>
                     </a:lnB>
                     <a:solidFill>
-                      <a:srgbClr val="4f81bd"/>
+                      <a:srgbClr val="4F81BD"/>
                     </a:solidFill>
                   </a:tcPr>
                 </a:tc>
@@ -4543,82 +4710,90 @@
                         </a:lnSpc>
                       </a:pPr>
                       <a:r>
-                        <a:rPr b="0" lang="pt-BR" sz="1800" spc="-1" strike="noStrike">
+                        <a:rPr lang="pt-BR" sz="1800" b="0" strike="noStrike" spc="-1">
                           <a:solidFill>
                             <a:srgbClr val="000000"/>
                           </a:solidFill>
                           <a:uFill>
                             <a:solidFill>
-                              <a:srgbClr val="ffffff"/>
+                              <a:srgbClr val="FFFFFF"/>
                             </a:solidFill>
                           </a:uFill>
                           <a:latin typeface="Calibri"/>
                         </a:rPr>
                         <a:t>Gerente De Projeto</a:t>
                       </a:r>
-                      <a:endParaRPr b="0" lang="pt-BR" sz="1800" spc="-1" strike="noStrike">
+                      <a:endParaRPr lang="pt-BR" sz="1800" b="0" strike="noStrike" spc="-1">
                         <a:solidFill>
                           <a:srgbClr val="000000"/>
                         </a:solidFill>
                         <a:uFill>
                           <a:solidFill>
-                            <a:srgbClr val="ffffff"/>
+                            <a:srgbClr val="FFFFFF"/>
                           </a:solidFill>
                         </a:uFill>
                         <a:latin typeface="Arial"/>
                       </a:endParaRPr>
                     </a:p>
                   </a:txBody>
-                  <a:tcPr marL="91440" marR="91440">
+                  <a:tcPr>
                     <a:lnL w="12240">
                       <a:solidFill>
-                        <a:srgbClr val="ffffff"/>
+                        <a:srgbClr val="FFFFFF"/>
                       </a:solidFill>
                     </a:lnL>
                     <a:lnR w="12240">
                       <a:solidFill>
-                        <a:srgbClr val="ffffff"/>
+                        <a:srgbClr val="FFFFFF"/>
                       </a:solidFill>
                     </a:lnR>
                     <a:lnT w="12240">
                       <a:solidFill>
-                        <a:srgbClr val="ffffff"/>
+                        <a:srgbClr val="FFFFFF"/>
                       </a:solidFill>
                     </a:lnT>
                     <a:lnB w="12240">
                       <a:solidFill>
-                        <a:srgbClr val="ffffff"/>
+                        <a:srgbClr val="FFFFFF"/>
                       </a:solidFill>
                     </a:lnB>
                     <a:solidFill>
-                      <a:srgbClr val="d0d8e7"/>
+                      <a:srgbClr val="D0D8E7"/>
                     </a:solidFill>
                   </a:tcPr>
                 </a:tc>
                 <a:tc>
-                  <a:tcPr marL="91440" marR="91440">
+                  <a:txBody>
+                    <a:bodyPr/>
+                    <a:p>
+                      <a:pPr>
+                        <a:buNone/>
+                      </a:pPr>
+                    </a:p>
+                  </a:txBody>
+                  <a:tcPr>
                     <a:lnL w="12240">
                       <a:solidFill>
-                        <a:srgbClr val="ffffff"/>
+                        <a:srgbClr val="FFFFFF"/>
                       </a:solidFill>
                     </a:lnL>
                     <a:lnR w="12240">
                       <a:solidFill>
-                        <a:srgbClr val="ffffff"/>
+                        <a:srgbClr val="FFFFFF"/>
                       </a:solidFill>
                     </a:lnR>
                     <a:lnT w="12240">
                       <a:solidFill>
-                        <a:srgbClr val="ffffff"/>
+                        <a:srgbClr val="FFFFFF"/>
                       </a:solidFill>
                     </a:lnT>
                     <a:lnB w="12240">
                       <a:solidFill>
-                        <a:srgbClr val="ffffff"/>
+                        <a:srgbClr val="FFFFFF"/>
                       </a:solidFill>
                     </a:lnB>
                     <a:solidFill>
-                      <a:srgbClr val="d0d8e7"/>
+                      <a:srgbClr val="D0D8E7"/>
                     </a:solidFill>
                   </a:tcPr>
                 </a:tc>
@@ -4632,82 +4807,90 @@
                         </a:lnSpc>
                       </a:pPr>
                       <a:r>
-                        <a:rPr b="0" lang="pt-BR" sz="1800" spc="-1" strike="noStrike">
+                        <a:rPr lang="pt-BR" sz="1800" b="0" strike="noStrike" spc="-1">
                           <a:solidFill>
                             <a:srgbClr val="000000"/>
                           </a:solidFill>
                           <a:uFill>
                             <a:solidFill>
-                              <a:srgbClr val="ffffff"/>
+                              <a:srgbClr val="FFFFFF"/>
                             </a:solidFill>
                           </a:uFill>
                           <a:latin typeface="Calibri"/>
                         </a:rPr>
                         <a:t>X</a:t>
                       </a:r>
-                      <a:endParaRPr b="0" lang="pt-BR" sz="1800" spc="-1" strike="noStrike">
+                      <a:endParaRPr lang="pt-BR" sz="1800" b="0" strike="noStrike" spc="-1">
                         <a:solidFill>
                           <a:srgbClr val="000000"/>
                         </a:solidFill>
                         <a:uFill>
                           <a:solidFill>
-                            <a:srgbClr val="ffffff"/>
+                            <a:srgbClr val="FFFFFF"/>
                           </a:solidFill>
                         </a:uFill>
                         <a:latin typeface="Arial"/>
                       </a:endParaRPr>
                     </a:p>
                   </a:txBody>
-                  <a:tcPr marL="91440" marR="91440">
+                  <a:tcPr>
                     <a:lnL w="12240">
                       <a:solidFill>
-                        <a:srgbClr val="ffffff"/>
+                        <a:srgbClr val="FFFFFF"/>
                       </a:solidFill>
                     </a:lnL>
                     <a:lnR w="12240">
                       <a:solidFill>
-                        <a:srgbClr val="ffffff"/>
+                        <a:srgbClr val="FFFFFF"/>
                       </a:solidFill>
                     </a:lnR>
                     <a:lnT w="12240">
                       <a:solidFill>
-                        <a:srgbClr val="ffffff"/>
+                        <a:srgbClr val="FFFFFF"/>
                       </a:solidFill>
                     </a:lnT>
                     <a:lnB w="12240">
                       <a:solidFill>
-                        <a:srgbClr val="ffffff"/>
+                        <a:srgbClr val="FFFFFF"/>
                       </a:solidFill>
                     </a:lnB>
                     <a:solidFill>
-                      <a:srgbClr val="d0d8e7"/>
+                      <a:srgbClr val="D0D8E7"/>
                     </a:solidFill>
                   </a:tcPr>
                 </a:tc>
                 <a:tc>
-                  <a:tcPr marL="91440" marR="91440">
+                  <a:txBody>
+                    <a:bodyPr/>
+                    <a:p>
+                      <a:pPr>
+                        <a:buNone/>
+                      </a:pPr>
+                    </a:p>
+                  </a:txBody>
+                  <a:tcPr>
                     <a:lnL w="12240">
                       <a:solidFill>
-                        <a:srgbClr val="ffffff"/>
+                        <a:srgbClr val="FFFFFF"/>
                       </a:solidFill>
                     </a:lnL>
                     <a:lnR w="12240">
                       <a:solidFill>
-                        <a:srgbClr val="ffffff"/>
+                        <a:srgbClr val="FFFFFF"/>
                       </a:solidFill>
                     </a:lnR>
                     <a:lnT w="12240">
                       <a:solidFill>
-                        <a:srgbClr val="ffffff"/>
+                        <a:srgbClr val="FFFFFF"/>
                       </a:solidFill>
                     </a:lnT>
                     <a:lnB w="12240">
                       <a:solidFill>
-                        <a:srgbClr val="ffffff"/>
+                        <a:srgbClr val="FFFFFF"/>
                       </a:solidFill>
                     </a:lnB>
                     <a:solidFill>
-                      <a:srgbClr val="d0d8e7"/>
+                      <a:srgbClr val="D0D8E7"/>
                     </a:solidFill>
                   </a:tcPr>
                 </a:tc>
@@ -4723,55 +4906,55 @@
                         </a:lnSpc>
                       </a:pPr>
                       <a:r>
-                        <a:rPr b="0" lang="pt-BR" sz="1800" spc="-1" strike="noStrike">
+                        <a:rPr lang="pt-BR" sz="1800" b="0" strike="noStrike" spc="-1">
                           <a:solidFill>
                             <a:srgbClr val="000000"/>
                           </a:solidFill>
                           <a:uFill>
                             <a:solidFill>
-                              <a:srgbClr val="ffffff"/>
+                              <a:srgbClr val="FFFFFF"/>
                             </a:solidFill>
                           </a:uFill>
                           <a:latin typeface="Calibri"/>
                         </a:rPr>
                         <a:t>Arquiteto</a:t>
                       </a:r>
-                      <a:endParaRPr b="0" lang="pt-BR" sz="1800" spc="-1" strike="noStrike">
+                      <a:endParaRPr lang="pt-BR" sz="1800" b="0" strike="noStrike" spc="-1">
                         <a:solidFill>
                           <a:srgbClr val="000000"/>
                         </a:solidFill>
                         <a:uFill>
                           <a:solidFill>
-                            <a:srgbClr val="ffffff"/>
+                            <a:srgbClr val="FFFFFF"/>
                           </a:solidFill>
                         </a:uFill>
                         <a:latin typeface="Arial"/>
                       </a:endParaRPr>
                     </a:p>
                   </a:txBody>
-                  <a:tcPr marL="91440" marR="91440">
+                  <a:tcPr>
                     <a:lnL w="12240">
                       <a:solidFill>
-                        <a:srgbClr val="ffffff"/>
+                        <a:srgbClr val="FFFFFF"/>
                       </a:solidFill>
                     </a:lnL>
                     <a:lnR w="12240">
                       <a:solidFill>
-                        <a:srgbClr val="ffffff"/>
+                        <a:srgbClr val="FFFFFF"/>
                       </a:solidFill>
                     </a:lnR>
                     <a:lnT w="12240">
                       <a:solidFill>
-                        <a:srgbClr val="ffffff"/>
+                        <a:srgbClr val="FFFFFF"/>
                       </a:solidFill>
                     </a:lnT>
                     <a:lnB w="12240">
                       <a:solidFill>
-                        <a:srgbClr val="ffffff"/>
+                        <a:srgbClr val="FFFFFF"/>
                       </a:solidFill>
                     </a:lnB>
                     <a:solidFill>
-                      <a:srgbClr val="e9ecf3"/>
+                      <a:srgbClr val="E9ECF3"/>
                     </a:solidFill>
                   </a:tcPr>
                 </a:tc>
@@ -4785,109 +4968,125 @@
                         </a:lnSpc>
                       </a:pPr>
                       <a:r>
-                        <a:rPr b="0" lang="pt-BR" sz="1800" spc="-1" strike="noStrike">
+                        <a:rPr lang="pt-BR" sz="1800" b="0" strike="noStrike" spc="-1">
                           <a:solidFill>
                             <a:srgbClr val="000000"/>
                           </a:solidFill>
                           <a:uFill>
                             <a:solidFill>
-                              <a:srgbClr val="ffffff"/>
+                              <a:srgbClr val="FFFFFF"/>
                             </a:solidFill>
                           </a:uFill>
                           <a:latin typeface="Calibri"/>
                         </a:rPr>
                         <a:t>X</a:t>
                       </a:r>
-                      <a:endParaRPr b="0" lang="pt-BR" sz="1800" spc="-1" strike="noStrike">
+                      <a:endParaRPr lang="pt-BR" sz="1800" b="0" strike="noStrike" spc="-1">
                         <a:solidFill>
                           <a:srgbClr val="000000"/>
                         </a:solidFill>
                         <a:uFill>
                           <a:solidFill>
-                            <a:srgbClr val="ffffff"/>
+                            <a:srgbClr val="FFFFFF"/>
                           </a:solidFill>
                         </a:uFill>
                         <a:latin typeface="Arial"/>
                       </a:endParaRPr>
                     </a:p>
                   </a:txBody>
-                  <a:tcPr marL="91440" marR="91440">
+                  <a:tcPr>
                     <a:lnL w="12240">
                       <a:solidFill>
-                        <a:srgbClr val="ffffff"/>
+                        <a:srgbClr val="FFFFFF"/>
                       </a:solidFill>
                     </a:lnL>
                     <a:lnR w="12240">
                       <a:solidFill>
-                        <a:srgbClr val="ffffff"/>
+                        <a:srgbClr val="FFFFFF"/>
                       </a:solidFill>
                     </a:lnR>
                     <a:lnT w="12240">
                       <a:solidFill>
-                        <a:srgbClr val="ffffff"/>
+                        <a:srgbClr val="FFFFFF"/>
                       </a:solidFill>
                     </a:lnT>
                     <a:lnB w="12240">
                       <a:solidFill>
-                        <a:srgbClr val="ffffff"/>
+                        <a:srgbClr val="FFFFFF"/>
                       </a:solidFill>
                     </a:lnB>
                     <a:solidFill>
-                      <a:srgbClr val="e9ecf3"/>
+                      <a:srgbClr val="E9ECF3"/>
                     </a:solidFill>
                   </a:tcPr>
                 </a:tc>
                 <a:tc>
-                  <a:tcPr marL="91440" marR="91440">
+                  <a:txBody>
+                    <a:bodyPr/>
+                    <a:p>
+                      <a:pPr>
+                        <a:buNone/>
+                      </a:pPr>
+                    </a:p>
+                  </a:txBody>
+                  <a:tcPr>
                     <a:lnL w="12240">
                       <a:solidFill>
-                        <a:srgbClr val="ffffff"/>
+                        <a:srgbClr val="FFFFFF"/>
                       </a:solidFill>
                     </a:lnL>
                     <a:lnR w="12240">
                       <a:solidFill>
-                        <a:srgbClr val="ffffff"/>
+                        <a:srgbClr val="FFFFFF"/>
                       </a:solidFill>
                     </a:lnR>
                     <a:lnT w="12240">
                       <a:solidFill>
-                        <a:srgbClr val="ffffff"/>
+                        <a:srgbClr val="FFFFFF"/>
                       </a:solidFill>
                     </a:lnT>
                     <a:lnB w="12240">
                       <a:solidFill>
-                        <a:srgbClr val="ffffff"/>
+                        <a:srgbClr val="FFFFFF"/>
                       </a:solidFill>
                     </a:lnB>
                     <a:solidFill>
-                      <a:srgbClr val="e9ecf3"/>
+                      <a:srgbClr val="E9ECF3"/>
                     </a:solidFill>
                   </a:tcPr>
                 </a:tc>
                 <a:tc>
-                  <a:tcPr marL="91440" marR="91440">
+                  <a:txBody>
+                    <a:bodyPr/>
+                    <a:p>
+                      <a:pPr>
+                        <a:buNone/>
+                      </a:pPr>
+                    </a:p>
+                  </a:txBody>
+                  <a:tcPr>
                     <a:lnL w="12240">
                       <a:solidFill>
-                        <a:srgbClr val="ffffff"/>
+                        <a:srgbClr val="FFFFFF"/>
                       </a:solidFill>
                     </a:lnL>
                     <a:lnR w="12240">
                       <a:solidFill>
-                        <a:srgbClr val="ffffff"/>
+                        <a:srgbClr val="FFFFFF"/>
                       </a:solidFill>
                     </a:lnR>
                     <a:lnT w="12240">
                       <a:solidFill>
-                        <a:srgbClr val="ffffff"/>
+                        <a:srgbClr val="FFFFFF"/>
                       </a:solidFill>
                     </a:lnT>
                     <a:lnB w="12240">
                       <a:solidFill>
-                        <a:srgbClr val="ffffff"/>
+                        <a:srgbClr val="FFFFFF"/>
                       </a:solidFill>
                     </a:lnB>
                     <a:solidFill>
-                      <a:srgbClr val="e9ecf3"/>
+                      <a:srgbClr val="E9ECF3"/>
                     </a:solidFill>
                   </a:tcPr>
                 </a:tc>
@@ -4903,109 +5102,125 @@
                         </a:lnSpc>
                       </a:pPr>
                       <a:r>
-                        <a:rPr b="0" lang="pt-BR" sz="1800" spc="-1" strike="noStrike">
+                        <a:rPr lang="pt-BR" sz="1800" b="0" strike="noStrike" spc="-1">
                           <a:solidFill>
                             <a:srgbClr val="000000"/>
                           </a:solidFill>
                           <a:uFill>
                             <a:solidFill>
-                              <a:srgbClr val="ffffff"/>
+                              <a:srgbClr val="FFFFFF"/>
                             </a:solidFill>
                           </a:uFill>
                           <a:latin typeface="Calibri"/>
                         </a:rPr>
                         <a:t>Analista</a:t>
                       </a:r>
-                      <a:endParaRPr b="0" lang="pt-BR" sz="1800" spc="-1" strike="noStrike">
+                      <a:endParaRPr lang="pt-BR" sz="1800" b="0" strike="noStrike" spc="-1">
                         <a:solidFill>
                           <a:srgbClr val="000000"/>
                         </a:solidFill>
                         <a:uFill>
                           <a:solidFill>
-                            <a:srgbClr val="ffffff"/>
+                            <a:srgbClr val="FFFFFF"/>
                           </a:solidFill>
                         </a:uFill>
                         <a:latin typeface="Arial"/>
                       </a:endParaRPr>
                     </a:p>
                   </a:txBody>
-                  <a:tcPr marL="91440" marR="91440">
+                  <a:tcPr>
                     <a:lnL w="12240">
                       <a:solidFill>
-                        <a:srgbClr val="ffffff"/>
+                        <a:srgbClr val="FFFFFF"/>
                       </a:solidFill>
                     </a:lnL>
                     <a:lnR w="12240">
                       <a:solidFill>
-                        <a:srgbClr val="ffffff"/>
+                        <a:srgbClr val="FFFFFF"/>
                       </a:solidFill>
                     </a:lnR>
                     <a:lnT w="12240">
                       <a:solidFill>
-                        <a:srgbClr val="ffffff"/>
+                        <a:srgbClr val="FFFFFF"/>
                       </a:solidFill>
                     </a:lnT>
                     <a:lnB w="12240">
                       <a:solidFill>
-                        <a:srgbClr val="ffffff"/>
+                        <a:srgbClr val="FFFFFF"/>
                       </a:solidFill>
                     </a:lnB>
                     <a:solidFill>
-                      <a:srgbClr val="d0d8e7"/>
+                      <a:srgbClr val="D0D8E7"/>
                     </a:solidFill>
                   </a:tcPr>
                 </a:tc>
                 <a:tc>
-                  <a:tcPr marL="91440" marR="91440">
+                  <a:txBody>
+                    <a:bodyPr/>
+                    <a:p>
+                      <a:pPr>
+                        <a:buNone/>
+                      </a:pPr>
+                    </a:p>
+                  </a:txBody>
+                  <a:tcPr>
                     <a:lnL w="12240">
                       <a:solidFill>
-                        <a:srgbClr val="ffffff"/>
+                        <a:srgbClr val="FFFFFF"/>
                       </a:solidFill>
                     </a:lnL>
                     <a:lnR w="12240">
                       <a:solidFill>
-                        <a:srgbClr val="ffffff"/>
+                        <a:srgbClr val="FFFFFF"/>
                       </a:solidFill>
                     </a:lnR>
                     <a:lnT w="12240">
                       <a:solidFill>
-                        <a:srgbClr val="ffffff"/>
+                        <a:srgbClr val="FFFFFF"/>
                       </a:solidFill>
                     </a:lnT>
                     <a:lnB w="12240">
                       <a:solidFill>
-                        <a:srgbClr val="ffffff"/>
+                        <a:srgbClr val="FFFFFF"/>
                       </a:solidFill>
                     </a:lnB>
                     <a:solidFill>
-                      <a:srgbClr val="d0d8e7"/>
+                      <a:srgbClr val="D0D8E7"/>
                     </a:solidFill>
                   </a:tcPr>
                 </a:tc>
                 <a:tc>
-                  <a:tcPr marL="91440" marR="91440">
+                  <a:txBody>
+                    <a:bodyPr/>
+                    <a:p>
+                      <a:pPr>
+                        <a:buNone/>
+                      </a:pPr>
+                    </a:p>
+                  </a:txBody>
+                  <a:tcPr>
                     <a:lnL w="12240">
                       <a:solidFill>
-                        <a:srgbClr val="ffffff"/>
+                        <a:srgbClr val="FFFFFF"/>
                       </a:solidFill>
                     </a:lnL>
                     <a:lnR w="12240">
                       <a:solidFill>
-                        <a:srgbClr val="ffffff"/>
+                        <a:srgbClr val="FFFFFF"/>
                       </a:solidFill>
                     </a:lnR>
                     <a:lnT w="12240">
                       <a:solidFill>
-                        <a:srgbClr val="ffffff"/>
+                        <a:srgbClr val="FFFFFF"/>
                       </a:solidFill>
                     </a:lnT>
                     <a:lnB w="12240">
                       <a:solidFill>
-                        <a:srgbClr val="ffffff"/>
+                        <a:srgbClr val="FFFFFF"/>
                       </a:solidFill>
                     </a:lnB>
                     <a:solidFill>
-                      <a:srgbClr val="d0d8e7"/>
+                      <a:srgbClr val="D0D8E7"/>
                     </a:solidFill>
                   </a:tcPr>
                 </a:tc>
@@ -5019,55 +5234,55 @@
                         </a:lnSpc>
                       </a:pPr>
                       <a:r>
-                        <a:rPr b="0" lang="pt-BR" sz="1800" spc="-1" strike="noStrike">
+                        <a:rPr lang="pt-BR" sz="1800" b="0" strike="noStrike" spc="-1">
                           <a:solidFill>
                             <a:srgbClr val="000000"/>
                           </a:solidFill>
                           <a:uFill>
                             <a:solidFill>
-                              <a:srgbClr val="ffffff"/>
+                              <a:srgbClr val="FFFFFF"/>
                             </a:solidFill>
                           </a:uFill>
                           <a:latin typeface="Calibri"/>
                         </a:rPr>
                         <a:t>X</a:t>
                       </a:r>
-                      <a:endParaRPr b="0" lang="pt-BR" sz="1800" spc="-1" strike="noStrike">
+                      <a:endParaRPr lang="pt-BR" sz="1800" b="0" strike="noStrike" spc="-1">
                         <a:solidFill>
                           <a:srgbClr val="000000"/>
                         </a:solidFill>
                         <a:uFill>
                           <a:solidFill>
-                            <a:srgbClr val="ffffff"/>
+                            <a:srgbClr val="FFFFFF"/>
                           </a:solidFill>
                         </a:uFill>
                         <a:latin typeface="Arial"/>
                       </a:endParaRPr>
                     </a:p>
                   </a:txBody>
-                  <a:tcPr marL="91440" marR="91440">
+                  <a:tcPr>
                     <a:lnL w="12240">
                       <a:solidFill>
-                        <a:srgbClr val="ffffff"/>
+                        <a:srgbClr val="FFFFFF"/>
                       </a:solidFill>
                     </a:lnL>
                     <a:lnR w="12240">
                       <a:solidFill>
-                        <a:srgbClr val="ffffff"/>
+                        <a:srgbClr val="FFFFFF"/>
                       </a:solidFill>
                     </a:lnR>
                     <a:lnT w="12240">
                       <a:solidFill>
-                        <a:srgbClr val="ffffff"/>
+                        <a:srgbClr val="FFFFFF"/>
                       </a:solidFill>
                     </a:lnT>
                     <a:lnB w="12240">
                       <a:solidFill>
-                        <a:srgbClr val="ffffff"/>
+                        <a:srgbClr val="FFFFFF"/>
                       </a:solidFill>
                     </a:lnB>
                     <a:solidFill>
-                      <a:srgbClr val="d0d8e7"/>
+                      <a:srgbClr val="D0D8E7"/>
                     </a:solidFill>
                   </a:tcPr>
                 </a:tc>
@@ -5083,82 +5298,90 @@
                         </a:lnSpc>
                       </a:pPr>
                       <a:r>
-                        <a:rPr b="0" lang="pt-BR" sz="1800" spc="-1" strike="noStrike">
+                        <a:rPr lang="pt-BR" sz="1800" b="0" strike="noStrike" spc="-1">
                           <a:solidFill>
                             <a:srgbClr val="000000"/>
                           </a:solidFill>
                           <a:uFill>
                             <a:solidFill>
-                              <a:srgbClr val="ffffff"/>
+                              <a:srgbClr val="FFFFFF"/>
                             </a:solidFill>
                           </a:uFill>
                           <a:latin typeface="Calibri"/>
                         </a:rPr>
                         <a:t>Desenvolvedor</a:t>
                       </a:r>
-                      <a:endParaRPr b="0" lang="pt-BR" sz="1800" spc="-1" strike="noStrike">
+                      <a:endParaRPr lang="pt-BR" sz="1800" b="0" strike="noStrike" spc="-1">
                         <a:solidFill>
                           <a:srgbClr val="000000"/>
                         </a:solidFill>
                         <a:uFill>
                           <a:solidFill>
-                            <a:srgbClr val="ffffff"/>
+                            <a:srgbClr val="FFFFFF"/>
                           </a:solidFill>
                         </a:uFill>
                         <a:latin typeface="Arial"/>
                       </a:endParaRPr>
                     </a:p>
                   </a:txBody>
-                  <a:tcPr marL="91440" marR="91440">
+                  <a:tcPr>
                     <a:lnL w="12240">
                       <a:solidFill>
-                        <a:srgbClr val="ffffff"/>
+                        <a:srgbClr val="FFFFFF"/>
                       </a:solidFill>
                     </a:lnL>
                     <a:lnR w="12240">
                       <a:solidFill>
-                        <a:srgbClr val="ffffff"/>
+                        <a:srgbClr val="FFFFFF"/>
                       </a:solidFill>
                     </a:lnR>
                     <a:lnT w="12240">
                       <a:solidFill>
-                        <a:srgbClr val="ffffff"/>
+                        <a:srgbClr val="FFFFFF"/>
                       </a:solidFill>
                     </a:lnT>
                     <a:lnB w="12240">
                       <a:solidFill>
-                        <a:srgbClr val="ffffff"/>
+                        <a:srgbClr val="FFFFFF"/>
                       </a:solidFill>
                     </a:lnB>
                     <a:solidFill>
-                      <a:srgbClr val="e9ecf3"/>
+                      <a:srgbClr val="E9ECF3"/>
                     </a:solidFill>
                   </a:tcPr>
                 </a:tc>
                 <a:tc>
-                  <a:tcPr marL="91440" marR="91440">
+                  <a:txBody>
+                    <a:bodyPr/>
+                    <a:p>
+                      <a:pPr>
+                        <a:buNone/>
+                      </a:pPr>
+                    </a:p>
+                  </a:txBody>
+                  <a:tcPr>
                     <a:lnL w="12240">
                       <a:solidFill>
-                        <a:srgbClr val="ffffff"/>
+                        <a:srgbClr val="FFFFFF"/>
                       </a:solidFill>
                     </a:lnL>
                     <a:lnR w="12240">
                       <a:solidFill>
-                        <a:srgbClr val="ffffff"/>
+                        <a:srgbClr val="FFFFFF"/>
                       </a:solidFill>
                     </a:lnR>
                     <a:lnT w="12240">
                       <a:solidFill>
-                        <a:srgbClr val="ffffff"/>
+                        <a:srgbClr val="FFFFFF"/>
                       </a:solidFill>
                     </a:lnT>
                     <a:lnB w="12240">
                       <a:solidFill>
-                        <a:srgbClr val="ffffff"/>
+                        <a:srgbClr val="FFFFFF"/>
                       </a:solidFill>
                     </a:lnB>
                     <a:solidFill>
-                      <a:srgbClr val="e9ecf3"/>
+                      <a:srgbClr val="E9ECF3"/>
                     </a:solidFill>
                   </a:tcPr>
                 </a:tc>
@@ -5172,55 +5395,55 @@
                         </a:lnSpc>
                       </a:pPr>
                       <a:r>
-                        <a:rPr b="0" lang="pt-BR" sz="1800" spc="-1" strike="noStrike">
+                        <a:rPr lang="pt-BR" sz="1800" b="0" strike="noStrike" spc="-1">
                           <a:solidFill>
                             <a:srgbClr val="000000"/>
                           </a:solidFill>
                           <a:uFill>
                             <a:solidFill>
-                              <a:srgbClr val="ffffff"/>
+                              <a:srgbClr val="FFFFFF"/>
                             </a:solidFill>
                           </a:uFill>
                           <a:latin typeface="Calibri"/>
                         </a:rPr>
                         <a:t>X</a:t>
                       </a:r>
-                      <a:endParaRPr b="0" lang="pt-BR" sz="1800" spc="-1" strike="noStrike">
+                      <a:endParaRPr lang="pt-BR" sz="1800" b="0" strike="noStrike" spc="-1">
                         <a:solidFill>
                           <a:srgbClr val="000000"/>
                         </a:solidFill>
                         <a:uFill>
                           <a:solidFill>
-                            <a:srgbClr val="ffffff"/>
+                            <a:srgbClr val="FFFFFF"/>
                           </a:solidFill>
                         </a:uFill>
                         <a:latin typeface="Arial"/>
                       </a:endParaRPr>
                     </a:p>
                   </a:txBody>
-                  <a:tcPr marL="91440" marR="91440">
+                  <a:tcPr>
                     <a:lnL w="12240">
                       <a:solidFill>
-                        <a:srgbClr val="ffffff"/>
+                        <a:srgbClr val="FFFFFF"/>
                       </a:solidFill>
                     </a:lnL>
                     <a:lnR w="12240">
                       <a:solidFill>
-                        <a:srgbClr val="ffffff"/>
+                        <a:srgbClr val="FFFFFF"/>
                       </a:solidFill>
                     </a:lnR>
                     <a:lnT w="12240">
                       <a:solidFill>
-                        <a:srgbClr val="ffffff"/>
+                        <a:srgbClr val="FFFFFF"/>
                       </a:solidFill>
                     </a:lnT>
                     <a:lnB w="12240">
                       <a:solidFill>
-                        <a:srgbClr val="ffffff"/>
+                        <a:srgbClr val="FFFFFF"/>
                       </a:solidFill>
                     </a:lnB>
                     <a:solidFill>
-                      <a:srgbClr val="e9ecf3"/>
+                      <a:srgbClr val="E9ECF3"/>
                     </a:solidFill>
                   </a:tcPr>
                 </a:tc>
@@ -5234,55 +5457,55 @@
                         </a:lnSpc>
                       </a:pPr>
                       <a:r>
-                        <a:rPr b="0" lang="pt-BR" sz="1800" spc="-1" strike="noStrike">
+                        <a:rPr lang="pt-BR" sz="1800" b="0" strike="noStrike" spc="-1">
                           <a:solidFill>
                             <a:srgbClr val="000000"/>
                           </a:solidFill>
                           <a:uFill>
                             <a:solidFill>
-                              <a:srgbClr val="ffffff"/>
+                              <a:srgbClr val="FFFFFF"/>
                             </a:solidFill>
                           </a:uFill>
                           <a:latin typeface="Calibri"/>
                         </a:rPr>
                         <a:t>X</a:t>
                       </a:r>
-                      <a:endParaRPr b="0" lang="pt-BR" sz="1800" spc="-1" strike="noStrike">
+                      <a:endParaRPr lang="pt-BR" sz="1800" b="0" strike="noStrike" spc="-1">
                         <a:solidFill>
                           <a:srgbClr val="000000"/>
                         </a:solidFill>
                         <a:uFill>
                           <a:solidFill>
-                            <a:srgbClr val="ffffff"/>
+                            <a:srgbClr val="FFFFFF"/>
                           </a:solidFill>
                         </a:uFill>
                         <a:latin typeface="Arial"/>
                       </a:endParaRPr>
                     </a:p>
                   </a:txBody>
-                  <a:tcPr marL="91440" marR="91440">
+                  <a:tcPr>
                     <a:lnL w="12240">
                       <a:solidFill>
-                        <a:srgbClr val="ffffff"/>
+                        <a:srgbClr val="FFFFFF"/>
                       </a:solidFill>
                     </a:lnL>
                     <a:lnR w="12240">
                       <a:solidFill>
-                        <a:srgbClr val="ffffff"/>
+                        <a:srgbClr val="FFFFFF"/>
                       </a:solidFill>
                     </a:lnR>
                     <a:lnT w="12240">
                       <a:solidFill>
-                        <a:srgbClr val="ffffff"/>
+                        <a:srgbClr val="FFFFFF"/>
                       </a:solidFill>
                     </a:lnT>
                     <a:lnB w="12240">
                       <a:solidFill>
-                        <a:srgbClr val="ffffff"/>
+                        <a:srgbClr val="FFFFFF"/>
                       </a:solidFill>
                     </a:lnB>
                     <a:solidFill>
-                      <a:srgbClr val="e9ecf3"/>
+                      <a:srgbClr val="E9ECF3"/>
                     </a:solidFill>
                   </a:tcPr>
                 </a:tc>
@@ -5298,55 +5521,55 @@
                         </a:lnSpc>
                       </a:pPr>
                       <a:r>
-                        <a:rPr b="0" lang="pt-BR" sz="1800" spc="-1" strike="noStrike">
+                        <a:rPr lang="pt-BR" sz="1800" b="0" strike="noStrike" spc="-1">
                           <a:solidFill>
                             <a:srgbClr val="000000"/>
                           </a:solidFill>
                           <a:uFill>
                             <a:solidFill>
-                              <a:srgbClr val="ffffff"/>
+                              <a:srgbClr val="FFFFFF"/>
                             </a:solidFill>
                           </a:uFill>
                           <a:latin typeface="Calibri"/>
                         </a:rPr>
                         <a:t>Testador</a:t>
                       </a:r>
-                      <a:endParaRPr b="0" lang="pt-BR" sz="1800" spc="-1" strike="noStrike">
+                      <a:endParaRPr lang="pt-BR" sz="1800" b="0" strike="noStrike" spc="-1">
                         <a:solidFill>
                           <a:srgbClr val="000000"/>
                         </a:solidFill>
                         <a:uFill>
                           <a:solidFill>
-                            <a:srgbClr val="ffffff"/>
+                            <a:srgbClr val="FFFFFF"/>
                           </a:solidFill>
                         </a:uFill>
                         <a:latin typeface="Arial"/>
                       </a:endParaRPr>
                     </a:p>
                   </a:txBody>
-                  <a:tcPr marL="91440" marR="91440">
+                  <a:tcPr>
                     <a:lnL w="12240">
                       <a:solidFill>
-                        <a:srgbClr val="ffffff"/>
+                        <a:srgbClr val="FFFFFF"/>
                       </a:solidFill>
                     </a:lnL>
                     <a:lnR w="12240">
                       <a:solidFill>
-                        <a:srgbClr val="ffffff"/>
+                        <a:srgbClr val="FFFFFF"/>
                       </a:solidFill>
                     </a:lnR>
                     <a:lnT w="12240">
                       <a:solidFill>
-                        <a:srgbClr val="ffffff"/>
+                        <a:srgbClr val="FFFFFF"/>
                       </a:solidFill>
                     </a:lnT>
                     <a:lnB w="12240">
                       <a:solidFill>
-                        <a:srgbClr val="ffffff"/>
+                        <a:srgbClr val="FFFFFF"/>
                       </a:solidFill>
                     </a:lnB>
                     <a:solidFill>
-                      <a:srgbClr val="d0d8e7"/>
+                      <a:srgbClr val="D0D8E7"/>
                     </a:solidFill>
                   </a:tcPr>
                 </a:tc>
@@ -5360,109 +5583,125 @@
                         </a:lnSpc>
                       </a:pPr>
                       <a:r>
-                        <a:rPr b="0" lang="pt-BR" sz="1800" spc="-1" strike="noStrike">
+                        <a:rPr lang="pt-BR" sz="1800" b="0" strike="noStrike" spc="-1">
                           <a:solidFill>
                             <a:srgbClr val="000000"/>
                           </a:solidFill>
                           <a:uFill>
                             <a:solidFill>
-                              <a:srgbClr val="ffffff"/>
+                              <a:srgbClr val="FFFFFF"/>
                             </a:solidFill>
                           </a:uFill>
                           <a:latin typeface="Calibri"/>
                         </a:rPr>
                         <a:t>X</a:t>
                       </a:r>
-                      <a:endParaRPr b="0" lang="pt-BR" sz="1800" spc="-1" strike="noStrike">
+                      <a:endParaRPr lang="pt-BR" sz="1800" b="0" strike="noStrike" spc="-1">
                         <a:solidFill>
                           <a:srgbClr val="000000"/>
                         </a:solidFill>
                         <a:uFill>
                           <a:solidFill>
-                            <a:srgbClr val="ffffff"/>
+                            <a:srgbClr val="FFFFFF"/>
                           </a:solidFill>
                         </a:uFill>
                         <a:latin typeface="Arial"/>
                       </a:endParaRPr>
                     </a:p>
                   </a:txBody>
-                  <a:tcPr marL="91440" marR="91440">
+                  <a:tcPr>
                     <a:lnL w="12240">
                       <a:solidFill>
-                        <a:srgbClr val="ffffff"/>
+                        <a:srgbClr val="FFFFFF"/>
                       </a:solidFill>
                     </a:lnL>
                     <a:lnR w="12240">
                       <a:solidFill>
-                        <a:srgbClr val="ffffff"/>
+                        <a:srgbClr val="FFFFFF"/>
                       </a:solidFill>
                     </a:lnR>
                     <a:lnT w="12240">
                       <a:solidFill>
-                        <a:srgbClr val="ffffff"/>
+                        <a:srgbClr val="FFFFFF"/>
                       </a:solidFill>
                     </a:lnT>
                     <a:lnB w="12240">
                       <a:solidFill>
-                        <a:srgbClr val="ffffff"/>
+                        <a:srgbClr val="FFFFFF"/>
                       </a:solidFill>
                     </a:lnB>
                     <a:solidFill>
-                      <a:srgbClr val="d0d8e7"/>
+                      <a:srgbClr val="D0D8E7"/>
                     </a:solidFill>
                   </a:tcPr>
                 </a:tc>
                 <a:tc>
-                  <a:tcPr marL="91440" marR="91440">
+                  <a:txBody>
+                    <a:bodyPr/>
+                    <a:p>
+                      <a:pPr>
+                        <a:buNone/>
+                      </a:pPr>
+                    </a:p>
+                  </a:txBody>
+                  <a:tcPr>
                     <a:lnL w="12240">
                       <a:solidFill>
-                        <a:srgbClr val="ffffff"/>
+                        <a:srgbClr val="FFFFFF"/>
                       </a:solidFill>
                     </a:lnL>
                     <a:lnR w="12240">
                       <a:solidFill>
-                        <a:srgbClr val="ffffff"/>
+                        <a:srgbClr val="FFFFFF"/>
                       </a:solidFill>
                     </a:lnR>
                     <a:lnT w="12240">
                       <a:solidFill>
-                        <a:srgbClr val="ffffff"/>
+                        <a:srgbClr val="FFFFFF"/>
                       </a:solidFill>
                     </a:lnT>
                     <a:lnB w="12240">
                       <a:solidFill>
-                        <a:srgbClr val="ffffff"/>
+                        <a:srgbClr val="FFFFFF"/>
                       </a:solidFill>
                     </a:lnB>
                     <a:solidFill>
-                      <a:srgbClr val="d0d8e7"/>
+                      <a:srgbClr val="D0D8E7"/>
                     </a:solidFill>
                   </a:tcPr>
                 </a:tc>
                 <a:tc>
-                  <a:tcPr marL="91440" marR="91440">
+                  <a:txBody>
+                    <a:bodyPr/>
+                    <a:p>
+                      <a:pPr>
+                        <a:buNone/>
+                      </a:pPr>
+                    </a:p>
+                  </a:txBody>
+                  <a:tcPr>
                     <a:lnL w="12240">
                       <a:solidFill>
-                        <a:srgbClr val="ffffff"/>
+                        <a:srgbClr val="FFFFFF"/>
                       </a:solidFill>
                     </a:lnL>
                     <a:lnR w="12240">
                       <a:solidFill>
-                        <a:srgbClr val="ffffff"/>
+                        <a:srgbClr val="FFFFFF"/>
                       </a:solidFill>
                     </a:lnR>
                     <a:lnT w="12240">
                       <a:solidFill>
-                        <a:srgbClr val="ffffff"/>
+                        <a:srgbClr val="FFFFFF"/>
                       </a:solidFill>
                     </a:lnT>
                     <a:lnB w="12240">
                       <a:solidFill>
-                        <a:srgbClr val="ffffff"/>
+                        <a:srgbClr val="FFFFFF"/>
                       </a:solidFill>
                     </a:lnB>
                     <a:solidFill>
-                      <a:srgbClr val="d0d8e7"/>
+                      <a:srgbClr val="D0D8E7"/>
                     </a:solidFill>
                   </a:tcPr>
                 </a:tc>
@@ -5473,30 +5712,13 @@
       </p:graphicFrame>
     </p:spTree>
   </p:cSld>
+  <p:clrMapOvr>
+    <a:masterClrMapping/>
+  </p:clrMapOvr>
   <p:timing>
     <p:tnLst>
       <p:par>
-        <p:cTn id="3" dur="indefinite" restart="never" nodeType="tmRoot">
-          <p:childTnLst>
-            <p:seq>
-              <p:cTn id="4" nodeType="mainSeq"/>
-              <p:prevCondLst>
-                <p:cond delay="0" evt="onPrev">
-                  <p:tgtEl>
-                    <p:sldTgt/>
-                  </p:tgtEl>
-                </p:cond>
-              </p:prevCondLst>
-              <p:nextCondLst>
-                <p:cond delay="0" evt="onNext">
-                  <p:tgtEl>
-                    <p:sldTgt/>
-                  </p:tgtEl>
-                </p:cond>
-              </p:nextCondLst>
-            </p:seq>
-          </p:childTnLst>
-        </p:cTn>
+        <p:cTn id="1" dur="indefinite" restart="never" nodeType="tmRoot"/>
       </p:par>
     </p:tnLst>
   </p:timing>
@@ -5504,7 +5726,7 @@
 </file>
 
 <file path=ppt/slides/slide3.xml><?xml version="1.0" encoding="utf-8"?>
-<p:sld xmlns:a="http://schemas.openxmlformats.org/drawingml/2006/main" xmlns:p="http://schemas.openxmlformats.org/presentationml/2006/main" xmlns:r="http://schemas.openxmlformats.org/officeDocument/2006/relationships" xmlns:p14="http://schemas.microsoft.com/office/powerpoint/2010/main" xmlns:p15="http://schemas.microsoft.com/office/powerpoint/2012/main" xmlns:mc="http://schemas.openxmlformats.org/markup-compatibility/2006">
+<p:sld xmlns:a="http://schemas.openxmlformats.org/drawingml/2006/main" xmlns:r="http://schemas.openxmlformats.org/officeDocument/2006/relationships" xmlns:p="http://schemas.openxmlformats.org/presentationml/2006/main">
   <p:cSld>
     <p:spTree>
       <p:nvGrpSpPr>
@@ -5548,26 +5770,26 @@
               </a:lnSpc>
             </a:pPr>
             <a:r>
-              <a:rPr b="0" lang="pt-BR" sz="4400" spc="-1" strike="noStrike">
+              <a:rPr lang="pt-BR" sz="4400" b="0" strike="noStrike" spc="-1">
                 <a:solidFill>
                   <a:srgbClr val="000000"/>
                 </a:solidFill>
                 <a:uFill>
                   <a:solidFill>
-                    <a:srgbClr val="ffffff"/>
+                    <a:srgbClr val="FFFFFF"/>
                   </a:solidFill>
                 </a:uFill>
                 <a:latin typeface="Calibri"/>
               </a:rPr>
               <a:t>Objetivos</a:t>
             </a:r>
-            <a:endParaRPr b="0" lang="pt-BR" sz="1800" spc="-1" strike="noStrike">
-              <a:solidFill>
-                <a:srgbClr val="000000"/>
-              </a:solidFill>
-              <a:uFill>
-                <a:solidFill>
-                  <a:srgbClr val="ffffff"/>
+            <a:endParaRPr lang="pt-BR" sz="1800" b="0" strike="noStrike" spc="-1">
+              <a:solidFill>
+                <a:srgbClr val="000000"/>
+              </a:solidFill>
+              <a:uFill>
+                <a:solidFill>
+                  <a:srgbClr val="FFFFFF"/>
                 </a:solidFill>
               </a:uFill>
               <a:latin typeface="Calibri"/>
@@ -5597,7 +5819,7 @@
         <p:txBody>
           <a:bodyPr/>
           <a:p>
-            <a:pPr marL="343080" indent="-342720">
+            <a:pPr marL="342900" indent="-342900">
               <a:lnSpc>
                 <a:spcPct val="100000"/>
               </a:lnSpc>
@@ -5608,33 +5830,33 @@
               <a:buChar char="•"/>
             </a:pPr>
             <a:r>
-              <a:rPr b="0" lang="pt-BR" sz="3200" spc="-1" strike="noStrike">
+              <a:rPr lang="pt-BR" sz="3200" b="0" strike="noStrike" spc="-1">
                 <a:solidFill>
                   <a:srgbClr val="000000"/>
                 </a:solidFill>
                 <a:uFill>
                   <a:solidFill>
-                    <a:srgbClr val="ffffff"/>
+                    <a:srgbClr val="FFFFFF"/>
                   </a:solidFill>
                 </a:uFill>
                 <a:latin typeface="Calibri"/>
               </a:rPr>
               <a:t>Aprimorar o gerenciamento do espaço físico da faculdade de informática da PUCRS</a:t>
             </a:r>
-            <a:endParaRPr b="0" lang="pt-BR" sz="3200" spc="-1" strike="noStrike">
-              <a:solidFill>
-                <a:srgbClr val="000000"/>
-              </a:solidFill>
-              <a:uFill>
-                <a:solidFill>
-                  <a:srgbClr val="ffffff"/>
-                </a:solidFill>
-              </a:uFill>
-              <a:latin typeface="Calibri"/>
-            </a:endParaRPr>
-          </a:p>
-          <a:p>
-            <a:pPr marL="343080" indent="-342720">
+            <a:endParaRPr lang="pt-BR" sz="3200" b="0" strike="noStrike" spc="-1">
+              <a:solidFill>
+                <a:srgbClr val="000000"/>
+              </a:solidFill>
+              <a:uFill>
+                <a:solidFill>
+                  <a:srgbClr val="FFFFFF"/>
+                </a:solidFill>
+              </a:uFill>
+              <a:latin typeface="Calibri"/>
+            </a:endParaRPr>
+          </a:p>
+          <a:p>
+            <a:pPr marL="342900" indent="-342900">
               <a:lnSpc>
                 <a:spcPct val="100000"/>
               </a:lnSpc>
@@ -5645,33 +5867,33 @@
               <a:buChar char="•"/>
             </a:pPr>
             <a:r>
-              <a:rPr b="0" lang="pt-BR" sz="3200" spc="-1" strike="noStrike">
+              <a:rPr lang="pt-BR" sz="3200" b="0" strike="noStrike" spc="-1">
                 <a:solidFill>
                   <a:srgbClr val="000000"/>
                 </a:solidFill>
                 <a:uFill>
                   <a:solidFill>
-                    <a:srgbClr val="ffffff"/>
+                    <a:srgbClr val="FFFFFF"/>
                   </a:solidFill>
                 </a:uFill>
                 <a:latin typeface="Calibri"/>
               </a:rPr>
               <a:t>Gerar a melhor alocação possível para as salas e turmas para diminuir, ao máximo, conflitos de horários</a:t>
             </a:r>
-            <a:endParaRPr b="0" lang="pt-BR" sz="3200" spc="-1" strike="noStrike">
-              <a:solidFill>
-                <a:srgbClr val="000000"/>
-              </a:solidFill>
-              <a:uFill>
-                <a:solidFill>
-                  <a:srgbClr val="ffffff"/>
-                </a:solidFill>
-              </a:uFill>
-              <a:latin typeface="Calibri"/>
-            </a:endParaRPr>
-          </a:p>
-          <a:p>
-            <a:pPr marL="343080" indent="-342720">
+            <a:endParaRPr lang="pt-BR" sz="3200" b="0" strike="noStrike" spc="-1">
+              <a:solidFill>
+                <a:srgbClr val="000000"/>
+              </a:solidFill>
+              <a:uFill>
+                <a:solidFill>
+                  <a:srgbClr val="FFFFFF"/>
+                </a:solidFill>
+              </a:uFill>
+              <a:latin typeface="Calibri"/>
+            </a:endParaRPr>
+          </a:p>
+          <a:p>
+            <a:pPr marL="342900" indent="-342900">
               <a:lnSpc>
                 <a:spcPct val="100000"/>
               </a:lnSpc>
@@ -5682,26 +5904,26 @@
               <a:buChar char="•"/>
             </a:pPr>
             <a:r>
-              <a:rPr b="0" lang="pt-BR" sz="3200" spc="-1" strike="noStrike">
+              <a:rPr lang="pt-BR" sz="3200" b="0" strike="noStrike" spc="-1">
                 <a:solidFill>
                   <a:srgbClr val="000000"/>
                 </a:solidFill>
                 <a:uFill>
                   <a:solidFill>
-                    <a:srgbClr val="ffffff"/>
+                    <a:srgbClr val="FFFFFF"/>
                   </a:solidFill>
                 </a:uFill>
                 <a:latin typeface="Calibri"/>
               </a:rPr>
               <a:t>Oferecer mais facilidade ao usuário que utilizará a aplicação</a:t>
             </a:r>
-            <a:endParaRPr b="0" lang="pt-BR" sz="3200" spc="-1" strike="noStrike">
-              <a:solidFill>
-                <a:srgbClr val="000000"/>
-              </a:solidFill>
-              <a:uFill>
-                <a:solidFill>
-                  <a:srgbClr val="ffffff"/>
+            <a:endParaRPr lang="pt-BR" sz="3200" b="0" strike="noStrike" spc="-1">
+              <a:solidFill>
+                <a:srgbClr val="000000"/>
+              </a:solidFill>
+              <a:uFill>
+                <a:solidFill>
+                  <a:srgbClr val="FFFFFF"/>
                 </a:solidFill>
               </a:uFill>
               <a:latin typeface="Calibri"/>
@@ -5711,30 +5933,13 @@
       </p:sp>
     </p:spTree>
   </p:cSld>
+  <p:clrMapOvr>
+    <a:masterClrMapping/>
+  </p:clrMapOvr>
   <p:timing>
     <p:tnLst>
       <p:par>
-        <p:cTn id="5" dur="indefinite" restart="never" nodeType="tmRoot">
-          <p:childTnLst>
-            <p:seq>
-              <p:cTn id="6" nodeType="mainSeq"/>
-              <p:prevCondLst>
-                <p:cond delay="0" evt="onPrev">
-                  <p:tgtEl>
-                    <p:sldTgt/>
-                  </p:tgtEl>
-                </p:cond>
-              </p:prevCondLst>
-              <p:nextCondLst>
-                <p:cond delay="0" evt="onNext">
-                  <p:tgtEl>
-                    <p:sldTgt/>
-                  </p:tgtEl>
-                </p:cond>
-              </p:nextCondLst>
-            </p:seq>
-          </p:childTnLst>
-        </p:cTn>
+        <p:cTn id="1" dur="indefinite" restart="never" nodeType="tmRoot"/>
       </p:par>
     </p:tnLst>
   </p:timing>
@@ -5742,7 +5947,7 @@
 </file>
 
 <file path=ppt/slides/slide4.xml><?xml version="1.0" encoding="utf-8"?>
-<p:sld xmlns:a="http://schemas.openxmlformats.org/drawingml/2006/main" xmlns:p="http://schemas.openxmlformats.org/presentationml/2006/main" xmlns:r="http://schemas.openxmlformats.org/officeDocument/2006/relationships" xmlns:p14="http://schemas.microsoft.com/office/powerpoint/2010/main" xmlns:p15="http://schemas.microsoft.com/office/powerpoint/2012/main" xmlns:mc="http://schemas.openxmlformats.org/markup-compatibility/2006">
+<p:sld xmlns:a="http://schemas.openxmlformats.org/drawingml/2006/main" xmlns:r="http://schemas.openxmlformats.org/officeDocument/2006/relationships" xmlns:p="http://schemas.openxmlformats.org/presentationml/2006/main">
   <p:cSld>
     <p:spTree>
       <p:nvGrpSpPr>
@@ -5786,26 +5991,26 @@
               </a:lnSpc>
             </a:pPr>
             <a:r>
-              <a:rPr b="0" lang="pt-BR" sz="4400" spc="-1" strike="noStrike">
+              <a:rPr lang="pt-BR" sz="4400" b="0" strike="noStrike" spc="-1">
                 <a:solidFill>
                   <a:srgbClr val="000000"/>
                 </a:solidFill>
                 <a:uFill>
                   <a:solidFill>
-                    <a:srgbClr val="ffffff"/>
+                    <a:srgbClr val="FFFFFF"/>
                   </a:solidFill>
                 </a:uFill>
                 <a:latin typeface="Calibri"/>
               </a:rPr>
               <a:t>Escopo</a:t>
             </a:r>
-            <a:endParaRPr b="0" lang="pt-BR" sz="1800" spc="-1" strike="noStrike">
-              <a:solidFill>
-                <a:srgbClr val="000000"/>
-              </a:solidFill>
-              <a:uFill>
-                <a:solidFill>
-                  <a:srgbClr val="ffffff"/>
+            <a:endParaRPr lang="pt-BR" sz="1800" b="0" strike="noStrike" spc="-1">
+              <a:solidFill>
+                <a:srgbClr val="000000"/>
+              </a:solidFill>
+              <a:uFill>
+                <a:solidFill>
+                  <a:srgbClr val="FFFFFF"/>
                 </a:solidFill>
               </a:uFill>
               <a:latin typeface="Calibri"/>
@@ -5835,7 +6040,7 @@
         <p:txBody>
           <a:bodyPr/>
           <a:p>
-            <a:pPr marL="343080" indent="-342720">
+            <a:pPr marL="342900" indent="-342900">
               <a:lnSpc>
                 <a:spcPct val="100000"/>
               </a:lnSpc>
@@ -5846,33 +6051,33 @@
               <a:buChar char="•"/>
             </a:pPr>
             <a:r>
-              <a:rPr b="0" lang="pt-BR" sz="3200" spc="-1" strike="noStrike">
+              <a:rPr lang="pt-BR" sz="3200" b="0" strike="noStrike" spc="-1">
                 <a:solidFill>
                   <a:srgbClr val="000000"/>
                 </a:solidFill>
                 <a:uFill>
                   <a:solidFill>
-                    <a:srgbClr val="ffffff"/>
+                    <a:srgbClr val="FFFFFF"/>
                   </a:solidFill>
                 </a:uFill>
                 <a:latin typeface="Calibri"/>
               </a:rPr>
               <a:t>A aplicação será web e terá como base Laravel, um framework de PHP</a:t>
             </a:r>
-            <a:endParaRPr b="0" lang="pt-BR" sz="3200" spc="-1" strike="noStrike">
-              <a:solidFill>
-                <a:srgbClr val="000000"/>
-              </a:solidFill>
-              <a:uFill>
-                <a:solidFill>
-                  <a:srgbClr val="ffffff"/>
-                </a:solidFill>
-              </a:uFill>
-              <a:latin typeface="Calibri"/>
-            </a:endParaRPr>
-          </a:p>
-          <a:p>
-            <a:pPr marL="343080" indent="-342720">
+            <a:endParaRPr lang="pt-BR" sz="3200" b="0" strike="noStrike" spc="-1">
+              <a:solidFill>
+                <a:srgbClr val="000000"/>
+              </a:solidFill>
+              <a:uFill>
+                <a:solidFill>
+                  <a:srgbClr val="FFFFFF"/>
+                </a:solidFill>
+              </a:uFill>
+              <a:latin typeface="Calibri"/>
+            </a:endParaRPr>
+          </a:p>
+          <a:p>
+            <a:pPr marL="342900" indent="-342900">
               <a:lnSpc>
                 <a:spcPct val="100000"/>
               </a:lnSpc>
@@ -5883,33 +6088,33 @@
               <a:buChar char="•"/>
             </a:pPr>
             <a:r>
-              <a:rPr b="0" lang="pt-BR" sz="3200" spc="-1" strike="noStrike">
+              <a:rPr lang="pt-BR" sz="3200" b="0" strike="noStrike" spc="-1">
                 <a:solidFill>
                   <a:srgbClr val="000000"/>
                 </a:solidFill>
                 <a:uFill>
                   <a:solidFill>
-                    <a:srgbClr val="ffffff"/>
+                    <a:srgbClr val="FFFFFF"/>
                   </a:solidFill>
                 </a:uFill>
                 <a:latin typeface="Calibri"/>
               </a:rPr>
               <a:t>O servidor será alocado na Amazon Web Services (AWS), assim como o banco de dados</a:t>
             </a:r>
-            <a:endParaRPr b="0" lang="pt-BR" sz="3200" spc="-1" strike="noStrike">
-              <a:solidFill>
-                <a:srgbClr val="000000"/>
-              </a:solidFill>
-              <a:uFill>
-                <a:solidFill>
-                  <a:srgbClr val="ffffff"/>
-                </a:solidFill>
-              </a:uFill>
-              <a:latin typeface="Calibri"/>
-            </a:endParaRPr>
-          </a:p>
-          <a:p>
-            <a:pPr marL="343080" indent="-342720">
+            <a:endParaRPr lang="pt-BR" sz="3200" b="0" strike="noStrike" spc="-1">
+              <a:solidFill>
+                <a:srgbClr val="000000"/>
+              </a:solidFill>
+              <a:uFill>
+                <a:solidFill>
+                  <a:srgbClr val="FFFFFF"/>
+                </a:solidFill>
+              </a:uFill>
+              <a:latin typeface="Calibri"/>
+            </a:endParaRPr>
+          </a:p>
+          <a:p>
+            <a:pPr marL="342900" indent="-342900">
               <a:lnSpc>
                 <a:spcPct val="100000"/>
               </a:lnSpc>
@@ -5920,26 +6125,26 @@
               <a:buChar char="•"/>
             </a:pPr>
             <a:r>
-              <a:rPr b="0" lang="pt-BR" sz="3200" spc="-1" strike="noStrike">
+              <a:rPr lang="pt-BR" sz="3200" b="0" strike="noStrike" spc="-1">
                 <a:solidFill>
                   <a:srgbClr val="000000"/>
                 </a:solidFill>
                 <a:uFill>
                   <a:solidFill>
-                    <a:srgbClr val="ffffff"/>
+                    <a:srgbClr val="FFFFFF"/>
                   </a:solidFill>
                 </a:uFill>
                 <a:latin typeface="Calibri"/>
               </a:rPr>
               <a:t>A aplicação oferecerá, além da geração de novas alocações, alteração das mesmas, feedback de alterações feitas no sistema e a adição de novas salas e turmas</a:t>
             </a:r>
-            <a:endParaRPr b="0" lang="pt-BR" sz="3200" spc="-1" strike="noStrike">
-              <a:solidFill>
-                <a:srgbClr val="000000"/>
-              </a:solidFill>
-              <a:uFill>
-                <a:solidFill>
-                  <a:srgbClr val="ffffff"/>
+            <a:endParaRPr lang="pt-BR" sz="3200" b="0" strike="noStrike" spc="-1">
+              <a:solidFill>
+                <a:srgbClr val="000000"/>
+              </a:solidFill>
+              <a:uFill>
+                <a:solidFill>
+                  <a:srgbClr val="FFFFFF"/>
                 </a:solidFill>
               </a:uFill>
               <a:latin typeface="Calibri"/>
@@ -5949,30 +6154,13 @@
       </p:sp>
     </p:spTree>
   </p:cSld>
+  <p:clrMapOvr>
+    <a:masterClrMapping/>
+  </p:clrMapOvr>
   <p:timing>
     <p:tnLst>
       <p:par>
-        <p:cTn id="7" dur="indefinite" restart="never" nodeType="tmRoot">
-          <p:childTnLst>
-            <p:seq>
-              <p:cTn id="8" nodeType="mainSeq"/>
-              <p:prevCondLst>
-                <p:cond delay="0" evt="onPrev">
-                  <p:tgtEl>
-                    <p:sldTgt/>
-                  </p:tgtEl>
-                </p:cond>
-              </p:prevCondLst>
-              <p:nextCondLst>
-                <p:cond delay="0" evt="onNext">
-                  <p:tgtEl>
-                    <p:sldTgt/>
-                  </p:tgtEl>
-                </p:cond>
-              </p:nextCondLst>
-            </p:seq>
-          </p:childTnLst>
-        </p:cTn>
+        <p:cTn id="1" dur="indefinite" restart="never" nodeType="tmRoot"/>
       </p:par>
     </p:tnLst>
   </p:timing>
@@ -5980,7 +6168,7 @@
 </file>
 
 <file path=ppt/slides/slide5.xml><?xml version="1.0" encoding="utf-8"?>
-<p:sld xmlns:a="http://schemas.openxmlformats.org/drawingml/2006/main" xmlns:p="http://schemas.openxmlformats.org/presentationml/2006/main" xmlns:r="http://schemas.openxmlformats.org/officeDocument/2006/relationships" xmlns:p14="http://schemas.microsoft.com/office/powerpoint/2010/main" xmlns:p15="http://schemas.microsoft.com/office/powerpoint/2012/main" xmlns:mc="http://schemas.openxmlformats.org/markup-compatibility/2006">
+<p:sld xmlns:a="http://schemas.openxmlformats.org/drawingml/2006/main" xmlns:r="http://schemas.openxmlformats.org/officeDocument/2006/relationships" xmlns:p="http://schemas.openxmlformats.org/presentationml/2006/main">
   <p:cSld>
     <p:spTree>
       <p:nvGrpSpPr>
@@ -6024,26 +6212,26 @@
               </a:lnSpc>
             </a:pPr>
             <a:r>
-              <a:rPr b="0" lang="pt-BR" sz="4400" spc="-1" strike="noStrike">
+              <a:rPr lang="pt-BR" sz="4400" b="0" strike="noStrike" spc="-1">
                 <a:solidFill>
                   <a:srgbClr val="000000"/>
                 </a:solidFill>
                 <a:uFill>
                   <a:solidFill>
-                    <a:srgbClr val="ffffff"/>
+                    <a:srgbClr val="FFFFFF"/>
                   </a:solidFill>
                 </a:uFill>
                 <a:latin typeface="Calibri"/>
               </a:rPr>
               <a:t>Marcos do Projeto</a:t>
             </a:r>
-            <a:endParaRPr b="0" lang="pt-BR" sz="1800" spc="-1" strike="noStrike">
-              <a:solidFill>
-                <a:srgbClr val="000000"/>
-              </a:solidFill>
-              <a:uFill>
-                <a:solidFill>
-                  <a:srgbClr val="ffffff"/>
+            <a:endParaRPr lang="pt-BR" sz="1800" b="0" strike="noStrike" spc="-1">
+              <a:solidFill>
+                <a:srgbClr val="000000"/>
+              </a:solidFill>
+              <a:uFill>
+                <a:solidFill>
+                  <a:srgbClr val="FFFFFF"/>
                 </a:solidFill>
               </a:uFill>
               <a:latin typeface="Calibri"/>
@@ -6073,7 +6261,7 @@
         <p:txBody>
           <a:bodyPr/>
           <a:p>
-            <a:pPr marL="343080" indent="-342720">
+            <a:pPr marL="342900" indent="-342900">
               <a:lnSpc>
                 <a:spcPct val="100000"/>
               </a:lnSpc>
@@ -6084,33 +6272,33 @@
               <a:buChar char="•"/>
             </a:pPr>
             <a:r>
-              <a:rPr b="0" lang="pt-BR" sz="2000" spc="-1" strike="noStrike">
+              <a:rPr lang="pt-BR" sz="2000" b="0" strike="noStrike" spc="-1">
                 <a:solidFill>
                   <a:srgbClr val="000000"/>
                 </a:solidFill>
                 <a:uFill>
                   <a:solidFill>
-                    <a:srgbClr val="ffffff"/>
+                    <a:srgbClr val="FFFFFF"/>
                   </a:solidFill>
                 </a:uFill>
                 <a:latin typeface="Calibri"/>
               </a:rPr>
-              <a:t>06/20 - Início do projeto</a:t>
+              <a:t>20/08 - Início do projeto</a:t>
             </a:r>
-            <a:endParaRPr b="0" lang="pt-BR" sz="3200" spc="-1" strike="noStrike">
-              <a:solidFill>
-                <a:srgbClr val="000000"/>
-              </a:solidFill>
-              <a:uFill>
-                <a:solidFill>
-                  <a:srgbClr val="ffffff"/>
-                </a:solidFill>
-              </a:uFill>
-              <a:latin typeface="Calibri"/>
-            </a:endParaRPr>
-          </a:p>
-          <a:p>
-            <a:pPr marL="343080" indent="-342720">
+            <a:endParaRPr lang="pt-BR" sz="3200" b="0" strike="noStrike" spc="-1">
+              <a:solidFill>
+                <a:srgbClr val="000000"/>
+              </a:solidFill>
+              <a:uFill>
+                <a:solidFill>
+                  <a:srgbClr val="FFFFFF"/>
+                </a:solidFill>
+              </a:uFill>
+              <a:latin typeface="Calibri"/>
+            </a:endParaRPr>
+          </a:p>
+          <a:p>
+            <a:pPr marL="342900" indent="-342900">
               <a:lnSpc>
                 <a:spcPct val="100000"/>
               </a:lnSpc>
@@ -6121,33 +6309,33 @@
               <a:buChar char="•"/>
             </a:pPr>
             <a:r>
-              <a:rPr b="0" lang="pt-BR" sz="2000" spc="-1" strike="noStrike">
+              <a:rPr lang="pt-BR" sz="2000" b="0" strike="noStrike" spc="-1">
                 <a:solidFill>
                   <a:srgbClr val="000000"/>
                 </a:solidFill>
                 <a:uFill>
                   <a:solidFill>
-                    <a:srgbClr val="ffffff"/>
+                    <a:srgbClr val="FFFFFF"/>
                   </a:solidFill>
                 </a:uFill>
                 <a:latin typeface="Calibri"/>
               </a:rPr>
               <a:t>20/09 - Projeto planejado e documentado devidadmente</a:t>
             </a:r>
-            <a:endParaRPr b="0" lang="pt-BR" sz="3200" spc="-1" strike="noStrike">
-              <a:solidFill>
-                <a:srgbClr val="000000"/>
-              </a:solidFill>
-              <a:uFill>
-                <a:solidFill>
-                  <a:srgbClr val="ffffff"/>
-                </a:solidFill>
-              </a:uFill>
-              <a:latin typeface="Calibri"/>
-            </a:endParaRPr>
-          </a:p>
-          <a:p>
-            <a:pPr marL="343080" indent="-342720">
+            <a:endParaRPr lang="pt-BR" sz="3200" b="0" strike="noStrike" spc="-1">
+              <a:solidFill>
+                <a:srgbClr val="000000"/>
+              </a:solidFill>
+              <a:uFill>
+                <a:solidFill>
+                  <a:srgbClr val="FFFFFF"/>
+                </a:solidFill>
+              </a:uFill>
+              <a:latin typeface="Calibri"/>
+            </a:endParaRPr>
+          </a:p>
+          <a:p>
+            <a:pPr marL="342900" indent="-342900">
               <a:lnSpc>
                 <a:spcPct val="100000"/>
               </a:lnSpc>
@@ -6158,33 +6346,33 @@
               <a:buChar char="•"/>
             </a:pPr>
             <a:r>
-              <a:rPr b="0" lang="pt-BR" sz="2000" spc="-1" strike="noStrike">
+              <a:rPr lang="pt-BR" sz="2000" b="0" strike="noStrike" spc="-1">
                 <a:solidFill>
                   <a:srgbClr val="000000"/>
                 </a:solidFill>
                 <a:uFill>
                   <a:solidFill>
-                    <a:srgbClr val="ffffff"/>
+                    <a:srgbClr val="FFFFFF"/>
                   </a:solidFill>
                 </a:uFill>
                 <a:latin typeface="Calibri"/>
               </a:rPr>
               <a:t>28/09 - Análise das ferramentas que serão utilizadas</a:t>
             </a:r>
-            <a:endParaRPr b="0" lang="pt-BR" sz="3200" spc="-1" strike="noStrike">
-              <a:solidFill>
-                <a:srgbClr val="000000"/>
-              </a:solidFill>
-              <a:uFill>
-                <a:solidFill>
-                  <a:srgbClr val="ffffff"/>
-                </a:solidFill>
-              </a:uFill>
-              <a:latin typeface="Calibri"/>
-            </a:endParaRPr>
-          </a:p>
-          <a:p>
-            <a:pPr marL="343080" indent="-342720">
+            <a:endParaRPr lang="pt-BR" sz="3200" b="0" strike="noStrike" spc="-1">
+              <a:solidFill>
+                <a:srgbClr val="000000"/>
+              </a:solidFill>
+              <a:uFill>
+                <a:solidFill>
+                  <a:srgbClr val="FFFFFF"/>
+                </a:solidFill>
+              </a:uFill>
+              <a:latin typeface="Calibri"/>
+            </a:endParaRPr>
+          </a:p>
+          <a:p>
+            <a:pPr marL="342900" indent="-342900">
               <a:lnSpc>
                 <a:spcPct val="100000"/>
               </a:lnSpc>
@@ -6195,33 +6383,33 @@
               <a:buChar char="•"/>
             </a:pPr>
             <a:r>
-              <a:rPr b="0" lang="pt-BR" sz="2000" spc="-1" strike="noStrike">
+              <a:rPr lang="pt-BR" sz="2000" b="0" strike="noStrike" spc="-1">
                 <a:solidFill>
                   <a:srgbClr val="000000"/>
                 </a:solidFill>
                 <a:uFill>
                   <a:solidFill>
-                    <a:srgbClr val="ffffff"/>
+                    <a:srgbClr val="FFFFFF"/>
                   </a:solidFill>
                 </a:uFill>
                 <a:latin typeface="Calibri"/>
               </a:rPr>
               <a:t>25/10 - Arquitetura do sistema criada e testada, cadastro de dados acadêmicos e de espaço físico prontos e testados</a:t>
             </a:r>
-            <a:endParaRPr b="0" lang="pt-BR" sz="3200" spc="-1" strike="noStrike">
-              <a:solidFill>
-                <a:srgbClr val="000000"/>
-              </a:solidFill>
-              <a:uFill>
-                <a:solidFill>
-                  <a:srgbClr val="ffffff"/>
-                </a:solidFill>
-              </a:uFill>
-              <a:latin typeface="Calibri"/>
-            </a:endParaRPr>
-          </a:p>
-          <a:p>
-            <a:pPr marL="343080" indent="-342720">
+            <a:endParaRPr lang="pt-BR" sz="3200" b="0" strike="noStrike" spc="-1">
+              <a:solidFill>
+                <a:srgbClr val="000000"/>
+              </a:solidFill>
+              <a:uFill>
+                <a:solidFill>
+                  <a:srgbClr val="FFFFFF"/>
+                </a:solidFill>
+              </a:uFill>
+              <a:latin typeface="Calibri"/>
+            </a:endParaRPr>
+          </a:p>
+          <a:p>
+            <a:pPr marL="342900" indent="-342900">
               <a:lnSpc>
                 <a:spcPct val="100000"/>
               </a:lnSpc>
@@ -6232,33 +6420,33 @@
               <a:buChar char="•"/>
             </a:pPr>
             <a:r>
-              <a:rPr b="0" lang="pt-BR" sz="2000" spc="-1" strike="noStrike">
+              <a:rPr lang="pt-BR" sz="2000" b="0" strike="noStrike" spc="-1">
                 <a:solidFill>
                   <a:srgbClr val="000000"/>
                 </a:solidFill>
                 <a:uFill>
                   <a:solidFill>
-                    <a:srgbClr val="ffffff"/>
+                    <a:srgbClr val="FFFFFF"/>
                   </a:solidFill>
                 </a:uFill>
                 <a:latin typeface="Calibri"/>
               </a:rPr>
               <a:t>12/10 - Consulta de dados de salas sem turma e turmas sem alocação funcionando corretamente</a:t>
             </a:r>
-            <a:endParaRPr b="0" lang="pt-BR" sz="3200" spc="-1" strike="noStrike">
-              <a:solidFill>
-                <a:srgbClr val="000000"/>
-              </a:solidFill>
-              <a:uFill>
-                <a:solidFill>
-                  <a:srgbClr val="ffffff"/>
-                </a:solidFill>
-              </a:uFill>
-              <a:latin typeface="Calibri"/>
-            </a:endParaRPr>
-          </a:p>
-          <a:p>
-            <a:pPr marL="343080" indent="-342720">
+            <a:endParaRPr lang="pt-BR" sz="3200" b="0" strike="noStrike" spc="-1">
+              <a:solidFill>
+                <a:srgbClr val="000000"/>
+              </a:solidFill>
+              <a:uFill>
+                <a:solidFill>
+                  <a:srgbClr val="FFFFFF"/>
+                </a:solidFill>
+              </a:uFill>
+              <a:latin typeface="Calibri"/>
+            </a:endParaRPr>
+          </a:p>
+          <a:p>
+            <a:pPr marL="342900" indent="-342900">
               <a:lnSpc>
                 <a:spcPct val="100000"/>
               </a:lnSpc>
@@ -6269,33 +6457,33 @@
               <a:buChar char="•"/>
             </a:pPr>
             <a:r>
-              <a:rPr b="0" lang="pt-BR" sz="2000" spc="-1" strike="noStrike">
+              <a:rPr lang="pt-BR" sz="2000" b="0" strike="noStrike" spc="-1">
                 <a:solidFill>
                   <a:srgbClr val="000000"/>
                 </a:solidFill>
                 <a:uFill>
                   <a:solidFill>
-                    <a:srgbClr val="ffffff"/>
+                    <a:srgbClr val="FFFFFF"/>
                   </a:solidFill>
                 </a:uFill>
                 <a:latin typeface="Calibri"/>
               </a:rPr>
               <a:t>29/11 - Relatório para feedback de alterações implementado e funcionando</a:t>
             </a:r>
-            <a:endParaRPr b="0" lang="pt-BR" sz="3200" spc="-1" strike="noStrike">
-              <a:solidFill>
-                <a:srgbClr val="000000"/>
-              </a:solidFill>
-              <a:uFill>
-                <a:solidFill>
-                  <a:srgbClr val="ffffff"/>
-                </a:solidFill>
-              </a:uFill>
-              <a:latin typeface="Calibri"/>
-            </a:endParaRPr>
-          </a:p>
-          <a:p>
-            <a:pPr marL="343080" indent="-342720">
+            <a:endParaRPr lang="pt-BR" sz="3200" b="0" strike="noStrike" spc="-1">
+              <a:solidFill>
+                <a:srgbClr val="000000"/>
+              </a:solidFill>
+              <a:uFill>
+                <a:solidFill>
+                  <a:srgbClr val="FFFFFF"/>
+                </a:solidFill>
+              </a:uFill>
+              <a:latin typeface="Calibri"/>
+            </a:endParaRPr>
+          </a:p>
+          <a:p>
+            <a:pPr marL="342900" indent="-342900">
               <a:lnSpc>
                 <a:spcPct val="100000"/>
               </a:lnSpc>
@@ -6306,33 +6494,33 @@
               <a:buChar char="•"/>
             </a:pPr>
             <a:r>
-              <a:rPr b="0" lang="pt-BR" sz="2000" spc="-1" strike="noStrike">
+              <a:rPr lang="pt-BR" sz="2000" b="0" strike="noStrike" spc="-1">
                 <a:solidFill>
                   <a:srgbClr val="000000"/>
                 </a:solidFill>
                 <a:uFill>
                   <a:solidFill>
-                    <a:srgbClr val="ffffff"/>
+                    <a:srgbClr val="FFFFFF"/>
                   </a:solidFill>
                 </a:uFill>
                 <a:latin typeface="Calibri"/>
               </a:rPr>
               <a:t>15/12 - Funções principais como geração de alocações, consultas de alocações, alteração de alocações prontas e testadas devidamente</a:t>
             </a:r>
-            <a:endParaRPr b="0" lang="pt-BR" sz="3200" spc="-1" strike="noStrike">
-              <a:solidFill>
-                <a:srgbClr val="000000"/>
-              </a:solidFill>
-              <a:uFill>
-                <a:solidFill>
-                  <a:srgbClr val="ffffff"/>
-                </a:solidFill>
-              </a:uFill>
-              <a:latin typeface="Calibri"/>
-            </a:endParaRPr>
-          </a:p>
-          <a:p>
-            <a:pPr marL="343080" indent="-342720">
+            <a:endParaRPr lang="pt-BR" sz="3200" b="0" strike="noStrike" spc="-1">
+              <a:solidFill>
+                <a:srgbClr val="000000"/>
+              </a:solidFill>
+              <a:uFill>
+                <a:solidFill>
+                  <a:srgbClr val="FFFFFF"/>
+                </a:solidFill>
+              </a:uFill>
+              <a:latin typeface="Calibri"/>
+            </a:endParaRPr>
+          </a:p>
+          <a:p>
+            <a:pPr marL="342900" indent="-342900">
               <a:lnSpc>
                 <a:spcPct val="100000"/>
               </a:lnSpc>
@@ -6343,33 +6531,33 @@
               <a:buChar char="•"/>
             </a:pPr>
             <a:r>
-              <a:rPr b="0" lang="pt-BR" sz="2000" spc="-1" strike="noStrike">
+              <a:rPr lang="pt-BR" sz="2000" b="0" strike="noStrike" spc="-1">
                 <a:solidFill>
                   <a:srgbClr val="000000"/>
                 </a:solidFill>
                 <a:uFill>
                   <a:solidFill>
-                    <a:srgbClr val="ffffff"/>
+                    <a:srgbClr val="FFFFFF"/>
                   </a:solidFill>
                 </a:uFill>
                 <a:latin typeface="Calibri"/>
               </a:rPr>
               <a:t>15/01 - Importação de dados implementada, sistema pronto para deploy na máquina do cliente</a:t>
             </a:r>
-            <a:endParaRPr b="0" lang="pt-BR" sz="3200" spc="-1" strike="noStrike">
-              <a:solidFill>
-                <a:srgbClr val="000000"/>
-              </a:solidFill>
-              <a:uFill>
-                <a:solidFill>
-                  <a:srgbClr val="ffffff"/>
-                </a:solidFill>
-              </a:uFill>
-              <a:latin typeface="Calibri"/>
-            </a:endParaRPr>
-          </a:p>
-          <a:p>
-            <a:pPr marL="343080" indent="-342720">
+            <a:endParaRPr lang="pt-BR" sz="3200" b="0" strike="noStrike" spc="-1">
+              <a:solidFill>
+                <a:srgbClr val="000000"/>
+              </a:solidFill>
+              <a:uFill>
+                <a:solidFill>
+                  <a:srgbClr val="FFFFFF"/>
+                </a:solidFill>
+              </a:uFill>
+              <a:latin typeface="Calibri"/>
+            </a:endParaRPr>
+          </a:p>
+          <a:p>
+            <a:pPr marL="342900" indent="-342900">
               <a:lnSpc>
                 <a:spcPct val="100000"/>
               </a:lnSpc>
@@ -6380,26 +6568,26 @@
               <a:buChar char="•"/>
             </a:pPr>
             <a:r>
-              <a:rPr b="0" lang="pt-BR" sz="2000" spc="-1" strike="noStrike">
+              <a:rPr lang="pt-BR" sz="2000" b="0" strike="noStrike" spc="-1">
                 <a:solidFill>
                   <a:srgbClr val="000000"/>
                 </a:solidFill>
                 <a:uFill>
                   <a:solidFill>
-                    <a:srgbClr val="ffffff"/>
+                    <a:srgbClr val="FFFFFF"/>
                   </a:solidFill>
                 </a:uFill>
                 <a:latin typeface="Calibri"/>
               </a:rPr>
               <a:t>20/01 - Sistema operando na maquina do cliente com sucesso</a:t>
             </a:r>
-            <a:endParaRPr b="0" lang="pt-BR" sz="3200" spc="-1" strike="noStrike">
-              <a:solidFill>
-                <a:srgbClr val="000000"/>
-              </a:solidFill>
-              <a:uFill>
-                <a:solidFill>
-                  <a:srgbClr val="ffffff"/>
+            <a:endParaRPr lang="pt-BR" sz="3200" b="0" strike="noStrike" spc="-1">
+              <a:solidFill>
+                <a:srgbClr val="000000"/>
+              </a:solidFill>
+              <a:uFill>
+                <a:solidFill>
+                  <a:srgbClr val="FFFFFF"/>
                 </a:solidFill>
               </a:uFill>
               <a:latin typeface="Calibri"/>
@@ -6409,30 +6597,13 @@
       </p:sp>
     </p:spTree>
   </p:cSld>
+  <p:clrMapOvr>
+    <a:masterClrMapping/>
+  </p:clrMapOvr>
   <p:timing>
     <p:tnLst>
       <p:par>
-        <p:cTn id="9" dur="indefinite" restart="never" nodeType="tmRoot">
-          <p:childTnLst>
-            <p:seq>
-              <p:cTn id="10" nodeType="mainSeq"/>
-              <p:prevCondLst>
-                <p:cond delay="0" evt="onPrev">
-                  <p:tgtEl>
-                    <p:sldTgt/>
-                  </p:tgtEl>
-                </p:cond>
-              </p:prevCondLst>
-              <p:nextCondLst>
-                <p:cond delay="0" evt="onNext">
-                  <p:tgtEl>
-                    <p:sldTgt/>
-                  </p:tgtEl>
-                </p:cond>
-              </p:nextCondLst>
-            </p:seq>
-          </p:childTnLst>
-        </p:cTn>
+        <p:cTn id="1" dur="indefinite" restart="never" nodeType="tmRoot"/>
       </p:par>
     </p:tnLst>
   </p:timing>
@@ -6440,7 +6611,7 @@
 </file>
 
 <file path=ppt/slides/slide6.xml><?xml version="1.0" encoding="utf-8"?>
-<p:sld xmlns:a="http://schemas.openxmlformats.org/drawingml/2006/main" xmlns:p="http://schemas.openxmlformats.org/presentationml/2006/main" xmlns:r="http://schemas.openxmlformats.org/officeDocument/2006/relationships" xmlns:p14="http://schemas.microsoft.com/office/powerpoint/2010/main" xmlns:p15="http://schemas.microsoft.com/office/powerpoint/2012/main" xmlns:mc="http://schemas.openxmlformats.org/markup-compatibility/2006">
+<p:sld xmlns:a="http://schemas.openxmlformats.org/drawingml/2006/main" xmlns:r="http://schemas.openxmlformats.org/officeDocument/2006/relationships" xmlns:p="http://schemas.openxmlformats.org/presentationml/2006/main">
   <p:cSld>
     <p:spTree>
       <p:nvGrpSpPr>
@@ -6484,26 +6655,26 @@
               </a:lnSpc>
             </a:pPr>
             <a:r>
-              <a:rPr b="0" lang="pt-BR" sz="4400" spc="-1" strike="noStrike">
+              <a:rPr lang="pt-BR" sz="4400" b="0" strike="noStrike" spc="-1">
                 <a:solidFill>
                   <a:srgbClr val="000000"/>
                 </a:solidFill>
                 <a:uFill>
                   <a:solidFill>
-                    <a:srgbClr val="ffffff"/>
+                    <a:srgbClr val="FFFFFF"/>
                   </a:solidFill>
                 </a:uFill>
                 <a:latin typeface="Calibri"/>
               </a:rPr>
               <a:t>Conclusão da Fase de Elaboração</a:t>
             </a:r>
-            <a:endParaRPr b="0" lang="pt-BR" sz="1800" spc="-1" strike="noStrike">
-              <a:solidFill>
-                <a:srgbClr val="000000"/>
-              </a:solidFill>
-              <a:uFill>
-                <a:solidFill>
-                  <a:srgbClr val="ffffff"/>
+            <a:endParaRPr lang="pt-BR" sz="1800" b="0" strike="noStrike" spc="-1">
+              <a:solidFill>
+                <a:srgbClr val="000000"/>
+              </a:solidFill>
+              <a:uFill>
+                <a:solidFill>
+                  <a:srgbClr val="FFFFFF"/>
                 </a:solidFill>
               </a:uFill>
               <a:latin typeface="Calibri"/>
@@ -6534,13 +6705,13 @@
           <a:bodyPr/>
           <a:p>
             <a:pPr algn="ctr"/>
-            <a:endParaRPr b="0" lang="pt-BR" sz="3200" spc="-1" strike="noStrike">
-              <a:solidFill>
-                <a:srgbClr val="000000"/>
-              </a:solidFill>
-              <a:uFill>
-                <a:solidFill>
-                  <a:srgbClr val="ffffff"/>
+            <a:endParaRPr lang="pt-BR" sz="3200" b="0" strike="noStrike" spc="-1">
+              <a:solidFill>
+                <a:srgbClr val="000000"/>
+              </a:solidFill>
+              <a:uFill>
+                <a:solidFill>
+                  <a:srgbClr val="FFFFFF"/>
                 </a:solidFill>
               </a:uFill>
               <a:latin typeface="Arial"/>
@@ -6550,30 +6721,13 @@
       </p:sp>
     </p:spTree>
   </p:cSld>
+  <p:clrMapOvr>
+    <a:masterClrMapping/>
+  </p:clrMapOvr>
   <p:timing>
     <p:tnLst>
       <p:par>
-        <p:cTn id="11" dur="indefinite" restart="never" nodeType="tmRoot">
-          <p:childTnLst>
-            <p:seq>
-              <p:cTn id="12" nodeType="mainSeq"/>
-              <p:prevCondLst>
-                <p:cond delay="0" evt="onPrev">
-                  <p:tgtEl>
-                    <p:sldTgt/>
-                  </p:tgtEl>
-                </p:cond>
-              </p:prevCondLst>
-              <p:nextCondLst>
-                <p:cond delay="0" evt="onNext">
-                  <p:tgtEl>
-                    <p:sldTgt/>
-                  </p:tgtEl>
-                </p:cond>
-              </p:nextCondLst>
-            </p:seq>
-          </p:childTnLst>
-        </p:cTn>
+        <p:cTn id="1" dur="indefinite" restart="never" nodeType="tmRoot"/>
       </p:par>
     </p:tnLst>
   </p:timing>
@@ -6581,7 +6735,7 @@
 </file>
 
 <file path=ppt/slides/slide7.xml><?xml version="1.0" encoding="utf-8"?>
-<p:sld xmlns:a="http://schemas.openxmlformats.org/drawingml/2006/main" xmlns:p="http://schemas.openxmlformats.org/presentationml/2006/main" xmlns:r="http://schemas.openxmlformats.org/officeDocument/2006/relationships" xmlns:p14="http://schemas.microsoft.com/office/powerpoint/2010/main" xmlns:p15="http://schemas.microsoft.com/office/powerpoint/2012/main" xmlns:mc="http://schemas.openxmlformats.org/markup-compatibility/2006">
+<p:sld xmlns:a="http://schemas.openxmlformats.org/drawingml/2006/main" xmlns:r="http://schemas.openxmlformats.org/officeDocument/2006/relationships" xmlns:p="http://schemas.openxmlformats.org/presentationml/2006/main">
   <p:cSld>
     <p:spTree>
       <p:nvGrpSpPr>
@@ -6625,26 +6779,26 @@
               </a:lnSpc>
             </a:pPr>
             <a:r>
-              <a:rPr b="0" lang="pt-BR" sz="4400" spc="-1" strike="noStrike">
+              <a:rPr lang="pt-BR" sz="4400" b="0" strike="noStrike" spc="-1">
                 <a:solidFill>
                   <a:srgbClr val="000000"/>
                 </a:solidFill>
                 <a:uFill>
                   <a:solidFill>
-                    <a:srgbClr val="ffffff"/>
+                    <a:srgbClr val="FFFFFF"/>
                   </a:solidFill>
                 </a:uFill>
                 <a:latin typeface="Calibri"/>
               </a:rPr>
               <a:t>Arquitetura do Sistema</a:t>
             </a:r>
-            <a:endParaRPr b="0" lang="pt-BR" sz="1800" spc="-1" strike="noStrike">
-              <a:solidFill>
-                <a:srgbClr val="000000"/>
-              </a:solidFill>
-              <a:uFill>
-                <a:solidFill>
-                  <a:srgbClr val="ffffff"/>
+            <a:endParaRPr lang="pt-BR" sz="1800" b="0" strike="noStrike" spc="-1">
+              <a:solidFill>
+                <a:srgbClr val="000000"/>
+              </a:solidFill>
+              <a:uFill>
+                <a:solidFill>
+                  <a:srgbClr val="FFFFFF"/>
                 </a:solidFill>
               </a:uFill>
               <a:latin typeface="Calibri"/>
@@ -6654,13 +6808,15 @@
       </p:sp>
       <p:pic>
         <p:nvPicPr>
-          <p:cNvPr id="91" name="" descr=""/>
+          <p:cNvPr id="91" name="Imagem 90"/>
           <p:cNvPicPr/>
           <p:nvPr/>
         </p:nvPicPr>
         <p:blipFill>
           <a:blip r:embed="rId1"/>
-          <a:stretch/>
+          <a:stretch>
+            <a:fillRect/>
+          </a:stretch>
         </p:blipFill>
         <p:spPr>
           <a:xfrm>
@@ -6695,16 +6851,16 @@
           </a:ln>
         </p:spPr>
         <p:txBody>
-          <a:bodyPr lIns="90000" rIns="90000" tIns="45000" bIns="45000"/>
+          <a:bodyPr lIns="90000" tIns="45000" rIns="90000" bIns="45000"/>
           <a:p>
             <a:r>
-              <a:rPr b="0" lang="pt-BR" sz="1800" spc="-1" strike="noStrike">
+              <a:rPr lang="pt-BR" sz="1800" b="0" strike="noStrike" spc="-1">
                 <a:solidFill>
                   <a:srgbClr val="000000"/>
                 </a:solidFill>
                 <a:uFill>
                   <a:solidFill>
-                    <a:srgbClr val="ffffff"/>
+                    <a:srgbClr val="FFFFFF"/>
                   </a:solidFill>
                 </a:uFill>
                 <a:latin typeface="Arial"/>
@@ -6712,13 +6868,13 @@
               <a:t>O sistema web é dividido em camadas, sendo as três: apresentação; domínio e persistência. O domínio possui toda a lógica do negócio e repassa as informações para a cama de apresentação apresentar para o usuário. Além disso, o domínio comunica-se diretamente com a persistência para buscar, editar, criar e deletar dados requeridos pelo usuário. O sistema foi implementado em PHP com o </a:t>
             </a:r>
             <a:r>
-              <a:rPr b="0" i="1" lang="pt-BR" sz="1800" spc="-1" strike="noStrike">
+              <a:rPr lang="pt-BR" sz="1800" b="0" i="1" strike="noStrike" spc="-1">
                 <a:solidFill>
                   <a:srgbClr val="000000"/>
                 </a:solidFill>
                 <a:uFill>
                   <a:solidFill>
-                    <a:srgbClr val="ffffff"/>
+                    <a:srgbClr val="FFFFFF"/>
                   </a:solidFill>
                 </a:uFill>
                 <a:latin typeface="Arial"/>
@@ -6726,39 +6882,39 @@
               <a:t>framework</a:t>
             </a:r>
             <a:r>
-              <a:rPr b="0" lang="pt-BR" sz="1800" spc="-1" strike="noStrike">
+              <a:rPr lang="pt-BR" sz="1800" b="0" strike="noStrike" spc="-1">
                 <a:solidFill>
                   <a:srgbClr val="000000"/>
                 </a:solidFill>
                 <a:uFill>
                   <a:solidFill>
-                    <a:srgbClr val="ffffff"/>
+                    <a:srgbClr val="FFFFFF"/>
                   </a:solidFill>
                 </a:uFill>
                 <a:latin typeface="Arial"/>
               </a:rPr>
               <a:t> Laravel, utilizando o padrão MVC e banco de dados MariaDB.</a:t>
             </a:r>
-            <a:endParaRPr b="0" lang="pt-BR" sz="1800" spc="-1" strike="noStrike">
-              <a:solidFill>
-                <a:srgbClr val="000000"/>
-              </a:solidFill>
-              <a:uFill>
-                <a:solidFill>
-                  <a:srgbClr val="ffffff"/>
+            <a:endParaRPr lang="pt-BR" sz="1800" b="0" strike="noStrike" spc="-1">
+              <a:solidFill>
+                <a:srgbClr val="000000"/>
+              </a:solidFill>
+              <a:uFill>
+                <a:solidFill>
+                  <a:srgbClr val="FFFFFF"/>
                 </a:solidFill>
               </a:uFill>
               <a:latin typeface="Arial"/>
             </a:endParaRPr>
           </a:p>
           <a:p>
-            <a:endParaRPr b="0" lang="pt-BR" sz="1800" spc="-1" strike="noStrike">
-              <a:solidFill>
-                <a:srgbClr val="000000"/>
-              </a:solidFill>
-              <a:uFill>
-                <a:solidFill>
-                  <a:srgbClr val="ffffff"/>
+            <a:endParaRPr lang="pt-BR" sz="1800" b="0" strike="noStrike" spc="-1">
+              <a:solidFill>
+                <a:srgbClr val="000000"/>
+              </a:solidFill>
+              <a:uFill>
+                <a:solidFill>
+                  <a:srgbClr val="FFFFFF"/>
                 </a:solidFill>
               </a:uFill>
               <a:latin typeface="Arial"/>
@@ -6768,30 +6924,13 @@
       </p:sp>
     </p:spTree>
   </p:cSld>
+  <p:clrMapOvr>
+    <a:masterClrMapping/>
+  </p:clrMapOvr>
   <p:timing>
     <p:tnLst>
       <p:par>
-        <p:cTn id="13" dur="indefinite" restart="never" nodeType="tmRoot">
-          <p:childTnLst>
-            <p:seq>
-              <p:cTn id="14" nodeType="mainSeq"/>
-              <p:prevCondLst>
-                <p:cond delay="0" evt="onPrev">
-                  <p:tgtEl>
-                    <p:sldTgt/>
-                  </p:tgtEl>
-                </p:cond>
-              </p:prevCondLst>
-              <p:nextCondLst>
-                <p:cond delay="0" evt="onNext">
-                  <p:tgtEl>
-                    <p:sldTgt/>
-                  </p:tgtEl>
-                </p:cond>
-              </p:nextCondLst>
-            </p:seq>
-          </p:childTnLst>
-        </p:cTn>
+        <p:cTn id="1" dur="indefinite" restart="never" nodeType="tmRoot"/>
       </p:par>
     </p:tnLst>
   </p:timing>
@@ -6799,7 +6938,7 @@
 </file>
 
 <file path=ppt/slides/slide8.xml><?xml version="1.0" encoding="utf-8"?>
-<p:sld xmlns:a="http://schemas.openxmlformats.org/drawingml/2006/main" xmlns:p="http://schemas.openxmlformats.org/presentationml/2006/main" xmlns:r="http://schemas.openxmlformats.org/officeDocument/2006/relationships" xmlns:p14="http://schemas.microsoft.com/office/powerpoint/2010/main" xmlns:p15="http://schemas.microsoft.com/office/powerpoint/2012/main" xmlns:mc="http://schemas.openxmlformats.org/markup-compatibility/2006">
+<p:sld xmlns:a="http://schemas.openxmlformats.org/drawingml/2006/main" xmlns:r="http://schemas.openxmlformats.org/officeDocument/2006/relationships" xmlns:p="http://schemas.openxmlformats.org/presentationml/2006/main">
   <p:cSld>
     <p:spTree>
       <p:nvGrpSpPr>
@@ -6843,26 +6982,26 @@
               </a:lnSpc>
             </a:pPr>
             <a:r>
-              <a:rPr b="0" lang="pt-BR" sz="4400" spc="-1" strike="noStrike">
+              <a:rPr lang="pt-BR" sz="4400" b="0" strike="noStrike" spc="-1">
                 <a:solidFill>
                   <a:srgbClr val="000000"/>
                 </a:solidFill>
                 <a:uFill>
                   <a:solidFill>
-                    <a:srgbClr val="ffffff"/>
+                    <a:srgbClr val="FFFFFF"/>
                   </a:solidFill>
                 </a:uFill>
                 <a:latin typeface="Calibri"/>
               </a:rPr>
               <a:t>Casos de Uso</a:t>
             </a:r>
-            <a:endParaRPr b="0" lang="pt-BR" sz="1800" spc="-1" strike="noStrike">
-              <a:solidFill>
-                <a:srgbClr val="000000"/>
-              </a:solidFill>
-              <a:uFill>
-                <a:solidFill>
-                  <a:srgbClr val="ffffff"/>
+            <a:endParaRPr lang="pt-BR" sz="1800" b="0" strike="noStrike" spc="-1">
+              <a:solidFill>
+                <a:srgbClr val="000000"/>
+              </a:solidFill>
+              <a:uFill>
+                <a:solidFill>
+                  <a:srgbClr val="FFFFFF"/>
                 </a:solidFill>
               </a:uFill>
               <a:latin typeface="Calibri"/>
@@ -6878,7 +7017,7 @@
         </p:nvSpPr>
         <p:spPr>
           <a:xfrm>
-            <a:off x="457200" y="1600200"/>
+            <a:off x="661670" y="2228215"/>
             <a:ext cx="8229240" cy="4525560"/>
           </a:xfrm>
           <a:prstGeom prst="rect">
@@ -6892,13 +7031,136 @@
         <p:txBody>
           <a:bodyPr/>
           <a:p>
-            <a:endParaRPr b="0" lang="pt-BR" sz="3200" spc="-1" strike="noStrike">
-              <a:solidFill>
-                <a:srgbClr val="000000"/>
-              </a:solidFill>
-              <a:uFill>
-                <a:solidFill>
-                  <a:srgbClr val="ffffff"/>
+            <a:pPr marL="457200" indent="-457200">
+              <a:lnSpc>
+                <a:spcPct val="140000"/>
+              </a:lnSpc>
+              <a:buFont typeface="Arial" charset="0"/>
+              <a:buChar char="•"/>
+            </a:pPr>
+            <a:r>
+              <a:rPr lang="pt-BR" sz="3200" b="0" strike="noStrike" spc="-1">
+                <a:solidFill>
+                  <a:srgbClr val="000000"/>
+                </a:solidFill>
+                <a:uFill>
+                  <a:solidFill>
+                    <a:srgbClr val="FFFFFF"/>
+                  </a:solidFill>
+                </a:uFill>
+                <a:latin typeface="Calibri"/>
+              </a:rPr>
+              <a:t>UC10 - Consultar sala de uma turma</a:t>
+            </a:r>
+            <a:endParaRPr lang="pt-BR" sz="3200" b="0" strike="noStrike" spc="-1">
+              <a:solidFill>
+                <a:srgbClr val="000000"/>
+              </a:solidFill>
+              <a:uFill>
+                <a:solidFill>
+                  <a:srgbClr val="FFFFFF"/>
+                </a:solidFill>
+              </a:uFill>
+              <a:latin typeface="Calibri"/>
+            </a:endParaRPr>
+          </a:p>
+          <a:p>
+            <a:pPr marL="457200" indent="-457200">
+              <a:lnSpc>
+                <a:spcPct val="140000"/>
+              </a:lnSpc>
+              <a:buFont typeface="Arial" charset="0"/>
+              <a:buChar char="•"/>
+            </a:pPr>
+            <a:r>
+              <a:rPr lang="pt-BR" sz="3200" b="0" strike="noStrike" spc="-1">
+                <a:solidFill>
+                  <a:srgbClr val="000000"/>
+                </a:solidFill>
+                <a:uFill>
+                  <a:solidFill>
+                    <a:srgbClr val="FFFFFF"/>
+                  </a:solidFill>
+                </a:uFill>
+                <a:latin typeface="Calibri"/>
+              </a:rPr>
+              <a:t>UC11 - Consultar turmas sem alocação física</a:t>
+            </a:r>
+            <a:endParaRPr lang="pt-BR" sz="3200" b="0" strike="noStrike" spc="-1">
+              <a:solidFill>
+                <a:srgbClr val="000000"/>
+              </a:solidFill>
+              <a:uFill>
+                <a:solidFill>
+                  <a:srgbClr val="FFFFFF"/>
+                </a:solidFill>
+              </a:uFill>
+              <a:latin typeface="Calibri"/>
+            </a:endParaRPr>
+          </a:p>
+          <a:p>
+            <a:pPr marL="457200" indent="-457200">
+              <a:lnSpc>
+                <a:spcPct val="140000"/>
+              </a:lnSpc>
+              <a:buFont typeface="Arial" charset="0"/>
+              <a:buChar char="•"/>
+            </a:pPr>
+            <a:r>
+              <a:rPr lang="pt-BR" sz="3200" b="0" strike="noStrike" spc="-1">
+                <a:solidFill>
+                  <a:srgbClr val="000000"/>
+                </a:solidFill>
+                <a:uFill>
+                  <a:solidFill>
+                    <a:srgbClr val="FFFFFF"/>
+                  </a:solidFill>
+                </a:uFill>
+                <a:latin typeface="Calibri"/>
+              </a:rPr>
+              <a:t>UC13 - Consultar dados</a:t>
+            </a:r>
+            <a:endParaRPr lang="pt-BR" sz="3200" b="0" strike="noStrike" spc="-1">
+              <a:solidFill>
+                <a:srgbClr val="000000"/>
+              </a:solidFill>
+              <a:uFill>
+                <a:solidFill>
+                  <a:srgbClr val="FFFFFF"/>
+                </a:solidFill>
+              </a:uFill>
+              <a:latin typeface="Calibri"/>
+            </a:endParaRPr>
+          </a:p>
+          <a:p>
+            <a:pPr marL="457200" indent="-457200">
+              <a:lnSpc>
+                <a:spcPct val="140000"/>
+              </a:lnSpc>
+              <a:buFont typeface="Arial" charset="0"/>
+              <a:buChar char="•"/>
+            </a:pPr>
+            <a:r>
+              <a:rPr lang="pt-BR" sz="3200" b="0" strike="noStrike" spc="-1">
+                <a:solidFill>
+                  <a:srgbClr val="000000"/>
+                </a:solidFill>
+                <a:uFill>
+                  <a:solidFill>
+                    <a:srgbClr val="FFFFFF"/>
+                  </a:solidFill>
+                </a:uFill>
+                <a:latin typeface="Calibri"/>
+              </a:rPr>
+              <a:t>UC16 - Relatório de alterações</a:t>
+            </a:r>
+            <a:endParaRPr lang="pt-BR" sz="3200" b="0" strike="noStrike" spc="-1">
+              <a:solidFill>
+                <a:srgbClr val="000000"/>
+              </a:solidFill>
+              <a:uFill>
+                <a:solidFill>
+                  <a:srgbClr val="FFFFFF"/>
                 </a:solidFill>
               </a:uFill>
               <a:latin typeface="Calibri"/>
@@ -6908,30 +7170,13 @@
       </p:sp>
     </p:spTree>
   </p:cSld>
+  <p:clrMapOvr>
+    <a:masterClrMapping/>
+  </p:clrMapOvr>
   <p:timing>
     <p:tnLst>
       <p:par>
-        <p:cTn id="15" dur="indefinite" restart="never" nodeType="tmRoot">
-          <p:childTnLst>
-            <p:seq>
-              <p:cTn id="16" nodeType="mainSeq"/>
-              <p:prevCondLst>
-                <p:cond delay="0" evt="onPrev">
-                  <p:tgtEl>
-                    <p:sldTgt/>
-                  </p:tgtEl>
-                </p:cond>
-              </p:prevCondLst>
-              <p:nextCondLst>
-                <p:cond delay="0" evt="onNext">
-                  <p:tgtEl>
-                    <p:sldTgt/>
-                  </p:tgtEl>
-                </p:cond>
-              </p:nextCondLst>
-            </p:seq>
-          </p:childTnLst>
-        </p:cTn>
+        <p:cTn id="1" dur="indefinite" restart="never" nodeType="tmRoot"/>
       </p:par>
     </p:tnLst>
   </p:timing>
@@ -6939,7 +7184,7 @@
 </file>
 
 <file path=ppt/slides/slide9.xml><?xml version="1.0" encoding="utf-8"?>
-<p:sld xmlns:a="http://schemas.openxmlformats.org/drawingml/2006/main" xmlns:p="http://schemas.openxmlformats.org/presentationml/2006/main" xmlns:r="http://schemas.openxmlformats.org/officeDocument/2006/relationships" xmlns:p14="http://schemas.microsoft.com/office/powerpoint/2010/main" xmlns:p15="http://schemas.microsoft.com/office/powerpoint/2012/main" xmlns:mc="http://schemas.openxmlformats.org/markup-compatibility/2006">
+<p:sld xmlns:a="http://schemas.openxmlformats.org/drawingml/2006/main" xmlns:r="http://schemas.openxmlformats.org/officeDocument/2006/relationships" xmlns:p="http://schemas.openxmlformats.org/presentationml/2006/main">
   <p:cSld>
     <p:spTree>
       <p:nvGrpSpPr>
@@ -6963,8 +7208,8 @@
         </p:nvSpPr>
         <p:spPr>
           <a:xfrm>
-            <a:off x="457200" y="274680"/>
-            <a:ext cx="8229240" cy="1142640"/>
+            <a:off x="0" y="635"/>
+            <a:ext cx="9136380" cy="1142365"/>
           </a:xfrm>
           <a:prstGeom prst="rect">
             <a:avLst/>
@@ -6983,95 +7228,74 @@
               </a:lnSpc>
             </a:pPr>
             <a:r>
-              <a:rPr b="0" lang="pt-BR" sz="4400" spc="-1" strike="noStrike">
+              <a:rPr lang="pt-BR" sz="4400" b="0" strike="noStrike" spc="-1">
                 <a:solidFill>
                   <a:srgbClr val="000000"/>
                 </a:solidFill>
                 <a:uFill>
                   <a:solidFill>
-                    <a:srgbClr val="ffffff"/>
+                    <a:srgbClr val="FFFFFF"/>
                   </a:solidFill>
                 </a:uFill>
                 <a:latin typeface="Calibri"/>
               </a:rPr>
               <a:t>Protótipo</a:t>
             </a:r>
-            <a:endParaRPr b="0" lang="pt-BR" sz="1800" spc="-1" strike="noStrike">
-              <a:solidFill>
-                <a:srgbClr val="000000"/>
-              </a:solidFill>
-              <a:uFill>
-                <a:solidFill>
-                  <a:srgbClr val="ffffff"/>
-                </a:solidFill>
-              </a:uFill>
-              <a:latin typeface="Calibri"/>
-            </a:endParaRPr>
-          </a:p>
-        </p:txBody>
-      </p:sp>
-      <p:sp>
-        <p:nvSpPr>
-          <p:cNvPr id="96" name="TextShape 2"/>
+            <a:endParaRPr lang="pt-BR" sz="1800" b="0" strike="noStrike" spc="-1">
+              <a:solidFill>
+                <a:srgbClr val="000000"/>
+              </a:solidFill>
+              <a:uFill>
+                <a:solidFill>
+                  <a:srgbClr val="FFFFFF"/>
+                </a:solidFill>
+              </a:uFill>
+              <a:latin typeface="Calibri"/>
+            </a:endParaRPr>
+          </a:p>
+        </p:txBody>
+      </p:sp>
+      <p:sp>
+        <p:nvSpPr>
+          <p:cNvPr id="7" name="Caixa de Texto 6"/>
           <p:cNvSpPr txBox="1"/>
           <p:nvPr/>
         </p:nvSpPr>
         <p:spPr>
           <a:xfrm>
-            <a:off x="457200" y="1600200"/>
-            <a:ext cx="8229240" cy="4525560"/>
+            <a:off x="1765935" y="2998470"/>
+            <a:ext cx="5984240" cy="518160"/>
           </a:xfrm>
           <a:prstGeom prst="rect">
             <a:avLst/>
           </a:prstGeom>
           <a:noFill/>
-          <a:ln>
-            <a:noFill/>
-          </a:ln>
-        </p:spPr>
-        <p:txBody>
-          <a:bodyPr/>
-          <a:p>
-            <a:endParaRPr b="0" lang="pt-BR" sz="3200" spc="-1" strike="noStrike">
-              <a:solidFill>
-                <a:srgbClr val="000000"/>
-              </a:solidFill>
-              <a:uFill>
-                <a:solidFill>
-                  <a:srgbClr val="ffffff"/>
-                </a:solidFill>
-              </a:uFill>
-              <a:latin typeface="Calibri"/>
-            </a:endParaRPr>
+        </p:spPr>
+        <p:txBody>
+          <a:bodyPr wrap="square" rtlCol="0">
+            <a:spAutoFit/>
+          </a:bodyPr>
+          <a:p>
+            <a:pPr algn="l"/>
+            <a:r>
+              <a:rPr lang="pt-BR" altLang="en-US" sz="2800">
+                <a:hlinkClick r:id="rId1"/>
+              </a:rPr>
+              <a:t>Gerenciamento de Espaço Físico</a:t>
+            </a:r>
+            <a:endParaRPr lang="pt-BR" altLang="en-US" sz="2800"/>
           </a:p>
         </p:txBody>
       </p:sp>
     </p:spTree>
   </p:cSld>
+  <p:clrMapOvr>
+    <a:masterClrMapping/>
+  </p:clrMapOvr>
   <p:timing>
     <p:tnLst>
       <p:par>
-        <p:cTn id="17" dur="indefinite" restart="never" nodeType="tmRoot">
-          <p:childTnLst>
-            <p:seq>
-              <p:cTn id="18" nodeType="mainSeq"/>
-              <p:prevCondLst>
-                <p:cond delay="0" evt="onPrev">
-                  <p:tgtEl>
-                    <p:sldTgt/>
-                  </p:tgtEl>
-                </p:cond>
-              </p:prevCondLst>
-              <p:nextCondLst>
-                <p:cond delay="0" evt="onNext">
-                  <p:tgtEl>
-                    <p:sldTgt/>
-                  </p:tgtEl>
-                </p:cond>
-              </p:nextCondLst>
-            </p:seq>
-          </p:childTnLst>
-        </p:cTn>
+        <p:cTn id="1" dur="indefinite" restart="never" nodeType="tmRoot"/>
       </p:par>
     </p:tnLst>
   </p:timing>
@@ -7298,6 +7522,13 @@
       </a:bgFillStyleLst>
     </a:fmtScheme>
   </a:themeElements>
+  <a:objectDefaults/>
+  <a:extraClrSchemeLst/>
+  <a:extLst>
+    <a:ext uri="{05A4C25C-085E-4340-85A3-A5531E510DB2}">
+      <thm15:themeFamily xmlns:thm15="http://schemas.microsoft.com/office/thememl/2012/main" name="Office Theme" id="{62F939B6-93AF-4DB8-9C6B-D6C7DFDC589F}" vid="{4A3C46E8-61CC-4603-A589-7422A47A8E4A}"/>
+    </a:ext>
+  </a:extLst>
 </a:theme>
 </file>
 
@@ -7521,5 +7752,12 @@
       </a:bgFillStyleLst>
     </a:fmtScheme>
   </a:themeElements>
+  <a:objectDefaults/>
+  <a:extraClrSchemeLst/>
+  <a:extLst>
+    <a:ext uri="{05A4C25C-085E-4340-85A3-A5531E510DB2}">
+      <thm15:themeFamily xmlns:thm15="http://schemas.microsoft.com/office/thememl/2012/main" name="Office Theme" id="{62F939B6-93AF-4DB8-9C6B-D6C7DFDC589F}" vid="{4A3C46E8-61CC-4603-A589-7422A47A8E4A}"/>
+    </a:ext>
+  </a:extLst>
 </a:theme>
 </file>
--- a/T3/Apresentação.pptx
+++ b/T3/Apresentação.pptx
@@ -3,21 +3,21 @@
 <p:presentation xmlns:a="http://schemas.openxmlformats.org/drawingml/2006/main" xmlns:r="http://schemas.openxmlformats.org/officeDocument/2006/relationships" xmlns:p="http://schemas.openxmlformats.org/presentationml/2006/main">
   <p:sldMasterIdLst>
     <p:sldMasterId id="2147483648" r:id="rId1"/>
-    <p:sldMasterId id="2147483661" r:id="rId3"/>
+    <p:sldMasterId id="2147483661" r:id="rId2"/>
   </p:sldMasterIdLst>
   <p:sldIdLst>
-    <p:sldId id="256" r:id="rId4"/>
-    <p:sldId id="257" r:id="rId5"/>
-    <p:sldId id="258" r:id="rId6"/>
-    <p:sldId id="259" r:id="rId7"/>
-    <p:sldId id="260" r:id="rId8"/>
-    <p:sldId id="261" r:id="rId9"/>
-    <p:sldId id="262" r:id="rId10"/>
-    <p:sldId id="263" r:id="rId11"/>
-    <p:sldId id="264" r:id="rId12"/>
+    <p:sldId id="256" r:id="rId3"/>
+    <p:sldId id="257" r:id="rId4"/>
+    <p:sldId id="258" r:id="rId5"/>
+    <p:sldId id="259" r:id="rId6"/>
+    <p:sldId id="260" r:id="rId7"/>
+    <p:sldId id="261" r:id="rId8"/>
+    <p:sldId id="262" r:id="rId9"/>
+    <p:sldId id="263" r:id="rId10"/>
+    <p:sldId id="264" r:id="rId11"/>
   </p:sldIdLst>
-  <p:sldSz cx="9144000" cy="6858000"/>
-  <p:notesSz cx="7559675" cy="10691495"/>
+  <p:sldSz cx="9144000" cy="6858000" type="screen4x3"/>
+  <p:notesSz cx="7559675" cy="10691813"/>
   <p:defaultTextStyle>
     <a:lvl1pPr marL="0" algn="l" defTabSz="914400" rtl="0" eaLnBrk="1" latinLnBrk="0" hangingPunct="1">
       <a:defRPr sz="1800" kern="1200">
@@ -176,6 +176,7 @@
         </p:spPr>
         <p:txBody>
           <a:bodyPr lIns="0" tIns="0" rIns="0" bIns="0" anchor="ctr"/>
+          <a:lstStyle/>
           <a:p>
             <a:endParaRPr lang="pt-BR" sz="1800" b="0" strike="noStrike" spc="-1">
               <a:solidFill>
@@ -212,6 +213,7 @@
         </p:spPr>
         <p:txBody>
           <a:bodyPr lIns="0" tIns="0" rIns="0" bIns="0"/>
+          <a:lstStyle/>
           <a:p>
             <a:endParaRPr lang="pt-BR" sz="3200" b="0" strike="noStrike" spc="-1">
               <a:solidFill>
@@ -248,6 +250,7 @@
         </p:spPr>
         <p:txBody>
           <a:bodyPr lIns="0" tIns="0" rIns="0" bIns="0"/>
+          <a:lstStyle/>
           <a:p>
             <a:endParaRPr lang="pt-BR" sz="3200" b="0" strike="noStrike" spc="-1">
               <a:solidFill>
@@ -309,6 +312,7 @@
         </p:spPr>
         <p:txBody>
           <a:bodyPr lIns="0" tIns="0" rIns="0" bIns="0" anchor="ctr"/>
+          <a:lstStyle/>
           <a:p>
             <a:endParaRPr lang="pt-BR" sz="1800" b="0" strike="noStrike" spc="-1">
               <a:solidFill>
@@ -345,6 +349,7 @@
         </p:spPr>
         <p:txBody>
           <a:bodyPr lIns="0" tIns="0" rIns="0" bIns="0"/>
+          <a:lstStyle/>
           <a:p>
             <a:endParaRPr lang="pt-BR" sz="3200" b="0" strike="noStrike" spc="-1">
               <a:solidFill>
@@ -381,6 +386,7 @@
         </p:spPr>
         <p:txBody>
           <a:bodyPr lIns="0" tIns="0" rIns="0" bIns="0"/>
+          <a:lstStyle/>
           <a:p>
             <a:endParaRPr lang="pt-BR" sz="3200" b="0" strike="noStrike" spc="-1">
               <a:solidFill>
@@ -417,6 +423,7 @@
         </p:spPr>
         <p:txBody>
           <a:bodyPr lIns="0" tIns="0" rIns="0" bIns="0"/>
+          <a:lstStyle/>
           <a:p>
             <a:endParaRPr lang="pt-BR" sz="3200" b="0" strike="noStrike" spc="-1">
               <a:solidFill>
@@ -453,6 +460,7 @@
         </p:spPr>
         <p:txBody>
           <a:bodyPr lIns="0" tIns="0" rIns="0" bIns="0"/>
+          <a:lstStyle/>
           <a:p>
             <a:endParaRPr lang="pt-BR" sz="3200" b="0" strike="noStrike" spc="-1">
               <a:solidFill>
@@ -514,6 +522,7 @@
         </p:spPr>
         <p:txBody>
           <a:bodyPr lIns="0" tIns="0" rIns="0" bIns="0" anchor="ctr"/>
+          <a:lstStyle/>
           <a:p>
             <a:endParaRPr lang="pt-BR" sz="1800" b="0" strike="noStrike" spc="-1">
               <a:solidFill>
@@ -550,6 +559,7 @@
         </p:spPr>
         <p:txBody>
           <a:bodyPr lIns="0" tIns="0" rIns="0" bIns="0"/>
+          <a:lstStyle/>
           <a:p>
             <a:endParaRPr lang="pt-BR" sz="3200" b="0" strike="noStrike" spc="-1">
               <a:solidFill>
@@ -586,6 +596,7 @@
         </p:spPr>
         <p:txBody>
           <a:bodyPr lIns="0" tIns="0" rIns="0" bIns="0"/>
+          <a:lstStyle/>
           <a:p>
             <a:endParaRPr lang="pt-BR" sz="3200" b="0" strike="noStrike" spc="-1">
               <a:solidFill>
@@ -633,7 +644,7 @@
           <p:nvPr/>
         </p:nvPicPr>
         <p:blipFill>
-          <a:blip r:embed="rId3"/>
+          <a:blip r:embed="rId2"/>
           <a:stretch>
             <a:fillRect/>
           </a:stretch>
@@ -722,6 +733,7 @@
         </p:spPr>
         <p:txBody>
           <a:bodyPr lIns="0" tIns="0" rIns="0" bIns="0" anchor="ctr"/>
+          <a:lstStyle/>
           <a:p>
             <a:endParaRPr lang="pt-BR" sz="1800" b="0" strike="noStrike" spc="-1">
               <a:solidFill>
@@ -758,6 +770,7 @@
         </p:spPr>
         <p:txBody>
           <a:bodyPr lIns="0" tIns="0" rIns="0" bIns="0" anchor="ctr"/>
+          <a:lstStyle/>
           <a:p>
             <a:pPr algn="ctr"/>
             <a:endParaRPr lang="pt-BR" sz="3200" b="0" strike="noStrike" spc="-1">
@@ -820,6 +833,7 @@
         </p:spPr>
         <p:txBody>
           <a:bodyPr lIns="0" tIns="0" rIns="0" bIns="0" anchor="ctr"/>
+          <a:lstStyle/>
           <a:p>
             <a:endParaRPr lang="pt-BR" sz="1800" b="0" strike="noStrike" spc="-1">
               <a:solidFill>
@@ -856,6 +870,7 @@
         </p:spPr>
         <p:txBody>
           <a:bodyPr lIns="0" tIns="0" rIns="0" bIns="0"/>
+          <a:lstStyle/>
           <a:p>
             <a:endParaRPr lang="pt-BR" sz="3200" b="0" strike="noStrike" spc="-1">
               <a:solidFill>
@@ -917,6 +932,7 @@
         </p:spPr>
         <p:txBody>
           <a:bodyPr lIns="0" tIns="0" rIns="0" bIns="0" anchor="ctr"/>
+          <a:lstStyle/>
           <a:p>
             <a:endParaRPr lang="pt-BR" sz="1800" b="0" strike="noStrike" spc="-1">
               <a:solidFill>
@@ -953,6 +969,7 @@
         </p:spPr>
         <p:txBody>
           <a:bodyPr lIns="0" tIns="0" rIns="0" bIns="0"/>
+          <a:lstStyle/>
           <a:p>
             <a:endParaRPr lang="pt-BR" sz="3200" b="0" strike="noStrike" spc="-1">
               <a:solidFill>
@@ -989,6 +1006,7 @@
         </p:spPr>
         <p:txBody>
           <a:bodyPr lIns="0" tIns="0" rIns="0" bIns="0"/>
+          <a:lstStyle/>
           <a:p>
             <a:endParaRPr lang="pt-BR" sz="3200" b="0" strike="noStrike" spc="-1">
               <a:solidFill>
@@ -1050,6 +1068,7 @@
         </p:spPr>
         <p:txBody>
           <a:bodyPr lIns="0" tIns="0" rIns="0" bIns="0" anchor="ctr"/>
+          <a:lstStyle/>
           <a:p>
             <a:endParaRPr lang="pt-BR" sz="1800" b="0" strike="noStrike" spc="-1">
               <a:solidFill>
@@ -1111,6 +1130,7 @@
         </p:spPr>
         <p:txBody>
           <a:bodyPr lIns="0" tIns="0" rIns="0" bIns="0" anchor="ctr"/>
+          <a:lstStyle/>
           <a:p>
             <a:pPr algn="ctr"/>
             <a:endParaRPr lang="pt-BR" sz="3200" b="0" strike="noStrike" spc="-1">
@@ -1173,6 +1193,7 @@
         </p:spPr>
         <p:txBody>
           <a:bodyPr lIns="0" tIns="0" rIns="0" bIns="0" anchor="ctr"/>
+          <a:lstStyle/>
           <a:p>
             <a:endParaRPr lang="pt-BR" sz="1800" b="0" strike="noStrike" spc="-1">
               <a:solidFill>
@@ -1209,6 +1230,7 @@
         </p:spPr>
         <p:txBody>
           <a:bodyPr lIns="0" tIns="0" rIns="0" bIns="0"/>
+          <a:lstStyle/>
           <a:p>
             <a:endParaRPr lang="pt-BR" sz="3200" b="0" strike="noStrike" spc="-1">
               <a:solidFill>
@@ -1245,6 +1267,7 @@
         </p:spPr>
         <p:txBody>
           <a:bodyPr lIns="0" tIns="0" rIns="0" bIns="0"/>
+          <a:lstStyle/>
           <a:p>
             <a:endParaRPr lang="pt-BR" sz="3200" b="0" strike="noStrike" spc="-1">
               <a:solidFill>
@@ -1281,6 +1304,7 @@
         </p:spPr>
         <p:txBody>
           <a:bodyPr lIns="0" tIns="0" rIns="0" bIns="0"/>
+          <a:lstStyle/>
           <a:p>
             <a:endParaRPr lang="pt-BR" sz="3200" b="0" strike="noStrike" spc="-1">
               <a:solidFill>
@@ -1342,6 +1366,7 @@
         </p:spPr>
         <p:txBody>
           <a:bodyPr lIns="0" tIns="0" rIns="0" bIns="0" anchor="ctr"/>
+          <a:lstStyle/>
           <a:p>
             <a:endParaRPr lang="pt-BR" sz="1800" b="0" strike="noStrike" spc="-1">
               <a:solidFill>
@@ -1378,6 +1403,7 @@
         </p:spPr>
         <p:txBody>
           <a:bodyPr lIns="0" tIns="0" rIns="0" bIns="0" anchor="ctr"/>
+          <a:lstStyle/>
           <a:p>
             <a:pPr algn="ctr"/>
             <a:endParaRPr lang="pt-BR" sz="3200" b="0" strike="noStrike" spc="-1">
@@ -1440,6 +1466,7 @@
         </p:spPr>
         <p:txBody>
           <a:bodyPr lIns="0" tIns="0" rIns="0" bIns="0" anchor="ctr"/>
+          <a:lstStyle/>
           <a:p>
             <a:endParaRPr lang="pt-BR" sz="1800" b="0" strike="noStrike" spc="-1">
               <a:solidFill>
@@ -1476,6 +1503,7 @@
         </p:spPr>
         <p:txBody>
           <a:bodyPr lIns="0" tIns="0" rIns="0" bIns="0"/>
+          <a:lstStyle/>
           <a:p>
             <a:endParaRPr lang="pt-BR" sz="3200" b="0" strike="noStrike" spc="-1">
               <a:solidFill>
@@ -1512,6 +1540,7 @@
         </p:spPr>
         <p:txBody>
           <a:bodyPr lIns="0" tIns="0" rIns="0" bIns="0"/>
+          <a:lstStyle/>
           <a:p>
             <a:endParaRPr lang="pt-BR" sz="3200" b="0" strike="noStrike" spc="-1">
               <a:solidFill>
@@ -1548,6 +1577,7 @@
         </p:spPr>
         <p:txBody>
           <a:bodyPr lIns="0" tIns="0" rIns="0" bIns="0"/>
+          <a:lstStyle/>
           <a:p>
             <a:endParaRPr lang="pt-BR" sz="3200" b="0" strike="noStrike" spc="-1">
               <a:solidFill>
@@ -1609,6 +1639,7 @@
         </p:spPr>
         <p:txBody>
           <a:bodyPr lIns="0" tIns="0" rIns="0" bIns="0" anchor="ctr"/>
+          <a:lstStyle/>
           <a:p>
             <a:endParaRPr lang="pt-BR" sz="1800" b="0" strike="noStrike" spc="-1">
               <a:solidFill>
@@ -1645,6 +1676,7 @@
         </p:spPr>
         <p:txBody>
           <a:bodyPr lIns="0" tIns="0" rIns="0" bIns="0"/>
+          <a:lstStyle/>
           <a:p>
             <a:endParaRPr lang="pt-BR" sz="3200" b="0" strike="noStrike" spc="-1">
               <a:solidFill>
@@ -1681,6 +1713,7 @@
         </p:spPr>
         <p:txBody>
           <a:bodyPr lIns="0" tIns="0" rIns="0" bIns="0"/>
+          <a:lstStyle/>
           <a:p>
             <a:endParaRPr lang="pt-BR" sz="3200" b="0" strike="noStrike" spc="-1">
               <a:solidFill>
@@ -1717,6 +1750,7 @@
         </p:spPr>
         <p:txBody>
           <a:bodyPr lIns="0" tIns="0" rIns="0" bIns="0"/>
+          <a:lstStyle/>
           <a:p>
             <a:endParaRPr lang="pt-BR" sz="3200" b="0" strike="noStrike" spc="-1">
               <a:solidFill>
@@ -1778,6 +1812,7 @@
         </p:spPr>
         <p:txBody>
           <a:bodyPr lIns="0" tIns="0" rIns="0" bIns="0" anchor="ctr"/>
+          <a:lstStyle/>
           <a:p>
             <a:endParaRPr lang="pt-BR" sz="1800" b="0" strike="noStrike" spc="-1">
               <a:solidFill>
@@ -1814,6 +1849,7 @@
         </p:spPr>
         <p:txBody>
           <a:bodyPr lIns="0" tIns="0" rIns="0" bIns="0"/>
+          <a:lstStyle/>
           <a:p>
             <a:endParaRPr lang="pt-BR" sz="3200" b="0" strike="noStrike" spc="-1">
               <a:solidFill>
@@ -1850,6 +1886,7 @@
         </p:spPr>
         <p:txBody>
           <a:bodyPr lIns="0" tIns="0" rIns="0" bIns="0"/>
+          <a:lstStyle/>
           <a:p>
             <a:endParaRPr lang="pt-BR" sz="3200" b="0" strike="noStrike" spc="-1">
               <a:solidFill>
@@ -1911,6 +1948,7 @@
         </p:spPr>
         <p:txBody>
           <a:bodyPr lIns="0" tIns="0" rIns="0" bIns="0" anchor="ctr"/>
+          <a:lstStyle/>
           <a:p>
             <a:endParaRPr lang="pt-BR" sz="1800" b="0" strike="noStrike" spc="-1">
               <a:solidFill>
@@ -1947,6 +1985,7 @@
         </p:spPr>
         <p:txBody>
           <a:bodyPr lIns="0" tIns="0" rIns="0" bIns="0"/>
+          <a:lstStyle/>
           <a:p>
             <a:endParaRPr lang="pt-BR" sz="3200" b="0" strike="noStrike" spc="-1">
               <a:solidFill>
@@ -1983,6 +2022,7 @@
         </p:spPr>
         <p:txBody>
           <a:bodyPr lIns="0" tIns="0" rIns="0" bIns="0"/>
+          <a:lstStyle/>
           <a:p>
             <a:endParaRPr lang="pt-BR" sz="3200" b="0" strike="noStrike" spc="-1">
               <a:solidFill>
@@ -2019,6 +2059,7 @@
         </p:spPr>
         <p:txBody>
           <a:bodyPr lIns="0" tIns="0" rIns="0" bIns="0"/>
+          <a:lstStyle/>
           <a:p>
             <a:endParaRPr lang="pt-BR" sz="3200" b="0" strike="noStrike" spc="-1">
               <a:solidFill>
@@ -2055,6 +2096,7 @@
         </p:spPr>
         <p:txBody>
           <a:bodyPr lIns="0" tIns="0" rIns="0" bIns="0"/>
+          <a:lstStyle/>
           <a:p>
             <a:endParaRPr lang="pt-BR" sz="3200" b="0" strike="noStrike" spc="-1">
               <a:solidFill>
@@ -2116,6 +2158,7 @@
         </p:spPr>
         <p:txBody>
           <a:bodyPr lIns="0" tIns="0" rIns="0" bIns="0" anchor="ctr"/>
+          <a:lstStyle/>
           <a:p>
             <a:endParaRPr lang="pt-BR" sz="1800" b="0" strike="noStrike" spc="-1">
               <a:solidFill>
@@ -2152,6 +2195,7 @@
         </p:spPr>
         <p:txBody>
           <a:bodyPr lIns="0" tIns="0" rIns="0" bIns="0"/>
+          <a:lstStyle/>
           <a:p>
             <a:endParaRPr lang="pt-BR" sz="3200" b="0" strike="noStrike" spc="-1">
               <a:solidFill>
@@ -2188,6 +2232,7 @@
         </p:spPr>
         <p:txBody>
           <a:bodyPr lIns="0" tIns="0" rIns="0" bIns="0"/>
+          <a:lstStyle/>
           <a:p>
             <a:endParaRPr lang="pt-BR" sz="3200" b="0" strike="noStrike" spc="-1">
               <a:solidFill>
@@ -2235,7 +2280,7 @@
           <p:nvPr/>
         </p:nvPicPr>
         <p:blipFill>
-          <a:blip r:embed="rId3"/>
+          <a:blip r:embed="rId2"/>
           <a:stretch>
             <a:fillRect/>
           </a:stretch>
@@ -2299,6 +2344,7 @@
         </p:spPr>
         <p:txBody>
           <a:bodyPr lIns="0" tIns="0" rIns="0" bIns="0" anchor="ctr"/>
+          <a:lstStyle/>
           <a:p>
             <a:endParaRPr lang="pt-BR" sz="1800" b="0" strike="noStrike" spc="-1">
               <a:solidFill>
@@ -2335,6 +2381,7 @@
         </p:spPr>
         <p:txBody>
           <a:bodyPr lIns="0" tIns="0" rIns="0" bIns="0"/>
+          <a:lstStyle/>
           <a:p>
             <a:endParaRPr lang="pt-BR" sz="3200" b="0" strike="noStrike" spc="-1">
               <a:solidFill>
@@ -2396,6 +2443,7 @@
         </p:spPr>
         <p:txBody>
           <a:bodyPr lIns="0" tIns="0" rIns="0" bIns="0" anchor="ctr"/>
+          <a:lstStyle/>
           <a:p>
             <a:endParaRPr lang="pt-BR" sz="1800" b="0" strike="noStrike" spc="-1">
               <a:solidFill>
@@ -2432,6 +2480,7 @@
         </p:spPr>
         <p:txBody>
           <a:bodyPr lIns="0" tIns="0" rIns="0" bIns="0"/>
+          <a:lstStyle/>
           <a:p>
             <a:endParaRPr lang="pt-BR" sz="3200" b="0" strike="noStrike" spc="-1">
               <a:solidFill>
@@ -2468,6 +2517,7 @@
         </p:spPr>
         <p:txBody>
           <a:bodyPr lIns="0" tIns="0" rIns="0" bIns="0"/>
+          <a:lstStyle/>
           <a:p>
             <a:endParaRPr lang="pt-BR" sz="3200" b="0" strike="noStrike" spc="-1">
               <a:solidFill>
@@ -2529,6 +2579,7 @@
         </p:spPr>
         <p:txBody>
           <a:bodyPr lIns="0" tIns="0" rIns="0" bIns="0" anchor="ctr"/>
+          <a:lstStyle/>
           <a:p>
             <a:endParaRPr lang="pt-BR" sz="1800" b="0" strike="noStrike" spc="-1">
               <a:solidFill>
@@ -2590,6 +2641,7 @@
         </p:spPr>
         <p:txBody>
           <a:bodyPr lIns="0" tIns="0" rIns="0" bIns="0" anchor="ctr"/>
+          <a:lstStyle/>
           <a:p>
             <a:pPr algn="ctr"/>
             <a:endParaRPr lang="pt-BR" sz="3200" b="0" strike="noStrike" spc="-1">
@@ -2652,6 +2704,7 @@
         </p:spPr>
         <p:txBody>
           <a:bodyPr lIns="0" tIns="0" rIns="0" bIns="0" anchor="ctr"/>
+          <a:lstStyle/>
           <a:p>
             <a:endParaRPr lang="pt-BR" sz="1800" b="0" strike="noStrike" spc="-1">
               <a:solidFill>
@@ -2688,6 +2741,7 @@
         </p:spPr>
         <p:txBody>
           <a:bodyPr lIns="0" tIns="0" rIns="0" bIns="0"/>
+          <a:lstStyle/>
           <a:p>
             <a:endParaRPr lang="pt-BR" sz="3200" b="0" strike="noStrike" spc="-1">
               <a:solidFill>
@@ -2724,6 +2778,7 @@
         </p:spPr>
         <p:txBody>
           <a:bodyPr lIns="0" tIns="0" rIns="0" bIns="0"/>
+          <a:lstStyle/>
           <a:p>
             <a:endParaRPr lang="pt-BR" sz="3200" b="0" strike="noStrike" spc="-1">
               <a:solidFill>
@@ -2760,6 +2815,7 @@
         </p:spPr>
         <p:txBody>
           <a:bodyPr lIns="0" tIns="0" rIns="0" bIns="0"/>
+          <a:lstStyle/>
           <a:p>
             <a:endParaRPr lang="pt-BR" sz="3200" b="0" strike="noStrike" spc="-1">
               <a:solidFill>
@@ -2821,6 +2877,7 @@
         </p:spPr>
         <p:txBody>
           <a:bodyPr lIns="0" tIns="0" rIns="0" bIns="0" anchor="ctr"/>
+          <a:lstStyle/>
           <a:p>
             <a:endParaRPr lang="pt-BR" sz="1800" b="0" strike="noStrike" spc="-1">
               <a:solidFill>
@@ -2857,6 +2914,7 @@
         </p:spPr>
         <p:txBody>
           <a:bodyPr lIns="0" tIns="0" rIns="0" bIns="0"/>
+          <a:lstStyle/>
           <a:p>
             <a:endParaRPr lang="pt-BR" sz="3200" b="0" strike="noStrike" spc="-1">
               <a:solidFill>
@@ -2893,6 +2951,7 @@
         </p:spPr>
         <p:txBody>
           <a:bodyPr lIns="0" tIns="0" rIns="0" bIns="0"/>
+          <a:lstStyle/>
           <a:p>
             <a:endParaRPr lang="pt-BR" sz="3200" b="0" strike="noStrike" spc="-1">
               <a:solidFill>
@@ -2929,6 +2988,7 @@
         </p:spPr>
         <p:txBody>
           <a:bodyPr lIns="0" tIns="0" rIns="0" bIns="0"/>
+          <a:lstStyle/>
           <a:p>
             <a:endParaRPr lang="pt-BR" sz="3200" b="0" strike="noStrike" spc="-1">
               <a:solidFill>
@@ -2990,6 +3050,7 @@
         </p:spPr>
         <p:txBody>
           <a:bodyPr lIns="0" tIns="0" rIns="0" bIns="0" anchor="ctr"/>
+          <a:lstStyle/>
           <a:p>
             <a:endParaRPr lang="pt-BR" sz="1800" b="0" strike="noStrike" spc="-1">
               <a:solidFill>
@@ -3026,6 +3087,7 @@
         </p:spPr>
         <p:txBody>
           <a:bodyPr lIns="0" tIns="0" rIns="0" bIns="0"/>
+          <a:lstStyle/>
           <a:p>
             <a:endParaRPr lang="pt-BR" sz="3200" b="0" strike="noStrike" spc="-1">
               <a:solidFill>
@@ -3062,6 +3124,7 @@
         </p:spPr>
         <p:txBody>
           <a:bodyPr lIns="0" tIns="0" rIns="0" bIns="0"/>
+          <a:lstStyle/>
           <a:p>
             <a:endParaRPr lang="pt-BR" sz="3200" b="0" strike="noStrike" spc="-1">
               <a:solidFill>
@@ -3098,6 +3161,7 @@
         </p:spPr>
         <p:txBody>
           <a:bodyPr lIns="0" tIns="0" rIns="0" bIns="0"/>
+          <a:lstStyle/>
           <a:p>
             <a:endParaRPr lang="pt-BR" sz="3200" b="0" strike="noStrike" spc="-1">
               <a:solidFill>
@@ -3126,9 +3190,36 @@
   <p:cSld>
     <p:bg>
       <p:bgPr>
-        <a:solidFill>
-          <a:srgbClr val="FFFFFF"/>
-        </a:solidFill>
+        <a:gradFill flip="none" rotWithShape="1">
+          <a:gsLst>
+            <a:gs pos="0">
+              <a:schemeClr val="accent1">
+                <a:lumMod val="5000"/>
+                <a:lumOff val="95000"/>
+              </a:schemeClr>
+            </a:gs>
+            <a:gs pos="74000">
+              <a:schemeClr val="accent1">
+                <a:lumMod val="45000"/>
+                <a:lumOff val="55000"/>
+              </a:schemeClr>
+            </a:gs>
+            <a:gs pos="83000">
+              <a:schemeClr val="accent1">
+                <a:lumMod val="45000"/>
+                <a:lumOff val="55000"/>
+              </a:schemeClr>
+            </a:gs>
+            <a:gs pos="100000">
+              <a:schemeClr val="accent1">
+                <a:lumMod val="30000"/>
+                <a:lumOff val="70000"/>
+              </a:schemeClr>
+            </a:gs>
+          </a:gsLst>
+          <a:lin ang="5400000" scaled="1"/>
+          <a:tileRect/>
+        </a:gradFill>
         <a:effectLst/>
       </p:bgPr>
     </p:bg>
@@ -3148,7 +3239,7 @@
       </p:grpSpPr>
       <p:sp>
         <p:nvSpPr>
-          <p:cNvPr id="0" name="PlaceHolder 1"/>
+          <p:cNvPr id="6" name="PlaceHolder 1"/>
           <p:cNvSpPr>
             <a:spLocks noGrp="1"/>
           </p:cNvSpPr>
@@ -3167,6 +3258,7 @@
         </p:spPr>
         <p:txBody>
           <a:bodyPr anchor="ctr"/>
+          <a:lstStyle/>
           <a:p>
             <a:pPr algn="ctr">
               <a:lnSpc>
@@ -3222,6 +3314,7 @@
         </p:spPr>
         <p:txBody>
           <a:bodyPr anchor="ctr"/>
+          <a:lstStyle/>
           <a:p>
             <a:endParaRPr lang="pt-BR" sz="2400" b="0" strike="noStrike" spc="-1">
               <a:solidFill>
@@ -3258,6 +3351,7 @@
         </p:spPr>
         <p:txBody>
           <a:bodyPr anchor="ctr"/>
+          <a:lstStyle/>
           <a:p>
             <a:endParaRPr lang="pt-BR" sz="2400" b="0" strike="noStrike" spc="-1">
               <a:solidFill>
@@ -3294,6 +3388,7 @@
         </p:spPr>
         <p:txBody>
           <a:bodyPr anchor="ctr"/>
+          <a:lstStyle/>
           <a:p>
             <a:endParaRPr lang="pt-BR" sz="2400" b="0" strike="noStrike" spc="-1">
               <a:solidFill>
@@ -3330,6 +3425,7 @@
         </p:spPr>
         <p:txBody>
           <a:bodyPr lIns="0" tIns="0" rIns="0" bIns="0"/>
+          <a:lstStyle/>
           <a:p>
             <a:pPr marL="431800" indent="-323850">
               <a:buClr>
@@ -3353,17 +3449,6 @@
               </a:rPr>
               <a:t>Clique para editar o formato do texto da estrutura de tópicos</a:t>
             </a:r>
-            <a:endParaRPr lang="pt-BR" sz="3200" b="0" strike="noStrike" spc="-1">
-              <a:solidFill>
-                <a:srgbClr val="000000"/>
-              </a:solidFill>
-              <a:uFill>
-                <a:solidFill>
-                  <a:srgbClr val="FFFFFF"/>
-                </a:solidFill>
-              </a:uFill>
-              <a:latin typeface="Calibri"/>
-            </a:endParaRPr>
           </a:p>
           <a:p>
             <a:pPr marL="864235" lvl="1" indent="-323850">
@@ -3388,17 +3473,6 @@
               </a:rPr>
               <a:t>2.º nível da estrutura de tópicos</a:t>
             </a:r>
-            <a:endParaRPr lang="pt-BR" sz="2400" b="0" strike="noStrike" spc="-1">
-              <a:solidFill>
-                <a:srgbClr val="000000"/>
-              </a:solidFill>
-              <a:uFill>
-                <a:solidFill>
-                  <a:srgbClr val="FFFFFF"/>
-                </a:solidFill>
-              </a:uFill>
-              <a:latin typeface="Calibri"/>
-            </a:endParaRPr>
           </a:p>
           <a:p>
             <a:pPr marL="1296035" lvl="2" indent="-288290">
@@ -3423,17 +3497,6 @@
               </a:rPr>
               <a:t>3.º nível da estrutura de tópicos</a:t>
             </a:r>
-            <a:endParaRPr lang="pt-BR" sz="2000" b="0" strike="noStrike" spc="-1">
-              <a:solidFill>
-                <a:srgbClr val="000000"/>
-              </a:solidFill>
-              <a:uFill>
-                <a:solidFill>
-                  <a:srgbClr val="FFFFFF"/>
-                </a:solidFill>
-              </a:uFill>
-              <a:latin typeface="Calibri"/>
-            </a:endParaRPr>
           </a:p>
           <a:p>
             <a:pPr marL="1727835" lvl="3" indent="-215900">
@@ -3458,17 +3521,6 @@
               </a:rPr>
               <a:t>4.º nível da estrutura de tópicos</a:t>
             </a:r>
-            <a:endParaRPr lang="pt-BR" sz="2000" b="0" strike="noStrike" spc="-1">
-              <a:solidFill>
-                <a:srgbClr val="000000"/>
-              </a:solidFill>
-              <a:uFill>
-                <a:solidFill>
-                  <a:srgbClr val="FFFFFF"/>
-                </a:solidFill>
-              </a:uFill>
-              <a:latin typeface="Calibri"/>
-            </a:endParaRPr>
           </a:p>
           <a:p>
             <a:pPr marL="2160270" lvl="4" indent="-215900">
@@ -3493,17 +3545,6 @@
               </a:rPr>
               <a:t>5.º nível da estrutura de tópicos</a:t>
             </a:r>
-            <a:endParaRPr lang="pt-BR" sz="2000" b="0" strike="noStrike" spc="-1">
-              <a:solidFill>
-                <a:srgbClr val="000000"/>
-              </a:solidFill>
-              <a:uFill>
-                <a:solidFill>
-                  <a:srgbClr val="FFFFFF"/>
-                </a:solidFill>
-              </a:uFill>
-              <a:latin typeface="Calibri"/>
-            </a:endParaRPr>
           </a:p>
           <a:p>
             <a:pPr marL="2592070" lvl="5" indent="-215900">
@@ -3528,17 +3569,6 @@
               </a:rPr>
               <a:t>6.º nível da estrutura de tópicos</a:t>
             </a:r>
-            <a:endParaRPr lang="pt-BR" sz="2000" b="0" strike="noStrike" spc="-1">
-              <a:solidFill>
-                <a:srgbClr val="000000"/>
-              </a:solidFill>
-              <a:uFill>
-                <a:solidFill>
-                  <a:srgbClr val="FFFFFF"/>
-                </a:solidFill>
-              </a:uFill>
-              <a:latin typeface="Calibri"/>
-            </a:endParaRPr>
           </a:p>
           <a:p>
             <a:pPr marL="3023870" lvl="6" indent="-215900">
@@ -3563,17 +3593,6 @@
               </a:rPr>
               <a:t>7.º nível da estrutura de tópicos</a:t>
             </a:r>
-            <a:endParaRPr lang="pt-BR" sz="2000" b="0" strike="noStrike" spc="-1">
-              <a:solidFill>
-                <a:srgbClr val="000000"/>
-              </a:solidFill>
-              <a:uFill>
-                <a:solidFill>
-                  <a:srgbClr val="FFFFFF"/>
-                </a:solidFill>
-              </a:uFill>
-              <a:latin typeface="Calibri"/>
-            </a:endParaRPr>
           </a:p>
         </p:txBody>
       </p:sp>
@@ -3607,9 +3626,36 @@
   <p:cSld>
     <p:bg>
       <p:bgPr>
-        <a:solidFill>
-          <a:srgbClr val="FFFFFF"/>
-        </a:solidFill>
+        <a:gradFill flip="none" rotWithShape="1">
+          <a:gsLst>
+            <a:gs pos="0">
+              <a:schemeClr val="accent1">
+                <a:lumMod val="5000"/>
+                <a:lumOff val="95000"/>
+              </a:schemeClr>
+            </a:gs>
+            <a:gs pos="74000">
+              <a:schemeClr val="accent1">
+                <a:lumMod val="45000"/>
+                <a:lumOff val="55000"/>
+              </a:schemeClr>
+            </a:gs>
+            <a:gs pos="83000">
+              <a:schemeClr val="accent1">
+                <a:lumMod val="45000"/>
+                <a:lumOff val="55000"/>
+              </a:schemeClr>
+            </a:gs>
+            <a:gs pos="100000">
+              <a:schemeClr val="accent1">
+                <a:lumMod val="30000"/>
+                <a:lumOff val="70000"/>
+              </a:schemeClr>
+            </a:gs>
+          </a:gsLst>
+          <a:lin ang="5400000" scaled="1"/>
+          <a:tileRect/>
+        </a:gradFill>
         <a:effectLst/>
       </p:bgPr>
     </p:bg>
@@ -3648,6 +3694,7 @@
         </p:spPr>
         <p:txBody>
           <a:bodyPr anchor="ctr"/>
+          <a:lstStyle/>
           <a:p>
             <a:pPr algn="ctr">
               <a:lnSpc>
@@ -3703,6 +3750,7 @@
         </p:spPr>
         <p:txBody>
           <a:bodyPr/>
+          <a:lstStyle/>
           <a:p>
             <a:pPr marL="431800" indent="-323850">
               <a:buClr>
@@ -3726,17 +3774,6 @@
               </a:rPr>
               <a:t>Clique para editar o formato do texto da estrutura de tópicos</a:t>
             </a:r>
-            <a:endParaRPr lang="pt-BR" sz="3200" b="0" strike="noStrike" spc="-1">
-              <a:solidFill>
-                <a:srgbClr val="000000"/>
-              </a:solidFill>
-              <a:uFill>
-                <a:solidFill>
-                  <a:srgbClr val="FFFFFF"/>
-                </a:solidFill>
-              </a:uFill>
-              <a:latin typeface="Calibri"/>
-            </a:endParaRPr>
           </a:p>
           <a:p>
             <a:pPr marL="864235" lvl="1" indent="-323850">
@@ -3761,17 +3798,6 @@
               </a:rPr>
               <a:t>2.º nível da estrutura de tópicos</a:t>
             </a:r>
-            <a:endParaRPr lang="pt-BR" sz="3200" b="0" strike="noStrike" spc="-1">
-              <a:solidFill>
-                <a:srgbClr val="000000"/>
-              </a:solidFill>
-              <a:uFill>
-                <a:solidFill>
-                  <a:srgbClr val="FFFFFF"/>
-                </a:solidFill>
-              </a:uFill>
-              <a:latin typeface="Calibri"/>
-            </a:endParaRPr>
           </a:p>
           <a:p>
             <a:pPr marL="1296035" lvl="2" indent="-288290">
@@ -3796,17 +3822,6 @@
               </a:rPr>
               <a:t>3.º nível da estrutura de tópicos</a:t>
             </a:r>
-            <a:endParaRPr lang="pt-BR" sz="3200" b="0" strike="noStrike" spc="-1">
-              <a:solidFill>
-                <a:srgbClr val="000000"/>
-              </a:solidFill>
-              <a:uFill>
-                <a:solidFill>
-                  <a:srgbClr val="FFFFFF"/>
-                </a:solidFill>
-              </a:uFill>
-              <a:latin typeface="Calibri"/>
-            </a:endParaRPr>
           </a:p>
           <a:p>
             <a:pPr marL="1727835" lvl="3" indent="-215900">
@@ -3831,17 +3846,6 @@
               </a:rPr>
               <a:t>4.º nível da estrutura de tópicos</a:t>
             </a:r>
-            <a:endParaRPr lang="pt-BR" sz="3200" b="0" strike="noStrike" spc="-1">
-              <a:solidFill>
-                <a:srgbClr val="000000"/>
-              </a:solidFill>
-              <a:uFill>
-                <a:solidFill>
-                  <a:srgbClr val="FFFFFF"/>
-                </a:solidFill>
-              </a:uFill>
-              <a:latin typeface="Calibri"/>
-            </a:endParaRPr>
           </a:p>
           <a:p>
             <a:pPr marL="2160270" lvl="4" indent="-215900">
@@ -3866,17 +3870,6 @@
               </a:rPr>
               <a:t>5.º nível da estrutura de tópicos</a:t>
             </a:r>
-            <a:endParaRPr lang="pt-BR" sz="3200" b="0" strike="noStrike" spc="-1">
-              <a:solidFill>
-                <a:srgbClr val="000000"/>
-              </a:solidFill>
-              <a:uFill>
-                <a:solidFill>
-                  <a:srgbClr val="FFFFFF"/>
-                </a:solidFill>
-              </a:uFill>
-              <a:latin typeface="Calibri"/>
-            </a:endParaRPr>
           </a:p>
           <a:p>
             <a:pPr marL="2592070" lvl="5" indent="-215900">
@@ -3901,17 +3894,6 @@
               </a:rPr>
               <a:t>6.º nível da estrutura de tópicos</a:t>
             </a:r>
-            <a:endParaRPr lang="pt-BR" sz="3200" b="0" strike="noStrike" spc="-1">
-              <a:solidFill>
-                <a:srgbClr val="000000"/>
-              </a:solidFill>
-              <a:uFill>
-                <a:solidFill>
-                  <a:srgbClr val="FFFFFF"/>
-                </a:solidFill>
-              </a:uFill>
-              <a:latin typeface="Calibri"/>
-            </a:endParaRPr>
           </a:p>
           <a:p>
             <a:pPr marL="342900" indent="-342900">
@@ -3938,17 +3920,6 @@
               </a:rPr>
               <a:t>7.º nível da estrutura de tópicosClique para editar o texto mestre</a:t>
             </a:r>
-            <a:endParaRPr lang="pt-BR" sz="3200" b="0" strike="noStrike" spc="-1">
-              <a:solidFill>
-                <a:srgbClr val="000000"/>
-              </a:solidFill>
-              <a:uFill>
-                <a:solidFill>
-                  <a:srgbClr val="FFFFFF"/>
-                </a:solidFill>
-              </a:uFill>
-              <a:latin typeface="Calibri"/>
-            </a:endParaRPr>
           </a:p>
           <a:p>
             <a:pPr marL="742950" lvl="1" indent="-285750">
@@ -4121,6 +4092,7 @@
         </p:spPr>
         <p:txBody>
           <a:bodyPr anchor="ctr"/>
+          <a:lstStyle/>
           <a:p>
             <a:endParaRPr lang="pt-BR" sz="2400" b="0" strike="noStrike" spc="-1">
               <a:solidFill>
@@ -4157,6 +4129,7 @@
         </p:spPr>
         <p:txBody>
           <a:bodyPr anchor="ctr"/>
+          <a:lstStyle/>
           <a:p>
             <a:endParaRPr lang="pt-BR" sz="2400" b="0" strike="noStrike" spc="-1">
               <a:solidFill>
@@ -4193,6 +4166,7 @@
         </p:spPr>
         <p:txBody>
           <a:bodyPr anchor="ctr"/>
+          <a:lstStyle/>
           <a:p>
             <a:endParaRPr lang="pt-BR" sz="2400" b="0" strike="noStrike" spc="-1">
               <a:solidFill>
@@ -4271,6 +4245,7 @@
         </p:spPr>
         <p:txBody>
           <a:bodyPr anchor="ctr"/>
+          <a:lstStyle/>
           <a:p>
             <a:pPr algn="ctr">
               <a:lnSpc>
@@ -4326,6 +4301,7 @@
         </p:spPr>
         <p:txBody>
           <a:bodyPr/>
+          <a:lstStyle/>
           <a:p>
             <a:pPr algn="ctr"/>
             <a:endParaRPr lang="pt-BR" sz="3200" b="0" strike="noStrike" spc="-1">
@@ -4395,6 +4371,7 @@
         </p:spPr>
         <p:txBody>
           <a:bodyPr anchor="ctr"/>
+          <a:lstStyle/>
           <a:p>
             <a:pPr algn="ctr">
               <a:lnSpc>
@@ -4437,7 +4414,7 @@
         </p:nvGraphicFramePr>
         <p:xfrm>
           <a:off x="251640" y="2204640"/>
-          <a:ext cx="8560800" cy="2285640"/>
+          <a:ext cx="8560800" cy="2503800"/>
         </p:xfrm>
         <a:graphic>
           <a:graphicData uri="http://schemas.openxmlformats.org/drawingml/2006/table">
@@ -4453,6 +4430,7 @@
                 <a:tc>
                   <a:txBody>
                     <a:bodyPr/>
+                    <a:lstStyle/>
                     <a:p>
                       <a:pPr>
                         <a:lnSpc>
@@ -4515,6 +4493,7 @@
                 <a:tc>
                   <a:txBody>
                     <a:bodyPr/>
+                    <a:lstStyle/>
                     <a:p>
                       <a:pPr algn="ctr">
                         <a:lnSpc>
@@ -4577,6 +4556,7 @@
                 <a:tc>
                   <a:txBody>
                     <a:bodyPr/>
+                    <a:lstStyle/>
                     <a:p>
                       <a:pPr algn="ctr">
                         <a:lnSpc>
@@ -4639,6 +4619,7 @@
                 <a:tc>
                   <a:txBody>
                     <a:bodyPr/>
+                    <a:lstStyle/>
                     <a:p>
                       <a:pPr algn="ctr">
                         <a:lnSpc>
@@ -4703,6 +4684,7 @@
                 <a:tc>
                   <a:txBody>
                     <a:bodyPr/>
+                    <a:lstStyle/>
                     <a:p>
                       <a:pPr>
                         <a:lnSpc>
@@ -4747,10 +4729,14 @@
                         <a:srgbClr val="FFFFFF"/>
                       </a:solidFill>
                     </a:lnR>
-                    <a:lnT w="12240">
-                      <a:solidFill>
-                        <a:srgbClr val="FFFFFF"/>
-                      </a:solidFill>
+                    <a:lnT w="38160" cap="flat" cmpd="sng" algn="ctr">
+                      <a:solidFill>
+                        <a:srgbClr val="FFFFFF"/>
+                      </a:solidFill>
+                      <a:prstDash val="solid"/>
+                      <a:round/>
+                      <a:headEnd type="none" w="med" len="med"/>
+                      <a:tailEnd type="none" w="med" len="med"/>
                     </a:lnT>
                     <a:lnB w="12240">
                       <a:solidFill>
@@ -4765,10 +4751,12 @@
                 <a:tc>
                   <a:txBody>
                     <a:bodyPr/>
+                    <a:lstStyle/>
                     <a:p>
                       <a:pPr>
                         <a:buNone/>
                       </a:pPr>
+                      <a:endParaRPr/>
                     </a:p>
                   </a:txBody>
                   <a:tcPr>
@@ -4782,10 +4770,14 @@
                         <a:srgbClr val="FFFFFF"/>
                       </a:solidFill>
                     </a:lnR>
-                    <a:lnT w="12240">
-                      <a:solidFill>
-                        <a:srgbClr val="FFFFFF"/>
-                      </a:solidFill>
+                    <a:lnT w="38160" cap="flat" cmpd="sng" algn="ctr">
+                      <a:solidFill>
+                        <a:srgbClr val="FFFFFF"/>
+                      </a:solidFill>
+                      <a:prstDash val="solid"/>
+                      <a:round/>
+                      <a:headEnd type="none" w="med" len="med"/>
+                      <a:tailEnd type="none" w="med" len="med"/>
                     </a:lnT>
                     <a:lnB w="12240">
                       <a:solidFill>
@@ -4800,6 +4792,7 @@
                 <a:tc>
                   <a:txBody>
                     <a:bodyPr/>
+                    <a:lstStyle/>
                     <a:p>
                       <a:pPr algn="ctr">
                         <a:lnSpc>
@@ -4844,10 +4837,14 @@
                         <a:srgbClr val="FFFFFF"/>
                       </a:solidFill>
                     </a:lnR>
-                    <a:lnT w="12240">
-                      <a:solidFill>
-                        <a:srgbClr val="FFFFFF"/>
-                      </a:solidFill>
+                    <a:lnT w="38160" cap="flat" cmpd="sng" algn="ctr">
+                      <a:solidFill>
+                        <a:srgbClr val="FFFFFF"/>
+                      </a:solidFill>
+                      <a:prstDash val="solid"/>
+                      <a:round/>
+                      <a:headEnd type="none" w="med" len="med"/>
+                      <a:tailEnd type="none" w="med" len="med"/>
                     </a:lnT>
                     <a:lnB w="12240">
                       <a:solidFill>
@@ -4862,10 +4859,12 @@
                 <a:tc>
                   <a:txBody>
                     <a:bodyPr/>
+                    <a:lstStyle/>
                     <a:p>
                       <a:pPr>
                         <a:buNone/>
                       </a:pPr>
+                      <a:endParaRPr/>
                     </a:p>
                   </a:txBody>
                   <a:tcPr>
@@ -4879,10 +4878,14 @@
                         <a:srgbClr val="FFFFFF"/>
                       </a:solidFill>
                     </a:lnR>
-                    <a:lnT w="12240">
-                      <a:solidFill>
-                        <a:srgbClr val="FFFFFF"/>
-                      </a:solidFill>
+                    <a:lnT w="38160" cap="flat" cmpd="sng" algn="ctr">
+                      <a:solidFill>
+                        <a:srgbClr val="FFFFFF"/>
+                      </a:solidFill>
+                      <a:prstDash val="solid"/>
+                      <a:round/>
+                      <a:headEnd type="none" w="med" len="med"/>
+                      <a:tailEnd type="none" w="med" len="med"/>
                     </a:lnT>
                     <a:lnB w="12240">
                       <a:solidFill>
@@ -4899,6 +4902,7 @@
                 <a:tc>
                   <a:txBody>
                     <a:bodyPr/>
+                    <a:lstStyle/>
                     <a:p>
                       <a:pPr>
                         <a:lnSpc>
@@ -4961,6 +4965,7 @@
                 <a:tc>
                   <a:txBody>
                     <a:bodyPr/>
+                    <a:lstStyle/>
                     <a:p>
                       <a:pPr algn="ctr">
                         <a:lnSpc>
@@ -5023,10 +5028,12 @@
                 <a:tc>
                   <a:txBody>
                     <a:bodyPr/>
+                    <a:lstStyle/>
                     <a:p>
                       <a:pPr>
                         <a:buNone/>
                       </a:pPr>
+                      <a:endParaRPr/>
                     </a:p>
                   </a:txBody>
                   <a:tcPr>
@@ -5058,10 +5065,12 @@
                 <a:tc>
                   <a:txBody>
                     <a:bodyPr/>
+                    <a:lstStyle/>
                     <a:p>
                       <a:pPr>
                         <a:buNone/>
                       </a:pPr>
+                      <a:endParaRPr/>
                     </a:p>
                   </a:txBody>
                   <a:tcPr>
@@ -5095,6 +5104,7 @@
                 <a:tc>
                   <a:txBody>
                     <a:bodyPr/>
+                    <a:lstStyle/>
                     <a:p>
                       <a:pPr>
                         <a:lnSpc>
@@ -5157,10 +5167,12 @@
                 <a:tc>
                   <a:txBody>
                     <a:bodyPr/>
+                    <a:lstStyle/>
                     <a:p>
                       <a:pPr>
                         <a:buNone/>
                       </a:pPr>
+                      <a:endParaRPr/>
                     </a:p>
                   </a:txBody>
                   <a:tcPr>
@@ -5192,10 +5204,12 @@
                 <a:tc>
                   <a:txBody>
                     <a:bodyPr/>
+                    <a:lstStyle/>
                     <a:p>
                       <a:pPr>
                         <a:buNone/>
                       </a:pPr>
+                      <a:endParaRPr/>
                     </a:p>
                   </a:txBody>
                   <a:tcPr>
@@ -5227,6 +5241,7 @@
                 <a:tc>
                   <a:txBody>
                     <a:bodyPr/>
+                    <a:lstStyle/>
                     <a:p>
                       <a:pPr algn="ctr">
                         <a:lnSpc>
@@ -5291,6 +5306,7 @@
                 <a:tc>
                   <a:txBody>
                     <a:bodyPr/>
+                    <a:lstStyle/>
                     <a:p>
                       <a:pPr>
                         <a:lnSpc>
@@ -5353,10 +5369,12 @@
                 <a:tc>
                   <a:txBody>
                     <a:bodyPr/>
+                    <a:lstStyle/>
                     <a:p>
                       <a:pPr>
                         <a:buNone/>
                       </a:pPr>
+                      <a:endParaRPr/>
                     </a:p>
                   </a:txBody>
                   <a:tcPr>
@@ -5388,6 +5406,7 @@
                 <a:tc>
                   <a:txBody>
                     <a:bodyPr/>
+                    <a:lstStyle/>
                     <a:p>
                       <a:pPr algn="ctr">
                         <a:lnSpc>
@@ -5450,6 +5469,7 @@
                 <a:tc>
                   <a:txBody>
                     <a:bodyPr/>
+                    <a:lstStyle/>
                     <a:p>
                       <a:pPr algn="ctr">
                         <a:lnSpc>
@@ -5514,6 +5534,7 @@
                 <a:tc>
                   <a:txBody>
                     <a:bodyPr/>
+                    <a:lstStyle/>
                     <a:p>
                       <a:pPr>
                         <a:lnSpc>
@@ -5576,6 +5597,7 @@
                 <a:tc>
                   <a:txBody>
                     <a:bodyPr/>
+                    <a:lstStyle/>
                     <a:p>
                       <a:pPr algn="ctr">
                         <a:lnSpc>
@@ -5638,10 +5660,12 @@
                 <a:tc>
                   <a:txBody>
                     <a:bodyPr/>
+                    <a:lstStyle/>
                     <a:p>
                       <a:pPr>
                         <a:buNone/>
                       </a:pPr>
+                      <a:endParaRPr/>
                     </a:p>
                   </a:txBody>
                   <a:tcPr>
@@ -5673,10 +5697,12 @@
                 <a:tc>
                   <a:txBody>
                     <a:bodyPr/>
+                    <a:lstStyle/>
                     <a:p>
                       <a:pPr>
                         <a:buNone/>
                       </a:pPr>
+                      <a:endParaRPr/>
                     </a:p>
                   </a:txBody>
                   <a:tcPr>
@@ -5763,6 +5789,7 @@
         </p:spPr>
         <p:txBody>
           <a:bodyPr anchor="ctr"/>
+          <a:lstStyle/>
           <a:p>
             <a:pPr algn="ctr">
               <a:lnSpc>
@@ -5818,6 +5845,7 @@
         </p:spPr>
         <p:txBody>
           <a:bodyPr/>
+          <a:lstStyle/>
           <a:p>
             <a:pPr marL="342900" indent="-342900">
               <a:lnSpc>
@@ -5843,17 +5871,6 @@
               </a:rPr>
               <a:t>Aprimorar o gerenciamento do espaço físico da faculdade de informática da PUCRS</a:t>
             </a:r>
-            <a:endParaRPr lang="pt-BR" sz="3200" b="0" strike="noStrike" spc="-1">
-              <a:solidFill>
-                <a:srgbClr val="000000"/>
-              </a:solidFill>
-              <a:uFill>
-                <a:solidFill>
-                  <a:srgbClr val="FFFFFF"/>
-                </a:solidFill>
-              </a:uFill>
-              <a:latin typeface="Calibri"/>
-            </a:endParaRPr>
           </a:p>
           <a:p>
             <a:pPr marL="342900" indent="-342900">
@@ -5880,17 +5897,6 @@
               </a:rPr>
               <a:t>Gerar a melhor alocação possível para as salas e turmas para diminuir, ao máximo, conflitos de horários</a:t>
             </a:r>
-            <a:endParaRPr lang="pt-BR" sz="3200" b="0" strike="noStrike" spc="-1">
-              <a:solidFill>
-                <a:srgbClr val="000000"/>
-              </a:solidFill>
-              <a:uFill>
-                <a:solidFill>
-                  <a:srgbClr val="FFFFFF"/>
-                </a:solidFill>
-              </a:uFill>
-              <a:latin typeface="Calibri"/>
-            </a:endParaRPr>
           </a:p>
           <a:p>
             <a:pPr marL="342900" indent="-342900">
@@ -5917,17 +5923,6 @@
               </a:rPr>
               <a:t>Oferecer mais facilidade ao usuário que utilizará a aplicação</a:t>
             </a:r>
-            <a:endParaRPr lang="pt-BR" sz="3200" b="0" strike="noStrike" spc="-1">
-              <a:solidFill>
-                <a:srgbClr val="000000"/>
-              </a:solidFill>
-              <a:uFill>
-                <a:solidFill>
-                  <a:srgbClr val="FFFFFF"/>
-                </a:solidFill>
-              </a:uFill>
-              <a:latin typeface="Calibri"/>
-            </a:endParaRPr>
           </a:p>
         </p:txBody>
       </p:sp>
@@ -5984,6 +5979,7 @@
         </p:spPr>
         <p:txBody>
           <a:bodyPr anchor="ctr"/>
+          <a:lstStyle/>
           <a:p>
             <a:pPr algn="ctr">
               <a:lnSpc>
@@ -6039,6 +6035,7 @@
         </p:spPr>
         <p:txBody>
           <a:bodyPr/>
+          <a:lstStyle/>
           <a:p>
             <a:pPr marL="342900" indent="-342900">
               <a:lnSpc>
@@ -6064,17 +6061,6 @@
               </a:rPr>
               <a:t>A aplicação será web e terá como base Laravel, um framework de PHP</a:t>
             </a:r>
-            <a:endParaRPr lang="pt-BR" sz="3200" b="0" strike="noStrike" spc="-1">
-              <a:solidFill>
-                <a:srgbClr val="000000"/>
-              </a:solidFill>
-              <a:uFill>
-                <a:solidFill>
-                  <a:srgbClr val="FFFFFF"/>
-                </a:solidFill>
-              </a:uFill>
-              <a:latin typeface="Calibri"/>
-            </a:endParaRPr>
           </a:p>
           <a:p>
             <a:pPr marL="342900" indent="-342900">
@@ -6101,17 +6087,6 @@
               </a:rPr>
               <a:t>O servidor será alocado na Amazon Web Services (AWS), assim como o banco de dados</a:t>
             </a:r>
-            <a:endParaRPr lang="pt-BR" sz="3200" b="0" strike="noStrike" spc="-1">
-              <a:solidFill>
-                <a:srgbClr val="000000"/>
-              </a:solidFill>
-              <a:uFill>
-                <a:solidFill>
-                  <a:srgbClr val="FFFFFF"/>
-                </a:solidFill>
-              </a:uFill>
-              <a:latin typeface="Calibri"/>
-            </a:endParaRPr>
           </a:p>
           <a:p>
             <a:pPr marL="342900" indent="-342900">
@@ -6138,17 +6113,6 @@
               </a:rPr>
               <a:t>A aplicação oferecerá, além da geração de novas alocações, alteração das mesmas, feedback de alterações feitas no sistema e a adição de novas salas e turmas</a:t>
             </a:r>
-            <a:endParaRPr lang="pt-BR" sz="3200" b="0" strike="noStrike" spc="-1">
-              <a:solidFill>
-                <a:srgbClr val="000000"/>
-              </a:solidFill>
-              <a:uFill>
-                <a:solidFill>
-                  <a:srgbClr val="FFFFFF"/>
-                </a:solidFill>
-              </a:uFill>
-              <a:latin typeface="Calibri"/>
-            </a:endParaRPr>
           </a:p>
         </p:txBody>
       </p:sp>
@@ -6205,6 +6169,7 @@
         </p:spPr>
         <p:txBody>
           <a:bodyPr anchor="ctr"/>
+          <a:lstStyle/>
           <a:p>
             <a:pPr algn="ctr">
               <a:lnSpc>
@@ -6260,6 +6225,7 @@
         </p:spPr>
         <p:txBody>
           <a:bodyPr/>
+          <a:lstStyle/>
           <a:p>
             <a:pPr marL="342900" indent="-342900">
               <a:lnSpc>
@@ -6648,6 +6614,7 @@
         </p:spPr>
         <p:txBody>
           <a:bodyPr anchor="ctr"/>
+          <a:lstStyle/>
           <a:p>
             <a:pPr algn="ctr">
               <a:lnSpc>
@@ -6703,6 +6670,7 @@
         </p:spPr>
         <p:txBody>
           <a:bodyPr/>
+          <a:lstStyle/>
           <a:p>
             <a:pPr algn="ctr"/>
             <a:endParaRPr lang="pt-BR" sz="3200" b="0" strike="noStrike" spc="-1">
@@ -6772,6 +6740,7 @@
         </p:spPr>
         <p:txBody>
           <a:bodyPr anchor="ctr"/>
+          <a:lstStyle/>
           <a:p>
             <a:pPr algn="ctr">
               <a:lnSpc>
@@ -6813,7 +6782,7 @@
           <p:nvPr/>
         </p:nvPicPr>
         <p:blipFill>
-          <a:blip r:embed="rId1"/>
+          <a:blip r:embed="rId2"/>
           <a:stretch>
             <a:fillRect/>
           </a:stretch>
@@ -6852,6 +6821,7 @@
         </p:spPr>
         <p:txBody>
           <a:bodyPr lIns="90000" tIns="45000" rIns="90000" bIns="45000"/>
+          <a:lstStyle/>
           <a:p>
             <a:r>
               <a:rPr lang="pt-BR" sz="1800" b="0" strike="noStrike" spc="-1">
@@ -6895,17 +6865,6 @@
               </a:rPr>
               <a:t> Laravel, utilizando o padrão MVC e banco de dados MariaDB.</a:t>
             </a:r>
-            <a:endParaRPr lang="pt-BR" sz="1800" b="0" strike="noStrike" spc="-1">
-              <a:solidFill>
-                <a:srgbClr val="000000"/>
-              </a:solidFill>
-              <a:uFill>
-                <a:solidFill>
-                  <a:srgbClr val="FFFFFF"/>
-                </a:solidFill>
-              </a:uFill>
-              <a:latin typeface="Arial"/>
-            </a:endParaRPr>
           </a:p>
           <a:p>
             <a:endParaRPr lang="pt-BR" sz="1800" b="0" strike="noStrike" spc="-1">
@@ -6975,6 +6934,7 @@
         </p:spPr>
         <p:txBody>
           <a:bodyPr anchor="ctr"/>
+          <a:lstStyle/>
           <a:p>
             <a:pPr algn="ctr">
               <a:lnSpc>
@@ -7030,6 +6990,7 @@
         </p:spPr>
         <p:txBody>
           <a:bodyPr/>
+          <a:lstStyle/>
           <a:p>
             <a:pPr marL="457200" indent="-457200">
               <a:lnSpc>
@@ -7052,17 +7013,6 @@
               </a:rPr>
               <a:t>UC10 - Consultar sala de uma turma</a:t>
             </a:r>
-            <a:endParaRPr lang="pt-BR" sz="3200" b="0" strike="noStrike" spc="-1">
-              <a:solidFill>
-                <a:srgbClr val="000000"/>
-              </a:solidFill>
-              <a:uFill>
-                <a:solidFill>
-                  <a:srgbClr val="FFFFFF"/>
-                </a:solidFill>
-              </a:uFill>
-              <a:latin typeface="Calibri"/>
-            </a:endParaRPr>
           </a:p>
           <a:p>
             <a:pPr marL="457200" indent="-457200">
@@ -7086,17 +7036,6 @@
               </a:rPr>
               <a:t>UC11 - Consultar turmas sem alocação física</a:t>
             </a:r>
-            <a:endParaRPr lang="pt-BR" sz="3200" b="0" strike="noStrike" spc="-1">
-              <a:solidFill>
-                <a:srgbClr val="000000"/>
-              </a:solidFill>
-              <a:uFill>
-                <a:solidFill>
-                  <a:srgbClr val="FFFFFF"/>
-                </a:solidFill>
-              </a:uFill>
-              <a:latin typeface="Calibri"/>
-            </a:endParaRPr>
           </a:p>
           <a:p>
             <a:pPr marL="457200" indent="-457200">
@@ -7120,17 +7059,6 @@
               </a:rPr>
               <a:t>UC13 - Consultar dados</a:t>
             </a:r>
-            <a:endParaRPr lang="pt-BR" sz="3200" b="0" strike="noStrike" spc="-1">
-              <a:solidFill>
-                <a:srgbClr val="000000"/>
-              </a:solidFill>
-              <a:uFill>
-                <a:solidFill>
-                  <a:srgbClr val="FFFFFF"/>
-                </a:solidFill>
-              </a:uFill>
-              <a:latin typeface="Calibri"/>
-            </a:endParaRPr>
           </a:p>
           <a:p>
             <a:pPr marL="457200" indent="-457200">
@@ -7154,17 +7082,6 @@
               </a:rPr>
               <a:t>UC16 - Relatório de alterações</a:t>
             </a:r>
-            <a:endParaRPr lang="pt-BR" sz="3200" b="0" strike="noStrike" spc="-1">
-              <a:solidFill>
-                <a:srgbClr val="000000"/>
-              </a:solidFill>
-              <a:uFill>
-                <a:solidFill>
-                  <a:srgbClr val="FFFFFF"/>
-                </a:solidFill>
-              </a:uFill>
-              <a:latin typeface="Calibri"/>
-            </a:endParaRPr>
           </a:p>
         </p:txBody>
       </p:sp>
@@ -7221,6 +7138,7 @@
         </p:spPr>
         <p:txBody>
           <a:bodyPr anchor="ctr"/>
+          <a:lstStyle/>
           <a:p>
             <a:pPr algn="ctr">
               <a:lnSpc>
@@ -7275,11 +7193,12 @@
           <a:bodyPr wrap="square" rtlCol="0">
             <a:spAutoFit/>
           </a:bodyPr>
+          <a:lstStyle/>
           <a:p>
             <a:pPr algn="l"/>
             <a:r>
               <a:rPr lang="pt-BR" altLang="en-US" sz="2800">
-                <a:hlinkClick r:id="rId1"/>
+                <a:hlinkClick r:id="rId2"/>
               </a:rPr>
               <a:t>Gerenciamento de Espaço Físico</a:t>
             </a:r>
